--- a/20180126_SmartSplice/20180808_Meeting/SmartSplice.pptx
+++ b/20180126_SmartSplice/20180808_Meeting/SmartSplice.pptx
@@ -5,25 +5,29 @@
     <p:sldMasterId id="2147483660" r:id="rId1"/>
   </p:sldMasterIdLst>
   <p:notesMasterIdLst>
-    <p:notesMasterId r:id="rId18"/>
+    <p:notesMasterId r:id="rId22"/>
   </p:notesMasterIdLst>
   <p:sldIdLst>
     <p:sldId id="270" r:id="rId2"/>
     <p:sldId id="257" r:id="rId3"/>
-    <p:sldId id="329" r:id="rId4"/>
-    <p:sldId id="336" r:id="rId5"/>
-    <p:sldId id="330" r:id="rId6"/>
-    <p:sldId id="337" r:id="rId7"/>
-    <p:sldId id="280" r:id="rId8"/>
-    <p:sldId id="332" r:id="rId9"/>
-    <p:sldId id="333" r:id="rId10"/>
-    <p:sldId id="327" r:id="rId11"/>
-    <p:sldId id="334" r:id="rId12"/>
-    <p:sldId id="335" r:id="rId13"/>
-    <p:sldId id="324" r:id="rId14"/>
-    <p:sldId id="302" r:id="rId15"/>
-    <p:sldId id="275" r:id="rId16"/>
-    <p:sldId id="307" r:id="rId17"/>
+    <p:sldId id="336" r:id="rId4"/>
+    <p:sldId id="330" r:id="rId5"/>
+    <p:sldId id="264" r:id="rId6"/>
+    <p:sldId id="280" r:id="rId7"/>
+    <p:sldId id="332" r:id="rId8"/>
+    <p:sldId id="333" r:id="rId9"/>
+    <p:sldId id="327" r:id="rId10"/>
+    <p:sldId id="339" r:id="rId11"/>
+    <p:sldId id="338" r:id="rId12"/>
+    <p:sldId id="342" r:id="rId13"/>
+    <p:sldId id="343" r:id="rId14"/>
+    <p:sldId id="340" r:id="rId15"/>
+    <p:sldId id="334" r:id="rId16"/>
+    <p:sldId id="335" r:id="rId17"/>
+    <p:sldId id="344" r:id="rId18"/>
+    <p:sldId id="324" r:id="rId19"/>
+    <p:sldId id="275" r:id="rId20"/>
+    <p:sldId id="307" r:id="rId21"/>
   </p:sldIdLst>
   <p:sldSz cx="9144000" cy="6858000" type="screen4x3"/>
   <p:notesSz cx="6858000" cy="9144000"/>
@@ -137,16 +141,21 @@
         </p14:section>
         <p14:section name="Solution" id="{A551B479-8CA7-45C9-A068-7977E2FBC882}">
           <p14:sldIdLst>
-            <p14:sldId id="329"/>
             <p14:sldId id="336"/>
             <p14:sldId id="330"/>
-            <p14:sldId id="337"/>
+            <p14:sldId id="264"/>
             <p14:sldId id="280"/>
             <p14:sldId id="332"/>
             <p14:sldId id="333"/>
             <p14:sldId id="327"/>
+            <p14:sldId id="339"/>
+            <p14:sldId id="338"/>
+            <p14:sldId id="342"/>
+            <p14:sldId id="343"/>
+            <p14:sldId id="340"/>
             <p14:sldId id="334"/>
             <p14:sldId id="335"/>
+            <p14:sldId id="344"/>
             <p14:sldId id="324"/>
           </p14:sldIdLst>
         </p14:section>
@@ -154,9 +163,7 @@
           <p14:sldIdLst/>
         </p14:section>
         <p14:section name="Data" id="{A6AA84DB-BB6C-4422-AD76-071ED167E871}">
-          <p14:sldIdLst>
-            <p14:sldId id="302"/>
-          </p14:sldIdLst>
+          <p14:sldIdLst/>
         </p14:section>
         <p14:section name="Team" id="{6B5E1466-F08A-478B-99C7-9FF5F0CE64D6}">
           <p14:sldIdLst/>
@@ -193,881 +200,6 @@
 </p:presentation>
 </file>
 
-<file path=ppt/charts/chart1.xml><?xml version="1.0" encoding="utf-8"?>
-<c:chartSpace xmlns:c="http://schemas.openxmlformats.org/drawingml/2006/chart" xmlns:a="http://schemas.openxmlformats.org/drawingml/2006/main" xmlns:r="http://schemas.openxmlformats.org/officeDocument/2006/relationships" xmlns:c16r2="http://schemas.microsoft.com/office/drawing/2015/06/chart">
-  <c:date1904 val="0"/>
-  <c:lang val="zh-TW"/>
-  <c:roundedCorners val="0"/>
-  <mc:AlternateContent xmlns:mc="http://schemas.openxmlformats.org/markup-compatibility/2006">
-    <mc:Choice xmlns:c14="http://schemas.microsoft.com/office/drawing/2007/8/2/chart" Requires="c14">
-      <c14:style val="102"/>
-    </mc:Choice>
-    <mc:Fallback>
-      <c:style val="2"/>
-    </mc:Fallback>
-  </mc:AlternateContent>
-  <c:chart>
-    <c:autoTitleDeleted val="1"/>
-    <c:plotArea>
-      <c:layout>
-        <c:manualLayout>
-          <c:layoutTarget val="inner"/>
-          <c:xMode val="edge"/>
-          <c:yMode val="edge"/>
-          <c:x val="1.2973611099244688E-2"/>
-          <c:y val="2.9023746701846966E-2"/>
-          <c:w val="0.97405277780151067"/>
-          <c:h val="0.71885525523029936"/>
-        </c:manualLayout>
-      </c:layout>
-      <c:barChart>
-        <c:barDir val="col"/>
-        <c:grouping val="clustered"/>
-        <c:varyColors val="0"/>
-        <c:ser>
-          <c:idx val="0"/>
-          <c:order val="0"/>
-          <c:tx>
-            <c:strRef>
-              <c:f>Sheet1!$A$2</c:f>
-              <c:strCache>
-                <c:ptCount val="1"/>
-                <c:pt idx="0">
-                  <c:v>Visitors</c:v>
-                </c:pt>
-              </c:strCache>
-            </c:strRef>
-          </c:tx>
-          <c:spPr>
-            <a:solidFill>
-              <a:schemeClr val="accent1"/>
-            </a:solidFill>
-            <a:ln>
-              <a:noFill/>
-            </a:ln>
-            <a:effectLst/>
-          </c:spPr>
-          <c:invertIfNegative val="0"/>
-          <c:dLbls>
-            <c:spPr>
-              <a:noFill/>
-              <a:ln>
-                <a:noFill/>
-              </a:ln>
-              <a:effectLst/>
-            </c:spPr>
-            <c:txPr>
-              <a:bodyPr rot="0" spcFirstLastPara="1" vertOverflow="ellipsis" vert="horz" wrap="square" lIns="38100" tIns="19050" rIns="38100" bIns="19050" anchor="ctr" anchorCtr="1">
-                <a:spAutoFit/>
-              </a:bodyPr>
-              <a:lstStyle/>
-              <a:p>
-                <a:pPr>
-                  <a:defRPr sz="3200" b="0" i="0" u="none" strike="noStrike" kern="1200" baseline="0">
-                    <a:solidFill>
-                      <a:schemeClr val="tx1"/>
-                    </a:solidFill>
-                    <a:latin typeface="+mn-lt"/>
-                    <a:ea typeface="+mn-ea"/>
-                    <a:cs typeface="+mn-cs"/>
-                  </a:defRPr>
-                </a:pPr>
-                <a:endParaRPr lang="zh-TW"/>
-              </a:p>
-            </c:txPr>
-            <c:dLblPos val="outEnd"/>
-            <c:showLegendKey val="0"/>
-            <c:showVal val="1"/>
-            <c:showCatName val="0"/>
-            <c:showSerName val="0"/>
-            <c:showPercent val="0"/>
-            <c:showBubbleSize val="0"/>
-            <c:showLeaderLines val="0"/>
-            <c:extLst>
-              <c:ext xmlns:c15="http://schemas.microsoft.com/office/drawing/2012/chart" uri="{CE6537A1-D6FC-4f65-9D91-7224C49458BB}">
-                <c15:showLeaderLines val="1"/>
-                <c15:leaderLines>
-                  <c:spPr>
-                    <a:ln w="9525" cap="flat" cmpd="sng" algn="ctr">
-                      <a:solidFill>
-                        <a:schemeClr val="tx1">
-                          <a:lumMod val="35000"/>
-                          <a:lumOff val="65000"/>
-                        </a:schemeClr>
-                      </a:solidFill>
-                      <a:round/>
-                    </a:ln>
-                    <a:effectLst/>
-                  </c:spPr>
-                </c15:leaderLines>
-              </c:ext>
-            </c:extLst>
-          </c:dLbls>
-          <c:cat>
-            <c:strRef>
-              <c:f>Sheet1!$B$1:$E$1</c:f>
-              <c:strCache>
-                <c:ptCount val="4"/>
-                <c:pt idx="0">
-                  <c:v>Visited site</c:v>
-                </c:pt>
-                <c:pt idx="1">
-                  <c:v>Signed up</c:v>
-                </c:pt>
-                <c:pt idx="2">
-                  <c:v>Activation</c:v>
-                </c:pt>
-                <c:pt idx="3">
-                  <c:v>Billed</c:v>
-                </c:pt>
-              </c:strCache>
-            </c:strRef>
-          </c:cat>
-          <c:val>
-            <c:numRef>
-              <c:f>Sheet1!$B$2:$E$2</c:f>
-              <c:numCache>
-                <c:formatCode>General</c:formatCode>
-                <c:ptCount val="4"/>
-                <c:pt idx="0">
-                  <c:v>21000</c:v>
-                </c:pt>
-                <c:pt idx="1">
-                  <c:v>1200</c:v>
-                </c:pt>
-                <c:pt idx="2">
-                  <c:v>229</c:v>
-                </c:pt>
-                <c:pt idx="3">
-                  <c:v>56</c:v>
-                </c:pt>
-              </c:numCache>
-            </c:numRef>
-          </c:val>
-          <c:extLst>
-            <c:ext xmlns:c16="http://schemas.microsoft.com/office/drawing/2014/chart" uri="{C3380CC4-5D6E-409C-BE32-E72D297353CC}">
-              <c16:uniqueId val="{00000000-8DA5-4530-87F9-C9F74CE14CB7}"/>
-            </c:ext>
-          </c:extLst>
-        </c:ser>
-        <c:dLbls>
-          <c:showLegendKey val="0"/>
-          <c:showVal val="0"/>
-          <c:showCatName val="0"/>
-          <c:showSerName val="0"/>
-          <c:showPercent val="0"/>
-          <c:showBubbleSize val="0"/>
-        </c:dLbls>
-        <c:gapWidth val="150"/>
-        <c:axId val="809739744"/>
-        <c:axId val="809724352"/>
-      </c:barChart>
-      <c:catAx>
-        <c:axId val="809739744"/>
-        <c:scaling>
-          <c:orientation val="minMax"/>
-        </c:scaling>
-        <c:delete val="0"/>
-        <c:axPos val="b"/>
-        <c:numFmt formatCode="General" sourceLinked="1"/>
-        <c:majorTickMark val="none"/>
-        <c:minorTickMark val="none"/>
-        <c:tickLblPos val="nextTo"/>
-        <c:spPr>
-          <a:noFill/>
-          <a:ln w="9525" cap="flat" cmpd="sng" algn="ctr">
-            <a:solidFill>
-              <a:schemeClr val="tx1">
-                <a:lumMod val="15000"/>
-                <a:lumOff val="85000"/>
-              </a:schemeClr>
-            </a:solidFill>
-            <a:round/>
-          </a:ln>
-          <a:effectLst/>
-        </c:spPr>
-        <c:txPr>
-          <a:bodyPr rot="-60000000" spcFirstLastPara="1" vertOverflow="ellipsis" vert="horz" wrap="square" anchor="ctr" anchorCtr="1"/>
-          <a:lstStyle/>
-          <a:p>
-            <a:pPr>
-              <a:defRPr sz="2000" b="0" i="0" u="none" strike="noStrike" kern="1200" baseline="0">
-                <a:solidFill>
-                  <a:schemeClr val="tx1"/>
-                </a:solidFill>
-                <a:latin typeface="+mn-lt"/>
-                <a:ea typeface="+mn-ea"/>
-                <a:cs typeface="+mn-cs"/>
-              </a:defRPr>
-            </a:pPr>
-            <a:endParaRPr lang="zh-TW"/>
-          </a:p>
-        </c:txPr>
-        <c:crossAx val="809724352"/>
-        <c:crosses val="autoZero"/>
-        <c:auto val="1"/>
-        <c:lblAlgn val="ctr"/>
-        <c:lblOffset val="100"/>
-        <c:noMultiLvlLbl val="0"/>
-      </c:catAx>
-      <c:valAx>
-        <c:axId val="809724352"/>
-        <c:scaling>
-          <c:orientation val="minMax"/>
-        </c:scaling>
-        <c:delete val="1"/>
-        <c:axPos val="l"/>
-        <c:majorGridlines>
-          <c:spPr>
-            <a:ln w="9525" cap="flat" cmpd="sng" algn="ctr">
-              <a:solidFill>
-                <a:schemeClr val="tx1">
-                  <a:lumMod val="15000"/>
-                  <a:lumOff val="85000"/>
-                </a:schemeClr>
-              </a:solidFill>
-              <a:round/>
-            </a:ln>
-            <a:effectLst/>
-          </c:spPr>
-        </c:majorGridlines>
-        <c:numFmt formatCode="General" sourceLinked="1"/>
-        <c:majorTickMark val="none"/>
-        <c:minorTickMark val="none"/>
-        <c:tickLblPos val="nextTo"/>
-        <c:crossAx val="809739744"/>
-        <c:crosses val="autoZero"/>
-        <c:crossBetween val="between"/>
-      </c:valAx>
-      <c:spPr>
-        <a:noFill/>
-        <a:ln>
-          <a:noFill/>
-        </a:ln>
-        <a:effectLst/>
-      </c:spPr>
-    </c:plotArea>
-    <c:legend>
-      <c:legendPos val="b"/>
-      <c:layout>
-        <c:manualLayout>
-          <c:xMode val="edge"/>
-          <c:yMode val="edge"/>
-          <c:x val="0.43679715438652927"/>
-          <c:y val="0.92858246940768285"/>
-          <c:w val="9.454521410265887E-2"/>
-          <c:h val="7.1417530592317119E-2"/>
-        </c:manualLayout>
-      </c:layout>
-      <c:overlay val="0"/>
-      <c:spPr>
-        <a:noFill/>
-        <a:ln>
-          <a:noFill/>
-        </a:ln>
-        <a:effectLst/>
-      </c:spPr>
-      <c:txPr>
-        <a:bodyPr rot="0" spcFirstLastPara="1" vertOverflow="ellipsis" vert="horz" wrap="square" anchor="ctr" anchorCtr="1"/>
-        <a:lstStyle/>
-        <a:p>
-          <a:pPr>
-            <a:defRPr sz="1600" b="0" i="0" u="none" strike="noStrike" kern="1200" baseline="0">
-              <a:solidFill>
-                <a:schemeClr val="tx1"/>
-              </a:solidFill>
-              <a:latin typeface="+mn-lt"/>
-              <a:ea typeface="+mn-ea"/>
-              <a:cs typeface="+mn-cs"/>
-            </a:defRPr>
-          </a:pPr>
-          <a:endParaRPr lang="zh-TW"/>
-        </a:p>
-      </c:txPr>
-    </c:legend>
-    <c:plotVisOnly val="1"/>
-    <c:dispBlanksAs val="gap"/>
-    <c:showDLblsOverMax val="0"/>
-  </c:chart>
-  <c:spPr>
-    <a:noFill/>
-    <a:ln>
-      <a:noFill/>
-    </a:ln>
-    <a:effectLst/>
-  </c:spPr>
-  <c:txPr>
-    <a:bodyPr/>
-    <a:lstStyle/>
-    <a:p>
-      <a:pPr>
-        <a:defRPr/>
-      </a:pPr>
-      <a:endParaRPr lang="zh-TW"/>
-    </a:p>
-  </c:txPr>
-  <c:externalData r:id="rId3">
-    <c:autoUpdate val="0"/>
-  </c:externalData>
-</c:chartSpace>
-</file>
-
-<file path=ppt/charts/colors1.xml><?xml version="1.0" encoding="utf-8"?>
-<cs:colorStyle xmlns:cs="http://schemas.microsoft.com/office/drawing/2012/chartStyle" xmlns:a="http://schemas.openxmlformats.org/drawingml/2006/main" meth="cycle" id="10">
-  <a:schemeClr val="accent1"/>
-  <a:schemeClr val="accent2"/>
-  <a:schemeClr val="accent3"/>
-  <a:schemeClr val="accent4"/>
-  <a:schemeClr val="accent5"/>
-  <a:schemeClr val="accent6"/>
-  <cs:variation/>
-  <cs:variation>
-    <a:lumMod val="60000"/>
-  </cs:variation>
-  <cs:variation>
-    <a:lumMod val="80000"/>
-    <a:lumOff val="20000"/>
-  </cs:variation>
-  <cs:variation>
-    <a:lumMod val="80000"/>
-  </cs:variation>
-  <cs:variation>
-    <a:lumMod val="60000"/>
-    <a:lumOff val="40000"/>
-  </cs:variation>
-  <cs:variation>
-    <a:lumMod val="50000"/>
-  </cs:variation>
-  <cs:variation>
-    <a:lumMod val="70000"/>
-    <a:lumOff val="30000"/>
-  </cs:variation>
-  <cs:variation>
-    <a:lumMod val="70000"/>
-  </cs:variation>
-  <cs:variation>
-    <a:lumMod val="50000"/>
-    <a:lumOff val="50000"/>
-  </cs:variation>
-</cs:colorStyle>
-</file>
-
-<file path=ppt/charts/style1.xml><?xml version="1.0" encoding="utf-8"?>
-<cs:chartStyle xmlns:cs="http://schemas.microsoft.com/office/drawing/2012/chartStyle" xmlns:a="http://schemas.openxmlformats.org/drawingml/2006/main" id="227">
-  <cs:axisTitle>
-    <cs:lnRef idx="0"/>
-    <cs:fillRef idx="0"/>
-    <cs:effectRef idx="0"/>
-    <cs:fontRef idx="minor">
-      <a:schemeClr val="tx1">
-        <a:lumMod val="65000"/>
-        <a:lumOff val="35000"/>
-      </a:schemeClr>
-    </cs:fontRef>
-    <cs:defRPr sz="1330" kern="1200"/>
-  </cs:axisTitle>
-  <cs:categoryAxis>
-    <cs:lnRef idx="0"/>
-    <cs:fillRef idx="0"/>
-    <cs:effectRef idx="0"/>
-    <cs:fontRef idx="minor">
-      <a:schemeClr val="tx1">
-        <a:lumMod val="65000"/>
-        <a:lumOff val="35000"/>
-      </a:schemeClr>
-    </cs:fontRef>
-    <cs:spPr>
-      <a:ln w="9525" cap="flat" cmpd="sng" algn="ctr">
-        <a:solidFill>
-          <a:schemeClr val="tx1">
-            <a:lumMod val="15000"/>
-            <a:lumOff val="85000"/>
-          </a:schemeClr>
-        </a:solidFill>
-        <a:round/>
-      </a:ln>
-    </cs:spPr>
-    <cs:defRPr sz="1197" kern="1200"/>
-  </cs:categoryAxis>
-  <cs:chartArea mods="allowNoFillOverride allowNoLineOverride">
-    <cs:lnRef idx="0"/>
-    <cs:fillRef idx="0"/>
-    <cs:effectRef idx="0"/>
-    <cs:fontRef idx="minor">
-      <a:schemeClr val="tx1"/>
-    </cs:fontRef>
-    <cs:spPr>
-      <a:solidFill>
-        <a:schemeClr val="bg1"/>
-      </a:solidFill>
-      <a:ln w="9525" cap="flat" cmpd="sng" algn="ctr">
-        <a:solidFill>
-          <a:schemeClr val="tx1">
-            <a:lumMod val="15000"/>
-            <a:lumOff val="85000"/>
-          </a:schemeClr>
-        </a:solidFill>
-        <a:round/>
-      </a:ln>
-    </cs:spPr>
-    <cs:defRPr sz="1330" kern="1200"/>
-  </cs:chartArea>
-  <cs:dataLabel>
-    <cs:lnRef idx="0"/>
-    <cs:fillRef idx="0"/>
-    <cs:effectRef idx="0"/>
-    <cs:fontRef idx="minor">
-      <a:schemeClr val="tx1">
-        <a:lumMod val="75000"/>
-        <a:lumOff val="25000"/>
-      </a:schemeClr>
-    </cs:fontRef>
-    <cs:defRPr sz="1197" kern="1200"/>
-  </cs:dataLabel>
-  <cs:dataLabelCallout>
-    <cs:lnRef idx="0"/>
-    <cs:fillRef idx="0"/>
-    <cs:effectRef idx="0"/>
-    <cs:fontRef idx="minor">
-      <a:schemeClr val="dk1">
-        <a:lumMod val="65000"/>
-        <a:lumOff val="35000"/>
-      </a:schemeClr>
-    </cs:fontRef>
-    <cs:spPr>
-      <a:solidFill>
-        <a:schemeClr val="lt1"/>
-      </a:solidFill>
-      <a:ln>
-        <a:solidFill>
-          <a:schemeClr val="dk1">
-            <a:lumMod val="25000"/>
-            <a:lumOff val="75000"/>
-          </a:schemeClr>
-        </a:solidFill>
-      </a:ln>
-    </cs:spPr>
-    <cs:defRPr sz="1197" kern="1200"/>
-    <cs:bodyPr rot="0" spcFirstLastPara="1" vertOverflow="clip" horzOverflow="clip" vert="horz" wrap="square" lIns="36576" tIns="18288" rIns="36576" bIns="18288" anchor="ctr" anchorCtr="1">
-      <a:spAutoFit/>
-    </cs:bodyPr>
-  </cs:dataLabelCallout>
-  <cs:dataPoint>
-    <cs:lnRef idx="0"/>
-    <cs:fillRef idx="1">
-      <cs:styleClr val="auto"/>
-    </cs:fillRef>
-    <cs:effectRef idx="0"/>
-    <cs:fontRef idx="minor">
-      <a:schemeClr val="tx1"/>
-    </cs:fontRef>
-    <cs:spPr>
-      <a:solidFill>
-        <a:schemeClr val="phClr"/>
-      </a:solidFill>
-    </cs:spPr>
-  </cs:dataPoint>
-  <cs:dataPoint3D>
-    <cs:lnRef idx="0"/>
-    <cs:fillRef idx="1">
-      <cs:styleClr val="auto"/>
-    </cs:fillRef>
-    <cs:effectRef idx="0"/>
-    <cs:fontRef idx="minor">
-      <a:schemeClr val="tx1"/>
-    </cs:fontRef>
-    <cs:spPr>
-      <a:solidFill>
-        <a:schemeClr val="phClr"/>
-      </a:solidFill>
-    </cs:spPr>
-  </cs:dataPoint3D>
-  <cs:dataPointLine>
-    <cs:lnRef idx="0">
-      <cs:styleClr val="auto"/>
-    </cs:lnRef>
-    <cs:fillRef idx="1"/>
-    <cs:effectRef idx="0"/>
-    <cs:fontRef idx="minor">
-      <a:schemeClr val="tx1"/>
-    </cs:fontRef>
-    <cs:spPr>
-      <a:ln w="28575" cap="rnd">
-        <a:solidFill>
-          <a:schemeClr val="phClr"/>
-        </a:solidFill>
-        <a:round/>
-      </a:ln>
-    </cs:spPr>
-  </cs:dataPointLine>
-  <cs:dataPointMarker>
-    <cs:lnRef idx="0">
-      <cs:styleClr val="auto"/>
-    </cs:lnRef>
-    <cs:fillRef idx="1">
-      <cs:styleClr val="auto"/>
-    </cs:fillRef>
-    <cs:effectRef idx="0"/>
-    <cs:fontRef idx="minor">
-      <a:schemeClr val="tx1"/>
-    </cs:fontRef>
-    <cs:spPr>
-      <a:solidFill>
-        <a:schemeClr val="phClr"/>
-      </a:solidFill>
-      <a:ln w="9525">
-        <a:solidFill>
-          <a:schemeClr val="phClr"/>
-        </a:solidFill>
-      </a:ln>
-    </cs:spPr>
-  </cs:dataPointMarker>
-  <cs:dataPointMarkerLayout symbol="circle" size="5"/>
-  <cs:dataPointWireframe>
-    <cs:lnRef idx="0">
-      <cs:styleClr val="auto"/>
-    </cs:lnRef>
-    <cs:fillRef idx="1"/>
-    <cs:effectRef idx="0"/>
-    <cs:fontRef idx="minor">
-      <a:schemeClr val="tx1"/>
-    </cs:fontRef>
-    <cs:spPr>
-      <a:ln w="9525" cap="rnd">
-        <a:solidFill>
-          <a:schemeClr val="phClr"/>
-        </a:solidFill>
-        <a:round/>
-      </a:ln>
-    </cs:spPr>
-  </cs:dataPointWireframe>
-  <cs:dataTable>
-    <cs:lnRef idx="0"/>
-    <cs:fillRef idx="0"/>
-    <cs:effectRef idx="0"/>
-    <cs:fontRef idx="minor">
-      <a:schemeClr val="tx1">
-        <a:lumMod val="65000"/>
-        <a:lumOff val="35000"/>
-      </a:schemeClr>
-    </cs:fontRef>
-    <cs:spPr>
-      <a:noFill/>
-      <a:ln w="9525" cap="flat" cmpd="sng" algn="ctr">
-        <a:solidFill>
-          <a:schemeClr val="tx1">
-            <a:lumMod val="15000"/>
-            <a:lumOff val="85000"/>
-          </a:schemeClr>
-        </a:solidFill>
-        <a:round/>
-      </a:ln>
-    </cs:spPr>
-    <cs:defRPr sz="1197" kern="1200"/>
-  </cs:dataTable>
-  <cs:downBar>
-    <cs:lnRef idx="0"/>
-    <cs:fillRef idx="0"/>
-    <cs:effectRef idx="0"/>
-    <cs:fontRef idx="minor">
-      <a:schemeClr val="dk1"/>
-    </cs:fontRef>
-    <cs:spPr>
-      <a:solidFill>
-        <a:schemeClr val="dk1">
-          <a:lumMod val="65000"/>
-          <a:lumOff val="35000"/>
-        </a:schemeClr>
-      </a:solidFill>
-      <a:ln w="9525">
-        <a:solidFill>
-          <a:schemeClr val="tx1">
-            <a:lumMod val="65000"/>
-            <a:lumOff val="35000"/>
-          </a:schemeClr>
-        </a:solidFill>
-      </a:ln>
-    </cs:spPr>
-  </cs:downBar>
-  <cs:dropLine>
-    <cs:lnRef idx="0"/>
-    <cs:fillRef idx="0"/>
-    <cs:effectRef idx="0"/>
-    <cs:fontRef idx="minor">
-      <a:schemeClr val="tx1"/>
-    </cs:fontRef>
-    <cs:spPr>
-      <a:ln w="9525" cap="flat" cmpd="sng" algn="ctr">
-        <a:solidFill>
-          <a:schemeClr val="tx1">
-            <a:lumMod val="35000"/>
-            <a:lumOff val="65000"/>
-          </a:schemeClr>
-        </a:solidFill>
-        <a:round/>
-      </a:ln>
-    </cs:spPr>
-  </cs:dropLine>
-  <cs:errorBar>
-    <cs:lnRef idx="0"/>
-    <cs:fillRef idx="0"/>
-    <cs:effectRef idx="0"/>
-    <cs:fontRef idx="minor">
-      <a:schemeClr val="tx1"/>
-    </cs:fontRef>
-    <cs:spPr>
-      <a:ln w="9525" cap="flat" cmpd="sng" algn="ctr">
-        <a:solidFill>
-          <a:schemeClr val="tx1">
-            <a:lumMod val="65000"/>
-            <a:lumOff val="35000"/>
-          </a:schemeClr>
-        </a:solidFill>
-        <a:round/>
-      </a:ln>
-    </cs:spPr>
-  </cs:errorBar>
-  <cs:floor>
-    <cs:lnRef idx="0"/>
-    <cs:fillRef idx="0"/>
-    <cs:effectRef idx="0"/>
-    <cs:fontRef idx="minor">
-      <a:schemeClr val="tx1"/>
-    </cs:fontRef>
-    <cs:spPr>
-      <a:noFill/>
-      <a:ln>
-        <a:noFill/>
-      </a:ln>
-    </cs:spPr>
-  </cs:floor>
-  <cs:gridlineMajor>
-    <cs:lnRef idx="0"/>
-    <cs:fillRef idx="0"/>
-    <cs:effectRef idx="0"/>
-    <cs:fontRef idx="minor">
-      <a:schemeClr val="tx1"/>
-    </cs:fontRef>
-    <cs:spPr>
-      <a:ln w="9525" cap="flat" cmpd="sng" algn="ctr">
-        <a:solidFill>
-          <a:schemeClr val="tx1">
-            <a:lumMod val="15000"/>
-            <a:lumOff val="85000"/>
-          </a:schemeClr>
-        </a:solidFill>
-        <a:round/>
-      </a:ln>
-    </cs:spPr>
-  </cs:gridlineMajor>
-  <cs:gridlineMinor>
-    <cs:lnRef idx="0"/>
-    <cs:fillRef idx="0"/>
-    <cs:effectRef idx="0"/>
-    <cs:fontRef idx="minor">
-      <a:schemeClr val="tx1"/>
-    </cs:fontRef>
-    <cs:spPr>
-      <a:ln w="9525" cap="flat" cmpd="sng" algn="ctr">
-        <a:solidFill>
-          <a:schemeClr val="tx1">
-            <a:lumMod val="5000"/>
-            <a:lumOff val="95000"/>
-          </a:schemeClr>
-        </a:solidFill>
-        <a:round/>
-      </a:ln>
-    </cs:spPr>
-  </cs:gridlineMinor>
-  <cs:hiLoLine>
-    <cs:lnRef idx="0"/>
-    <cs:fillRef idx="0"/>
-    <cs:effectRef idx="0"/>
-    <cs:fontRef idx="minor">
-      <a:schemeClr val="tx1"/>
-    </cs:fontRef>
-    <cs:spPr>
-      <a:ln w="9525" cap="flat" cmpd="sng" algn="ctr">
-        <a:solidFill>
-          <a:schemeClr val="tx1">
-            <a:lumMod val="75000"/>
-            <a:lumOff val="25000"/>
-          </a:schemeClr>
-        </a:solidFill>
-        <a:round/>
-      </a:ln>
-    </cs:spPr>
-  </cs:hiLoLine>
-  <cs:leaderLine>
-    <cs:lnRef idx="0"/>
-    <cs:fillRef idx="0"/>
-    <cs:effectRef idx="0"/>
-    <cs:fontRef idx="minor">
-      <a:schemeClr val="tx1"/>
-    </cs:fontRef>
-    <cs:spPr>
-      <a:ln w="9525" cap="flat" cmpd="sng" algn="ctr">
-        <a:solidFill>
-          <a:schemeClr val="tx1">
-            <a:lumMod val="35000"/>
-            <a:lumOff val="65000"/>
-          </a:schemeClr>
-        </a:solidFill>
-        <a:round/>
-      </a:ln>
-    </cs:spPr>
-  </cs:leaderLine>
-  <cs:legend>
-    <cs:lnRef idx="0"/>
-    <cs:fillRef idx="0"/>
-    <cs:effectRef idx="0"/>
-    <cs:fontRef idx="minor">
-      <a:schemeClr val="tx1">
-        <a:lumMod val="65000"/>
-        <a:lumOff val="35000"/>
-      </a:schemeClr>
-    </cs:fontRef>
-    <cs:defRPr sz="1197" kern="1200"/>
-  </cs:legend>
-  <cs:plotArea mods="allowNoFillOverride allowNoLineOverride">
-    <cs:lnRef idx="0"/>
-    <cs:fillRef idx="0"/>
-    <cs:effectRef idx="0"/>
-    <cs:fontRef idx="minor">
-      <a:schemeClr val="tx1"/>
-    </cs:fontRef>
-  </cs:plotArea>
-  <cs:plotArea3D mods="allowNoFillOverride allowNoLineOverride">
-    <cs:lnRef idx="0"/>
-    <cs:fillRef idx="0"/>
-    <cs:effectRef idx="0"/>
-    <cs:fontRef idx="minor">
-      <a:schemeClr val="tx1"/>
-    </cs:fontRef>
-  </cs:plotArea3D>
-  <cs:seriesAxis>
-    <cs:lnRef idx="0"/>
-    <cs:fillRef idx="0"/>
-    <cs:effectRef idx="0"/>
-    <cs:fontRef idx="minor">
-      <a:schemeClr val="tx1">
-        <a:lumMod val="65000"/>
-        <a:lumOff val="35000"/>
-      </a:schemeClr>
-    </cs:fontRef>
-    <cs:defRPr sz="1197" kern="1200"/>
-  </cs:seriesAxis>
-  <cs:seriesLine>
-    <cs:lnRef idx="0"/>
-    <cs:fillRef idx="0"/>
-    <cs:effectRef idx="0"/>
-    <cs:fontRef idx="minor">
-      <a:schemeClr val="tx1"/>
-    </cs:fontRef>
-    <cs:spPr>
-      <a:ln w="9525" cap="flat" cmpd="sng" algn="ctr">
-        <a:solidFill>
-          <a:schemeClr val="tx1">
-            <a:lumMod val="35000"/>
-            <a:lumOff val="65000"/>
-          </a:schemeClr>
-        </a:solidFill>
-        <a:round/>
-      </a:ln>
-    </cs:spPr>
-  </cs:seriesLine>
-  <cs:title>
-    <cs:lnRef idx="0"/>
-    <cs:fillRef idx="0"/>
-    <cs:effectRef idx="0"/>
-    <cs:fontRef idx="minor">
-      <a:schemeClr val="tx1">
-        <a:lumMod val="65000"/>
-        <a:lumOff val="35000"/>
-      </a:schemeClr>
-    </cs:fontRef>
-    <cs:defRPr sz="1862" b="0" kern="1200" spc="0" baseline="0"/>
-  </cs:title>
-  <cs:trendline>
-    <cs:lnRef idx="0">
-      <cs:styleClr val="auto"/>
-    </cs:lnRef>
-    <cs:fillRef idx="0"/>
-    <cs:effectRef idx="0"/>
-    <cs:fontRef idx="minor">
-      <a:schemeClr val="tx1"/>
-    </cs:fontRef>
-    <cs:spPr>
-      <a:ln w="19050" cap="rnd">
-        <a:solidFill>
-          <a:schemeClr val="phClr"/>
-        </a:solidFill>
-        <a:prstDash val="sysDot"/>
-      </a:ln>
-    </cs:spPr>
-  </cs:trendline>
-  <cs:trendlineLabel>
-    <cs:lnRef idx="0"/>
-    <cs:fillRef idx="0"/>
-    <cs:effectRef idx="0"/>
-    <cs:fontRef idx="minor">
-      <a:schemeClr val="tx1">
-        <a:lumMod val="65000"/>
-        <a:lumOff val="35000"/>
-      </a:schemeClr>
-    </cs:fontRef>
-    <cs:defRPr sz="1197" kern="1200"/>
-  </cs:trendlineLabel>
-  <cs:upBar>
-    <cs:lnRef idx="0"/>
-    <cs:fillRef idx="0"/>
-    <cs:effectRef idx="0"/>
-    <cs:fontRef idx="minor">
-      <a:schemeClr val="dk1"/>
-    </cs:fontRef>
-    <cs:spPr>
-      <a:solidFill>
-        <a:schemeClr val="lt1"/>
-      </a:solidFill>
-      <a:ln w="9525">
-        <a:solidFill>
-          <a:schemeClr val="tx1">
-            <a:lumMod val="15000"/>
-            <a:lumOff val="85000"/>
-          </a:schemeClr>
-        </a:solidFill>
-      </a:ln>
-    </cs:spPr>
-  </cs:upBar>
-  <cs:valueAxis>
-    <cs:lnRef idx="0"/>
-    <cs:fillRef idx="0"/>
-    <cs:effectRef idx="0"/>
-    <cs:fontRef idx="minor">
-      <a:schemeClr val="tx1">
-        <a:lumMod val="65000"/>
-        <a:lumOff val="35000"/>
-      </a:schemeClr>
-    </cs:fontRef>
-    <cs:defRPr sz="1197" kern="1200"/>
-  </cs:valueAxis>
-  <cs:wall>
-    <cs:lnRef idx="0"/>
-    <cs:fillRef idx="0"/>
-    <cs:effectRef idx="0"/>
-    <cs:fontRef idx="minor">
-      <a:schemeClr val="tx1"/>
-    </cs:fontRef>
-    <cs:spPr>
-      <a:noFill/>
-      <a:ln>
-        <a:noFill/>
-      </a:ln>
-    </cs:spPr>
-  </cs:wall>
-</cs:chartStyle>
-</file>
-
 <file path=ppt/notesMasters/notesMaster1.xml><?xml version="1.0" encoding="utf-8"?>
 <p:notesMaster xmlns:a="http://schemas.openxmlformats.org/drawingml/2006/main" xmlns:r="http://schemas.openxmlformats.org/officeDocument/2006/relationships" xmlns:p="http://schemas.openxmlformats.org/presentationml/2006/main">
   <p:cSld>
@@ -1150,7 +282,7 @@
           <a:p>
             <a:fld id="{F03889CD-42F6-46D3-8774-76AD4E143C79}" type="datetimeFigureOut">
               <a:rPr lang="zh-TW" altLang="en-US" smtClean="0"/>
-              <a:t>2018/7/27</a:t>
+              <a:t>2018/8/6</a:t>
             </a:fld>
             <a:endParaRPr lang="zh-TW" altLang="en-US"/>
           </a:p>
@@ -1520,7 +652,7 @@
                 <a:ea typeface="+mn-ea"/>
                 <a:cs typeface="+mn-cs"/>
               </a:rPr>
-              <a:t>今天會大概介紹整個多點斷筋的概念</a:t>
+              <a:t>今天會大概介紹整個多點斷筋的想法</a:t>
             </a:r>
           </a:p>
           <a:p>
@@ -1671,8 +803,375 @@
           <a:lstStyle/>
           <a:p>
             <a:r>
+              <a:rPr lang="en-US" altLang="zh-TW" sz="1200" b="0" kern="1200" dirty="0">
+                <a:solidFill>
+                  <a:schemeClr val="tx1"/>
+                </a:solidFill>
+                <a:effectLst/>
+                <a:latin typeface="+mn-lt"/>
+                <a:ea typeface="+mn-ea"/>
+                <a:cs typeface="+mn-cs"/>
+              </a:rPr>
+              <a:t>-</a:t>
+            </a:r>
+            <a:r>
+              <a:rPr lang="zh-TW" altLang="en-US" sz="1200" b="0" kern="1200" dirty="0">
+                <a:solidFill>
+                  <a:schemeClr val="tx1"/>
+                </a:solidFill>
+                <a:effectLst/>
+                <a:latin typeface="+mn-lt"/>
+                <a:ea typeface="+mn-ea"/>
+                <a:cs typeface="+mn-cs"/>
+              </a:rPr>
+              <a:t> 推估的演算法是用彎矩圖，上層筋以地震力，下層筋以重力與地震力進行多點斷筋。</a:t>
+            </a:r>
+          </a:p>
+          <a:p>
+            <a:r>
+              <a:rPr lang="en-US" altLang="zh-TW" sz="1200" b="0" kern="1200" dirty="0">
+                <a:solidFill>
+                  <a:schemeClr val="tx1"/>
+                </a:solidFill>
+                <a:effectLst/>
+                <a:latin typeface="+mn-lt"/>
+                <a:ea typeface="+mn-ea"/>
+                <a:cs typeface="+mn-cs"/>
+              </a:rPr>
+              <a:t>-</a:t>
+            </a:r>
+            <a:r>
+              <a:rPr lang="zh-TW" altLang="en-US" sz="1200" b="0" kern="1200" dirty="0">
+                <a:solidFill>
+                  <a:schemeClr val="tx1"/>
+                </a:solidFill>
+                <a:effectLst/>
+                <a:latin typeface="+mn-lt"/>
+                <a:ea typeface="+mn-ea"/>
+                <a:cs typeface="+mn-cs"/>
+              </a:rPr>
+              <a:t> 並加上精算法的延伸長度。</a:t>
+            </a:r>
+          </a:p>
+          <a:p>
+            <a:r>
+              <a:rPr lang="en-US" altLang="zh-TW" sz="1200" b="0" kern="1200" dirty="0">
+                <a:solidFill>
+                  <a:schemeClr val="tx1"/>
+                </a:solidFill>
+                <a:effectLst/>
+                <a:latin typeface="+mn-lt"/>
+                <a:ea typeface="+mn-ea"/>
+                <a:cs typeface="+mn-cs"/>
+              </a:rPr>
+              <a:t>-</a:t>
+            </a:r>
+            <a:r>
+              <a:rPr lang="zh-TW" altLang="en-US" sz="1200" b="0" kern="1200" dirty="0">
+                <a:solidFill>
+                  <a:schemeClr val="tx1"/>
+                </a:solidFill>
+                <a:effectLst/>
+                <a:latin typeface="+mn-lt"/>
+                <a:ea typeface="+mn-ea"/>
+                <a:cs typeface="+mn-cs"/>
+              </a:rPr>
+              <a:t> 手動輸入 </a:t>
+            </a:r>
+            <a:r>
+              <a:rPr lang="en-US" altLang="zh-TW" sz="1200" b="0" kern="1200" dirty="0">
+                <a:solidFill>
+                  <a:schemeClr val="tx1"/>
+                </a:solidFill>
+                <a:effectLst/>
+                <a:latin typeface="+mn-lt"/>
+                <a:ea typeface="+mn-ea"/>
+                <a:cs typeface="+mn-cs"/>
+              </a:rPr>
+              <a:t>Gravity </a:t>
+            </a:r>
+            <a:r>
+              <a:rPr lang="zh-TW" altLang="en-US" sz="1200" b="0" kern="1200" dirty="0">
+                <a:solidFill>
+                  <a:schemeClr val="tx1"/>
+                </a:solidFill>
+                <a:effectLst/>
+                <a:latin typeface="+mn-lt"/>
+                <a:ea typeface="+mn-ea"/>
+                <a:cs typeface="+mn-cs"/>
+              </a:rPr>
+              <a:t>需求。</a:t>
+            </a:r>
+            <a:r>
+              <a:rPr lang="en-US" altLang="zh-TW" sz="1200" b="0" kern="1200" dirty="0">
+                <a:solidFill>
+                  <a:schemeClr val="tx1"/>
+                </a:solidFill>
+                <a:effectLst/>
+                <a:latin typeface="+mn-lt"/>
+                <a:ea typeface="+mn-ea"/>
+                <a:cs typeface="+mn-cs"/>
+              </a:rPr>
+              <a:t>(</a:t>
+            </a:r>
+            <a:r>
+              <a:rPr lang="zh-TW" altLang="en-US" sz="1200" b="0" kern="1200" dirty="0">
+                <a:solidFill>
+                  <a:schemeClr val="tx1"/>
+                </a:solidFill>
+                <a:effectLst/>
+                <a:latin typeface="+mn-lt"/>
+                <a:ea typeface="+mn-ea"/>
+                <a:cs typeface="+mn-cs"/>
+              </a:rPr>
+              <a:t>忽略帶寬、不平均</a:t>
+            </a:r>
+            <a:r>
+              <a:rPr lang="en-US" altLang="zh-TW" sz="1200" b="0" kern="1200" dirty="0">
+                <a:solidFill>
+                  <a:schemeClr val="tx1"/>
+                </a:solidFill>
+                <a:effectLst/>
+                <a:latin typeface="+mn-lt"/>
+                <a:ea typeface="+mn-ea"/>
+                <a:cs typeface="+mn-cs"/>
+              </a:rPr>
+              <a:t>)</a:t>
+            </a:r>
+          </a:p>
+          <a:p>
+            <a:r>
+              <a:rPr lang="en-US" altLang="zh-TW" sz="1200" b="0" kern="1200" dirty="0">
+                <a:solidFill>
+                  <a:schemeClr val="tx1"/>
+                </a:solidFill>
+                <a:effectLst/>
+                <a:latin typeface="+mn-lt"/>
+                <a:ea typeface="+mn-ea"/>
+                <a:cs typeface="+mn-cs"/>
+              </a:rPr>
+              <a:t>-</a:t>
+            </a:r>
+            <a:r>
+              <a:rPr lang="zh-TW" altLang="en-US" sz="1200" b="0" kern="1200" dirty="0">
+                <a:solidFill>
+                  <a:schemeClr val="tx1"/>
+                </a:solidFill>
+                <a:effectLst/>
+                <a:latin typeface="+mn-lt"/>
+                <a:ea typeface="+mn-ea"/>
+                <a:cs typeface="+mn-cs"/>
+              </a:rPr>
+              <a:t> 手動輸入 </a:t>
+            </a:r>
+            <a:r>
+              <a:rPr lang="en-US" altLang="zh-TW" sz="1200" b="0" kern="1200" dirty="0">
+                <a:solidFill>
+                  <a:schemeClr val="tx1"/>
+                </a:solidFill>
+                <a:effectLst/>
+                <a:latin typeface="+mn-lt"/>
+                <a:ea typeface="+mn-ea"/>
+                <a:cs typeface="+mn-cs"/>
+              </a:rPr>
+              <a:t>Gravity </a:t>
+            </a:r>
+            <a:r>
+              <a:rPr lang="zh-TW" altLang="en-US" sz="1200" b="0" kern="1200" dirty="0">
+                <a:solidFill>
+                  <a:schemeClr val="tx1"/>
+                </a:solidFill>
+                <a:effectLst/>
+                <a:latin typeface="+mn-lt"/>
+                <a:ea typeface="+mn-ea"/>
+                <a:cs typeface="+mn-cs"/>
+              </a:rPr>
+              <a:t>負彎矩偏差比例。</a:t>
+            </a:r>
+          </a:p>
+          <a:p>
+            <a:r>
+              <a:rPr lang="en-US" altLang="zh-TW" sz="1200" b="0" kern="1200" dirty="0">
+                <a:solidFill>
+                  <a:schemeClr val="tx1"/>
+                </a:solidFill>
+                <a:effectLst/>
+                <a:latin typeface="+mn-lt"/>
+                <a:ea typeface="+mn-ea"/>
+                <a:cs typeface="+mn-cs"/>
+              </a:rPr>
+              <a:t>-</a:t>
+            </a:r>
+            <a:r>
+              <a:rPr lang="zh-TW" altLang="en-US" sz="1200" b="0" kern="1200" dirty="0">
+                <a:solidFill>
+                  <a:schemeClr val="tx1"/>
+                </a:solidFill>
+                <a:effectLst/>
+                <a:latin typeface="+mn-lt"/>
+                <a:ea typeface="+mn-ea"/>
+                <a:cs typeface="+mn-cs"/>
+              </a:rPr>
+              <a:t> 由無限斷筋縮減到有限點斷筋</a:t>
+            </a:r>
+            <a:r>
+              <a:rPr lang="en-US" altLang="zh-TW" sz="1200" b="0" kern="1200" dirty="0">
+                <a:solidFill>
+                  <a:schemeClr val="tx1"/>
+                </a:solidFill>
+                <a:effectLst/>
+                <a:latin typeface="+mn-lt"/>
+                <a:ea typeface="+mn-ea"/>
+                <a:cs typeface="+mn-cs"/>
+              </a:rPr>
+              <a:t>(3 </a:t>
+            </a:r>
+            <a:r>
+              <a:rPr lang="zh-TW" altLang="en-US" sz="1200" b="0" kern="1200" dirty="0">
+                <a:solidFill>
+                  <a:schemeClr val="tx1"/>
+                </a:solidFill>
+                <a:effectLst/>
+                <a:latin typeface="+mn-lt"/>
+                <a:ea typeface="+mn-ea"/>
+                <a:cs typeface="+mn-cs"/>
+              </a:rPr>
+              <a:t>點或 </a:t>
+            </a:r>
+            <a:r>
+              <a:rPr lang="en-US" altLang="zh-TW" sz="1200" b="0" kern="1200" dirty="0">
+                <a:solidFill>
+                  <a:schemeClr val="tx1"/>
+                </a:solidFill>
+                <a:effectLst/>
+                <a:latin typeface="+mn-lt"/>
+                <a:ea typeface="+mn-ea"/>
+                <a:cs typeface="+mn-cs"/>
+              </a:rPr>
+              <a:t>4 </a:t>
+            </a:r>
+            <a:r>
+              <a:rPr lang="zh-TW" altLang="en-US" sz="1200" b="0" kern="1200" dirty="0">
+                <a:solidFill>
+                  <a:schemeClr val="tx1"/>
+                </a:solidFill>
+                <a:effectLst/>
+                <a:latin typeface="+mn-lt"/>
+                <a:ea typeface="+mn-ea"/>
+                <a:cs typeface="+mn-cs"/>
+              </a:rPr>
+              <a:t>點</a:t>
+            </a:r>
+            <a:r>
+              <a:rPr lang="en-US" altLang="zh-TW" sz="1200" b="0" kern="1200" dirty="0">
+                <a:solidFill>
+                  <a:schemeClr val="tx1"/>
+                </a:solidFill>
+                <a:effectLst/>
+                <a:latin typeface="+mn-lt"/>
+                <a:ea typeface="+mn-ea"/>
+                <a:cs typeface="+mn-cs"/>
+              </a:rPr>
+              <a:t>) - </a:t>
+            </a:r>
+            <a:r>
+              <a:rPr lang="zh-TW" altLang="en-US" sz="1200" b="0" kern="1200" dirty="0">
+                <a:solidFill>
+                  <a:schemeClr val="tx1"/>
+                </a:solidFill>
+                <a:effectLst/>
+                <a:latin typeface="+mn-lt"/>
+                <a:ea typeface="+mn-ea"/>
+                <a:cs typeface="+mn-cs"/>
+              </a:rPr>
+              <a:t>排列組合、分群演算法。</a:t>
+            </a:r>
+          </a:p>
+        </p:txBody>
+      </p:sp>
+      <p:sp>
+        <p:nvSpPr>
+          <p:cNvPr id="4" name="投影片編號版面配置區 3"/>
+          <p:cNvSpPr>
+            <a:spLocks noGrp="1"/>
+          </p:cNvSpPr>
+          <p:nvPr>
+            <p:ph type="sldNum" sz="quarter" idx="10"/>
+          </p:nvPr>
+        </p:nvSpPr>
+        <p:spPr/>
+        <p:txBody>
+          <a:bodyPr/>
+          <a:lstStyle/>
+          <a:p>
+            <a:fld id="{70B22B0D-1CA7-4298-B4CD-04A0716BCB99}" type="slidenum">
+              <a:rPr lang="zh-TW" altLang="en-US" smtClean="0"/>
+              <a:t>14</a:t>
+            </a:fld>
+            <a:endParaRPr lang="zh-TW" altLang="en-US"/>
+          </a:p>
+        </p:txBody>
+      </p:sp>
+    </p:spTree>
+    <p:extLst>
+      <p:ext uri="{BB962C8B-B14F-4D97-AF65-F5344CB8AC3E}">
+        <p14:creationId xmlns:p14="http://schemas.microsoft.com/office/powerpoint/2010/main" val="2160910938"/>
+      </p:ext>
+    </p:extLst>
+  </p:cSld>
+  <p:clrMapOvr>
+    <a:masterClrMapping/>
+  </p:clrMapOvr>
+</p:notes>
+</file>
+
+<file path=ppt/notesSlides/notesSlide11.xml><?xml version="1.0" encoding="utf-8"?>
+<p:notes xmlns:a="http://schemas.openxmlformats.org/drawingml/2006/main" xmlns:r="http://schemas.openxmlformats.org/officeDocument/2006/relationships" xmlns:p="http://schemas.openxmlformats.org/presentationml/2006/main">
+  <p:cSld>
+    <p:spTree>
+      <p:nvGrpSpPr>
+        <p:cNvPr id="1" name=""/>
+        <p:cNvGrpSpPr/>
+        <p:nvPr/>
+      </p:nvGrpSpPr>
+      <p:grpSpPr>
+        <a:xfrm>
+          <a:off x="0" y="0"/>
+          <a:ext cx="0" cy="0"/>
+          <a:chOff x="0" y="0"/>
+          <a:chExt cx="0" cy="0"/>
+        </a:xfrm>
+      </p:grpSpPr>
+      <p:sp>
+        <p:nvSpPr>
+          <p:cNvPr id="2" name="投影片影像版面配置區 1"/>
+          <p:cNvSpPr>
+            <a:spLocks noGrp="1" noRot="1" noChangeAspect="1"/>
+          </p:cNvSpPr>
+          <p:nvPr>
+            <p:ph type="sldImg"/>
+          </p:nvPr>
+        </p:nvSpPr>
+        <p:spPr/>
+      </p:sp>
+      <p:sp>
+        <p:nvSpPr>
+          <p:cNvPr id="3" name="備忘稿版面配置區 2"/>
+          <p:cNvSpPr>
+            <a:spLocks noGrp="1"/>
+          </p:cNvSpPr>
+          <p:nvPr>
+            <p:ph type="body" idx="1"/>
+          </p:nvPr>
+        </p:nvSpPr>
+        <p:spPr/>
+        <p:txBody>
+          <a:bodyPr/>
+          <a:lstStyle/>
+          <a:p>
+            <a:r>
               <a:rPr lang="zh-TW" altLang="en-US" dirty="0"/>
-              <a:t>像是 如果我們知道這條重力曲線的話</a:t>
+              <a:t>像是 如果知道這條重力曲線的話</a:t>
             </a:r>
             <a:endParaRPr lang="en-US" altLang="zh-TW" dirty="0"/>
           </a:p>
@@ -1781,7 +1280,7 @@
           <a:p>
             <a:fld id="{70B22B0D-1CA7-4298-B4CD-04A0716BCB99}" type="slidenum">
               <a:rPr lang="zh-TW" altLang="en-US" smtClean="0"/>
-              <a:t>11</a:t>
+              <a:t>15</a:t>
             </a:fld>
             <a:endParaRPr lang="zh-TW" altLang="en-US"/>
           </a:p>
@@ -1800,7 +1299,7 @@
 </p:notes>
 </file>
 
-<file path=ppt/notesSlides/notesSlide11.xml><?xml version="1.0" encoding="utf-8"?>
+<file path=ppt/notesSlides/notesSlide12.xml><?xml version="1.0" encoding="utf-8"?>
 <p:notes xmlns:a="http://schemas.openxmlformats.org/drawingml/2006/main" xmlns:r="http://schemas.openxmlformats.org/officeDocument/2006/relationships" xmlns:p="http://schemas.openxmlformats.org/presentationml/2006/main">
   <p:cSld>
     <p:spTree>
@@ -2343,7 +1842,7 @@
           <a:p>
             <a:fld id="{70B22B0D-1CA7-4298-B4CD-04A0716BCB99}" type="slidenum">
               <a:rPr lang="zh-TW" altLang="en-US" smtClean="0"/>
-              <a:t>12</a:t>
+              <a:t>16</a:t>
             </a:fld>
             <a:endParaRPr lang="zh-TW" altLang="en-US"/>
           </a:p>
@@ -2362,7 +1861,7 @@
 </p:notes>
 </file>
 
-<file path=ppt/notesSlides/notesSlide12.xml><?xml version="1.0" encoding="utf-8"?>
+<file path=ppt/notesSlides/notesSlide13.xml><?xml version="1.0" encoding="utf-8"?>
 <p:notes xmlns:a="http://schemas.openxmlformats.org/drawingml/2006/main" xmlns:r="http://schemas.openxmlformats.org/officeDocument/2006/relationships" xmlns:p="http://schemas.openxmlformats.org/presentationml/2006/main">
   <p:cSld>
     <p:spTree>
@@ -2427,7 +1926,7 @@
           <a:p>
             <a:fld id="{70B22B0D-1CA7-4298-B4CD-04A0716BCB99}" type="slidenum">
               <a:rPr lang="zh-TW" altLang="en-US" smtClean="0"/>
-              <a:t>13</a:t>
+              <a:t>18</a:t>
             </a:fld>
             <a:endParaRPr lang="zh-TW" altLang="en-US"/>
           </a:p>
@@ -2739,7 +2238,21 @@
               </a:rPr>
               <a:t># Outline</a:t>
             </a:r>
-            <a:endParaRPr lang="zh-TW" altLang="en-US" sz="1200" b="0" kern="1200" dirty="0">
+          </a:p>
+          <a:p>
+            <a:r>
+              <a:rPr lang="zh-TW" altLang="en-US" sz="1200" b="0" kern="1200" dirty="0">
+                <a:solidFill>
+                  <a:schemeClr val="tx1"/>
+                </a:solidFill>
+                <a:effectLst/>
+                <a:latin typeface="+mn-lt"/>
+                <a:ea typeface="+mn-ea"/>
+                <a:cs typeface="+mn-cs"/>
+              </a:rPr>
+              <a:t>為了達到以上的目標，我們把問題拆解為幾個步驟。</a:t>
+            </a:r>
+            <a:endParaRPr lang="en-US" altLang="zh-TW" sz="1200" b="0" kern="1200" dirty="0">
               <a:solidFill>
                 <a:schemeClr val="tx1"/>
               </a:solidFill>
@@ -2822,7 +2335,7 @@
                 <a:ea typeface="+mn-ea"/>
                 <a:cs typeface="+mn-cs"/>
               </a:rPr>
-              <a:t>真正的需求，而不再是現有的配筋，做多點斷筋。並再加上剪力的部分。</a:t>
+              <a:t>真正的需求，而不再是現有的配筋。並再加上剪力的部分。</a:t>
             </a:r>
           </a:p>
           <a:p>
@@ -2848,7 +2361,7 @@
                 <a:ea typeface="+mn-ea"/>
                 <a:cs typeface="+mn-cs"/>
               </a:rPr>
-              <a:t> 第三步是做非線性靜力的部分，由於以上都是線性的推估，如果進入到非線性，行為是否還是我們所預期的，然後由於想要包含高樓層的部分，所以需要研究靜力多模態的狀況，讓業界比較容易使用。</a:t>
+              <a:t> 第三步是做非線性靜力的部分，由於以上都是線性的推估，如果進入到非線性，行為是否還是我們所預期的，然後由於想要包含高樓層的部分，所以需要研究靜力高模態的狀況。</a:t>
             </a:r>
           </a:p>
           <a:p>
@@ -2908,7 +2421,7 @@
     </p:spTree>
     <p:extLst>
       <p:ext uri="{BB962C8B-B14F-4D97-AF65-F5344CB8AC3E}">
-        <p14:creationId xmlns:p14="http://schemas.microsoft.com/office/powerpoint/2010/main" val="2307224260"/>
+        <p14:creationId xmlns:p14="http://schemas.microsoft.com/office/powerpoint/2010/main" val="650836956"/>
       </p:ext>
     </p:extLst>
   </p:cSld>
@@ -2963,7 +2476,7 @@
           <a:lstStyle/>
           <a:p>
             <a:r>
-              <a:rPr lang="en-US" altLang="zh-TW" sz="1200" b="1" kern="1200" dirty="0">
+              <a:rPr lang="en-US" altLang="zh-TW" sz="1200" b="0" kern="1200" dirty="0">
                 <a:solidFill>
                   <a:schemeClr val="tx1"/>
                 </a:solidFill>
@@ -2972,21 +2485,10 @@
                 <a:ea typeface="+mn-ea"/>
                 <a:cs typeface="+mn-cs"/>
               </a:rPr>
-              <a:t># Outline</a:t>
-            </a:r>
-            <a:endParaRPr lang="zh-TW" altLang="en-US" sz="1200" b="0" kern="1200" dirty="0">
-              <a:solidFill>
-                <a:schemeClr val="tx1"/>
-              </a:solidFill>
-              <a:effectLst/>
-              <a:latin typeface="+mn-lt"/>
-              <a:ea typeface="+mn-ea"/>
-              <a:cs typeface="+mn-cs"/>
-            </a:endParaRPr>
-          </a:p>
-          <a:p>
-            <a:r>
-              <a:rPr lang="en-US" altLang="zh-TW" sz="1200" b="0" kern="1200" dirty="0">
+              <a:t>-</a:t>
+            </a:r>
+            <a:r>
+              <a:rPr lang="zh-TW" altLang="en-US" sz="1200" b="0" kern="1200" dirty="0">
                 <a:solidFill>
                   <a:schemeClr val="tx1"/>
                 </a:solidFill>
@@ -2995,10 +2497,12 @@
                 <a:ea typeface="+mn-ea"/>
                 <a:cs typeface="+mn-cs"/>
               </a:rPr>
-              <a:t>-</a:t>
-            </a:r>
-            <a:r>
-              <a:rPr lang="zh-TW" altLang="en-US" sz="1200" b="0" kern="1200" dirty="0">
+              <a:t> 推估的演算法是用彎矩圖，上層筋以地震力，下層筋以重力與地震力進行多點斷筋。</a:t>
+            </a:r>
+          </a:p>
+          <a:p>
+            <a:r>
+              <a:rPr lang="en-US" altLang="zh-TW" sz="1200" b="0" kern="1200" dirty="0">
                 <a:solidFill>
                   <a:schemeClr val="tx1"/>
                 </a:solidFill>
@@ -3007,12 +2511,10 @@
                 <a:ea typeface="+mn-ea"/>
                 <a:cs typeface="+mn-cs"/>
               </a:rPr>
-              <a:t> 第一步是依據現有的配筋做優化。</a:t>
-            </a:r>
-          </a:p>
-          <a:p>
-            <a:r>
-              <a:rPr lang="en-US" altLang="zh-TW" sz="1200" b="0" kern="1200" dirty="0">
+              <a:t>-</a:t>
+            </a:r>
+            <a:r>
+              <a:rPr lang="zh-TW" altLang="en-US" sz="1200" b="0" kern="1200" dirty="0">
                 <a:solidFill>
                   <a:schemeClr val="tx1"/>
                 </a:solidFill>
@@ -3021,10 +2523,12 @@
                 <a:ea typeface="+mn-ea"/>
                 <a:cs typeface="+mn-cs"/>
               </a:rPr>
-              <a:t>-</a:t>
-            </a:r>
-            <a:r>
-              <a:rPr lang="zh-TW" altLang="en-US" sz="1200" b="0" kern="1200" dirty="0">
+              <a:t> 並加上精算法的延伸長度。</a:t>
+            </a:r>
+          </a:p>
+          <a:p>
+            <a:r>
+              <a:rPr lang="en-US" altLang="zh-TW" sz="1200" b="0" kern="1200" dirty="0">
                 <a:solidFill>
                   <a:schemeClr val="tx1"/>
                 </a:solidFill>
@@ -3033,10 +2537,10 @@
                 <a:ea typeface="+mn-ea"/>
                 <a:cs typeface="+mn-cs"/>
               </a:rPr>
-              <a:t> 第二步是以 </a:t>
-            </a:r>
-            <a:r>
-              <a:rPr lang="en-US" altLang="zh-TW" sz="1200" b="0" kern="1200" dirty="0">
+              <a:t>-</a:t>
+            </a:r>
+            <a:r>
+              <a:rPr lang="zh-TW" altLang="en-US" sz="1200" b="0" kern="1200" dirty="0">
                 <a:solidFill>
                   <a:schemeClr val="tx1"/>
                 </a:solidFill>
@@ -3045,10 +2549,10 @@
                 <a:ea typeface="+mn-ea"/>
                 <a:cs typeface="+mn-cs"/>
               </a:rPr>
-              <a:t>ETABS </a:t>
-            </a:r>
-            <a:r>
-              <a:rPr lang="zh-TW" altLang="en-US" sz="1200" b="0" kern="1200" dirty="0">
+              <a:t> 手動輸入 </a:t>
+            </a:r>
+            <a:r>
+              <a:rPr lang="en-US" altLang="zh-TW" sz="1200" b="0" kern="1200" dirty="0">
                 <a:solidFill>
                   <a:schemeClr val="tx1"/>
                 </a:solidFill>
@@ -3057,12 +2561,10 @@
                 <a:ea typeface="+mn-ea"/>
                 <a:cs typeface="+mn-cs"/>
               </a:rPr>
-              <a:t>真正的需求，而不再是現有的配筋，做多點斷筋。並再加上剪力的部分。</a:t>
-            </a:r>
-          </a:p>
-          <a:p>
-            <a:r>
-              <a:rPr lang="en-US" altLang="zh-TW" sz="1200" b="0" kern="1200" dirty="0">
+              <a:t>Gravity </a:t>
+            </a:r>
+            <a:r>
+              <a:rPr lang="zh-TW" altLang="en-US" sz="1200" b="0" kern="1200" dirty="0">
                 <a:solidFill>
                   <a:schemeClr val="tx1"/>
                 </a:solidFill>
@@ -3071,10 +2573,10 @@
                 <a:ea typeface="+mn-ea"/>
                 <a:cs typeface="+mn-cs"/>
               </a:rPr>
-              <a:t>-</a:t>
-            </a:r>
-            <a:r>
-              <a:rPr lang="zh-TW" altLang="en-US" sz="1200" b="0" kern="1200" dirty="0">
+              <a:t>需求。</a:t>
+            </a:r>
+            <a:r>
+              <a:rPr lang="en-US" altLang="zh-TW" sz="1200" b="0" kern="1200" dirty="0">
                 <a:solidFill>
                   <a:schemeClr val="tx1"/>
                 </a:solidFill>
@@ -3083,12 +2585,10 @@
                 <a:ea typeface="+mn-ea"/>
                 <a:cs typeface="+mn-cs"/>
               </a:rPr>
-              <a:t> 第三步是做非線性靜力的部分，由於以上都是線性的推估，如果進入到非線性，行為是否還是我們所預期的，然後由於想要包含高樓層的部分，所以需要研究靜力多模態的狀況，讓業界比較容易使用。</a:t>
-            </a:r>
-          </a:p>
-          <a:p>
-            <a:r>
-              <a:rPr lang="en-US" altLang="zh-TW" sz="1200" b="0" kern="1200" dirty="0">
+              <a:t>(</a:t>
+            </a:r>
+            <a:r>
+              <a:rPr lang="zh-TW" altLang="en-US" sz="1200" b="0" kern="1200" dirty="0">
                 <a:solidFill>
                   <a:schemeClr val="tx1"/>
                 </a:solidFill>
@@ -3097,10 +2597,10 @@
                 <a:ea typeface="+mn-ea"/>
                 <a:cs typeface="+mn-cs"/>
               </a:rPr>
-              <a:t>-</a:t>
-            </a:r>
-            <a:r>
-              <a:rPr lang="zh-TW" altLang="en-US" sz="1200" b="0" kern="1200" dirty="0">
+              <a:t>忽略帶寬、不平均</a:t>
+            </a:r>
+            <a:r>
+              <a:rPr lang="en-US" altLang="zh-TW" sz="1200" b="0" kern="1200" dirty="0">
                 <a:solidFill>
                   <a:schemeClr val="tx1"/>
                 </a:solidFill>
@@ -3109,11 +2609,156 @@
                 <a:ea typeface="+mn-ea"/>
                 <a:cs typeface="+mn-cs"/>
               </a:rPr>
-              <a:t> 第四步是做非線性動力分析。</a:t>
-            </a:r>
-          </a:p>
-          <a:p>
-            <a:endParaRPr lang="zh-TW" altLang="en-US" dirty="0"/>
+              <a:t>)</a:t>
+            </a:r>
+          </a:p>
+          <a:p>
+            <a:r>
+              <a:rPr lang="en-US" altLang="zh-TW" sz="1200" b="0" kern="1200" dirty="0">
+                <a:solidFill>
+                  <a:schemeClr val="tx1"/>
+                </a:solidFill>
+                <a:effectLst/>
+                <a:latin typeface="+mn-lt"/>
+                <a:ea typeface="+mn-ea"/>
+                <a:cs typeface="+mn-cs"/>
+              </a:rPr>
+              <a:t>-</a:t>
+            </a:r>
+            <a:r>
+              <a:rPr lang="zh-TW" altLang="en-US" sz="1200" b="0" kern="1200" dirty="0">
+                <a:solidFill>
+                  <a:schemeClr val="tx1"/>
+                </a:solidFill>
+                <a:effectLst/>
+                <a:latin typeface="+mn-lt"/>
+                <a:ea typeface="+mn-ea"/>
+                <a:cs typeface="+mn-cs"/>
+              </a:rPr>
+              <a:t> 手動輸入 </a:t>
+            </a:r>
+            <a:r>
+              <a:rPr lang="en-US" altLang="zh-TW" sz="1200" b="0" kern="1200" dirty="0">
+                <a:solidFill>
+                  <a:schemeClr val="tx1"/>
+                </a:solidFill>
+                <a:effectLst/>
+                <a:latin typeface="+mn-lt"/>
+                <a:ea typeface="+mn-ea"/>
+                <a:cs typeface="+mn-cs"/>
+              </a:rPr>
+              <a:t>Gravity </a:t>
+            </a:r>
+            <a:r>
+              <a:rPr lang="zh-TW" altLang="en-US" sz="1200" b="0" kern="1200" dirty="0">
+                <a:solidFill>
+                  <a:schemeClr val="tx1"/>
+                </a:solidFill>
+                <a:effectLst/>
+                <a:latin typeface="+mn-lt"/>
+                <a:ea typeface="+mn-ea"/>
+                <a:cs typeface="+mn-cs"/>
+              </a:rPr>
+              <a:t>負彎矩偏差比例。</a:t>
+            </a:r>
+          </a:p>
+          <a:p>
+            <a:r>
+              <a:rPr lang="en-US" altLang="zh-TW" sz="1200" b="0" kern="1200" dirty="0">
+                <a:solidFill>
+                  <a:schemeClr val="tx1"/>
+                </a:solidFill>
+                <a:effectLst/>
+                <a:latin typeface="+mn-lt"/>
+                <a:ea typeface="+mn-ea"/>
+                <a:cs typeface="+mn-cs"/>
+              </a:rPr>
+              <a:t>-</a:t>
+            </a:r>
+            <a:r>
+              <a:rPr lang="zh-TW" altLang="en-US" sz="1200" b="0" kern="1200" dirty="0">
+                <a:solidFill>
+                  <a:schemeClr val="tx1"/>
+                </a:solidFill>
+                <a:effectLst/>
+                <a:latin typeface="+mn-lt"/>
+                <a:ea typeface="+mn-ea"/>
+                <a:cs typeface="+mn-cs"/>
+              </a:rPr>
+              <a:t> 由無限斷筋縮減到有限點斷筋</a:t>
+            </a:r>
+            <a:r>
+              <a:rPr lang="en-US" altLang="zh-TW" sz="1200" b="0" kern="1200" dirty="0">
+                <a:solidFill>
+                  <a:schemeClr val="tx1"/>
+                </a:solidFill>
+                <a:effectLst/>
+                <a:latin typeface="+mn-lt"/>
+                <a:ea typeface="+mn-ea"/>
+                <a:cs typeface="+mn-cs"/>
+              </a:rPr>
+              <a:t>(3 </a:t>
+            </a:r>
+            <a:r>
+              <a:rPr lang="zh-TW" altLang="en-US" sz="1200" b="0" kern="1200" dirty="0">
+                <a:solidFill>
+                  <a:schemeClr val="tx1"/>
+                </a:solidFill>
+                <a:effectLst/>
+                <a:latin typeface="+mn-lt"/>
+                <a:ea typeface="+mn-ea"/>
+                <a:cs typeface="+mn-cs"/>
+              </a:rPr>
+              <a:t>點或 </a:t>
+            </a:r>
+            <a:r>
+              <a:rPr lang="en-US" altLang="zh-TW" sz="1200" b="0" kern="1200" dirty="0">
+                <a:solidFill>
+                  <a:schemeClr val="tx1"/>
+                </a:solidFill>
+                <a:effectLst/>
+                <a:latin typeface="+mn-lt"/>
+                <a:ea typeface="+mn-ea"/>
+                <a:cs typeface="+mn-cs"/>
+              </a:rPr>
+              <a:t>4 </a:t>
+            </a:r>
+            <a:r>
+              <a:rPr lang="zh-TW" altLang="en-US" sz="1200" b="0" kern="1200" dirty="0">
+                <a:solidFill>
+                  <a:schemeClr val="tx1"/>
+                </a:solidFill>
+                <a:effectLst/>
+                <a:latin typeface="+mn-lt"/>
+                <a:ea typeface="+mn-ea"/>
+                <a:cs typeface="+mn-cs"/>
+              </a:rPr>
+              <a:t>點</a:t>
+            </a:r>
+            <a:r>
+              <a:rPr lang="en-US" altLang="zh-TW" sz="1200" b="0" kern="1200" dirty="0">
+                <a:solidFill>
+                  <a:schemeClr val="tx1"/>
+                </a:solidFill>
+                <a:effectLst/>
+                <a:latin typeface="+mn-lt"/>
+                <a:ea typeface="+mn-ea"/>
+                <a:cs typeface="+mn-cs"/>
+              </a:rPr>
+              <a:t>) - </a:t>
+            </a:r>
+            <a:r>
+              <a:rPr lang="zh-TW" altLang="en-US" sz="1200" b="0" kern="1200" dirty="0">
+                <a:solidFill>
+                  <a:schemeClr val="tx1"/>
+                </a:solidFill>
+                <a:effectLst/>
+                <a:latin typeface="+mn-lt"/>
+                <a:ea typeface="+mn-ea"/>
+                <a:cs typeface="+mn-cs"/>
+              </a:rPr>
+              <a:t>排列組合、分群演算法。</a:t>
+            </a:r>
           </a:p>
         </p:txBody>
       </p:sp>
@@ -3143,7 +2788,7 @@
     </p:spTree>
     <p:extLst>
       <p:ext uri="{BB962C8B-B14F-4D97-AF65-F5344CB8AC3E}">
-        <p14:creationId xmlns:p14="http://schemas.microsoft.com/office/powerpoint/2010/main" val="650836956"/>
+        <p14:creationId xmlns:p14="http://schemas.microsoft.com/office/powerpoint/2010/main" val="786843019"/>
       </p:ext>
     </p:extLst>
   </p:cSld>
@@ -3198,301 +2843,22 @@
           <a:lstStyle/>
           <a:p>
             <a:r>
-              <a:rPr lang="en-US" altLang="zh-TW" sz="1200" b="0" kern="1200" dirty="0">
-                <a:solidFill>
-                  <a:schemeClr val="tx1"/>
-                </a:solidFill>
-                <a:effectLst/>
-                <a:latin typeface="+mn-lt"/>
-                <a:ea typeface="+mn-ea"/>
-                <a:cs typeface="+mn-cs"/>
-              </a:rPr>
-              <a:t>-</a:t>
-            </a:r>
-            <a:r>
-              <a:rPr lang="zh-TW" altLang="en-US" sz="1200" b="0" kern="1200" dirty="0">
-                <a:solidFill>
-                  <a:schemeClr val="tx1"/>
-                </a:solidFill>
-                <a:effectLst/>
-                <a:latin typeface="+mn-lt"/>
-                <a:ea typeface="+mn-ea"/>
-                <a:cs typeface="+mn-cs"/>
-              </a:rPr>
-              <a:t> 推估的演算法是用彎矩圖，上層筋以地震力，下層筋以重力與地震力進行多點斷筋。</a:t>
-            </a:r>
-          </a:p>
-          <a:p>
-            <a:r>
-              <a:rPr lang="en-US" altLang="zh-TW" sz="1200" b="0" kern="1200" dirty="0">
-                <a:solidFill>
-                  <a:schemeClr val="tx1"/>
-                </a:solidFill>
-                <a:effectLst/>
-                <a:latin typeface="+mn-lt"/>
-                <a:ea typeface="+mn-ea"/>
-                <a:cs typeface="+mn-cs"/>
-              </a:rPr>
-              <a:t>-</a:t>
-            </a:r>
-            <a:r>
-              <a:rPr lang="zh-TW" altLang="en-US" sz="1200" b="0" kern="1200" dirty="0">
-                <a:solidFill>
-                  <a:schemeClr val="tx1"/>
-                </a:solidFill>
-                <a:effectLst/>
-                <a:latin typeface="+mn-lt"/>
-                <a:ea typeface="+mn-ea"/>
-                <a:cs typeface="+mn-cs"/>
-              </a:rPr>
-              <a:t> 並加上精算法的延伸長度。</a:t>
-            </a:r>
-          </a:p>
-          <a:p>
-            <a:r>
-              <a:rPr lang="en-US" altLang="zh-TW" sz="1200" b="0" kern="1200" dirty="0">
-                <a:solidFill>
-                  <a:schemeClr val="tx1"/>
-                </a:solidFill>
-                <a:effectLst/>
-                <a:latin typeface="+mn-lt"/>
-                <a:ea typeface="+mn-ea"/>
-                <a:cs typeface="+mn-cs"/>
-              </a:rPr>
-              <a:t>-</a:t>
-            </a:r>
-            <a:r>
-              <a:rPr lang="zh-TW" altLang="en-US" sz="1200" b="0" kern="1200" dirty="0">
-                <a:solidFill>
-                  <a:schemeClr val="tx1"/>
-                </a:solidFill>
-                <a:effectLst/>
-                <a:latin typeface="+mn-lt"/>
-                <a:ea typeface="+mn-ea"/>
-                <a:cs typeface="+mn-cs"/>
-              </a:rPr>
-              <a:t> 手動輸入 </a:t>
-            </a:r>
-            <a:r>
-              <a:rPr lang="en-US" altLang="zh-TW" sz="1200" b="0" kern="1200" dirty="0">
-                <a:solidFill>
-                  <a:schemeClr val="tx1"/>
-                </a:solidFill>
-                <a:effectLst/>
-                <a:latin typeface="+mn-lt"/>
-                <a:ea typeface="+mn-ea"/>
-                <a:cs typeface="+mn-cs"/>
-              </a:rPr>
-              <a:t>Gravity </a:t>
-            </a:r>
-            <a:r>
-              <a:rPr lang="zh-TW" altLang="en-US" sz="1200" b="0" kern="1200" dirty="0">
-                <a:solidFill>
-                  <a:schemeClr val="tx1"/>
-                </a:solidFill>
-                <a:effectLst/>
-                <a:latin typeface="+mn-lt"/>
-                <a:ea typeface="+mn-ea"/>
-                <a:cs typeface="+mn-cs"/>
-              </a:rPr>
-              <a:t>需求。</a:t>
-            </a:r>
-            <a:r>
-              <a:rPr lang="en-US" altLang="zh-TW" sz="1200" b="0" kern="1200" dirty="0">
-                <a:solidFill>
-                  <a:schemeClr val="tx1"/>
-                </a:solidFill>
-                <a:effectLst/>
-                <a:latin typeface="+mn-lt"/>
-                <a:ea typeface="+mn-ea"/>
-                <a:cs typeface="+mn-cs"/>
-              </a:rPr>
-              <a:t>(</a:t>
-            </a:r>
-            <a:r>
-              <a:rPr lang="zh-TW" altLang="en-US" sz="1200" b="0" kern="1200" dirty="0">
-                <a:solidFill>
-                  <a:schemeClr val="tx1"/>
-                </a:solidFill>
-                <a:effectLst/>
-                <a:latin typeface="+mn-lt"/>
-                <a:ea typeface="+mn-ea"/>
-                <a:cs typeface="+mn-cs"/>
-              </a:rPr>
-              <a:t>忽略帶寬、不平均</a:t>
-            </a:r>
-            <a:r>
-              <a:rPr lang="en-US" altLang="zh-TW" sz="1200" b="0" kern="1200" dirty="0">
-                <a:solidFill>
-                  <a:schemeClr val="tx1"/>
-                </a:solidFill>
-                <a:effectLst/>
-                <a:latin typeface="+mn-lt"/>
-                <a:ea typeface="+mn-ea"/>
-                <a:cs typeface="+mn-cs"/>
-              </a:rPr>
-              <a:t>)</a:t>
-            </a:r>
-          </a:p>
-          <a:p>
-            <a:r>
-              <a:rPr lang="en-US" altLang="zh-TW" sz="1200" b="0" kern="1200" dirty="0">
-                <a:solidFill>
-                  <a:schemeClr val="tx1"/>
-                </a:solidFill>
-                <a:effectLst/>
-                <a:latin typeface="+mn-lt"/>
-                <a:ea typeface="+mn-ea"/>
-                <a:cs typeface="+mn-cs"/>
-              </a:rPr>
-              <a:t>-</a:t>
-            </a:r>
-            <a:r>
-              <a:rPr lang="zh-TW" altLang="en-US" sz="1200" b="0" kern="1200" dirty="0">
-                <a:solidFill>
-                  <a:schemeClr val="tx1"/>
-                </a:solidFill>
-                <a:effectLst/>
-                <a:latin typeface="+mn-lt"/>
-                <a:ea typeface="+mn-ea"/>
-                <a:cs typeface="+mn-cs"/>
-              </a:rPr>
-              <a:t> 手動輸入 </a:t>
-            </a:r>
-            <a:r>
-              <a:rPr lang="en-US" altLang="zh-TW" sz="1200" b="0" kern="1200" dirty="0">
-                <a:solidFill>
-                  <a:schemeClr val="tx1"/>
-                </a:solidFill>
-                <a:effectLst/>
-                <a:latin typeface="+mn-lt"/>
-                <a:ea typeface="+mn-ea"/>
-                <a:cs typeface="+mn-cs"/>
-              </a:rPr>
-              <a:t>Gravity </a:t>
-            </a:r>
-            <a:r>
-              <a:rPr lang="zh-TW" altLang="en-US" sz="1200" b="0" kern="1200" dirty="0">
-                <a:solidFill>
-                  <a:schemeClr val="tx1"/>
-                </a:solidFill>
-                <a:effectLst/>
-                <a:latin typeface="+mn-lt"/>
-                <a:ea typeface="+mn-ea"/>
-                <a:cs typeface="+mn-cs"/>
-              </a:rPr>
-              <a:t>負彎矩偏差比例。</a:t>
-            </a:r>
-          </a:p>
-          <a:p>
-            <a:r>
-              <a:rPr lang="en-US" altLang="zh-TW" sz="1200" b="0" kern="1200" dirty="0">
-                <a:solidFill>
-                  <a:schemeClr val="tx1"/>
-                </a:solidFill>
-                <a:effectLst/>
-                <a:latin typeface="+mn-lt"/>
-                <a:ea typeface="+mn-ea"/>
-                <a:cs typeface="+mn-cs"/>
-              </a:rPr>
-              <a:t>-</a:t>
-            </a:r>
-            <a:r>
-              <a:rPr lang="zh-TW" altLang="en-US" sz="1200" b="0" kern="1200" dirty="0">
-                <a:solidFill>
-                  <a:schemeClr val="tx1"/>
-                </a:solidFill>
-                <a:effectLst/>
-                <a:latin typeface="+mn-lt"/>
-                <a:ea typeface="+mn-ea"/>
-                <a:cs typeface="+mn-cs"/>
-              </a:rPr>
-              <a:t> 由無限斷筋縮減到有限點斷筋</a:t>
-            </a:r>
-            <a:r>
-              <a:rPr lang="en-US" altLang="zh-TW" sz="1200" b="0" kern="1200" dirty="0">
-                <a:solidFill>
-                  <a:schemeClr val="tx1"/>
-                </a:solidFill>
-                <a:effectLst/>
-                <a:latin typeface="+mn-lt"/>
-                <a:ea typeface="+mn-ea"/>
-                <a:cs typeface="+mn-cs"/>
-              </a:rPr>
-              <a:t>(3 </a:t>
-            </a:r>
-            <a:r>
-              <a:rPr lang="zh-TW" altLang="en-US" sz="1200" b="0" kern="1200" dirty="0">
-                <a:solidFill>
-                  <a:schemeClr val="tx1"/>
-                </a:solidFill>
-                <a:effectLst/>
-                <a:latin typeface="+mn-lt"/>
-                <a:ea typeface="+mn-ea"/>
-                <a:cs typeface="+mn-cs"/>
-              </a:rPr>
-              <a:t>點或 </a:t>
-            </a:r>
-            <a:r>
-              <a:rPr lang="en-US" altLang="zh-TW" sz="1200" b="0" kern="1200" dirty="0">
-                <a:solidFill>
-                  <a:schemeClr val="tx1"/>
-                </a:solidFill>
-                <a:effectLst/>
-                <a:latin typeface="+mn-lt"/>
-                <a:ea typeface="+mn-ea"/>
-                <a:cs typeface="+mn-cs"/>
-              </a:rPr>
-              <a:t>4 </a:t>
-            </a:r>
-            <a:r>
-              <a:rPr lang="zh-TW" altLang="en-US" sz="1200" b="0" kern="1200" dirty="0">
-                <a:solidFill>
-                  <a:schemeClr val="tx1"/>
-                </a:solidFill>
-                <a:effectLst/>
-                <a:latin typeface="+mn-lt"/>
-                <a:ea typeface="+mn-ea"/>
-                <a:cs typeface="+mn-cs"/>
-              </a:rPr>
-              <a:t>點</a:t>
-            </a:r>
-            <a:r>
-              <a:rPr lang="en-US" altLang="zh-TW" sz="1200" b="0" kern="1200" dirty="0">
-                <a:solidFill>
-                  <a:schemeClr val="tx1"/>
-                </a:solidFill>
-                <a:effectLst/>
-                <a:latin typeface="+mn-lt"/>
-                <a:ea typeface="+mn-ea"/>
-                <a:cs typeface="+mn-cs"/>
-              </a:rPr>
-              <a:t>) - </a:t>
-            </a:r>
-            <a:r>
-              <a:rPr lang="zh-TW" altLang="en-US" sz="1200" b="0" kern="1200" dirty="0">
-                <a:solidFill>
-                  <a:schemeClr val="tx1"/>
-                </a:solidFill>
-                <a:effectLst/>
-                <a:latin typeface="+mn-lt"/>
-                <a:ea typeface="+mn-ea"/>
-                <a:cs typeface="+mn-cs"/>
-              </a:rPr>
-              <a:t>排列組合、分群演算法。</a:t>
-            </a:r>
-          </a:p>
-          <a:p>
-            <a:r>
               <a:rPr lang="zh-TW" altLang="en-US" dirty="0"/>
-              <a:t>大梁</a:t>
+              <a:t>首先</a:t>
             </a:r>
             <a:endParaRPr lang="en-US" altLang="zh-TW" dirty="0"/>
           </a:p>
           <a:p>
             <a:r>
               <a:rPr lang="zh-TW" altLang="en-US" dirty="0"/>
-              <a:t>小梁</a:t>
+              <a:t>一般結構的地震力與重力的彎矩圖可能長這個樣子</a:t>
+            </a:r>
+            <a:endParaRPr lang="en-US" altLang="zh-TW" dirty="0"/>
+          </a:p>
+          <a:p>
+            <a:r>
+              <a:rPr lang="zh-TW" altLang="en-US" dirty="0"/>
+              <a:t>我們把這一塊拿出來看</a:t>
             </a:r>
           </a:p>
         </p:txBody>
@@ -3514,7 +2880,7 @@
           <a:p>
             <a:fld id="{70B22B0D-1CA7-4298-B4CD-04A0716BCB99}" type="slidenum">
               <a:rPr lang="zh-TW" altLang="en-US" smtClean="0"/>
-              <a:t>5</a:t>
+              <a:t>6</a:t>
             </a:fld>
             <a:endParaRPr lang="zh-TW" altLang="en-US"/>
           </a:p>
@@ -3523,7 +2889,7 @@
     </p:spTree>
     <p:extLst>
       <p:ext uri="{BB962C8B-B14F-4D97-AF65-F5344CB8AC3E}">
-        <p14:creationId xmlns:p14="http://schemas.microsoft.com/office/powerpoint/2010/main" val="786843019"/>
+        <p14:creationId xmlns:p14="http://schemas.microsoft.com/office/powerpoint/2010/main" val="1442907462"/>
       </p:ext>
     </p:extLst>
   </p:cSld>
@@ -3579,22 +2945,163 @@
           <a:p>
             <a:r>
               <a:rPr lang="zh-TW" altLang="en-US" dirty="0"/>
-              <a:t>首先</a:t>
+              <a:t>假設重力、地震力的實際需求如左上圖</a:t>
             </a:r>
             <a:endParaRPr lang="en-US" altLang="zh-TW" dirty="0"/>
           </a:p>
           <a:p>
             <a:r>
               <a:rPr lang="zh-TW" altLang="en-US" dirty="0"/>
-              <a:t>一般結構的地震力與重力的彎矩圖可能長這個樣子</a:t>
+              <a:t>重力的部分已經系數化了</a:t>
             </a:r>
             <a:endParaRPr lang="en-US" altLang="zh-TW" dirty="0"/>
           </a:p>
           <a:p>
             <a:r>
               <a:rPr lang="zh-TW" altLang="en-US" dirty="0"/>
-              <a:t>我們把這一塊拿出來看</a:t>
-            </a:r>
+              <a:t>取 </a:t>
+            </a:r>
+            <a:r>
+              <a:rPr lang="en-US" altLang="zh-TW" dirty="0"/>
+              <a:t>1</a:t>
+            </a:r>
+            <a:r>
+              <a:rPr lang="zh-TW" altLang="en-US" dirty="0"/>
+              <a:t> 組載重組合為例</a:t>
+            </a:r>
+            <a:endParaRPr lang="en-US" altLang="zh-TW" dirty="0"/>
+          </a:p>
+          <a:p>
+            <a:r>
+              <a:rPr lang="en-US" altLang="zh-TW" dirty="0"/>
+              <a:t>1.2DL</a:t>
+            </a:r>
+            <a:r>
+              <a:rPr lang="zh-TW" altLang="en-US" dirty="0"/>
+              <a:t> </a:t>
+            </a:r>
+            <a:r>
+              <a:rPr lang="en-US" altLang="zh-TW" dirty="0"/>
+              <a:t>+</a:t>
+            </a:r>
+            <a:r>
+              <a:rPr lang="zh-TW" altLang="en-US" dirty="0"/>
+              <a:t> </a:t>
+            </a:r>
+            <a:r>
+              <a:rPr lang="en-US" altLang="zh-TW" dirty="0"/>
+              <a:t>0.5LL</a:t>
+            </a:r>
+          </a:p>
+          <a:p>
+            <a:endParaRPr lang="en-US" altLang="zh-TW" dirty="0"/>
+          </a:p>
+          <a:p>
+            <a:r>
+              <a:rPr lang="zh-TW" altLang="en-US" dirty="0"/>
+              <a:t>線性疊加</a:t>
+            </a:r>
+            <a:endParaRPr lang="en-US" altLang="zh-TW" dirty="0"/>
+          </a:p>
+          <a:p>
+            <a:r>
+              <a:rPr lang="zh-TW" altLang="en-US" dirty="0"/>
+              <a:t>取包絡線</a:t>
+            </a:r>
+            <a:endParaRPr lang="en-US" altLang="zh-TW" dirty="0"/>
+          </a:p>
+          <a:p>
+            <a:endParaRPr lang="en-US" altLang="zh-TW" dirty="0"/>
+          </a:p>
+          <a:p>
+            <a:r>
+              <a:rPr lang="zh-TW" altLang="en-US" dirty="0"/>
+              <a:t>依據需求所得出的左中右的配筋</a:t>
+            </a:r>
+            <a:endParaRPr lang="en-US" altLang="zh-TW" dirty="0"/>
+          </a:p>
+          <a:p>
+            <a:r>
+              <a:rPr lang="zh-TW" altLang="en-US" dirty="0"/>
+              <a:t>左端為 </a:t>
+            </a:r>
+            <a:r>
+              <a:rPr lang="en-US" altLang="zh-TW" dirty="0"/>
+              <a:t>0~1/3</a:t>
+            </a:r>
+            <a:r>
+              <a:rPr lang="zh-TW" altLang="en-US" dirty="0"/>
+              <a:t> 的最大值</a:t>
+            </a:r>
+            <a:endParaRPr lang="en-US" altLang="zh-TW" dirty="0"/>
+          </a:p>
+          <a:p>
+            <a:r>
+              <a:rPr lang="zh-TW" altLang="en-US" dirty="0"/>
+              <a:t>中央是 </a:t>
+            </a:r>
+            <a:r>
+              <a:rPr lang="en-US" altLang="zh-TW" dirty="0"/>
+              <a:t>1/4~3/4</a:t>
+            </a:r>
+            <a:r>
+              <a:rPr lang="zh-TW" altLang="en-US" dirty="0"/>
+              <a:t> 的最大值</a:t>
+            </a:r>
+            <a:endParaRPr lang="en-US" altLang="zh-TW" dirty="0"/>
+          </a:p>
+          <a:p>
+            <a:r>
+              <a:rPr lang="zh-TW" altLang="en-US" dirty="0"/>
+              <a:t>右端是 </a:t>
+            </a:r>
+            <a:r>
+              <a:rPr lang="en-US" altLang="zh-TW" dirty="0"/>
+              <a:t>2/3~1</a:t>
+            </a:r>
+            <a:r>
+              <a:rPr lang="zh-TW" altLang="en-US" dirty="0"/>
+              <a:t> 的最大值</a:t>
+            </a:r>
+            <a:endParaRPr lang="en-US" altLang="zh-TW" dirty="0"/>
+          </a:p>
+          <a:p>
+            <a:endParaRPr lang="en-US" altLang="zh-TW" dirty="0"/>
+          </a:p>
+          <a:p>
+            <a:r>
+              <a:rPr lang="zh-TW" altLang="en-US" dirty="0"/>
+              <a:t>實際配筋應該會再大一點</a:t>
+            </a:r>
+            <a:endParaRPr lang="en-US" altLang="zh-TW" dirty="0"/>
+          </a:p>
+          <a:p>
+            <a:r>
+              <a:rPr lang="zh-TW" altLang="en-US" dirty="0"/>
+              <a:t>而且最少會有兩支的限制</a:t>
+            </a:r>
+            <a:endParaRPr lang="en-US" altLang="zh-TW" dirty="0"/>
+          </a:p>
+          <a:p>
+            <a:r>
+              <a:rPr lang="zh-TW" altLang="en-US" dirty="0"/>
+              <a:t>這裡取最 </a:t>
+            </a:r>
+            <a:r>
+              <a:rPr lang="en-US" altLang="zh-TW" dirty="0"/>
+              <a:t>critical </a:t>
+            </a:r>
+            <a:r>
+              <a:rPr lang="zh-TW" altLang="en-US" dirty="0"/>
+              <a:t>的情況</a:t>
+            </a:r>
+            <a:endParaRPr lang="en-US" altLang="zh-TW" dirty="0"/>
+          </a:p>
+          <a:p>
+            <a:endParaRPr lang="zh-TW" altLang="en-US" dirty="0"/>
+          </a:p>
+          <a:p>
+            <a:endParaRPr lang="zh-TW" altLang="en-US" dirty="0"/>
           </a:p>
         </p:txBody>
       </p:sp>
@@ -3624,7 +3131,7 @@
     </p:spTree>
     <p:extLst>
       <p:ext uri="{BB962C8B-B14F-4D97-AF65-F5344CB8AC3E}">
-        <p14:creationId xmlns:p14="http://schemas.microsoft.com/office/powerpoint/2010/main" val="1442907462"/>
+        <p14:creationId xmlns:p14="http://schemas.microsoft.com/office/powerpoint/2010/main" val="3093976965"/>
       </p:ext>
     </p:extLst>
   </p:cSld>
@@ -3680,51 +3187,155 @@
           <a:p>
             <a:r>
               <a:rPr lang="zh-TW" altLang="en-US" dirty="0"/>
-              <a:t>大梁</a:t>
+              <a:t>再來就是依據現有配筋依據需求曲線做優化</a:t>
             </a:r>
             <a:endParaRPr lang="en-US" altLang="zh-TW" dirty="0"/>
           </a:p>
           <a:p>
             <a:r>
               <a:rPr lang="zh-TW" altLang="en-US" dirty="0"/>
-              <a:t>假設重力、地震力的實際需求如右圖</a:t>
+              <a:t>首先是上層筋的部分</a:t>
             </a:r>
             <a:endParaRPr lang="en-US" altLang="zh-TW" dirty="0"/>
           </a:p>
           <a:p>
             <a:r>
               <a:rPr lang="zh-TW" altLang="en-US" dirty="0"/>
-              <a:t>重力的部分已經系數化了</a:t>
+              <a:t>中間沒有需求</a:t>
             </a:r>
             <a:endParaRPr lang="en-US" altLang="zh-TW" dirty="0"/>
           </a:p>
           <a:p>
             <a:r>
               <a:rPr lang="zh-TW" altLang="en-US" dirty="0"/>
-              <a:t>取 </a:t>
+              <a:t>兩端主要由耐震控制</a:t>
+            </a:r>
+            <a:endParaRPr lang="en-US" altLang="zh-TW" dirty="0"/>
+          </a:p>
+          <a:p>
+            <a:r>
+              <a:rPr lang="zh-TW" altLang="en-US" dirty="0"/>
+              <a:t>我們就直接拉直</a:t>
+            </a:r>
+            <a:endParaRPr lang="en-US" altLang="zh-TW" dirty="0"/>
+          </a:p>
+          <a:p>
+            <a:endParaRPr lang="en-US" altLang="zh-TW" dirty="0"/>
+          </a:p>
+          <a:p>
+            <a:r>
+              <a:rPr lang="zh-TW" altLang="en-US" dirty="0"/>
+              <a:t>接下來是下層筋的部分</a:t>
+            </a:r>
+            <a:endParaRPr lang="en-US" altLang="zh-TW" dirty="0"/>
+          </a:p>
+          <a:p>
+            <a:r>
+              <a:rPr lang="zh-TW" altLang="en-US" dirty="0"/>
+              <a:t>這部分就比較複雜了</a:t>
+            </a:r>
+            <a:endParaRPr lang="en-US" altLang="zh-TW" dirty="0"/>
+          </a:p>
+          <a:p>
+            <a:r>
+              <a:rPr lang="zh-TW" altLang="en-US" dirty="0"/>
+              <a:t>左右兩端由耐震控制</a:t>
+            </a:r>
+            <a:endParaRPr lang="en-US" altLang="zh-TW" dirty="0"/>
+          </a:p>
+          <a:p>
+            <a:r>
+              <a:rPr lang="zh-TW" altLang="en-US" dirty="0"/>
+              <a:t>中央我們原本預估是由重力控制</a:t>
+            </a:r>
+            <a:endParaRPr lang="en-US" altLang="zh-TW" dirty="0"/>
+          </a:p>
+          <a:p>
+            <a:r>
+              <a:rPr lang="zh-TW" altLang="en-US" dirty="0"/>
+              <a:t>後來真的下去做的時候發現會有地震力的因素參雜進來</a:t>
+            </a:r>
+            <a:endParaRPr lang="en-US" altLang="zh-TW" dirty="0"/>
+          </a:p>
+          <a:p>
+            <a:r>
+              <a:rPr lang="zh-TW" altLang="en-US" dirty="0"/>
+              <a:t>如果中間依照重力，兩端依據地震力取大值會如藍色的線</a:t>
+            </a:r>
+            <a:endParaRPr lang="en-US" altLang="zh-TW" dirty="0"/>
+          </a:p>
+          <a:p>
+            <a:endParaRPr lang="en-US" altLang="zh-TW" dirty="0"/>
+          </a:p>
+          <a:p>
+            <a:r>
+              <a:rPr lang="zh-TW" altLang="en-US" dirty="0"/>
+              <a:t>可以發現藍色的部分相比於實際需求多估了</a:t>
+            </a:r>
+            <a:endParaRPr lang="en-US" altLang="zh-TW" dirty="0"/>
+          </a:p>
+          <a:p>
+            <a:r>
+              <a:rPr lang="zh-TW" altLang="en-US" dirty="0"/>
+              <a:t>而綠色部分的不保守</a:t>
+            </a:r>
+            <a:endParaRPr lang="en-US" altLang="zh-TW" dirty="0"/>
+          </a:p>
+          <a:p>
+            <a:endParaRPr lang="en-US" altLang="zh-TW" dirty="0"/>
+          </a:p>
+          <a:p>
+            <a:r>
+              <a:rPr lang="zh-TW" altLang="en-US" dirty="0"/>
+              <a:t>而如果我們直接拉直線</a:t>
+            </a:r>
+            <a:endParaRPr lang="en-US" altLang="zh-TW" dirty="0"/>
+          </a:p>
+          <a:p>
+            <a:r>
+              <a:rPr lang="zh-TW" altLang="en-US" dirty="0"/>
+              <a:t>效益會下降</a:t>
+            </a:r>
+            <a:endParaRPr lang="en-US" altLang="zh-TW" dirty="0"/>
+          </a:p>
+          <a:p>
+            <a:r>
+              <a:rPr lang="zh-TW" altLang="en-US" dirty="0"/>
+              <a:t>從整體 </a:t>
             </a:r>
             <a:r>
               <a:rPr lang="en-US" altLang="zh-TW" dirty="0"/>
-              <a:t>1</a:t>
+              <a:t>25%</a:t>
             </a:r>
             <a:r>
               <a:rPr lang="zh-TW" altLang="en-US" dirty="0"/>
-              <a:t> 組載重組合為例</a:t>
-            </a:r>
-            <a:endParaRPr lang="en-US" altLang="zh-TW" dirty="0"/>
-          </a:p>
-          <a:p>
+              <a:t> 的效益下降到 </a:t>
+            </a:r>
             <a:r>
               <a:rPr lang="en-US" altLang="zh-TW" dirty="0"/>
-              <a:t>1.2DL</a:t>
+              <a:t>17%</a:t>
             </a:r>
             <a:r>
               <a:rPr lang="zh-TW" altLang="en-US" dirty="0"/>
               <a:t> </a:t>
             </a:r>
+            <a:endParaRPr lang="en-US" altLang="zh-TW" dirty="0"/>
+          </a:p>
+          <a:p>
+            <a:r>
+              <a:rPr lang="zh-TW" altLang="en-US" dirty="0"/>
+              <a:t>而如果考慮延伸長度那效率還會進一步下降</a:t>
+            </a:r>
+            <a:endParaRPr lang="en-US" altLang="zh-TW" dirty="0"/>
+          </a:p>
+          <a:p>
+            <a:r>
+              <a:rPr lang="zh-TW" altLang="en-US" dirty="0"/>
+              <a:t>延伸長度：</a:t>
+            </a:r>
             <a:r>
               <a:rPr lang="en-US" altLang="zh-TW" dirty="0"/>
-              <a:t>+</a:t>
+              <a:t>6%</a:t>
             </a:r>
             <a:r>
               <a:rPr lang="zh-TW" altLang="en-US" dirty="0"/>
@@ -3732,114 +3343,18 @@
             </a:r>
             <a:r>
               <a:rPr lang="en-US" altLang="zh-TW" dirty="0"/>
-              <a:t>0.5LL</a:t>
-            </a:r>
-          </a:p>
-          <a:p>
-            <a:endParaRPr lang="en-US" altLang="zh-TW" dirty="0"/>
+              <a:t>3%</a:t>
+            </a:r>
           </a:p>
           <a:p>
             <a:r>
               <a:rPr lang="zh-TW" altLang="en-US" dirty="0"/>
-              <a:t>線性疊加</a:t>
-            </a:r>
-            <a:endParaRPr lang="en-US" altLang="zh-TW" dirty="0"/>
-          </a:p>
-          <a:p>
-            <a:r>
-              <a:rPr lang="zh-TW" altLang="en-US" dirty="0"/>
-              <a:t>取包絡線</a:t>
-            </a:r>
-            <a:endParaRPr lang="en-US" altLang="zh-TW" dirty="0"/>
-          </a:p>
-          <a:p>
-            <a:endParaRPr lang="en-US" altLang="zh-TW" dirty="0"/>
-          </a:p>
-          <a:p>
-            <a:r>
-              <a:rPr lang="zh-TW" altLang="en-US" dirty="0"/>
-              <a:t>依據需求所得出的左中右的配筋</a:t>
-            </a:r>
-            <a:endParaRPr lang="en-US" altLang="zh-TW" dirty="0"/>
-          </a:p>
-          <a:p>
-            <a:r>
-              <a:rPr lang="zh-TW" altLang="en-US" dirty="0"/>
-              <a:t>左端為 </a:t>
+              <a:t>沒有延伸：</a:t>
             </a:r>
             <a:r>
               <a:rPr lang="en-US" altLang="zh-TW" dirty="0"/>
-              <a:t>0~1/3</a:t>
-            </a:r>
-            <a:r>
-              <a:rPr lang="zh-TW" altLang="en-US" dirty="0"/>
-              <a:t> 的最大值</a:t>
-            </a:r>
-            <a:endParaRPr lang="en-US" altLang="zh-TW" dirty="0"/>
-          </a:p>
-          <a:p>
-            <a:r>
-              <a:rPr lang="zh-TW" altLang="en-US" dirty="0"/>
-              <a:t>中央是 </a:t>
-            </a:r>
-            <a:r>
-              <a:rPr lang="en-US" altLang="zh-TW" dirty="0"/>
-              <a:t>1/4~3/4</a:t>
-            </a:r>
-            <a:r>
-              <a:rPr lang="zh-TW" altLang="en-US" dirty="0"/>
-              <a:t> 的最大值</a:t>
-            </a:r>
-            <a:endParaRPr lang="en-US" altLang="zh-TW" dirty="0"/>
-          </a:p>
-          <a:p>
-            <a:r>
-              <a:rPr lang="zh-TW" altLang="en-US" dirty="0"/>
-              <a:t>右端是 </a:t>
-            </a:r>
-            <a:r>
-              <a:rPr lang="en-US" altLang="zh-TW" dirty="0"/>
-              <a:t>2/3~1</a:t>
-            </a:r>
-            <a:r>
-              <a:rPr lang="zh-TW" altLang="en-US" dirty="0"/>
-              <a:t> 的最大值</a:t>
-            </a:r>
-            <a:endParaRPr lang="en-US" altLang="zh-TW" dirty="0"/>
-          </a:p>
-          <a:p>
-            <a:endParaRPr lang="en-US" altLang="zh-TW" dirty="0"/>
-          </a:p>
-          <a:p>
-            <a:r>
-              <a:rPr lang="zh-TW" altLang="en-US" dirty="0"/>
-              <a:t>實際配筋應該會再大一點</a:t>
-            </a:r>
-            <a:endParaRPr lang="en-US" altLang="zh-TW" dirty="0"/>
-          </a:p>
-          <a:p>
-            <a:r>
-              <a:rPr lang="zh-TW" altLang="en-US" dirty="0"/>
-              <a:t>而且最少會有兩支的限制</a:t>
-            </a:r>
-            <a:endParaRPr lang="en-US" altLang="zh-TW" dirty="0"/>
-          </a:p>
-          <a:p>
-            <a:r>
-              <a:rPr lang="zh-TW" altLang="en-US" dirty="0"/>
-              <a:t>這裡取最 </a:t>
-            </a:r>
-            <a:r>
-              <a:rPr lang="en-US" altLang="zh-TW" dirty="0"/>
-              <a:t>critical </a:t>
-            </a:r>
-            <a:r>
-              <a:rPr lang="zh-TW" altLang="en-US" dirty="0"/>
-              <a:t>的情況</a:t>
-            </a:r>
-            <a:endParaRPr lang="en-US" altLang="zh-TW" dirty="0"/>
-          </a:p>
-          <a:p>
+              <a:t>25% 17%</a:t>
+            </a:r>
             <a:endParaRPr lang="zh-TW" altLang="en-US" dirty="0"/>
           </a:p>
           <a:p>
@@ -3873,7 +3388,7 @@
     </p:spTree>
     <p:extLst>
       <p:ext uri="{BB962C8B-B14F-4D97-AF65-F5344CB8AC3E}">
-        <p14:creationId xmlns:p14="http://schemas.microsoft.com/office/powerpoint/2010/main" val="3093976965"/>
+        <p14:creationId xmlns:p14="http://schemas.microsoft.com/office/powerpoint/2010/main" val="3059749440"/>
       </p:ext>
     </p:extLst>
   </p:cSld>
@@ -3929,178 +3444,86 @@
           <a:p>
             <a:r>
               <a:rPr lang="zh-TW" altLang="en-US" dirty="0"/>
-              <a:t>再來就是依據現有配筋依據需求曲線做優化</a:t>
+              <a:t>我們暫停一下</a:t>
             </a:r>
             <a:endParaRPr lang="en-US" altLang="zh-TW" dirty="0"/>
           </a:p>
           <a:p>
             <a:r>
               <a:rPr lang="zh-TW" altLang="en-US" dirty="0"/>
-              <a:t>首先是上層筋的部分</a:t>
+              <a:t>總結一下所有的推論</a:t>
             </a:r>
             <a:endParaRPr lang="en-US" altLang="zh-TW" dirty="0"/>
           </a:p>
           <a:p>
             <a:r>
               <a:rPr lang="zh-TW" altLang="en-US" dirty="0"/>
-              <a:t>中間沒有需求</a:t>
+              <a:t>綠色的線是地震力加上重力的需求</a:t>
             </a:r>
             <a:endParaRPr lang="en-US" altLang="zh-TW" dirty="0"/>
           </a:p>
           <a:p>
             <a:r>
               <a:rPr lang="zh-TW" altLang="en-US" dirty="0"/>
-              <a:t>兩端主要由耐震控制</a:t>
+              <a:t>藍色的是我們的演算法</a:t>
             </a:r>
             <a:endParaRPr lang="en-US" altLang="zh-TW" dirty="0"/>
           </a:p>
           <a:p>
             <a:r>
               <a:rPr lang="zh-TW" altLang="en-US" dirty="0"/>
-              <a:t>我們就直接拉直</a:t>
+              <a:t>但其實我們並無法滿足現在的結論</a:t>
             </a:r>
             <a:endParaRPr lang="en-US" altLang="zh-TW" dirty="0"/>
           </a:p>
           <a:p>
-            <a:endParaRPr lang="en-US" altLang="zh-TW" dirty="0"/>
-          </a:p>
-          <a:p>
             <a:r>
               <a:rPr lang="zh-TW" altLang="en-US" dirty="0"/>
-              <a:t>接下來是下層筋的部分</a:t>
-            </a:r>
-            <a:endParaRPr lang="en-US" altLang="zh-TW" dirty="0"/>
-          </a:p>
-          <a:p>
-            <a:r>
-              <a:rPr lang="zh-TW" altLang="en-US" dirty="0"/>
-              <a:t>這部分就比較複雜了</a:t>
-            </a:r>
-            <a:endParaRPr lang="en-US" altLang="zh-TW" dirty="0"/>
-          </a:p>
-          <a:p>
-            <a:r>
-              <a:rPr lang="zh-TW" altLang="en-US" dirty="0"/>
-              <a:t>左右兩端由耐震控制</a:t>
-            </a:r>
-            <a:endParaRPr lang="en-US" altLang="zh-TW" dirty="0"/>
-          </a:p>
-          <a:p>
-            <a:r>
-              <a:rPr lang="zh-TW" altLang="en-US" dirty="0"/>
-              <a:t>中央我們原本預估是由重力控制</a:t>
-            </a:r>
-            <a:endParaRPr lang="en-US" altLang="zh-TW" dirty="0"/>
-          </a:p>
-          <a:p>
-            <a:r>
-              <a:rPr lang="zh-TW" altLang="en-US" dirty="0"/>
-              <a:t>後來真的下去做的時候發現會有地震力的因素參雜進來了</a:t>
-            </a:r>
-            <a:endParaRPr lang="en-US" altLang="zh-TW" dirty="0"/>
-          </a:p>
-          <a:p>
-            <a:r>
-              <a:rPr lang="zh-TW" altLang="en-US" dirty="0"/>
-              <a:t>如果中間依照重力，兩端依據地震力取大值會如右方綠色的線</a:t>
-            </a:r>
-            <a:endParaRPr lang="en-US" altLang="zh-TW" dirty="0"/>
-          </a:p>
-          <a:p>
-            <a:endParaRPr lang="en-US" altLang="zh-TW" dirty="0"/>
-          </a:p>
-          <a:p>
-            <a:r>
-              <a:rPr lang="zh-TW" altLang="en-US" dirty="0"/>
-              <a:t>可以發現藍色的部分相比於實際需求多估了</a:t>
-            </a:r>
-            <a:endParaRPr lang="en-US" altLang="zh-TW" dirty="0"/>
-          </a:p>
-          <a:p>
-            <a:r>
-              <a:rPr lang="zh-TW" altLang="en-US" dirty="0"/>
-              <a:t>而綠色部分的不保守</a:t>
-            </a:r>
-            <a:endParaRPr lang="en-US" altLang="zh-TW" dirty="0"/>
-          </a:p>
-          <a:p>
-            <a:endParaRPr lang="en-US" altLang="zh-TW" dirty="0"/>
-          </a:p>
-          <a:p>
-            <a:r>
-              <a:rPr lang="zh-TW" altLang="en-US" dirty="0"/>
-              <a:t>而如果我們直接拉直線</a:t>
-            </a:r>
-            <a:endParaRPr lang="en-US" altLang="zh-TW" dirty="0"/>
-          </a:p>
-          <a:p>
-            <a:r>
-              <a:rPr lang="zh-TW" altLang="en-US" dirty="0"/>
-              <a:t>效益會下降</a:t>
-            </a:r>
-            <a:endParaRPr lang="en-US" altLang="zh-TW" dirty="0"/>
-          </a:p>
-          <a:p>
-            <a:r>
-              <a:rPr lang="zh-TW" altLang="en-US" dirty="0"/>
-              <a:t>從整體 </a:t>
-            </a:r>
-            <a:r>
-              <a:rPr lang="en-US" altLang="zh-TW" dirty="0"/>
-              <a:t>25%</a:t>
-            </a:r>
-            <a:r>
-              <a:rPr lang="zh-TW" altLang="en-US" dirty="0"/>
-              <a:t> 的效益下降到 </a:t>
-            </a:r>
-            <a:r>
-              <a:rPr lang="en-US" altLang="zh-TW" dirty="0"/>
-              <a:t>17%</a:t>
-            </a:r>
-            <a:r>
-              <a:rPr lang="zh-TW" altLang="en-US" dirty="0"/>
-              <a:t> </a:t>
-            </a:r>
-            <a:endParaRPr lang="en-US" altLang="zh-TW" dirty="0"/>
-          </a:p>
-          <a:p>
-            <a:r>
-              <a:rPr lang="zh-TW" altLang="en-US" dirty="0"/>
-              <a:t>而如果考慮延伸長度那效率還會進一步下降</a:t>
-            </a:r>
-            <a:endParaRPr lang="en-US" altLang="zh-TW" dirty="0"/>
-          </a:p>
-          <a:p>
-            <a:r>
-              <a:rPr lang="zh-TW" altLang="en-US" dirty="0"/>
-              <a:t>延伸長度：</a:t>
-            </a:r>
-            <a:r>
-              <a:rPr lang="en-US" altLang="zh-TW" dirty="0"/>
-              <a:t>6%</a:t>
-            </a:r>
-            <a:r>
-              <a:rPr lang="zh-TW" altLang="en-US" dirty="0"/>
-              <a:t> </a:t>
+              <a:t>這樣只有 </a:t>
             </a:r>
             <a:r>
               <a:rPr lang="en-US" altLang="zh-TW" dirty="0"/>
               <a:t>3%</a:t>
             </a:r>
-          </a:p>
-          <a:p>
             <a:r>
               <a:rPr lang="zh-TW" altLang="en-US" dirty="0"/>
-              <a:t>沒有延伸：</a:t>
+              <a:t> 的效率</a:t>
+            </a:r>
+            <a:endParaRPr lang="en-US" altLang="zh-TW" dirty="0"/>
+          </a:p>
+          <a:p>
+            <a:r>
+              <a:rPr lang="zh-TW" altLang="en-US" dirty="0"/>
+              <a:t>如果想要從現有配筋就有很好的效果的話 </a:t>
             </a:r>
             <a:r>
               <a:rPr lang="en-US" altLang="zh-TW" dirty="0"/>
-              <a:t>25% 17%</a:t>
-            </a:r>
-            <a:endParaRPr lang="zh-TW" altLang="en-US" dirty="0"/>
-          </a:p>
-          <a:p>
-            <a:endParaRPr lang="zh-TW" altLang="en-US" dirty="0"/>
+              <a:t>(</a:t>
+            </a:r>
+            <a:r>
+              <a:rPr lang="zh-TW" altLang="en-US" dirty="0"/>
+              <a:t> 如果已經產生配筋表格了</a:t>
+            </a:r>
+            <a:r>
+              <a:rPr lang="en-US" altLang="zh-TW" dirty="0"/>
+              <a:t>)</a:t>
+            </a:r>
+          </a:p>
+          <a:p>
+            <a:r>
+              <a:rPr lang="zh-TW" altLang="en-US" dirty="0"/>
+              <a:t>那我們就會需要更多的資料</a:t>
+            </a:r>
+            <a:endParaRPr lang="en-US" altLang="zh-TW" dirty="0"/>
+          </a:p>
+          <a:p>
+            <a:endParaRPr lang="en-US" altLang="zh-TW" dirty="0"/>
+          </a:p>
+          <a:p>
+            <a:endParaRPr lang="en-US" altLang="zh-TW" dirty="0"/>
+          </a:p>
+          <a:p>
+            <a:endParaRPr lang="en-US" altLang="zh-TW" dirty="0"/>
           </a:p>
         </p:txBody>
       </p:sp>
@@ -4130,7 +3553,7 @@
     </p:spTree>
     <p:extLst>
       <p:ext uri="{BB962C8B-B14F-4D97-AF65-F5344CB8AC3E}">
-        <p14:creationId xmlns:p14="http://schemas.microsoft.com/office/powerpoint/2010/main" val="3059749440"/>
+        <p14:creationId xmlns:p14="http://schemas.microsoft.com/office/powerpoint/2010/main" val="4170638052"/>
       </p:ext>
     </p:extLst>
   </p:cSld>
@@ -4185,87 +3608,289 @@
           <a:lstStyle/>
           <a:p>
             <a:r>
-              <a:rPr lang="zh-TW" altLang="en-US" dirty="0"/>
-              <a:t>我們暫停一下</a:t>
-            </a:r>
-            <a:endParaRPr lang="en-US" altLang="zh-TW" dirty="0"/>
-          </a:p>
-          <a:p>
-            <a:r>
-              <a:rPr lang="zh-TW" altLang="en-US" dirty="0"/>
-              <a:t>總結一下所有的推論</a:t>
-            </a:r>
-            <a:endParaRPr lang="en-US" altLang="zh-TW" dirty="0"/>
-          </a:p>
-          <a:p>
-            <a:r>
-              <a:rPr lang="zh-TW" altLang="en-US" dirty="0"/>
-              <a:t>綠色的線是地震力加上重力的需求</a:t>
-            </a:r>
-            <a:endParaRPr lang="en-US" altLang="zh-TW" dirty="0"/>
-          </a:p>
-          <a:p>
-            <a:r>
-              <a:rPr lang="zh-TW" altLang="en-US" dirty="0"/>
-              <a:t>藍色的是我們的演算法</a:t>
-            </a:r>
-            <a:endParaRPr lang="en-US" altLang="zh-TW" dirty="0"/>
-          </a:p>
-          <a:p>
-            <a:r>
-              <a:rPr lang="zh-TW" altLang="en-US" dirty="0"/>
-              <a:t>但其實我們並無法滿足現在的結論</a:t>
-            </a:r>
-            <a:endParaRPr lang="en-US" altLang="zh-TW" dirty="0"/>
-          </a:p>
-          <a:p>
-            <a:r>
-              <a:rPr lang="zh-TW" altLang="en-US" dirty="0"/>
-              <a:t>這樣只有 </a:t>
-            </a:r>
-            <a:r>
-              <a:rPr lang="en-US" altLang="zh-TW" dirty="0"/>
-              <a:t>3%</a:t>
-            </a:r>
-            <a:r>
-              <a:rPr lang="zh-TW" altLang="en-US" dirty="0"/>
-              <a:t> 的效率</a:t>
-            </a:r>
-            <a:endParaRPr lang="en-US" altLang="zh-TW" dirty="0"/>
-          </a:p>
-          <a:p>
-            <a:r>
-              <a:rPr lang="zh-TW" altLang="en-US" dirty="0"/>
-              <a:t>如果想要從現有配筋就有很好的效果的話 </a:t>
-            </a:r>
-            <a:r>
-              <a:rPr lang="en-US" altLang="zh-TW" dirty="0"/>
+              <a:rPr lang="en-US" altLang="zh-TW" sz="1200" b="0" kern="1200" dirty="0">
+                <a:solidFill>
+                  <a:schemeClr val="tx1"/>
+                </a:solidFill>
+                <a:effectLst/>
+                <a:latin typeface="+mn-lt"/>
+                <a:ea typeface="+mn-ea"/>
+                <a:cs typeface="+mn-cs"/>
+              </a:rPr>
+              <a:t>-</a:t>
+            </a:r>
+            <a:r>
+              <a:rPr lang="zh-TW" altLang="en-US" sz="1200" b="0" kern="1200" dirty="0">
+                <a:solidFill>
+                  <a:schemeClr val="tx1"/>
+                </a:solidFill>
+                <a:effectLst/>
+                <a:latin typeface="+mn-lt"/>
+                <a:ea typeface="+mn-ea"/>
+                <a:cs typeface="+mn-cs"/>
+              </a:rPr>
+              <a:t> 推估的演算法是用彎矩圖，上層筋以地震力，下層筋以重力與地震力進行多點斷筋。</a:t>
+            </a:r>
+          </a:p>
+          <a:p>
+            <a:r>
+              <a:rPr lang="en-US" altLang="zh-TW" sz="1200" b="0" kern="1200" dirty="0">
+                <a:solidFill>
+                  <a:schemeClr val="tx1"/>
+                </a:solidFill>
+                <a:effectLst/>
+                <a:latin typeface="+mn-lt"/>
+                <a:ea typeface="+mn-ea"/>
+                <a:cs typeface="+mn-cs"/>
+              </a:rPr>
+              <a:t>-</a:t>
+            </a:r>
+            <a:r>
+              <a:rPr lang="zh-TW" altLang="en-US" sz="1200" b="0" kern="1200" dirty="0">
+                <a:solidFill>
+                  <a:schemeClr val="tx1"/>
+                </a:solidFill>
+                <a:effectLst/>
+                <a:latin typeface="+mn-lt"/>
+                <a:ea typeface="+mn-ea"/>
+                <a:cs typeface="+mn-cs"/>
+              </a:rPr>
+              <a:t> 並加上精算法的延伸長度。</a:t>
+            </a:r>
+          </a:p>
+          <a:p>
+            <a:r>
+              <a:rPr lang="en-US" altLang="zh-TW" sz="1200" b="0" kern="1200" dirty="0">
+                <a:solidFill>
+                  <a:schemeClr val="tx1"/>
+                </a:solidFill>
+                <a:effectLst/>
+                <a:latin typeface="+mn-lt"/>
+                <a:ea typeface="+mn-ea"/>
+                <a:cs typeface="+mn-cs"/>
+              </a:rPr>
+              <a:t>-</a:t>
+            </a:r>
+            <a:r>
+              <a:rPr lang="zh-TW" altLang="en-US" sz="1200" b="0" kern="1200" dirty="0">
+                <a:solidFill>
+                  <a:schemeClr val="tx1"/>
+                </a:solidFill>
+                <a:effectLst/>
+                <a:latin typeface="+mn-lt"/>
+                <a:ea typeface="+mn-ea"/>
+                <a:cs typeface="+mn-cs"/>
+              </a:rPr>
+              <a:t> 手動輸入 </a:t>
+            </a:r>
+            <a:r>
+              <a:rPr lang="en-US" altLang="zh-TW" sz="1200" b="0" kern="1200" dirty="0">
+                <a:solidFill>
+                  <a:schemeClr val="tx1"/>
+                </a:solidFill>
+                <a:effectLst/>
+                <a:latin typeface="+mn-lt"/>
+                <a:ea typeface="+mn-ea"/>
+                <a:cs typeface="+mn-cs"/>
+              </a:rPr>
+              <a:t>Gravity </a:t>
+            </a:r>
+            <a:r>
+              <a:rPr lang="zh-TW" altLang="en-US" sz="1200" b="0" kern="1200" dirty="0">
+                <a:solidFill>
+                  <a:schemeClr val="tx1"/>
+                </a:solidFill>
+                <a:effectLst/>
+                <a:latin typeface="+mn-lt"/>
+                <a:ea typeface="+mn-ea"/>
+                <a:cs typeface="+mn-cs"/>
+              </a:rPr>
+              <a:t>需求。</a:t>
+            </a:r>
+            <a:r>
+              <a:rPr lang="en-US" altLang="zh-TW" sz="1200" b="0" kern="1200" dirty="0">
+                <a:solidFill>
+                  <a:schemeClr val="tx1"/>
+                </a:solidFill>
+                <a:effectLst/>
+                <a:latin typeface="+mn-lt"/>
+                <a:ea typeface="+mn-ea"/>
+                <a:cs typeface="+mn-cs"/>
+              </a:rPr>
               <a:t>(</a:t>
             </a:r>
             <a:r>
-              <a:rPr lang="zh-TW" altLang="en-US" dirty="0"/>
-              <a:t> 如果已經產生配筋表格了</a:t>
-            </a:r>
-            <a:r>
-              <a:rPr lang="en-US" altLang="zh-TW" dirty="0"/>
+              <a:rPr lang="zh-TW" altLang="en-US" sz="1200" b="0" kern="1200" dirty="0">
+                <a:solidFill>
+                  <a:schemeClr val="tx1"/>
+                </a:solidFill>
+                <a:effectLst/>
+                <a:latin typeface="+mn-lt"/>
+                <a:ea typeface="+mn-ea"/>
+                <a:cs typeface="+mn-cs"/>
+              </a:rPr>
+              <a:t>忽略帶寬、不平均</a:t>
+            </a:r>
+            <a:r>
+              <a:rPr lang="en-US" altLang="zh-TW" sz="1200" b="0" kern="1200" dirty="0">
+                <a:solidFill>
+                  <a:schemeClr val="tx1"/>
+                </a:solidFill>
+                <a:effectLst/>
+                <a:latin typeface="+mn-lt"/>
+                <a:ea typeface="+mn-ea"/>
+                <a:cs typeface="+mn-cs"/>
+              </a:rPr>
               <a:t>)</a:t>
             </a:r>
           </a:p>
           <a:p>
             <a:r>
-              <a:rPr lang="zh-TW" altLang="en-US" dirty="0"/>
-              <a:t>那我們就會需要更多的資料</a:t>
-            </a:r>
-            <a:endParaRPr lang="en-US" altLang="zh-TW" dirty="0"/>
-          </a:p>
-          <a:p>
-            <a:endParaRPr lang="en-US" altLang="zh-TW" dirty="0"/>
-          </a:p>
-          <a:p>
-            <a:endParaRPr lang="en-US" altLang="zh-TW" dirty="0"/>
-          </a:p>
-          <a:p>
-            <a:endParaRPr lang="en-US" altLang="zh-TW" dirty="0"/>
+              <a:rPr lang="en-US" altLang="zh-TW" sz="1200" b="0" kern="1200" dirty="0">
+                <a:solidFill>
+                  <a:schemeClr val="tx1"/>
+                </a:solidFill>
+                <a:effectLst/>
+                <a:latin typeface="+mn-lt"/>
+                <a:ea typeface="+mn-ea"/>
+                <a:cs typeface="+mn-cs"/>
+              </a:rPr>
+              <a:t>-</a:t>
+            </a:r>
+            <a:r>
+              <a:rPr lang="zh-TW" altLang="en-US" sz="1200" b="0" kern="1200" dirty="0">
+                <a:solidFill>
+                  <a:schemeClr val="tx1"/>
+                </a:solidFill>
+                <a:effectLst/>
+                <a:latin typeface="+mn-lt"/>
+                <a:ea typeface="+mn-ea"/>
+                <a:cs typeface="+mn-cs"/>
+              </a:rPr>
+              <a:t> 手動輸入 </a:t>
+            </a:r>
+            <a:r>
+              <a:rPr lang="en-US" altLang="zh-TW" sz="1200" b="0" kern="1200" dirty="0">
+                <a:solidFill>
+                  <a:schemeClr val="tx1"/>
+                </a:solidFill>
+                <a:effectLst/>
+                <a:latin typeface="+mn-lt"/>
+                <a:ea typeface="+mn-ea"/>
+                <a:cs typeface="+mn-cs"/>
+              </a:rPr>
+              <a:t>Gravity </a:t>
+            </a:r>
+            <a:r>
+              <a:rPr lang="zh-TW" altLang="en-US" sz="1200" b="0" kern="1200" dirty="0">
+                <a:solidFill>
+                  <a:schemeClr val="tx1"/>
+                </a:solidFill>
+                <a:effectLst/>
+                <a:latin typeface="+mn-lt"/>
+                <a:ea typeface="+mn-ea"/>
+                <a:cs typeface="+mn-cs"/>
+              </a:rPr>
+              <a:t>負彎矩偏差比例。</a:t>
+            </a:r>
+          </a:p>
+          <a:p>
+            <a:r>
+              <a:rPr lang="en-US" altLang="zh-TW" sz="1200" b="0" kern="1200" dirty="0">
+                <a:solidFill>
+                  <a:schemeClr val="tx1"/>
+                </a:solidFill>
+                <a:effectLst/>
+                <a:latin typeface="+mn-lt"/>
+                <a:ea typeface="+mn-ea"/>
+                <a:cs typeface="+mn-cs"/>
+              </a:rPr>
+              <a:t>-</a:t>
+            </a:r>
+            <a:r>
+              <a:rPr lang="zh-TW" altLang="en-US" sz="1200" b="0" kern="1200" dirty="0">
+                <a:solidFill>
+                  <a:schemeClr val="tx1"/>
+                </a:solidFill>
+                <a:effectLst/>
+                <a:latin typeface="+mn-lt"/>
+                <a:ea typeface="+mn-ea"/>
+                <a:cs typeface="+mn-cs"/>
+              </a:rPr>
+              <a:t> 由無限斷筋縮減到有限點斷筋</a:t>
+            </a:r>
+            <a:r>
+              <a:rPr lang="en-US" altLang="zh-TW" sz="1200" b="0" kern="1200" dirty="0">
+                <a:solidFill>
+                  <a:schemeClr val="tx1"/>
+                </a:solidFill>
+                <a:effectLst/>
+                <a:latin typeface="+mn-lt"/>
+                <a:ea typeface="+mn-ea"/>
+                <a:cs typeface="+mn-cs"/>
+              </a:rPr>
+              <a:t>(3 </a:t>
+            </a:r>
+            <a:r>
+              <a:rPr lang="zh-TW" altLang="en-US" sz="1200" b="0" kern="1200" dirty="0">
+                <a:solidFill>
+                  <a:schemeClr val="tx1"/>
+                </a:solidFill>
+                <a:effectLst/>
+                <a:latin typeface="+mn-lt"/>
+                <a:ea typeface="+mn-ea"/>
+                <a:cs typeface="+mn-cs"/>
+              </a:rPr>
+              <a:t>點或 </a:t>
+            </a:r>
+            <a:r>
+              <a:rPr lang="en-US" altLang="zh-TW" sz="1200" b="0" kern="1200" dirty="0">
+                <a:solidFill>
+                  <a:schemeClr val="tx1"/>
+                </a:solidFill>
+                <a:effectLst/>
+                <a:latin typeface="+mn-lt"/>
+                <a:ea typeface="+mn-ea"/>
+                <a:cs typeface="+mn-cs"/>
+              </a:rPr>
+              <a:t>4 </a:t>
+            </a:r>
+            <a:r>
+              <a:rPr lang="zh-TW" altLang="en-US" sz="1200" b="0" kern="1200" dirty="0">
+                <a:solidFill>
+                  <a:schemeClr val="tx1"/>
+                </a:solidFill>
+                <a:effectLst/>
+                <a:latin typeface="+mn-lt"/>
+                <a:ea typeface="+mn-ea"/>
+                <a:cs typeface="+mn-cs"/>
+              </a:rPr>
+              <a:t>點</a:t>
+            </a:r>
+            <a:r>
+              <a:rPr lang="en-US" altLang="zh-TW" sz="1200" b="0" kern="1200" dirty="0">
+                <a:solidFill>
+                  <a:schemeClr val="tx1"/>
+                </a:solidFill>
+                <a:effectLst/>
+                <a:latin typeface="+mn-lt"/>
+                <a:ea typeface="+mn-ea"/>
+                <a:cs typeface="+mn-cs"/>
+              </a:rPr>
+              <a:t>) - </a:t>
+            </a:r>
+            <a:r>
+              <a:rPr lang="zh-TW" altLang="en-US" sz="1200" b="0" kern="1200" dirty="0">
+                <a:solidFill>
+                  <a:schemeClr val="tx1"/>
+                </a:solidFill>
+                <a:effectLst/>
+                <a:latin typeface="+mn-lt"/>
+                <a:ea typeface="+mn-ea"/>
+                <a:cs typeface="+mn-cs"/>
+              </a:rPr>
+              <a:t>排列組合、分群演算法。</a:t>
+            </a:r>
           </a:p>
         </p:txBody>
       </p:sp>
@@ -4295,7 +3920,7 @@
     </p:spTree>
     <p:extLst>
       <p:ext uri="{BB962C8B-B14F-4D97-AF65-F5344CB8AC3E}">
-        <p14:creationId xmlns:p14="http://schemas.microsoft.com/office/powerpoint/2010/main" val="4170638052"/>
+        <p14:creationId xmlns:p14="http://schemas.microsoft.com/office/powerpoint/2010/main" val="260854439"/>
       </p:ext>
     </p:extLst>
   </p:cSld>
@@ -4462,7 +4087,7 @@
           <a:p>
             <a:fld id="{4491071E-FC34-4ACC-9A4F-6878788FB266}" type="datetime1">
               <a:rPr lang="zh-TW" altLang="en-US" smtClean="0"/>
-              <a:t>2018/7/27</a:t>
+              <a:t>2018/8/6</a:t>
             </a:fld>
             <a:endParaRPr lang="zh-TW" altLang="en-US"/>
           </a:p>
@@ -4711,7 +4336,7 @@
           <a:p>
             <a:fld id="{88A7ECBC-A5B3-42B7-80C3-C64FB9D58F4B}" type="datetime1">
               <a:rPr lang="zh-TW" altLang="en-US" smtClean="0"/>
-              <a:t>2018/7/27</a:t>
+              <a:t>2018/8/6</a:t>
             </a:fld>
             <a:endParaRPr lang="zh-TW" altLang="en-US"/>
           </a:p>
@@ -4847,7 +4472,7 @@
           <a:p>
             <a:fld id="{627C1653-D1C1-4F56-A031-EF8B1944FED3}" type="datetime1">
               <a:rPr lang="zh-TW" altLang="en-US" smtClean="0"/>
-              <a:t>2018/7/27</a:t>
+              <a:t>2018/8/6</a:t>
             </a:fld>
             <a:endParaRPr lang="zh-TW" altLang="en-US"/>
           </a:p>
@@ -5069,7 +4694,7 @@
           <a:p>
             <a:fld id="{F92F55F2-BFE4-4AC5-9A3A-100090348EA5}" type="datetime1">
               <a:rPr lang="zh-TW" altLang="en-US" smtClean="0"/>
-              <a:t>2018/7/27</a:t>
+              <a:t>2018/8/6</a:t>
             </a:fld>
             <a:endParaRPr lang="zh-TW" altLang="en-US"/>
           </a:p>
@@ -5239,7 +4864,7 @@
           <a:p>
             <a:fld id="{E9E4335F-5450-4016-AF42-FD73345B0565}" type="datetime1">
               <a:rPr lang="zh-TW" altLang="en-US" smtClean="0"/>
-              <a:t>2018/7/27</a:t>
+              <a:t>2018/8/6</a:t>
             </a:fld>
             <a:endParaRPr lang="zh-TW" altLang="en-US"/>
           </a:p>
@@ -5483,7 +5108,7 @@
           <a:p>
             <a:fld id="{2C06D0C6-AF15-483B-A8F0-D6C1AF87C846}" type="datetime1">
               <a:rPr lang="zh-TW" altLang="en-US" smtClean="0"/>
-              <a:t>2018/7/27</a:t>
+              <a:t>2018/8/6</a:t>
             </a:fld>
             <a:endParaRPr lang="zh-TW" altLang="en-US"/>
           </a:p>
@@ -5715,7 +5340,7 @@
           <a:p>
             <a:fld id="{7D3D4E74-3333-4D5F-BC0F-67A2DF2CDDFA}" type="datetime1">
               <a:rPr lang="zh-TW" altLang="en-US" smtClean="0"/>
-              <a:t>2018/7/27</a:t>
+              <a:t>2018/8/6</a:t>
             </a:fld>
             <a:endParaRPr lang="zh-TW" altLang="en-US"/>
           </a:p>
@@ -6082,7 +5707,7 @@
           <a:p>
             <a:fld id="{4541DC37-B1EF-4480-B72D-5C55507BD319}" type="datetime1">
               <a:rPr lang="zh-TW" altLang="en-US" smtClean="0"/>
-              <a:t>2018/7/27</a:t>
+              <a:t>2018/8/6</a:t>
             </a:fld>
             <a:endParaRPr lang="zh-TW" altLang="en-US"/>
           </a:p>
@@ -6200,7 +5825,7 @@
           <a:p>
             <a:fld id="{30819F20-558B-4949-AF26-380C491CE13B}" type="datetime1">
               <a:rPr lang="zh-TW" altLang="en-US" smtClean="0"/>
-              <a:t>2018/7/27</a:t>
+              <a:t>2018/8/6</a:t>
             </a:fld>
             <a:endParaRPr lang="zh-TW" altLang="en-US"/>
           </a:p>
@@ -6371,7 +5996,7 @@
           <a:p>
             <a:fld id="{AAB7AFAE-AB0A-436A-8F6B-DB4A874C4BE5}" type="datetime1">
               <a:rPr lang="zh-TW" altLang="en-US" smtClean="0"/>
-              <a:t>2018/7/27</a:t>
+              <a:t>2018/8/6</a:t>
             </a:fld>
             <a:endParaRPr lang="zh-TW" altLang="en-US"/>
           </a:p>
@@ -6678,7 +6303,7 @@
           <a:p>
             <a:fld id="{16D5C682-8CFC-4A9E-99B7-6A8C30CAA6D3}" type="datetime1">
               <a:rPr lang="zh-TW" altLang="en-US" smtClean="0"/>
-              <a:t>2018/7/27</a:t>
+              <a:t>2018/8/6</a:t>
             </a:fld>
             <a:endParaRPr lang="zh-TW" altLang="en-US"/>
           </a:p>
@@ -7156,7 +6781,7 @@
           <a:p>
             <a:fld id="{629854EB-1813-429E-9449-E301728E3833}" type="datetime1">
               <a:rPr lang="zh-TW" altLang="en-US" smtClean="0"/>
-              <a:t>2018/7/27</a:t>
+              <a:t>2018/8/6</a:t>
             </a:fld>
             <a:endParaRPr lang="zh-TW" altLang="en-US"/>
           </a:p>
@@ -7373,7 +6998,7 @@
           <a:p>
             <a:fld id="{253510B8-31E3-4853-849A-576C914AB391}" type="datetime1">
               <a:rPr lang="zh-TW" altLang="en-US" smtClean="0"/>
-              <a:t>2018/7/27</a:t>
+              <a:t>2018/8/6</a:t>
             </a:fld>
             <a:endParaRPr lang="zh-TW" altLang="en-US"/>
           </a:p>
@@ -7639,7 +7264,7 @@
           <a:p>
             <a:fld id="{87AF36B1-98A9-4511-9E18-97BBE680BE66}" type="datetime1">
               <a:rPr lang="zh-TW" altLang="en-US" smtClean="0"/>
-              <a:t>2018/7/27</a:t>
+              <a:t>2018/8/6</a:t>
             </a:fld>
             <a:endParaRPr lang="zh-TW" altLang="en-US"/>
           </a:p>
@@ -7850,7 +7475,7 @@
           <a:p>
             <a:fld id="{9F8FAB93-2311-4A94-B31F-3E8A44E47734}" type="datetime1">
               <a:rPr lang="zh-TW" altLang="en-US" smtClean="0"/>
-              <a:t>2018/7/27</a:t>
+              <a:t>2018/8/6</a:t>
             </a:fld>
             <a:endParaRPr lang="zh-TW" altLang="en-US"/>
           </a:p>
@@ -8517,7 +8142,7 @@
           <a:p>
             <a:fld id="{B861AAC8-DA9B-4D73-B7A5-B720A4A5F874}" type="datetime1">
               <a:rPr lang="zh-TW" altLang="en-US" smtClean="0"/>
-              <a:t>2018/7/27</a:t>
+              <a:t>2018/8/6</a:t>
             </a:fld>
             <a:endParaRPr lang="zh-TW" altLang="en-US"/>
           </a:p>
@@ -8823,7 +8448,7 @@
           <a:p>
             <a:fld id="{3577A47B-687C-4E6F-A53E-B23B8B9EBEB6}" type="datetime1">
               <a:rPr lang="zh-TW" altLang="en-US" smtClean="0"/>
-              <a:t>2018/7/27</a:t>
+              <a:t>2018/8/6</a:t>
             </a:fld>
             <a:endParaRPr lang="zh-TW" altLang="en-US"/>
           </a:p>
@@ -9061,7 +8686,7 @@
           <a:p>
             <a:fld id="{7FE0C4A1-1B1A-4889-8F80-3971ECCB4403}" type="datetime1">
               <a:rPr lang="zh-TW" altLang="en-US" smtClean="0"/>
-              <a:t>2018/7/27</a:t>
+              <a:t>2018/8/6</a:t>
             </a:fld>
             <a:endParaRPr lang="zh-TW" altLang="en-US"/>
           </a:p>
@@ -9777,13 +9402,13 @@
   <p:clrMapOvr>
     <a:masterClrMapping/>
   </p:clrMapOvr>
-  <mc:AlternateContent xmlns:mc="http://schemas.openxmlformats.org/markup-compatibility/2006">
-    <mc:Choice xmlns:p14="http://schemas.microsoft.com/office/powerpoint/2010/main" Requires="p14">
+  <mc:AlternateContent xmlns:mc="http://schemas.openxmlformats.org/markup-compatibility/2006" xmlns:p14="http://schemas.microsoft.com/office/powerpoint/2010/main">
+    <mc:Choice Requires="p14">
       <p:transition spd="med" p14:dur="700">
         <p:fade/>
       </p:transition>
     </mc:Choice>
-    <mc:Fallback>
+    <mc:Fallback xmlns="">
       <p:transition spd="med">
         <p:fade/>
       </p:transition>
@@ -9811,10 +9436,10 @@
       </p:grpSpPr>
       <p:sp>
         <p:nvSpPr>
-          <p:cNvPr id="10" name="文字版面配置區 9">
+          <p:cNvPr id="2" name="標題 1">
             <a:extLst>
               <a:ext uri="{FF2B5EF4-FFF2-40B4-BE49-F238E27FC236}">
-                <a16:creationId xmlns:a16="http://schemas.microsoft.com/office/drawing/2014/main" id="{491DA239-4007-4E63-8C81-311D54D05DBD}"/>
+                <a16:creationId xmlns:a16="http://schemas.microsoft.com/office/drawing/2014/main" id="{0100E54B-9D67-4255-AA29-1FFDAD99E27C}"/>
               </a:ext>
             </a:extLst>
           </p:cNvPr>
@@ -9822,40 +9447,28 @@
             <a:spLocks noGrp="1"/>
           </p:cNvSpPr>
           <p:nvPr>
-            <p:ph type="body" sz="quarter" idx="10"/>
-          </p:nvPr>
-        </p:nvSpPr>
-        <p:spPr>
-          <a:xfrm>
-            <a:off x="629841" y="660401"/>
-            <a:ext cx="5383032" cy="1006429"/>
-          </a:xfrm>
-        </p:spPr>
+            <p:ph type="title"/>
+          </p:nvPr>
+        </p:nvSpPr>
+        <p:spPr/>
         <p:txBody>
           <a:bodyPr/>
           <a:lstStyle/>
           <a:p>
             <a:r>
               <a:rPr lang="en-US" altLang="zh-TW" dirty="0"/>
-              <a:t>Moment Diagram</a:t>
-            </a:r>
-            <a:r>
-              <a:rPr lang="zh-TW" altLang="en-US" dirty="0"/>
-              <a:t> </a:t>
-            </a:r>
-            <a:r>
-              <a:rPr lang="en-US" altLang="zh-TW" dirty="0"/>
-              <a:t>Summary</a:t>
-            </a:r>
-          </a:p>
-        </p:txBody>
-      </p:sp>
-      <p:sp>
-        <p:nvSpPr>
-          <p:cNvPr id="2" name="投影片編號版面配置區 1">
+              <a:t>Linear - From Existing Rebar</a:t>
+            </a:r>
+            <a:endParaRPr lang="zh-TW" altLang="en-US" dirty="0"/>
+          </a:p>
+        </p:txBody>
+      </p:sp>
+      <p:sp>
+        <p:nvSpPr>
+          <p:cNvPr id="3" name="內容版面配置區 2">
             <a:extLst>
               <a:ext uri="{FF2B5EF4-FFF2-40B4-BE49-F238E27FC236}">
-                <a16:creationId xmlns:a16="http://schemas.microsoft.com/office/drawing/2014/main" id="{4885FC39-622C-477A-A882-24CA0149E100}"/>
+                <a16:creationId xmlns:a16="http://schemas.microsoft.com/office/drawing/2014/main" id="{17A10B09-AA28-4638-B261-B8697CBFF0F6}"/>
               </a:ext>
             </a:extLst>
           </p:cNvPr>
@@ -9863,7 +9476,99 @@
             <a:spLocks noGrp="1"/>
           </p:cNvSpPr>
           <p:nvPr>
-            <p:ph type="sldNum" sz="quarter" idx="13"/>
+            <p:ph idx="1"/>
+          </p:nvPr>
+        </p:nvSpPr>
+        <p:spPr/>
+        <p:txBody>
+          <a:bodyPr/>
+          <a:lstStyle/>
+          <a:p>
+            <a:r>
+              <a:rPr lang="en-US" altLang="zh-TW" dirty="0">
+                <a:solidFill>
+                  <a:schemeClr val="accent1"/>
+                </a:solidFill>
+              </a:rPr>
+              <a:t>Moment Diagram</a:t>
+            </a:r>
+          </a:p>
+          <a:p>
+            <a:pPr lvl="1"/>
+            <a:r>
+              <a:rPr lang="en-US" altLang="zh-TW" dirty="0"/>
+              <a:t>Top Rebar - EQ</a:t>
+            </a:r>
+          </a:p>
+          <a:p>
+            <a:pPr lvl="1"/>
+            <a:r>
+              <a:rPr lang="en-US" altLang="zh-TW" dirty="0"/>
+              <a:t>Bot Rebar – EQ and Gravity</a:t>
+            </a:r>
+          </a:p>
+          <a:p>
+            <a:r>
+              <a:rPr lang="en-US" altLang="zh-TW" dirty="0">
+                <a:solidFill>
+                  <a:schemeClr val="accent1"/>
+                </a:solidFill>
+              </a:rPr>
+              <a:t>Tension Development Length</a:t>
+            </a:r>
+          </a:p>
+          <a:p>
+            <a:pPr lvl="1"/>
+            <a:r>
+              <a:rPr lang="en-US" altLang="zh-TW" dirty="0"/>
+              <a:t>Simplified Provisions</a:t>
+            </a:r>
+          </a:p>
+          <a:p>
+            <a:pPr lvl="1"/>
+            <a:r>
+              <a:rPr lang="en-US" altLang="zh-TW" dirty="0"/>
+              <a:t>General Development Length Equation</a:t>
+            </a:r>
+          </a:p>
+          <a:p>
+            <a:r>
+              <a:rPr lang="en-US" altLang="zh-TW" dirty="0">
+                <a:solidFill>
+                  <a:schemeClr val="accent2"/>
+                </a:solidFill>
+              </a:rPr>
+              <a:t>Manual Gravity Demand</a:t>
+            </a:r>
+          </a:p>
+          <a:p>
+            <a:r>
+              <a:rPr lang="en-US" altLang="zh-TW" dirty="0"/>
+              <a:t>Manual Negative Gravity Demand Offset</a:t>
+            </a:r>
+          </a:p>
+          <a:p>
+            <a:r>
+              <a:rPr lang="en-US" altLang="zh-TW" dirty="0"/>
+              <a:t>Reduce to Three Points or Four Points</a:t>
+            </a:r>
+          </a:p>
+        </p:txBody>
+      </p:sp>
+      <p:sp>
+        <p:nvSpPr>
+          <p:cNvPr id="4" name="投影片編號版面配置區 3">
+            <a:extLst>
+              <a:ext uri="{FF2B5EF4-FFF2-40B4-BE49-F238E27FC236}">
+                <a16:creationId xmlns:a16="http://schemas.microsoft.com/office/drawing/2014/main" id="{1D199B2D-E365-4C7F-8C2A-AFEA86603DBE}"/>
+              </a:ext>
+            </a:extLst>
+          </p:cNvPr>
+          <p:cNvSpPr>
+            <a:spLocks noGrp="1"/>
+          </p:cNvSpPr>
+          <p:nvPr>
+            <p:ph type="sldNum" sz="quarter" idx="12"/>
           </p:nvPr>
         </p:nvSpPr>
         <p:spPr/>
@@ -9879,53 +9584,23 @@
           </a:p>
         </p:txBody>
       </p:sp>
-      <p:pic>
-        <p:nvPicPr>
-          <p:cNvPr id="9" name="圖片 8">
-            <a:extLst>
-              <a:ext uri="{FF2B5EF4-FFF2-40B4-BE49-F238E27FC236}">
-                <a16:creationId xmlns:a16="http://schemas.microsoft.com/office/drawing/2014/main" id="{4FBEC2F1-F15D-4AB3-A540-A7888F3FB67A}"/>
-              </a:ext>
-            </a:extLst>
-          </p:cNvPr>
-          <p:cNvPicPr>
-            <a:picLocks noChangeAspect="1"/>
-          </p:cNvPicPr>
-          <p:nvPr/>
-        </p:nvPicPr>
-        <p:blipFill>
-          <a:blip r:embed="rId3"/>
-          <a:stretch>
-            <a:fillRect/>
-          </a:stretch>
-        </p:blipFill>
-        <p:spPr>
-          <a:xfrm>
-            <a:off x="1805249" y="1666830"/>
-            <a:ext cx="5533501" cy="4144000"/>
-          </a:xfrm>
-          <a:prstGeom prst="rect">
-            <a:avLst/>
-          </a:prstGeom>
-        </p:spPr>
-      </p:pic>
     </p:spTree>
     <p:extLst>
       <p:ext uri="{BB962C8B-B14F-4D97-AF65-F5344CB8AC3E}">
-        <p14:creationId xmlns:p14="http://schemas.microsoft.com/office/powerpoint/2010/main" val="3101729406"/>
+        <p14:creationId xmlns:p14="http://schemas.microsoft.com/office/powerpoint/2010/main" val="4107931120"/>
       </p:ext>
     </p:extLst>
   </p:cSld>
   <p:clrMapOvr>
     <a:masterClrMapping/>
   </p:clrMapOvr>
-  <mc:AlternateContent xmlns:mc="http://schemas.openxmlformats.org/markup-compatibility/2006">
-    <mc:Choice xmlns:p14="http://schemas.microsoft.com/office/powerpoint/2010/main" Requires="p14">
+  <mc:AlternateContent xmlns:mc="http://schemas.openxmlformats.org/markup-compatibility/2006" xmlns:p14="http://schemas.microsoft.com/office/powerpoint/2010/main">
+    <mc:Choice Requires="p14">
       <p:transition spd="med" p14:dur="700">
         <p:fade/>
       </p:transition>
     </mc:Choice>
-    <mc:Fallback>
+    <mc:Fallback xmlns="">
       <p:transition spd="med">
         <p:fade/>
       </p:transition>
@@ -9953,6 +9628,850 @@
       </p:grpSpPr>
       <p:sp>
         <p:nvSpPr>
+          <p:cNvPr id="27" name="文字方塊 26">
+            <a:extLst>
+              <a:ext uri="{FF2B5EF4-FFF2-40B4-BE49-F238E27FC236}">
+                <a16:creationId xmlns:a16="http://schemas.microsoft.com/office/drawing/2014/main" id="{4EC4A0C9-2CD0-47FD-9AD0-EA3B8492793F}"/>
+              </a:ext>
+            </a:extLst>
+          </p:cNvPr>
+          <p:cNvSpPr txBox="1"/>
+          <p:nvPr/>
+        </p:nvSpPr>
+        <p:spPr>
+          <a:xfrm>
+            <a:off x="6477928" y="3136612"/>
+            <a:ext cx="753732" cy="584775"/>
+          </a:xfrm>
+          <a:prstGeom prst="rect">
+            <a:avLst/>
+          </a:prstGeom>
+          <a:noFill/>
+        </p:spPr>
+        <p:txBody>
+          <a:bodyPr wrap="none" rtlCol="0">
+            <a:spAutoFit/>
+          </a:bodyPr>
+          <a:lstStyle>
+            <a:defPPr>
+              <a:defRPr lang="en-US"/>
+            </a:defPPr>
+            <a:lvl1pPr>
+              <a:defRPr sz="3200">
+                <a:solidFill>
+                  <a:schemeClr val="accent1"/>
+                </a:solidFill>
+              </a:defRPr>
+            </a:lvl1pPr>
+          </a:lstStyle>
+          <a:p>
+            <a:r>
+              <a:rPr lang="en-US" altLang="zh-TW" dirty="0">
+                <a:solidFill>
+                  <a:schemeClr val="accent3"/>
+                </a:solidFill>
+              </a:rPr>
+              <a:t>185</a:t>
+            </a:r>
+            <a:endParaRPr lang="zh-TW" altLang="en-US" dirty="0">
+              <a:solidFill>
+                <a:schemeClr val="accent3"/>
+              </a:solidFill>
+            </a:endParaRPr>
+          </a:p>
+        </p:txBody>
+      </p:sp>
+      <p:sp>
+        <p:nvSpPr>
+          <p:cNvPr id="26" name="文字方塊 25">
+            <a:extLst>
+              <a:ext uri="{FF2B5EF4-FFF2-40B4-BE49-F238E27FC236}">
+                <a16:creationId xmlns:a16="http://schemas.microsoft.com/office/drawing/2014/main" id="{6A43ACAF-10FD-44C3-9E42-A3658356F206}"/>
+              </a:ext>
+            </a:extLst>
+          </p:cNvPr>
+          <p:cNvSpPr txBox="1"/>
+          <p:nvPr/>
+        </p:nvSpPr>
+        <p:spPr>
+          <a:xfrm>
+            <a:off x="1918753" y="3136611"/>
+            <a:ext cx="747320" cy="584775"/>
+          </a:xfrm>
+          <a:prstGeom prst="rect">
+            <a:avLst/>
+          </a:prstGeom>
+          <a:noFill/>
+        </p:spPr>
+        <p:txBody>
+          <a:bodyPr wrap="none" rtlCol="0">
+            <a:spAutoFit/>
+          </a:bodyPr>
+          <a:lstStyle/>
+          <a:p>
+            <a:r>
+              <a:rPr lang="en-US" altLang="zh-TW" sz="3200" dirty="0">
+                <a:solidFill>
+                  <a:schemeClr val="accent1"/>
+                </a:solidFill>
+              </a:rPr>
+              <a:t>137</a:t>
+            </a:r>
+            <a:endParaRPr lang="zh-TW" altLang="en-US" sz="3200" dirty="0">
+              <a:solidFill>
+                <a:schemeClr val="accent1"/>
+              </a:solidFill>
+            </a:endParaRPr>
+          </a:p>
+        </p:txBody>
+      </p:sp>
+      <p:sp>
+        <p:nvSpPr>
+          <p:cNvPr id="2" name="文字版面配置區 1">
+            <a:extLst>
+              <a:ext uri="{FF2B5EF4-FFF2-40B4-BE49-F238E27FC236}">
+                <a16:creationId xmlns:a16="http://schemas.microsoft.com/office/drawing/2014/main" id="{1D48F5BC-CC17-4D5E-A061-D46768826F8C}"/>
+              </a:ext>
+            </a:extLst>
+          </p:cNvPr>
+          <p:cNvSpPr>
+            <a:spLocks noGrp="1"/>
+          </p:cNvSpPr>
+          <p:nvPr>
+            <p:ph type="body" sz="quarter" idx="10"/>
+          </p:nvPr>
+        </p:nvSpPr>
+        <p:spPr>
+          <a:xfrm>
+            <a:off x="629841" y="660401"/>
+            <a:ext cx="5828109" cy="549381"/>
+          </a:xfrm>
+        </p:spPr>
+        <p:txBody>
+          <a:bodyPr/>
+          <a:lstStyle/>
+          <a:p>
+            <a:r>
+              <a:rPr lang="en-US" altLang="zh-TW" dirty="0"/>
+              <a:t>Tension Development Length</a:t>
+            </a:r>
+            <a:endParaRPr lang="zh-TW" altLang="en-US" dirty="0"/>
+          </a:p>
+        </p:txBody>
+      </p:sp>
+      <p:sp>
+        <p:nvSpPr>
+          <p:cNvPr id="3" name="投影片編號版面配置區 2">
+            <a:extLst>
+              <a:ext uri="{FF2B5EF4-FFF2-40B4-BE49-F238E27FC236}">
+                <a16:creationId xmlns:a16="http://schemas.microsoft.com/office/drawing/2014/main" id="{74A4696A-09FE-453B-8417-0F34E6AB5480}"/>
+              </a:ext>
+            </a:extLst>
+          </p:cNvPr>
+          <p:cNvSpPr>
+            <a:spLocks noGrp="1"/>
+          </p:cNvSpPr>
+          <p:nvPr>
+            <p:ph type="sldNum" sz="quarter" idx="13"/>
+          </p:nvPr>
+        </p:nvSpPr>
+        <p:spPr/>
+        <p:txBody>
+          <a:bodyPr/>
+          <a:lstStyle/>
+          <a:p>
+            <a:fld id="{2DDD7CF1-F89F-4FD9-B1E5-7228A8EA728A}" type="slidenum">
+              <a:rPr lang="zh-TW" altLang="en-US" smtClean="0"/>
+              <a:t>11</a:t>
+            </a:fld>
+            <a:endParaRPr lang="zh-TW" altLang="en-US"/>
+          </a:p>
+        </p:txBody>
+      </p:sp>
+      <p:pic>
+        <p:nvPicPr>
+          <p:cNvPr id="14" name="圖片 13">
+            <a:extLst>
+              <a:ext uri="{FF2B5EF4-FFF2-40B4-BE49-F238E27FC236}">
+                <a16:creationId xmlns:a16="http://schemas.microsoft.com/office/drawing/2014/main" id="{6515B37F-9099-4581-B8CF-69990151C76C}"/>
+              </a:ext>
+            </a:extLst>
+          </p:cNvPr>
+          <p:cNvPicPr>
+            <a:picLocks noChangeAspect="1"/>
+          </p:cNvPicPr>
+          <p:nvPr/>
+        </p:nvPicPr>
+        <p:blipFill>
+          <a:blip r:embed="rId2"/>
+          <a:stretch>
+            <a:fillRect/>
+          </a:stretch>
+        </p:blipFill>
+        <p:spPr>
+          <a:xfrm>
+            <a:off x="6413" y="4128030"/>
+            <a:ext cx="9144000" cy="1821676"/>
+          </a:xfrm>
+          <a:prstGeom prst="rect">
+            <a:avLst/>
+          </a:prstGeom>
+        </p:spPr>
+      </p:pic>
+      <p:sp>
+        <p:nvSpPr>
+          <p:cNvPr id="18" name="TextBox 98">
+            <a:extLst>
+              <a:ext uri="{FF2B5EF4-FFF2-40B4-BE49-F238E27FC236}">
+                <a16:creationId xmlns:a16="http://schemas.microsoft.com/office/drawing/2014/main" id="{5864028E-71D7-48AD-AE7A-30C74EB8908F}"/>
+              </a:ext>
+            </a:extLst>
+          </p:cNvPr>
+          <p:cNvSpPr txBox="1"/>
+          <p:nvPr/>
+        </p:nvSpPr>
+        <p:spPr>
+          <a:xfrm>
+            <a:off x="6413" y="2503094"/>
+            <a:ext cx="4572000" cy="415498"/>
+          </a:xfrm>
+          <a:prstGeom prst="rect">
+            <a:avLst/>
+          </a:prstGeom>
+          <a:noFill/>
+        </p:spPr>
+        <p:txBody>
+          <a:bodyPr wrap="square" lIns="0" rtlCol="0" anchor="t">
+            <a:spAutoFit/>
+          </a:bodyPr>
+          <a:lstStyle/>
+          <a:p>
+            <a:pPr algn="ctr"/>
+            <a:r>
+              <a:rPr lang="fr-FR" sz="2100" dirty="0">
+                <a:solidFill>
+                  <a:schemeClr val="accent1"/>
+                </a:solidFill>
+                <a:latin typeface="Segoe UI Light" panose="020B0502040204020203" pitchFamily="34" charset="0"/>
+                <a:cs typeface="Segoe UI Light" panose="020B0502040204020203" pitchFamily="34" charset="0"/>
+              </a:rPr>
+              <a:t>Simplified Provisions</a:t>
+            </a:r>
+          </a:p>
+        </p:txBody>
+      </p:sp>
+      <p:sp>
+        <p:nvSpPr>
+          <p:cNvPr id="19" name="TextBox 18">
+            <a:extLst>
+              <a:ext uri="{FF2B5EF4-FFF2-40B4-BE49-F238E27FC236}">
+                <a16:creationId xmlns:a16="http://schemas.microsoft.com/office/drawing/2014/main" id="{A3195F36-E68A-4D11-A672-DCE70D3A0C29}"/>
+              </a:ext>
+            </a:extLst>
+          </p:cNvPr>
+          <p:cNvSpPr txBox="1"/>
+          <p:nvPr/>
+        </p:nvSpPr>
+        <p:spPr>
+          <a:xfrm>
+            <a:off x="4568794" y="2503094"/>
+            <a:ext cx="4572000" cy="415498"/>
+          </a:xfrm>
+          <a:prstGeom prst="rect">
+            <a:avLst/>
+          </a:prstGeom>
+          <a:noFill/>
+        </p:spPr>
+        <p:txBody>
+          <a:bodyPr wrap="square" lIns="0" rtlCol="0" anchor="t">
+            <a:spAutoFit/>
+          </a:bodyPr>
+          <a:lstStyle/>
+          <a:p>
+            <a:pPr algn="ctr"/>
+            <a:r>
+              <a:rPr lang="fr-FR" sz="2100" dirty="0">
+                <a:solidFill>
+                  <a:schemeClr val="accent3"/>
+                </a:solidFill>
+                <a:latin typeface="Segoe UI Light" panose="020B0502040204020203" pitchFamily="34" charset="0"/>
+                <a:cs typeface="Segoe UI Light" panose="020B0502040204020203" pitchFamily="34" charset="0"/>
+              </a:rPr>
+              <a:t>General Development Length Equation</a:t>
+            </a:r>
+          </a:p>
+        </p:txBody>
+      </p:sp>
+      <p:sp>
+        <p:nvSpPr>
+          <p:cNvPr id="28" name="文字方塊 27">
+            <a:extLst>
+              <a:ext uri="{FF2B5EF4-FFF2-40B4-BE49-F238E27FC236}">
+                <a16:creationId xmlns:a16="http://schemas.microsoft.com/office/drawing/2014/main" id="{B028531F-9889-418B-8248-A9A56D1171DA}"/>
+              </a:ext>
+            </a:extLst>
+          </p:cNvPr>
+          <p:cNvSpPr txBox="1"/>
+          <p:nvPr/>
+        </p:nvSpPr>
+        <p:spPr>
+          <a:xfrm>
+            <a:off x="2427867" y="3325235"/>
+            <a:ext cx="476412" cy="369332"/>
+          </a:xfrm>
+          <a:prstGeom prst="rect">
+            <a:avLst/>
+          </a:prstGeom>
+          <a:noFill/>
+        </p:spPr>
+        <p:txBody>
+          <a:bodyPr wrap="none" rtlCol="0">
+            <a:spAutoFit/>
+          </a:bodyPr>
+          <a:lstStyle/>
+          <a:p>
+            <a:r>
+              <a:rPr lang="en-US" altLang="zh-TW" dirty="0">
+                <a:solidFill>
+                  <a:schemeClr val="accent1"/>
+                </a:solidFill>
+              </a:rPr>
+              <a:t>cm</a:t>
+            </a:r>
+            <a:endParaRPr lang="zh-TW" altLang="en-US" dirty="0">
+              <a:solidFill>
+                <a:schemeClr val="accent1"/>
+              </a:solidFill>
+            </a:endParaRPr>
+          </a:p>
+        </p:txBody>
+      </p:sp>
+      <p:sp>
+        <p:nvSpPr>
+          <p:cNvPr id="29" name="文字方塊 28">
+            <a:extLst>
+              <a:ext uri="{FF2B5EF4-FFF2-40B4-BE49-F238E27FC236}">
+                <a16:creationId xmlns:a16="http://schemas.microsoft.com/office/drawing/2014/main" id="{4C395A26-F43C-451A-8A10-03A2AEF0022A}"/>
+              </a:ext>
+            </a:extLst>
+          </p:cNvPr>
+          <p:cNvSpPr txBox="1"/>
+          <p:nvPr/>
+        </p:nvSpPr>
+        <p:spPr>
+          <a:xfrm>
+            <a:off x="7062115" y="3325235"/>
+            <a:ext cx="476412" cy="369332"/>
+          </a:xfrm>
+          <a:prstGeom prst="rect">
+            <a:avLst/>
+          </a:prstGeom>
+          <a:noFill/>
+        </p:spPr>
+        <p:txBody>
+          <a:bodyPr wrap="none" rtlCol="0">
+            <a:spAutoFit/>
+          </a:bodyPr>
+          <a:lstStyle/>
+          <a:p>
+            <a:r>
+              <a:rPr lang="en-US" altLang="zh-TW" dirty="0">
+                <a:solidFill>
+                  <a:schemeClr val="accent3"/>
+                </a:solidFill>
+              </a:rPr>
+              <a:t>cm</a:t>
+            </a:r>
+            <a:endParaRPr lang="zh-TW" altLang="en-US" dirty="0">
+              <a:solidFill>
+                <a:schemeClr val="accent3"/>
+              </a:solidFill>
+            </a:endParaRPr>
+          </a:p>
+        </p:txBody>
+      </p:sp>
+    </p:spTree>
+    <p:extLst>
+      <p:ext uri="{BB962C8B-B14F-4D97-AF65-F5344CB8AC3E}">
+        <p14:creationId xmlns:p14="http://schemas.microsoft.com/office/powerpoint/2010/main" val="751005399"/>
+      </p:ext>
+    </p:extLst>
+  </p:cSld>
+  <p:clrMapOvr>
+    <a:masterClrMapping/>
+  </p:clrMapOvr>
+</p:sld>
+</file>
+
+<file path=ppt/slides/slide12.xml><?xml version="1.0" encoding="utf-8"?>
+<p:sld xmlns:a="http://schemas.openxmlformats.org/drawingml/2006/main" xmlns:r="http://schemas.openxmlformats.org/officeDocument/2006/relationships" xmlns:p="http://schemas.openxmlformats.org/presentationml/2006/main">
+  <p:cSld>
+    <p:spTree>
+      <p:nvGrpSpPr>
+        <p:cNvPr id="1" name=""/>
+        <p:cNvGrpSpPr/>
+        <p:nvPr/>
+      </p:nvGrpSpPr>
+      <p:grpSpPr>
+        <a:xfrm>
+          <a:off x="0" y="0"/>
+          <a:ext cx="0" cy="0"/>
+          <a:chOff x="0" y="0"/>
+          <a:chExt cx="0" cy="0"/>
+        </a:xfrm>
+      </p:grpSpPr>
+      <p:sp>
+        <p:nvSpPr>
+          <p:cNvPr id="2" name="文字版面配置區 1">
+            <a:extLst>
+              <a:ext uri="{FF2B5EF4-FFF2-40B4-BE49-F238E27FC236}">
+                <a16:creationId xmlns:a16="http://schemas.microsoft.com/office/drawing/2014/main" id="{C4F8448B-B95C-467B-B0F5-F82A6D6C61C6}"/>
+              </a:ext>
+            </a:extLst>
+          </p:cNvPr>
+          <p:cNvSpPr>
+            <a:spLocks noGrp="1"/>
+          </p:cNvSpPr>
+          <p:nvPr>
+            <p:ph type="body" sz="quarter" idx="10"/>
+          </p:nvPr>
+        </p:nvSpPr>
+        <p:spPr/>
+        <p:txBody>
+          <a:bodyPr/>
+          <a:lstStyle/>
+          <a:p>
+            <a:endParaRPr lang="zh-TW" altLang="en-US"/>
+          </a:p>
+        </p:txBody>
+      </p:sp>
+      <p:sp>
+        <p:nvSpPr>
+          <p:cNvPr id="3" name="投影片編號版面配置區 2">
+            <a:extLst>
+              <a:ext uri="{FF2B5EF4-FFF2-40B4-BE49-F238E27FC236}">
+                <a16:creationId xmlns:a16="http://schemas.microsoft.com/office/drawing/2014/main" id="{0F0CFFA2-9918-4F5A-B924-679D9A01BCCC}"/>
+              </a:ext>
+            </a:extLst>
+          </p:cNvPr>
+          <p:cNvSpPr>
+            <a:spLocks noGrp="1"/>
+          </p:cNvSpPr>
+          <p:nvPr>
+            <p:ph type="sldNum" sz="quarter" idx="13"/>
+          </p:nvPr>
+        </p:nvSpPr>
+        <p:spPr/>
+        <p:txBody>
+          <a:bodyPr/>
+          <a:lstStyle/>
+          <a:p>
+            <a:fld id="{2DDD7CF1-F89F-4FD9-B1E5-7228A8EA728A}" type="slidenum">
+              <a:rPr lang="zh-TW" altLang="en-US" smtClean="0"/>
+              <a:t>12</a:t>
+            </a:fld>
+            <a:endParaRPr lang="zh-TW" altLang="en-US"/>
+          </a:p>
+        </p:txBody>
+      </p:sp>
+      <p:pic>
+        <p:nvPicPr>
+          <p:cNvPr id="9" name="圖片 8">
+            <a:extLst>
+              <a:ext uri="{FF2B5EF4-FFF2-40B4-BE49-F238E27FC236}">
+                <a16:creationId xmlns:a16="http://schemas.microsoft.com/office/drawing/2014/main" id="{C884A5B0-1757-475C-9192-17B5A3FAFACD}"/>
+              </a:ext>
+            </a:extLst>
+          </p:cNvPr>
+          <p:cNvPicPr>
+            <a:picLocks noChangeAspect="1"/>
+          </p:cNvPicPr>
+          <p:nvPr/>
+        </p:nvPicPr>
+        <p:blipFill>
+          <a:blip r:embed="rId2"/>
+          <a:stretch>
+            <a:fillRect/>
+          </a:stretch>
+        </p:blipFill>
+        <p:spPr>
+          <a:xfrm>
+            <a:off x="0" y="1853432"/>
+            <a:ext cx="9144000" cy="1972733"/>
+          </a:xfrm>
+          <a:prstGeom prst="rect">
+            <a:avLst/>
+          </a:prstGeom>
+        </p:spPr>
+      </p:pic>
+      <p:pic>
+        <p:nvPicPr>
+          <p:cNvPr id="13" name="圖片 12">
+            <a:extLst>
+              <a:ext uri="{FF2B5EF4-FFF2-40B4-BE49-F238E27FC236}">
+                <a16:creationId xmlns:a16="http://schemas.microsoft.com/office/drawing/2014/main" id="{94792A6B-61FA-4929-B9F3-CC5709A1F5BF}"/>
+              </a:ext>
+            </a:extLst>
+          </p:cNvPr>
+          <p:cNvPicPr>
+            <a:picLocks noChangeAspect="1"/>
+          </p:cNvPicPr>
+          <p:nvPr/>
+        </p:nvPicPr>
+        <p:blipFill>
+          <a:blip r:embed="rId3"/>
+          <a:stretch>
+            <a:fillRect/>
+          </a:stretch>
+        </p:blipFill>
+        <p:spPr>
+          <a:xfrm>
+            <a:off x="0" y="4469816"/>
+            <a:ext cx="9144000" cy="1886535"/>
+          </a:xfrm>
+          <a:prstGeom prst="rect">
+            <a:avLst/>
+          </a:prstGeom>
+        </p:spPr>
+      </p:pic>
+    </p:spTree>
+    <p:extLst>
+      <p:ext uri="{BB962C8B-B14F-4D97-AF65-F5344CB8AC3E}">
+        <p14:creationId xmlns:p14="http://schemas.microsoft.com/office/powerpoint/2010/main" val="3217134113"/>
+      </p:ext>
+    </p:extLst>
+  </p:cSld>
+  <p:clrMapOvr>
+    <a:masterClrMapping/>
+  </p:clrMapOvr>
+</p:sld>
+</file>
+
+<file path=ppt/slides/slide13.xml><?xml version="1.0" encoding="utf-8"?>
+<p:sld xmlns:a="http://schemas.openxmlformats.org/drawingml/2006/main" xmlns:r="http://schemas.openxmlformats.org/officeDocument/2006/relationships" xmlns:p="http://schemas.openxmlformats.org/presentationml/2006/main">
+  <p:cSld>
+    <p:spTree>
+      <p:nvGrpSpPr>
+        <p:cNvPr id="1" name=""/>
+        <p:cNvGrpSpPr/>
+        <p:nvPr/>
+      </p:nvGrpSpPr>
+      <p:grpSpPr>
+        <a:xfrm>
+          <a:off x="0" y="0"/>
+          <a:ext cx="0" cy="0"/>
+          <a:chOff x="0" y="0"/>
+          <a:chExt cx="0" cy="0"/>
+        </a:xfrm>
+      </p:grpSpPr>
+      <p:sp>
+        <p:nvSpPr>
+          <p:cNvPr id="2" name="文字版面配置區 1">
+            <a:extLst>
+              <a:ext uri="{FF2B5EF4-FFF2-40B4-BE49-F238E27FC236}">
+                <a16:creationId xmlns:a16="http://schemas.microsoft.com/office/drawing/2014/main" id="{B02B1AB4-C721-43CF-95D8-B3D26B265B86}"/>
+              </a:ext>
+            </a:extLst>
+          </p:cNvPr>
+          <p:cNvSpPr>
+            <a:spLocks noGrp="1"/>
+          </p:cNvSpPr>
+          <p:nvPr>
+            <p:ph type="body" sz="quarter" idx="10"/>
+          </p:nvPr>
+        </p:nvSpPr>
+        <p:spPr/>
+        <p:txBody>
+          <a:bodyPr/>
+          <a:lstStyle/>
+          <a:p>
+            <a:endParaRPr lang="zh-TW" altLang="en-US"/>
+          </a:p>
+        </p:txBody>
+      </p:sp>
+      <p:sp>
+        <p:nvSpPr>
+          <p:cNvPr id="3" name="投影片編號版面配置區 2">
+            <a:extLst>
+              <a:ext uri="{FF2B5EF4-FFF2-40B4-BE49-F238E27FC236}">
+                <a16:creationId xmlns:a16="http://schemas.microsoft.com/office/drawing/2014/main" id="{5A709B2E-790A-426E-BB24-CCEA1621FCE2}"/>
+              </a:ext>
+            </a:extLst>
+          </p:cNvPr>
+          <p:cNvSpPr>
+            <a:spLocks noGrp="1"/>
+          </p:cNvSpPr>
+          <p:nvPr>
+            <p:ph type="sldNum" sz="quarter" idx="13"/>
+          </p:nvPr>
+        </p:nvSpPr>
+        <p:spPr/>
+        <p:txBody>
+          <a:bodyPr/>
+          <a:lstStyle/>
+          <a:p>
+            <a:fld id="{2DDD7CF1-F89F-4FD9-B1E5-7228A8EA728A}" type="slidenum">
+              <a:rPr lang="zh-TW" altLang="en-US" smtClean="0"/>
+              <a:t>13</a:t>
+            </a:fld>
+            <a:endParaRPr lang="zh-TW" altLang="en-US"/>
+          </a:p>
+        </p:txBody>
+      </p:sp>
+      <p:pic>
+        <p:nvPicPr>
+          <p:cNvPr id="7" name="圖片 6">
+            <a:extLst>
+              <a:ext uri="{FF2B5EF4-FFF2-40B4-BE49-F238E27FC236}">
+                <a16:creationId xmlns:a16="http://schemas.microsoft.com/office/drawing/2014/main" id="{4647A4FF-7BFD-43A0-90CD-8BB0E8D90C92}"/>
+              </a:ext>
+            </a:extLst>
+          </p:cNvPr>
+          <p:cNvPicPr>
+            <a:picLocks noChangeAspect="1"/>
+          </p:cNvPicPr>
+          <p:nvPr/>
+        </p:nvPicPr>
+        <p:blipFill>
+          <a:blip r:embed="rId2"/>
+          <a:stretch>
+            <a:fillRect/>
+          </a:stretch>
+        </p:blipFill>
+        <p:spPr>
+          <a:xfrm>
+            <a:off x="452249" y="1657933"/>
+            <a:ext cx="8063101" cy="3542134"/>
+          </a:xfrm>
+          <a:prstGeom prst="rect">
+            <a:avLst/>
+          </a:prstGeom>
+        </p:spPr>
+      </p:pic>
+    </p:spTree>
+    <p:extLst>
+      <p:ext uri="{BB962C8B-B14F-4D97-AF65-F5344CB8AC3E}">
+        <p14:creationId xmlns:p14="http://schemas.microsoft.com/office/powerpoint/2010/main" val="4069270280"/>
+      </p:ext>
+    </p:extLst>
+  </p:cSld>
+  <p:clrMapOvr>
+    <a:masterClrMapping/>
+  </p:clrMapOvr>
+</p:sld>
+</file>
+
+<file path=ppt/slides/slide14.xml><?xml version="1.0" encoding="utf-8"?>
+<p:sld xmlns:a="http://schemas.openxmlformats.org/drawingml/2006/main" xmlns:r="http://schemas.openxmlformats.org/officeDocument/2006/relationships" xmlns:p="http://schemas.openxmlformats.org/presentationml/2006/main">
+  <p:cSld>
+    <p:spTree>
+      <p:nvGrpSpPr>
+        <p:cNvPr id="1" name=""/>
+        <p:cNvGrpSpPr/>
+        <p:nvPr/>
+      </p:nvGrpSpPr>
+      <p:grpSpPr>
+        <a:xfrm>
+          <a:off x="0" y="0"/>
+          <a:ext cx="0" cy="0"/>
+          <a:chOff x="0" y="0"/>
+          <a:chExt cx="0" cy="0"/>
+        </a:xfrm>
+      </p:grpSpPr>
+      <p:sp>
+        <p:nvSpPr>
+          <p:cNvPr id="2" name="標題 1">
+            <a:extLst>
+              <a:ext uri="{FF2B5EF4-FFF2-40B4-BE49-F238E27FC236}">
+                <a16:creationId xmlns:a16="http://schemas.microsoft.com/office/drawing/2014/main" id="{0100E54B-9D67-4255-AA29-1FFDAD99E27C}"/>
+              </a:ext>
+            </a:extLst>
+          </p:cNvPr>
+          <p:cNvSpPr>
+            <a:spLocks noGrp="1"/>
+          </p:cNvSpPr>
+          <p:nvPr>
+            <p:ph type="title"/>
+          </p:nvPr>
+        </p:nvSpPr>
+        <p:spPr/>
+        <p:txBody>
+          <a:bodyPr/>
+          <a:lstStyle/>
+          <a:p>
+            <a:r>
+              <a:rPr lang="en-US" altLang="zh-TW" dirty="0"/>
+              <a:t>Linear - From Existing Rebar</a:t>
+            </a:r>
+            <a:endParaRPr lang="zh-TW" altLang="en-US" dirty="0"/>
+          </a:p>
+        </p:txBody>
+      </p:sp>
+      <p:sp>
+        <p:nvSpPr>
+          <p:cNvPr id="3" name="內容版面配置區 2">
+            <a:extLst>
+              <a:ext uri="{FF2B5EF4-FFF2-40B4-BE49-F238E27FC236}">
+                <a16:creationId xmlns:a16="http://schemas.microsoft.com/office/drawing/2014/main" id="{17A10B09-AA28-4638-B261-B8697CBFF0F6}"/>
+              </a:ext>
+            </a:extLst>
+          </p:cNvPr>
+          <p:cNvSpPr>
+            <a:spLocks noGrp="1"/>
+          </p:cNvSpPr>
+          <p:nvPr>
+            <p:ph idx="1"/>
+          </p:nvPr>
+        </p:nvSpPr>
+        <p:spPr/>
+        <p:txBody>
+          <a:bodyPr/>
+          <a:lstStyle/>
+          <a:p>
+            <a:r>
+              <a:rPr lang="en-US" altLang="zh-TW" dirty="0">
+                <a:solidFill>
+                  <a:schemeClr val="accent1"/>
+                </a:solidFill>
+              </a:rPr>
+              <a:t>Moment Diagram</a:t>
+            </a:r>
+          </a:p>
+          <a:p>
+            <a:pPr lvl="1"/>
+            <a:r>
+              <a:rPr lang="en-US" altLang="zh-TW" dirty="0"/>
+              <a:t>Top Rebar - EQ</a:t>
+            </a:r>
+          </a:p>
+          <a:p>
+            <a:pPr lvl="1"/>
+            <a:r>
+              <a:rPr lang="en-US" altLang="zh-TW" dirty="0"/>
+              <a:t>Bot Rebar – EQ and Gravity</a:t>
+            </a:r>
+          </a:p>
+          <a:p>
+            <a:r>
+              <a:rPr lang="en-US" altLang="zh-TW" dirty="0">
+                <a:solidFill>
+                  <a:schemeClr val="accent1"/>
+                </a:solidFill>
+              </a:rPr>
+              <a:t>Tension Development Length</a:t>
+            </a:r>
+          </a:p>
+          <a:p>
+            <a:pPr lvl="1"/>
+            <a:r>
+              <a:rPr lang="en-US" altLang="zh-TW" dirty="0"/>
+              <a:t>Simplified Provisions</a:t>
+            </a:r>
+          </a:p>
+          <a:p>
+            <a:pPr lvl="1"/>
+            <a:r>
+              <a:rPr lang="en-US" altLang="zh-TW" dirty="0"/>
+              <a:t>General Development Length Equation</a:t>
+            </a:r>
+          </a:p>
+          <a:p>
+            <a:r>
+              <a:rPr lang="en-US" altLang="zh-TW" dirty="0">
+                <a:solidFill>
+                  <a:schemeClr val="accent2"/>
+                </a:solidFill>
+              </a:rPr>
+              <a:t>Manual Gravity Demand</a:t>
+            </a:r>
+          </a:p>
+          <a:p>
+            <a:r>
+              <a:rPr lang="en-US" altLang="zh-TW" dirty="0"/>
+              <a:t>Manual Negative Gravity Demand Offset</a:t>
+            </a:r>
+          </a:p>
+          <a:p>
+            <a:r>
+              <a:rPr lang="en-US" altLang="zh-TW" dirty="0"/>
+              <a:t>Reduce to Three Points or Four Points</a:t>
+            </a:r>
+          </a:p>
+        </p:txBody>
+      </p:sp>
+      <p:sp>
+        <p:nvSpPr>
+          <p:cNvPr id="4" name="投影片編號版面配置區 3">
+            <a:extLst>
+              <a:ext uri="{FF2B5EF4-FFF2-40B4-BE49-F238E27FC236}">
+                <a16:creationId xmlns:a16="http://schemas.microsoft.com/office/drawing/2014/main" id="{1D199B2D-E365-4C7F-8C2A-AFEA86603DBE}"/>
+              </a:ext>
+            </a:extLst>
+          </p:cNvPr>
+          <p:cNvSpPr>
+            <a:spLocks noGrp="1"/>
+          </p:cNvSpPr>
+          <p:nvPr>
+            <p:ph type="sldNum" sz="quarter" idx="12"/>
+          </p:nvPr>
+        </p:nvSpPr>
+        <p:spPr/>
+        <p:txBody>
+          <a:bodyPr/>
+          <a:lstStyle/>
+          <a:p>
+            <a:fld id="{2DDD7CF1-F89F-4FD9-B1E5-7228A8EA728A}" type="slidenum">
+              <a:rPr lang="zh-TW" altLang="en-US" smtClean="0"/>
+              <a:t>14</a:t>
+            </a:fld>
+            <a:endParaRPr lang="zh-TW" altLang="en-US"/>
+          </a:p>
+        </p:txBody>
+      </p:sp>
+    </p:spTree>
+    <p:extLst>
+      <p:ext uri="{BB962C8B-B14F-4D97-AF65-F5344CB8AC3E}">
+        <p14:creationId xmlns:p14="http://schemas.microsoft.com/office/powerpoint/2010/main" val="1454860553"/>
+      </p:ext>
+    </p:extLst>
+  </p:cSld>
+  <p:clrMapOvr>
+    <a:masterClrMapping/>
+  </p:clrMapOvr>
+  <mc:AlternateContent xmlns:mc="http://schemas.openxmlformats.org/markup-compatibility/2006" xmlns:p14="http://schemas.microsoft.com/office/powerpoint/2010/main">
+    <mc:Choice Requires="p14">
+      <p:transition spd="med" p14:dur="700">
+        <p:fade/>
+      </p:transition>
+    </mc:Choice>
+    <mc:Fallback xmlns="">
+      <p:transition spd="med">
+        <p:fade/>
+      </p:transition>
+    </mc:Fallback>
+  </mc:AlternateContent>
+</p:sld>
+</file>
+
+<file path=ppt/slides/slide15.xml><?xml version="1.0" encoding="utf-8"?>
+<p:sld xmlns:a="http://schemas.openxmlformats.org/drawingml/2006/main" xmlns:r="http://schemas.openxmlformats.org/officeDocument/2006/relationships" xmlns:p="http://schemas.openxmlformats.org/presentationml/2006/main">
+  <p:cSld>
+    <p:spTree>
+      <p:nvGrpSpPr>
+        <p:cNvPr id="1" name=""/>
+        <p:cNvGrpSpPr/>
+        <p:nvPr/>
+      </p:nvGrpSpPr>
+      <p:grpSpPr>
+        <a:xfrm>
+          <a:off x="0" y="0"/>
+          <a:ext cx="0" cy="0"/>
+          <a:chOff x="0" y="0"/>
+          <a:chExt cx="0" cy="0"/>
+        </a:xfrm>
+      </p:grpSpPr>
+      <p:sp>
+        <p:nvSpPr>
           <p:cNvPr id="2" name="文字版面配置區 1">
             <a:extLst>
               <a:ext uri="{FF2B5EF4-FFF2-40B4-BE49-F238E27FC236}">
@@ -10003,7 +10522,7 @@
           <a:p>
             <a:fld id="{2DDD7CF1-F89F-4FD9-B1E5-7228A8EA728A}" type="slidenum">
               <a:rPr lang="zh-TW" altLang="en-US" smtClean="0"/>
-              <a:t>11</a:t>
+              <a:t>15</a:t>
             </a:fld>
             <a:endParaRPr lang="zh-TW" altLang="en-US"/>
           </a:p>
@@ -10079,13 +10598,13 @@
   <p:clrMapOvr>
     <a:masterClrMapping/>
   </p:clrMapOvr>
-  <mc:AlternateContent xmlns:mc="http://schemas.openxmlformats.org/markup-compatibility/2006">
-    <mc:Choice xmlns:p14="http://schemas.microsoft.com/office/powerpoint/2010/main" Requires="p14">
+  <mc:AlternateContent xmlns:mc="http://schemas.openxmlformats.org/markup-compatibility/2006" xmlns:p14="http://schemas.microsoft.com/office/powerpoint/2010/main">
+    <mc:Choice Requires="p14">
       <p:transition spd="med" p14:dur="700">
         <p:fade/>
       </p:transition>
     </mc:Choice>
-    <mc:Fallback>
+    <mc:Fallback xmlns="">
       <p:transition spd="med">
         <p:fade/>
       </p:transition>
@@ -10094,7 +10613,7 @@
 </p:sld>
 </file>
 
-<file path=ppt/slides/slide12.xml><?xml version="1.0" encoding="utf-8"?>
+<file path=ppt/slides/slide16.xml><?xml version="1.0" encoding="utf-8"?>
 <p:sld xmlns:a="http://schemas.openxmlformats.org/drawingml/2006/main" xmlns:r="http://schemas.openxmlformats.org/officeDocument/2006/relationships" xmlns:p="http://schemas.openxmlformats.org/presentationml/2006/main">
   <p:cSld>
     <p:spTree>
@@ -10163,7 +10682,7 @@
           <a:p>
             <a:fld id="{2DDD7CF1-F89F-4FD9-B1E5-7228A8EA728A}" type="slidenum">
               <a:rPr lang="zh-TW" altLang="en-US" smtClean="0"/>
-              <a:t>12</a:t>
+              <a:t>16</a:t>
             </a:fld>
             <a:endParaRPr lang="zh-TW" altLang="en-US" dirty="0"/>
           </a:p>
@@ -10241,8 +10760,8 @@
           </a:p>
         </p:txBody>
       </p:sp>
-      <mc:AlternateContent xmlns:mc="http://schemas.openxmlformats.org/markup-compatibility/2006">
-        <mc:Choice xmlns:a14="http://schemas.microsoft.com/office/drawing/2010/main" Requires="a14">
+      <mc:AlternateContent xmlns:mc="http://schemas.openxmlformats.org/markup-compatibility/2006" xmlns:a14="http://schemas.microsoft.com/office/drawing/2010/main">
+        <mc:Choice Requires="a14">
           <p:sp>
             <p:nvSpPr>
               <p:cNvPr id="10" name="矩形 9">
@@ -10368,7 +10887,7 @@
             </p:txBody>
           </p:sp>
         </mc:Choice>
-        <mc:Fallback>
+        <mc:Fallback xmlns="">
           <p:sp>
             <p:nvSpPr>
               <p:cNvPr id="10" name="矩形 9">
@@ -10743,13 +11262,13 @@
   <p:clrMapOvr>
     <a:masterClrMapping/>
   </p:clrMapOvr>
-  <mc:AlternateContent xmlns:mc="http://schemas.openxmlformats.org/markup-compatibility/2006">
-    <mc:Choice xmlns:p14="http://schemas.microsoft.com/office/powerpoint/2010/main" Requires="p14">
+  <mc:AlternateContent xmlns:mc="http://schemas.openxmlformats.org/markup-compatibility/2006" xmlns:p14="http://schemas.microsoft.com/office/powerpoint/2010/main">
+    <mc:Choice Requires="p14">
       <p:transition spd="med" p14:dur="700">
         <p:fade/>
       </p:transition>
     </mc:Choice>
-    <mc:Fallback>
+    <mc:Fallback xmlns="">
       <p:transition spd="med">
         <p:fade/>
       </p:transition>
@@ -10758,7 +11277,94 @@
 </p:sld>
 </file>
 
-<file path=ppt/slides/slide13.xml><?xml version="1.0" encoding="utf-8"?>
+<file path=ppt/slides/slide17.xml><?xml version="1.0" encoding="utf-8"?>
+<p:sld xmlns:a="http://schemas.openxmlformats.org/drawingml/2006/main" xmlns:r="http://schemas.openxmlformats.org/officeDocument/2006/relationships" xmlns:p="http://schemas.openxmlformats.org/presentationml/2006/main">
+  <p:cSld>
+    <p:spTree>
+      <p:nvGrpSpPr>
+        <p:cNvPr id="1" name=""/>
+        <p:cNvGrpSpPr/>
+        <p:nvPr/>
+      </p:nvGrpSpPr>
+      <p:grpSpPr>
+        <a:xfrm>
+          <a:off x="0" y="0"/>
+          <a:ext cx="0" cy="0"/>
+          <a:chOff x="0" y="0"/>
+          <a:chExt cx="0" cy="0"/>
+        </a:xfrm>
+      </p:grpSpPr>
+      <p:sp>
+        <p:nvSpPr>
+          <p:cNvPr id="2" name="文字版面配置區 1">
+            <a:extLst>
+              <a:ext uri="{FF2B5EF4-FFF2-40B4-BE49-F238E27FC236}">
+                <a16:creationId xmlns:a16="http://schemas.microsoft.com/office/drawing/2014/main" id="{93B0551C-DBA5-417A-BF11-4CE921E25106}"/>
+              </a:ext>
+            </a:extLst>
+          </p:cNvPr>
+          <p:cNvSpPr>
+            <a:spLocks noGrp="1"/>
+          </p:cNvSpPr>
+          <p:nvPr>
+            <p:ph type="body" sz="quarter" idx="10"/>
+          </p:nvPr>
+        </p:nvSpPr>
+        <p:spPr/>
+        <p:txBody>
+          <a:bodyPr/>
+          <a:lstStyle/>
+          <a:p>
+            <a:r>
+              <a:rPr lang="zh-TW" altLang="en-US" dirty="0"/>
+              <a:t>安全系數</a:t>
+            </a:r>
+          </a:p>
+        </p:txBody>
+      </p:sp>
+      <p:sp>
+        <p:nvSpPr>
+          <p:cNvPr id="3" name="投影片編號版面配置區 2">
+            <a:extLst>
+              <a:ext uri="{FF2B5EF4-FFF2-40B4-BE49-F238E27FC236}">
+                <a16:creationId xmlns:a16="http://schemas.microsoft.com/office/drawing/2014/main" id="{4E72AB95-8EB5-4881-9369-AFEDE6898484}"/>
+              </a:ext>
+            </a:extLst>
+          </p:cNvPr>
+          <p:cNvSpPr>
+            <a:spLocks noGrp="1"/>
+          </p:cNvSpPr>
+          <p:nvPr>
+            <p:ph type="sldNum" sz="quarter" idx="13"/>
+          </p:nvPr>
+        </p:nvSpPr>
+        <p:spPr/>
+        <p:txBody>
+          <a:bodyPr/>
+          <a:lstStyle/>
+          <a:p>
+            <a:fld id="{2DDD7CF1-F89F-4FD9-B1E5-7228A8EA728A}" type="slidenum">
+              <a:rPr lang="zh-TW" altLang="en-US" smtClean="0"/>
+              <a:t>17</a:t>
+            </a:fld>
+            <a:endParaRPr lang="zh-TW" altLang="en-US"/>
+          </a:p>
+        </p:txBody>
+      </p:sp>
+    </p:spTree>
+    <p:extLst>
+      <p:ext uri="{BB962C8B-B14F-4D97-AF65-F5344CB8AC3E}">
+        <p14:creationId xmlns:p14="http://schemas.microsoft.com/office/powerpoint/2010/main" val="968450950"/>
+      </p:ext>
+    </p:extLst>
+  </p:cSld>
+  <p:clrMapOvr>
+    <a:masterClrMapping/>
+  </p:clrMapOvr>
+</p:sld>
+</file>
+
+<file path=ppt/slides/slide18.xml><?xml version="1.0" encoding="utf-8"?>
 <p:sld xmlns:a="http://schemas.openxmlformats.org/drawingml/2006/main" xmlns:r="http://schemas.openxmlformats.org/officeDocument/2006/relationships" xmlns:p="http://schemas.openxmlformats.org/presentationml/2006/main" show="0">
   <p:cSld>
     <p:spTree>
@@ -10798,7 +11404,7 @@
           <a:p>
             <a:fld id="{2DDD7CF1-F89F-4FD9-B1E5-7228A8EA728A}" type="slidenum">
               <a:rPr lang="zh-TW" altLang="en-US" smtClean="0"/>
-              <a:t>13</a:t>
+              <a:t>18</a:t>
             </a:fld>
             <a:endParaRPr lang="zh-TW" altLang="en-US"/>
           </a:p>
@@ -10904,13 +11510,13 @@
   <p:clrMapOvr>
     <a:masterClrMapping/>
   </p:clrMapOvr>
-  <mc:AlternateContent xmlns:mc="http://schemas.openxmlformats.org/markup-compatibility/2006">
-    <mc:Choice xmlns:p14="http://schemas.microsoft.com/office/powerpoint/2010/main" Requires="p14">
+  <mc:AlternateContent xmlns:mc="http://schemas.openxmlformats.org/markup-compatibility/2006" xmlns:p14="http://schemas.microsoft.com/office/powerpoint/2010/main">
+    <mc:Choice Requires="p14">
       <p:transition spd="med" p14:dur="700">
         <p:fade/>
       </p:transition>
     </mc:Choice>
-    <mc:Fallback>
+    <mc:Fallback xmlns="">
       <p:transition spd="med">
         <p:fade/>
       </p:transition>
@@ -10919,191 +11525,7 @@
 </p:sld>
 </file>
 
-<file path=ppt/slides/slide14.xml><?xml version="1.0" encoding="utf-8"?>
-<p:sld xmlns:a="http://schemas.openxmlformats.org/drawingml/2006/main" xmlns:r="http://schemas.openxmlformats.org/officeDocument/2006/relationships" xmlns:p="http://schemas.openxmlformats.org/presentationml/2006/main">
-  <p:cSld>
-    <p:spTree>
-      <p:nvGrpSpPr>
-        <p:cNvPr id="1" name=""/>
-        <p:cNvGrpSpPr/>
-        <p:nvPr/>
-      </p:nvGrpSpPr>
-      <p:grpSpPr>
-        <a:xfrm>
-          <a:off x="0" y="0"/>
-          <a:ext cx="0" cy="0"/>
-          <a:chOff x="0" y="0"/>
-          <a:chExt cx="0" cy="0"/>
-        </a:xfrm>
-      </p:grpSpPr>
-      <p:sp>
-        <p:nvSpPr>
-          <p:cNvPr id="2" name="Text Placeholder 1"/>
-          <p:cNvSpPr>
-            <a:spLocks noGrp="1"/>
-          </p:cNvSpPr>
-          <p:nvPr>
-            <p:ph type="body" sz="quarter" idx="10"/>
-          </p:nvPr>
-        </p:nvSpPr>
-        <p:spPr>
-          <a:xfrm>
-            <a:off x="629841" y="1352551"/>
-            <a:ext cx="3361134" cy="549381"/>
-          </a:xfrm>
-        </p:spPr>
-        <p:txBody>
-          <a:bodyPr/>
-          <a:lstStyle/>
-          <a:p>
-            <a:r>
-              <a:rPr lang="fr-FR" dirty="0">
-                <a:latin typeface="Segoe UI Light" panose="020B0502040204020203" pitchFamily="34" charset="0"/>
-                <a:cs typeface="Segoe UI Light" panose="020B0502040204020203" pitchFamily="34" charset="0"/>
-              </a:rPr>
-              <a:t>Conversion </a:t>
-            </a:r>
-            <a:r>
-              <a:rPr lang="fr-FR" dirty="0">
-                <a:solidFill>
-                  <a:schemeClr val="accent1"/>
-                </a:solidFill>
-                <a:latin typeface="Segoe UI Light" panose="020B0502040204020203" pitchFamily="34" charset="0"/>
-                <a:cs typeface="Segoe UI Light" panose="020B0502040204020203" pitchFamily="34" charset="0"/>
-              </a:rPr>
-              <a:t>Rate</a:t>
-            </a:r>
-          </a:p>
-        </p:txBody>
-      </p:sp>
-      <p:graphicFrame>
-        <p:nvGraphicFramePr>
-          <p:cNvPr id="5" name="Chart 4"/>
-          <p:cNvGraphicFramePr/>
-          <p:nvPr>
-            <p:extLst/>
-          </p:nvPr>
-        </p:nvGraphicFramePr>
-        <p:xfrm>
-          <a:off x="629841" y="2000250"/>
-          <a:ext cx="8076009" cy="3609975"/>
-        </p:xfrm>
-        <a:graphic>
-          <a:graphicData uri="http://schemas.openxmlformats.org/drawingml/2006/chart">
-            <c:chart xmlns:c="http://schemas.openxmlformats.org/drawingml/2006/chart" xmlns:r="http://schemas.openxmlformats.org/officeDocument/2006/relationships" r:id="rId2"/>
-          </a:graphicData>
-        </a:graphic>
-      </p:graphicFrame>
-      <p:sp>
-        <p:nvSpPr>
-          <p:cNvPr id="7" name="Oval 6"/>
-          <p:cNvSpPr/>
-          <p:nvPr/>
-        </p:nvSpPr>
-        <p:spPr>
-          <a:xfrm>
-            <a:off x="7038975" y="2772966"/>
-            <a:ext cx="1257300" cy="1257300"/>
-          </a:xfrm>
-          <a:prstGeom prst="ellipse">
-            <a:avLst/>
-          </a:prstGeom>
-          <a:solidFill>
-            <a:schemeClr val="bg1"/>
-          </a:solidFill>
-          <a:ln>
-            <a:noFill/>
-          </a:ln>
-        </p:spPr>
-        <p:style>
-          <a:lnRef idx="2">
-            <a:schemeClr val="accent1">
-              <a:shade val="50000"/>
-            </a:schemeClr>
-          </a:lnRef>
-          <a:fillRef idx="1">
-            <a:schemeClr val="accent1"/>
-          </a:fillRef>
-          <a:effectRef idx="0">
-            <a:schemeClr val="accent1"/>
-          </a:effectRef>
-          <a:fontRef idx="minor">
-            <a:schemeClr val="lt1"/>
-          </a:fontRef>
-        </p:style>
-        <p:txBody>
-          <a:bodyPr rtlCol="0" anchor="ctr"/>
-          <a:lstStyle/>
-          <a:p>
-            <a:pPr algn="ctr"/>
-            <a:r>
-              <a:rPr lang="fr-FR" b="1" dirty="0">
-                <a:solidFill>
-                  <a:schemeClr val="accent1"/>
-                </a:solidFill>
-                <a:latin typeface="Segoe UI" panose="020B0502040204020203" pitchFamily="34" charset="0"/>
-                <a:cs typeface="Segoe UI" panose="020B0502040204020203" pitchFamily="34" charset="0"/>
-              </a:rPr>
-              <a:t>0,27%</a:t>
-            </a:r>
-          </a:p>
-        </p:txBody>
-      </p:sp>
-      <p:sp>
-        <p:nvSpPr>
-          <p:cNvPr id="3" name="投影片編號版面配置區 2">
-            <a:extLst>
-              <a:ext uri="{FF2B5EF4-FFF2-40B4-BE49-F238E27FC236}">
-                <a16:creationId xmlns:a16="http://schemas.microsoft.com/office/drawing/2014/main" id="{4655FF2F-7BC2-4527-8681-4A97C8D6365A}"/>
-              </a:ext>
-            </a:extLst>
-          </p:cNvPr>
-          <p:cNvSpPr>
-            <a:spLocks noGrp="1"/>
-          </p:cNvSpPr>
-          <p:nvPr>
-            <p:ph type="sldNum" sz="quarter" idx="13"/>
-          </p:nvPr>
-        </p:nvSpPr>
-        <p:spPr/>
-        <p:txBody>
-          <a:bodyPr/>
-          <a:lstStyle/>
-          <a:p>
-            <a:fld id="{2DDD7CF1-F89F-4FD9-B1E5-7228A8EA728A}" type="slidenum">
-              <a:rPr lang="zh-TW" altLang="en-US" smtClean="0"/>
-              <a:t>14</a:t>
-            </a:fld>
-            <a:endParaRPr lang="zh-TW" altLang="en-US"/>
-          </a:p>
-        </p:txBody>
-      </p:sp>
-    </p:spTree>
-    <p:extLst>
-      <p:ext uri="{BB962C8B-B14F-4D97-AF65-F5344CB8AC3E}">
-        <p14:creationId xmlns:p14="http://schemas.microsoft.com/office/powerpoint/2010/main" val="1110757065"/>
-      </p:ext>
-    </p:extLst>
-  </p:cSld>
-  <p:clrMapOvr>
-    <a:masterClrMapping/>
-  </p:clrMapOvr>
-  <mc:AlternateContent xmlns:mc="http://schemas.openxmlformats.org/markup-compatibility/2006">
-    <mc:Choice xmlns:p14="http://schemas.microsoft.com/office/powerpoint/2010/main" Requires="p14">
-      <p:transition spd="med" p14:dur="700">
-        <p:fade/>
-      </p:transition>
-    </mc:Choice>
-    <mc:Fallback>
-      <p:transition spd="med">
-        <p:fade/>
-      </p:transition>
-    </mc:Fallback>
-  </mc:AlternateContent>
-</p:sld>
-</file>
-
-<file path=ppt/slides/slide15.xml><?xml version="1.0" encoding="utf-8"?>
+<file path=ppt/slides/slide19.xml><?xml version="1.0" encoding="utf-8"?>
 <p:sld xmlns:a="http://schemas.openxmlformats.org/drawingml/2006/main" xmlns:r="http://schemas.openxmlformats.org/officeDocument/2006/relationships" xmlns:p="http://schemas.openxmlformats.org/presentationml/2006/main">
   <p:cSld>
     <p:spTree>
@@ -12751,7 +13173,7 @@
           <a:p>
             <a:fld id="{2DDD7CF1-F89F-4FD9-B1E5-7228A8EA728A}" type="slidenum">
               <a:rPr lang="zh-TW" altLang="en-US" smtClean="0"/>
-              <a:t>15</a:t>
+              <a:t>19</a:t>
             </a:fld>
             <a:endParaRPr lang="zh-TW" altLang="en-US"/>
           </a:p>
@@ -12767,275 +13189,13 @@
   <p:clrMapOvr>
     <a:masterClrMapping/>
   </p:clrMapOvr>
-  <mc:AlternateContent xmlns:mc="http://schemas.openxmlformats.org/markup-compatibility/2006">
-    <mc:Choice xmlns:p14="http://schemas.microsoft.com/office/powerpoint/2010/main" Requires="p14">
+  <mc:AlternateContent xmlns:mc="http://schemas.openxmlformats.org/markup-compatibility/2006" xmlns:p14="http://schemas.microsoft.com/office/powerpoint/2010/main">
+    <mc:Choice Requires="p14">
       <p:transition spd="med" p14:dur="700">
         <p:fade/>
       </p:transition>
     </mc:Choice>
-    <mc:Fallback>
-      <p:transition spd="med">
-        <p:fade/>
-      </p:transition>
-    </mc:Fallback>
-  </mc:AlternateContent>
-</p:sld>
-</file>
-
-<file path=ppt/slides/slide16.xml><?xml version="1.0" encoding="utf-8"?>
-<p:sld xmlns:a="http://schemas.openxmlformats.org/drawingml/2006/main" xmlns:r="http://schemas.openxmlformats.org/officeDocument/2006/relationships" xmlns:p="http://schemas.openxmlformats.org/presentationml/2006/main">
-  <p:cSld>
-    <p:spTree>
-      <p:nvGrpSpPr>
-        <p:cNvPr id="1" name=""/>
-        <p:cNvGrpSpPr/>
-        <p:nvPr/>
-      </p:nvGrpSpPr>
-      <p:grpSpPr>
-        <a:xfrm>
-          <a:off x="0" y="0"/>
-          <a:ext cx="0" cy="0"/>
-          <a:chOff x="0" y="0"/>
-          <a:chExt cx="0" cy="0"/>
-        </a:xfrm>
-      </p:grpSpPr>
-      <p:sp>
-        <p:nvSpPr>
-          <p:cNvPr id="46" name="Rectangle 45"/>
-          <p:cNvSpPr/>
-          <p:nvPr/>
-        </p:nvSpPr>
-        <p:spPr>
-          <a:xfrm>
-            <a:off x="647700" y="2701880"/>
-            <a:ext cx="7848600" cy="1454244"/>
-          </a:xfrm>
-          <a:prstGeom prst="rect">
-            <a:avLst/>
-          </a:prstGeom>
-          <a:noFill/>
-          <a:ln>
-            <a:noFill/>
-          </a:ln>
-        </p:spPr>
-        <p:style>
-          <a:lnRef idx="2">
-            <a:schemeClr val="accent1">
-              <a:shade val="50000"/>
-            </a:schemeClr>
-          </a:lnRef>
-          <a:fillRef idx="1">
-            <a:schemeClr val="accent1"/>
-          </a:fillRef>
-          <a:effectRef idx="0">
-            <a:schemeClr val="accent1"/>
-          </a:effectRef>
-          <a:fontRef idx="minor">
-            <a:schemeClr val="lt1"/>
-          </a:fontRef>
-        </p:style>
-        <p:txBody>
-          <a:bodyPr rot="0" spcFirstLastPara="0" vertOverflow="overflow" horzOverflow="overflow" vert="horz" wrap="square" lIns="0" tIns="34290" rIns="68580" bIns="34290" numCol="1" spcCol="0" rtlCol="0" fromWordArt="0" anchor="ctr" anchorCtr="0" forceAA="0" compatLnSpc="1">
-            <a:prstTxWarp prst="textNoShape">
-              <a:avLst/>
-            </a:prstTxWarp>
-            <a:spAutoFit/>
-          </a:bodyPr>
-          <a:lstStyle/>
-          <a:p>
-            <a:pPr algn="ctr">
-              <a:spcBef>
-                <a:spcPts val="450"/>
-              </a:spcBef>
-            </a:pPr>
-            <a:r>
-              <a:rPr lang="fr-FR" sz="4500" dirty="0">
-                <a:solidFill>
-                  <a:schemeClr val="tx1"/>
-                </a:solidFill>
-                <a:latin typeface="+mj-lt"/>
-                <a:cs typeface="Segoe UI" panose="020B0502040204020203" pitchFamily="34" charset="0"/>
-              </a:rPr>
-              <a:t>Say</a:t>
-            </a:r>
-            <a:r>
-              <a:rPr lang="fr-FR" sz="4500" dirty="0">
-                <a:solidFill>
-                  <a:schemeClr val="accent1"/>
-                </a:solidFill>
-                <a:latin typeface="+mj-lt"/>
-                <a:cs typeface="Segoe UI" panose="020B0502040204020203" pitchFamily="34" charset="0"/>
-              </a:rPr>
-              <a:t> </a:t>
-            </a:r>
-            <a:r>
-              <a:rPr lang="fr-FR" sz="4500" dirty="0" err="1">
-                <a:solidFill>
-                  <a:schemeClr val="tx1"/>
-                </a:solidFill>
-                <a:latin typeface="+mj-lt"/>
-                <a:cs typeface="Segoe UI" panose="020B0502040204020203" pitchFamily="34" charset="0"/>
-              </a:rPr>
-              <a:t>you</a:t>
-            </a:r>
-            <a:r>
-              <a:rPr lang="fr-FR" sz="4500" dirty="0">
-                <a:solidFill>
-                  <a:schemeClr val="tx1"/>
-                </a:solidFill>
-                <a:latin typeface="+mj-lt"/>
-                <a:cs typeface="Segoe UI" panose="020B0502040204020203" pitchFamily="34" charset="0"/>
-              </a:rPr>
-              <a:t> </a:t>
-            </a:r>
-            <a:r>
-              <a:rPr lang="fr-FR" sz="4500" dirty="0" err="1">
-                <a:solidFill>
-                  <a:schemeClr val="tx1"/>
-                </a:solidFill>
-                <a:latin typeface="+mj-lt"/>
-                <a:cs typeface="Segoe UI" panose="020B0502040204020203" pitchFamily="34" charset="0"/>
-              </a:rPr>
-              <a:t>want</a:t>
-            </a:r>
-            <a:r>
-              <a:rPr lang="fr-FR" sz="4500" dirty="0">
-                <a:solidFill>
-                  <a:schemeClr val="tx1"/>
-                </a:solidFill>
-                <a:latin typeface="+mj-lt"/>
-                <a:cs typeface="Segoe UI" panose="020B0502040204020203" pitchFamily="34" charset="0"/>
-              </a:rPr>
-              <a:t> to </a:t>
-            </a:r>
-            <a:r>
-              <a:rPr lang="fr-FR" sz="4500" dirty="0" err="1">
-                <a:solidFill>
-                  <a:schemeClr val="accent1"/>
-                </a:solidFill>
-                <a:latin typeface="+mj-lt"/>
-                <a:cs typeface="Segoe UI" panose="020B0502040204020203" pitchFamily="34" charset="0"/>
-              </a:rPr>
-              <a:t>make</a:t>
-            </a:r>
-            <a:r>
-              <a:rPr lang="fr-FR" sz="4500" dirty="0">
-                <a:solidFill>
-                  <a:schemeClr val="accent1"/>
-                </a:solidFill>
-                <a:latin typeface="+mj-lt"/>
-                <a:cs typeface="Segoe UI" panose="020B0502040204020203" pitchFamily="34" charset="0"/>
-              </a:rPr>
-              <a:t> the </a:t>
-            </a:r>
-            <a:br>
-              <a:rPr lang="fr-FR" sz="4500" dirty="0">
-                <a:solidFill>
-                  <a:schemeClr val="accent1"/>
-                </a:solidFill>
-                <a:latin typeface="+mj-lt"/>
-                <a:cs typeface="Segoe UI" panose="020B0502040204020203" pitchFamily="34" charset="0"/>
-              </a:rPr>
-            </a:br>
-            <a:r>
-              <a:rPr lang="fr-FR" sz="4500" dirty="0">
-                <a:solidFill>
-                  <a:schemeClr val="accent1"/>
-                </a:solidFill>
-                <a:latin typeface="+mj-lt"/>
-                <a:cs typeface="Segoe UI" panose="020B0502040204020203" pitchFamily="34" charset="0"/>
-              </a:rPr>
-              <a:t>world </a:t>
-            </a:r>
-            <a:r>
-              <a:rPr lang="fr-FR" sz="4500" dirty="0">
-                <a:solidFill>
-                  <a:schemeClr val="tx1"/>
-                </a:solidFill>
-                <a:latin typeface="+mj-lt"/>
-                <a:cs typeface="Segoe UI" panose="020B0502040204020203" pitchFamily="34" charset="0"/>
-              </a:rPr>
-              <a:t>a</a:t>
-            </a:r>
-            <a:r>
-              <a:rPr lang="fr-FR" sz="4500" dirty="0">
-                <a:solidFill>
-                  <a:schemeClr val="accent1"/>
-                </a:solidFill>
-                <a:latin typeface="+mj-lt"/>
-                <a:cs typeface="Segoe UI" panose="020B0502040204020203" pitchFamily="34" charset="0"/>
-              </a:rPr>
-              <a:t> </a:t>
-            </a:r>
-            <a:r>
-              <a:rPr lang="fr-FR" sz="4500" dirty="0" err="1">
-                <a:solidFill>
-                  <a:schemeClr val="accent1"/>
-                </a:solidFill>
-                <a:latin typeface="+mj-lt"/>
-                <a:cs typeface="Segoe UI" panose="020B0502040204020203" pitchFamily="34" charset="0"/>
-              </a:rPr>
-              <a:t>better</a:t>
-            </a:r>
-            <a:r>
-              <a:rPr lang="fr-FR" sz="4500" dirty="0">
-                <a:solidFill>
-                  <a:schemeClr val="accent1"/>
-                </a:solidFill>
-                <a:latin typeface="+mj-lt"/>
-                <a:cs typeface="Segoe UI" panose="020B0502040204020203" pitchFamily="34" charset="0"/>
-              </a:rPr>
-              <a:t> place</a:t>
-            </a:r>
-          </a:p>
-        </p:txBody>
-      </p:sp>
-      <p:sp>
-        <p:nvSpPr>
-          <p:cNvPr id="2" name="投影片編號版面配置區 1">
-            <a:extLst>
-              <a:ext uri="{FF2B5EF4-FFF2-40B4-BE49-F238E27FC236}">
-                <a16:creationId xmlns:a16="http://schemas.microsoft.com/office/drawing/2014/main" id="{2F665F13-E64F-4E38-BD60-4151D6D5AA55}"/>
-              </a:ext>
-            </a:extLst>
-          </p:cNvPr>
-          <p:cNvSpPr>
-            <a:spLocks noGrp="1"/>
-          </p:cNvSpPr>
-          <p:nvPr>
-            <p:ph type="sldNum" sz="quarter" idx="12"/>
-          </p:nvPr>
-        </p:nvSpPr>
-        <p:spPr/>
-        <p:txBody>
-          <a:bodyPr/>
-          <a:lstStyle/>
-          <a:p>
-            <a:fld id="{2DDD7CF1-F89F-4FD9-B1E5-7228A8EA728A}" type="slidenum">
-              <a:rPr lang="zh-TW" altLang="en-US" smtClean="0"/>
-              <a:t>16</a:t>
-            </a:fld>
-            <a:endParaRPr lang="zh-TW" altLang="en-US"/>
-          </a:p>
-        </p:txBody>
-      </p:sp>
-    </p:spTree>
-    <p:extLst>
-      <p:ext uri="{BB962C8B-B14F-4D97-AF65-F5344CB8AC3E}">
-        <p14:creationId xmlns:p14="http://schemas.microsoft.com/office/powerpoint/2010/main" val="1963748565"/>
-      </p:ext>
-    </p:extLst>
-  </p:cSld>
-  <p:clrMapOvr>
-    <a:masterClrMapping/>
-  </p:clrMapOvr>
-  <mc:AlternateContent xmlns:mc="http://schemas.openxmlformats.org/markup-compatibility/2006">
-    <mc:Choice xmlns:p14="http://schemas.microsoft.com/office/powerpoint/2010/main" Requires="p14">
-      <p:transition spd="med" p14:dur="700">
-        <p:fade/>
-      </p:transition>
-    </mc:Choice>
-    <mc:Fallback>
+    <mc:Fallback xmlns="">
       <p:transition spd="med">
         <p:fade/>
       </p:transition>
@@ -13706,13 +13866,13 @@
   <p:clrMapOvr>
     <a:masterClrMapping/>
   </p:clrMapOvr>
-  <mc:AlternateContent xmlns:mc="http://schemas.openxmlformats.org/markup-compatibility/2006">
-    <mc:Choice xmlns:p14="http://schemas.microsoft.com/office/powerpoint/2010/main" Requires="p14">
+  <mc:AlternateContent xmlns:mc="http://schemas.openxmlformats.org/markup-compatibility/2006" xmlns:p14="http://schemas.microsoft.com/office/powerpoint/2010/main">
+    <mc:Choice Requires="p14">
       <p:transition spd="med" p14:dur="700">
         <p:fade/>
       </p:transition>
     </mc:Choice>
-    <mc:Fallback>
+    <mc:Fallback xmlns="">
       <p:transition spd="med">
         <p:fade/>
       </p:transition>
@@ -13721,8 +13881,8 @@
 </p:sld>
 </file>
 
-<file path=ppt/slides/slide3.xml><?xml version="1.0" encoding="utf-8"?>
-<p:sld xmlns:a="http://schemas.openxmlformats.org/drawingml/2006/main" xmlns:r="http://schemas.openxmlformats.org/officeDocument/2006/relationships" xmlns:p="http://schemas.openxmlformats.org/presentationml/2006/main" show="0">
+<file path=ppt/slides/slide20.xml><?xml version="1.0" encoding="utf-8"?>
+<p:sld xmlns:a="http://schemas.openxmlformats.org/drawingml/2006/main" xmlns:r="http://schemas.openxmlformats.org/officeDocument/2006/relationships" xmlns:p="http://schemas.openxmlformats.org/presentationml/2006/main">
   <p:cSld>
     <p:spTree>
       <p:nvGrpSpPr>
@@ -13740,10 +13900,201 @@
       </p:grpSpPr>
       <p:sp>
         <p:nvSpPr>
-          <p:cNvPr id="6" name="標題 5">
+          <p:cNvPr id="46" name="Rectangle 45"/>
+          <p:cNvSpPr/>
+          <p:nvPr/>
+        </p:nvSpPr>
+        <p:spPr>
+          <a:xfrm>
+            <a:off x="647700" y="2701880"/>
+            <a:ext cx="7848600" cy="1454244"/>
+          </a:xfrm>
+          <a:prstGeom prst="rect">
+            <a:avLst/>
+          </a:prstGeom>
+          <a:noFill/>
+          <a:ln>
+            <a:noFill/>
+          </a:ln>
+        </p:spPr>
+        <p:style>
+          <a:lnRef idx="2">
+            <a:schemeClr val="accent1">
+              <a:shade val="50000"/>
+            </a:schemeClr>
+          </a:lnRef>
+          <a:fillRef idx="1">
+            <a:schemeClr val="accent1"/>
+          </a:fillRef>
+          <a:effectRef idx="0">
+            <a:schemeClr val="accent1"/>
+          </a:effectRef>
+          <a:fontRef idx="minor">
+            <a:schemeClr val="lt1"/>
+          </a:fontRef>
+        </p:style>
+        <p:txBody>
+          <a:bodyPr rot="0" spcFirstLastPara="0" vertOverflow="overflow" horzOverflow="overflow" vert="horz" wrap="square" lIns="0" tIns="34290" rIns="68580" bIns="34290" numCol="1" spcCol="0" rtlCol="0" fromWordArt="0" anchor="ctr" anchorCtr="0" forceAA="0" compatLnSpc="1">
+            <a:prstTxWarp prst="textNoShape">
+              <a:avLst/>
+            </a:prstTxWarp>
+            <a:spAutoFit/>
+          </a:bodyPr>
+          <a:lstStyle/>
+          <a:p>
+            <a:pPr algn="ctr">
+              <a:spcBef>
+                <a:spcPts val="450"/>
+              </a:spcBef>
+            </a:pPr>
+            <a:r>
+              <a:rPr lang="fr-FR" sz="4500" dirty="0">
+                <a:solidFill>
+                  <a:schemeClr val="tx1"/>
+                </a:solidFill>
+                <a:latin typeface="+mj-lt"/>
+                <a:cs typeface="Segoe UI" panose="020B0502040204020203" pitchFamily="34" charset="0"/>
+              </a:rPr>
+              <a:t>Say</a:t>
+            </a:r>
+            <a:r>
+              <a:rPr lang="fr-FR" sz="4500" dirty="0">
+                <a:solidFill>
+                  <a:schemeClr val="accent1"/>
+                </a:solidFill>
+                <a:latin typeface="+mj-lt"/>
+                <a:cs typeface="Segoe UI" panose="020B0502040204020203" pitchFamily="34" charset="0"/>
+              </a:rPr>
+              <a:t> </a:t>
+            </a:r>
+            <a:r>
+              <a:rPr lang="fr-FR" sz="4500" dirty="0" err="1">
+                <a:solidFill>
+                  <a:schemeClr val="tx1"/>
+                </a:solidFill>
+                <a:latin typeface="+mj-lt"/>
+                <a:cs typeface="Segoe UI" panose="020B0502040204020203" pitchFamily="34" charset="0"/>
+              </a:rPr>
+              <a:t>you</a:t>
+            </a:r>
+            <a:r>
+              <a:rPr lang="fr-FR" sz="4500" dirty="0">
+                <a:solidFill>
+                  <a:schemeClr val="tx1"/>
+                </a:solidFill>
+                <a:latin typeface="+mj-lt"/>
+                <a:cs typeface="Segoe UI" panose="020B0502040204020203" pitchFamily="34" charset="0"/>
+              </a:rPr>
+              <a:t> </a:t>
+            </a:r>
+            <a:r>
+              <a:rPr lang="fr-FR" sz="4500" dirty="0" err="1">
+                <a:solidFill>
+                  <a:schemeClr val="tx1"/>
+                </a:solidFill>
+                <a:latin typeface="+mj-lt"/>
+                <a:cs typeface="Segoe UI" panose="020B0502040204020203" pitchFamily="34" charset="0"/>
+              </a:rPr>
+              <a:t>want</a:t>
+            </a:r>
+            <a:r>
+              <a:rPr lang="fr-FR" sz="4500" dirty="0">
+                <a:solidFill>
+                  <a:schemeClr val="tx1"/>
+                </a:solidFill>
+                <a:latin typeface="+mj-lt"/>
+                <a:cs typeface="Segoe UI" panose="020B0502040204020203" pitchFamily="34" charset="0"/>
+              </a:rPr>
+              <a:t> to </a:t>
+            </a:r>
+            <a:r>
+              <a:rPr lang="fr-FR" sz="4500" dirty="0" err="1">
+                <a:solidFill>
+                  <a:schemeClr val="accent1"/>
+                </a:solidFill>
+                <a:latin typeface="+mj-lt"/>
+                <a:cs typeface="Segoe UI" panose="020B0502040204020203" pitchFamily="34" charset="0"/>
+              </a:rPr>
+              <a:t>make</a:t>
+            </a:r>
+            <a:r>
+              <a:rPr lang="fr-FR" sz="4500" dirty="0">
+                <a:solidFill>
+                  <a:schemeClr val="accent1"/>
+                </a:solidFill>
+                <a:latin typeface="+mj-lt"/>
+                <a:cs typeface="Segoe UI" panose="020B0502040204020203" pitchFamily="34" charset="0"/>
+              </a:rPr>
+              <a:t> the </a:t>
+            </a:r>
+            <a:br>
+              <a:rPr lang="fr-FR" sz="4500" dirty="0">
+                <a:solidFill>
+                  <a:schemeClr val="accent1"/>
+                </a:solidFill>
+                <a:latin typeface="+mj-lt"/>
+                <a:cs typeface="Segoe UI" panose="020B0502040204020203" pitchFamily="34" charset="0"/>
+              </a:rPr>
+            </a:br>
+            <a:r>
+              <a:rPr lang="fr-FR" sz="4500" dirty="0">
+                <a:solidFill>
+                  <a:schemeClr val="accent1"/>
+                </a:solidFill>
+                <a:latin typeface="+mj-lt"/>
+                <a:cs typeface="Segoe UI" panose="020B0502040204020203" pitchFamily="34" charset="0"/>
+              </a:rPr>
+              <a:t>world </a:t>
+            </a:r>
+            <a:r>
+              <a:rPr lang="fr-FR" sz="4500" dirty="0">
+                <a:solidFill>
+                  <a:schemeClr val="tx1"/>
+                </a:solidFill>
+                <a:latin typeface="+mj-lt"/>
+                <a:cs typeface="Segoe UI" panose="020B0502040204020203" pitchFamily="34" charset="0"/>
+              </a:rPr>
+              <a:t>a</a:t>
+            </a:r>
+            <a:r>
+              <a:rPr lang="fr-FR" sz="4500" dirty="0">
+                <a:solidFill>
+                  <a:schemeClr val="accent1"/>
+                </a:solidFill>
+                <a:latin typeface="+mj-lt"/>
+                <a:cs typeface="Segoe UI" panose="020B0502040204020203" pitchFamily="34" charset="0"/>
+              </a:rPr>
+              <a:t> </a:t>
+            </a:r>
+            <a:r>
+              <a:rPr lang="fr-FR" sz="4500" dirty="0" err="1">
+                <a:solidFill>
+                  <a:schemeClr val="accent1"/>
+                </a:solidFill>
+                <a:latin typeface="+mj-lt"/>
+                <a:cs typeface="Segoe UI" panose="020B0502040204020203" pitchFamily="34" charset="0"/>
+              </a:rPr>
+              <a:t>better</a:t>
+            </a:r>
+            <a:r>
+              <a:rPr lang="fr-FR" sz="4500" dirty="0">
+                <a:solidFill>
+                  <a:schemeClr val="accent1"/>
+                </a:solidFill>
+                <a:latin typeface="+mj-lt"/>
+                <a:cs typeface="Segoe UI" panose="020B0502040204020203" pitchFamily="34" charset="0"/>
+              </a:rPr>
+              <a:t> place</a:t>
+            </a:r>
+          </a:p>
+        </p:txBody>
+      </p:sp>
+      <p:sp>
+        <p:nvSpPr>
+          <p:cNvPr id="2" name="投影片編號版面配置區 1">
             <a:extLst>
               <a:ext uri="{FF2B5EF4-FFF2-40B4-BE49-F238E27FC236}">
-                <a16:creationId xmlns:a16="http://schemas.microsoft.com/office/drawing/2014/main" id="{7FEECEEB-6B2D-42E8-AAEF-7BB9C65BA40F}"/>
+                <a16:creationId xmlns:a16="http://schemas.microsoft.com/office/drawing/2014/main" id="{2F665F13-E64F-4E38-BD60-4151D6D5AA55}"/>
               </a:ext>
             </a:extLst>
           </p:cNvPr>
@@ -13751,7 +14102,7 @@
             <a:spLocks noGrp="1"/>
           </p:cNvSpPr>
           <p:nvPr>
-            <p:ph type="title"/>
+            <p:ph type="sldNum" sz="quarter" idx="12"/>
           </p:nvPr>
         </p:nvSpPr>
         <p:spPr/>
@@ -13759,105 +14110,9 @@
           <a:bodyPr/>
           <a:lstStyle/>
           <a:p>
-            <a:r>
-              <a:rPr lang="en-US" altLang="zh-TW" dirty="0"/>
-              <a:t>Outline</a:t>
-            </a:r>
-            <a:endParaRPr lang="zh-TW" altLang="en-US" dirty="0"/>
-          </a:p>
-        </p:txBody>
-      </p:sp>
-      <p:sp>
-        <p:nvSpPr>
-          <p:cNvPr id="3" name="文字版面配置區 2">
-            <a:extLst>
-              <a:ext uri="{FF2B5EF4-FFF2-40B4-BE49-F238E27FC236}">
-                <a16:creationId xmlns:a16="http://schemas.microsoft.com/office/drawing/2014/main" id="{F724008F-1E89-4BF8-82A6-46AF15D875CF}"/>
-              </a:ext>
-            </a:extLst>
-          </p:cNvPr>
-          <p:cNvSpPr>
-            <a:spLocks noGrp="1"/>
-          </p:cNvSpPr>
-          <p:nvPr>
-            <p:ph idx="1"/>
-          </p:nvPr>
-        </p:nvSpPr>
-        <p:spPr/>
-        <p:txBody>
-          <a:bodyPr/>
-          <a:lstStyle/>
-          <a:p>
-            <a:r>
-              <a:rPr lang="en-US" altLang="zh-TW" dirty="0"/>
-              <a:t>Linear</a:t>
-            </a:r>
-          </a:p>
-          <a:p>
-            <a:pPr lvl="1"/>
-            <a:r>
-              <a:rPr lang="en-US" altLang="zh-TW" dirty="0">
-                <a:solidFill>
-                  <a:schemeClr val="accent1"/>
-                </a:solidFill>
-              </a:rPr>
-              <a:t>From Existing Rebar</a:t>
-            </a:r>
-          </a:p>
-          <a:p>
-            <a:pPr lvl="1"/>
-            <a:r>
-              <a:rPr lang="en-US" altLang="zh-TW" dirty="0"/>
-              <a:t>From ETABS/SAP Demand</a:t>
-            </a:r>
-          </a:p>
-          <a:p>
-            <a:r>
-              <a:rPr lang="en-US" altLang="zh-TW" dirty="0"/>
-              <a:t>Nonlinear</a:t>
-            </a:r>
-          </a:p>
-          <a:p>
-            <a:pPr lvl="1"/>
-            <a:r>
-              <a:rPr lang="en-US" altLang="zh-TW" dirty="0"/>
-              <a:t>Pushover ( higher mode )</a:t>
-            </a:r>
-          </a:p>
-          <a:p>
-            <a:pPr lvl="1"/>
-            <a:r>
-              <a:rPr lang="en-US" altLang="zh-TW" dirty="0"/>
-              <a:t>Nonlinear Time History Analysis</a:t>
-            </a:r>
-            <a:endParaRPr lang="zh-TW" altLang="en-US" dirty="0"/>
-          </a:p>
-        </p:txBody>
-      </p:sp>
-      <p:sp>
-        <p:nvSpPr>
-          <p:cNvPr id="2" name="投影片編號版面配置區 1">
-            <a:extLst>
-              <a:ext uri="{FF2B5EF4-FFF2-40B4-BE49-F238E27FC236}">
-                <a16:creationId xmlns:a16="http://schemas.microsoft.com/office/drawing/2014/main" id="{FBB3FF38-B45F-47B5-8976-2F16009B9196}"/>
-              </a:ext>
-            </a:extLst>
-          </p:cNvPr>
-          <p:cNvSpPr>
-            <a:spLocks noGrp="1"/>
-          </p:cNvSpPr>
-          <p:nvPr>
-            <p:ph type="sldNum" sz="quarter" idx="12"/>
-          </p:nvPr>
-        </p:nvSpPr>
-        <p:spPr/>
-        <p:txBody>
-          <a:bodyPr/>
-          <a:lstStyle/>
-          <a:p>
             <a:fld id="{2DDD7CF1-F89F-4FD9-B1E5-7228A8EA728A}" type="slidenum">
               <a:rPr lang="zh-TW" altLang="en-US" smtClean="0"/>
-              <a:t>3</a:t>
+              <a:t>20</a:t>
             </a:fld>
             <a:endParaRPr lang="zh-TW" altLang="en-US"/>
           </a:p>
@@ -13866,20 +14121,20 @@
     </p:spTree>
     <p:extLst>
       <p:ext uri="{BB962C8B-B14F-4D97-AF65-F5344CB8AC3E}">
-        <p14:creationId xmlns:p14="http://schemas.microsoft.com/office/powerpoint/2010/main" val="2591153866"/>
+        <p14:creationId xmlns:p14="http://schemas.microsoft.com/office/powerpoint/2010/main" val="1963748565"/>
       </p:ext>
     </p:extLst>
   </p:cSld>
   <p:clrMapOvr>
     <a:masterClrMapping/>
   </p:clrMapOvr>
-  <mc:AlternateContent xmlns:mc="http://schemas.openxmlformats.org/markup-compatibility/2006">
-    <mc:Choice xmlns:p14="http://schemas.microsoft.com/office/powerpoint/2010/main" Requires="p14">
+  <mc:AlternateContent xmlns:mc="http://schemas.openxmlformats.org/markup-compatibility/2006" xmlns:p14="http://schemas.microsoft.com/office/powerpoint/2010/main">
+    <mc:Choice Requires="p14">
       <p:transition spd="med" p14:dur="700">
         <p:fade/>
       </p:transition>
     </mc:Choice>
-    <mc:Fallback>
+    <mc:Fallback xmlns="">
       <p:transition spd="med">
         <p:fade/>
       </p:transition>
@@ -13888,7 +14143,7 @@
 </p:sld>
 </file>
 
-<file path=ppt/slides/slide4.xml><?xml version="1.0" encoding="utf-8"?>
+<file path=ppt/slides/slide3.xml><?xml version="1.0" encoding="utf-8"?>
 <p:sld xmlns:a="http://schemas.openxmlformats.org/drawingml/2006/main" xmlns:r="http://schemas.openxmlformats.org/officeDocument/2006/relationships" xmlns:p="http://schemas.openxmlformats.org/presentationml/2006/main">
   <p:cSld>
     <p:spTree>
@@ -14727,7 +14982,7 @@
           <a:p>
             <a:fld id="{2DDD7CF1-F89F-4FD9-B1E5-7228A8EA728A}" type="slidenum">
               <a:rPr lang="zh-TW" altLang="en-US" smtClean="0"/>
-              <a:t>4</a:t>
+              <a:t>3</a:t>
             </a:fld>
             <a:endParaRPr lang="zh-TW" altLang="en-US"/>
           </a:p>
@@ -14743,13 +14998,205 @@
   <p:clrMapOvr>
     <a:masterClrMapping/>
   </p:clrMapOvr>
-  <mc:AlternateContent xmlns:mc="http://schemas.openxmlformats.org/markup-compatibility/2006">
-    <mc:Choice xmlns:p14="http://schemas.microsoft.com/office/powerpoint/2010/main" Requires="p14">
+  <mc:AlternateContent xmlns:mc="http://schemas.openxmlformats.org/markup-compatibility/2006" xmlns:p14="http://schemas.microsoft.com/office/powerpoint/2010/main">
+    <mc:Choice Requires="p14">
       <p:transition spd="med" p14:dur="700">
         <p:fade/>
       </p:transition>
     </mc:Choice>
-    <mc:Fallback>
+    <mc:Fallback xmlns="">
+      <p:transition spd="med">
+        <p:fade/>
+      </p:transition>
+    </mc:Fallback>
+  </mc:AlternateContent>
+</p:sld>
+</file>
+
+<file path=ppt/slides/slide4.xml><?xml version="1.0" encoding="utf-8"?>
+<p:sld xmlns:a="http://schemas.openxmlformats.org/drawingml/2006/main" xmlns:r="http://schemas.openxmlformats.org/officeDocument/2006/relationships" xmlns:p="http://schemas.openxmlformats.org/presentationml/2006/main">
+  <p:cSld>
+    <p:spTree>
+      <p:nvGrpSpPr>
+        <p:cNvPr id="1" name=""/>
+        <p:cNvGrpSpPr/>
+        <p:nvPr/>
+      </p:nvGrpSpPr>
+      <p:grpSpPr>
+        <a:xfrm>
+          <a:off x="0" y="0"/>
+          <a:ext cx="0" cy="0"/>
+          <a:chOff x="0" y="0"/>
+          <a:chExt cx="0" cy="0"/>
+        </a:xfrm>
+      </p:grpSpPr>
+      <p:sp>
+        <p:nvSpPr>
+          <p:cNvPr id="2" name="標題 1">
+            <a:extLst>
+              <a:ext uri="{FF2B5EF4-FFF2-40B4-BE49-F238E27FC236}">
+                <a16:creationId xmlns:a16="http://schemas.microsoft.com/office/drawing/2014/main" id="{0100E54B-9D67-4255-AA29-1FFDAD99E27C}"/>
+              </a:ext>
+            </a:extLst>
+          </p:cNvPr>
+          <p:cNvSpPr>
+            <a:spLocks noGrp="1"/>
+          </p:cNvSpPr>
+          <p:nvPr>
+            <p:ph type="title"/>
+          </p:nvPr>
+        </p:nvSpPr>
+        <p:spPr/>
+        <p:txBody>
+          <a:bodyPr/>
+          <a:lstStyle/>
+          <a:p>
+            <a:r>
+              <a:rPr lang="en-US" altLang="zh-TW" dirty="0"/>
+              <a:t>Linear - From Existing Rebar</a:t>
+            </a:r>
+            <a:endParaRPr lang="zh-TW" altLang="en-US" dirty="0"/>
+          </a:p>
+        </p:txBody>
+      </p:sp>
+      <p:sp>
+        <p:nvSpPr>
+          <p:cNvPr id="3" name="內容版面配置區 2">
+            <a:extLst>
+              <a:ext uri="{FF2B5EF4-FFF2-40B4-BE49-F238E27FC236}">
+                <a16:creationId xmlns:a16="http://schemas.microsoft.com/office/drawing/2014/main" id="{17A10B09-AA28-4638-B261-B8697CBFF0F6}"/>
+              </a:ext>
+            </a:extLst>
+          </p:cNvPr>
+          <p:cNvSpPr>
+            <a:spLocks noGrp="1"/>
+          </p:cNvSpPr>
+          <p:nvPr>
+            <p:ph idx="1"/>
+          </p:nvPr>
+        </p:nvSpPr>
+        <p:spPr/>
+        <p:txBody>
+          <a:bodyPr/>
+          <a:lstStyle/>
+          <a:p>
+            <a:r>
+              <a:rPr lang="en-US" altLang="zh-TW" dirty="0">
+                <a:solidFill>
+                  <a:schemeClr val="accent1"/>
+                </a:solidFill>
+              </a:rPr>
+              <a:t>Moment Diagram</a:t>
+            </a:r>
+          </a:p>
+          <a:p>
+            <a:pPr lvl="1"/>
+            <a:r>
+              <a:rPr lang="en-US" altLang="zh-TW" dirty="0"/>
+              <a:t>Top Rebar - EQ</a:t>
+            </a:r>
+          </a:p>
+          <a:p>
+            <a:pPr lvl="1"/>
+            <a:r>
+              <a:rPr lang="en-US" altLang="zh-TW" dirty="0"/>
+              <a:t>Bot Rebar – EQ and Gravity</a:t>
+            </a:r>
+          </a:p>
+          <a:p>
+            <a:r>
+              <a:rPr lang="en-US" altLang="zh-TW" dirty="0">
+                <a:solidFill>
+                  <a:schemeClr val="accent1"/>
+                </a:solidFill>
+              </a:rPr>
+              <a:t>Tension Development Length</a:t>
+            </a:r>
+          </a:p>
+          <a:p>
+            <a:pPr lvl="1"/>
+            <a:r>
+              <a:rPr lang="en-US" altLang="zh-TW" dirty="0"/>
+              <a:t>Simplified Provisions</a:t>
+            </a:r>
+          </a:p>
+          <a:p>
+            <a:pPr lvl="1"/>
+            <a:r>
+              <a:rPr lang="en-US" altLang="zh-TW" dirty="0"/>
+              <a:t>General Development Length Equation</a:t>
+            </a:r>
+          </a:p>
+          <a:p>
+            <a:r>
+              <a:rPr lang="en-US" altLang="zh-TW" dirty="0">
+                <a:solidFill>
+                  <a:schemeClr val="accent2"/>
+                </a:solidFill>
+              </a:rPr>
+              <a:t>Manual Gravity Demand</a:t>
+            </a:r>
+          </a:p>
+          <a:p>
+            <a:r>
+              <a:rPr lang="en-US" altLang="zh-TW" dirty="0"/>
+              <a:t>Manual Negative Gravity Demand Offset</a:t>
+            </a:r>
+          </a:p>
+          <a:p>
+            <a:r>
+              <a:rPr lang="en-US" altLang="zh-TW" dirty="0"/>
+              <a:t>Reduce to Three Points or Four Points</a:t>
+            </a:r>
+          </a:p>
+        </p:txBody>
+      </p:sp>
+      <p:sp>
+        <p:nvSpPr>
+          <p:cNvPr id="4" name="投影片編號版面配置區 3">
+            <a:extLst>
+              <a:ext uri="{FF2B5EF4-FFF2-40B4-BE49-F238E27FC236}">
+                <a16:creationId xmlns:a16="http://schemas.microsoft.com/office/drawing/2014/main" id="{1D199B2D-E365-4C7F-8C2A-AFEA86603DBE}"/>
+              </a:ext>
+            </a:extLst>
+          </p:cNvPr>
+          <p:cNvSpPr>
+            <a:spLocks noGrp="1"/>
+          </p:cNvSpPr>
+          <p:nvPr>
+            <p:ph type="sldNum" sz="quarter" idx="12"/>
+          </p:nvPr>
+        </p:nvSpPr>
+        <p:spPr/>
+        <p:txBody>
+          <a:bodyPr/>
+          <a:lstStyle/>
+          <a:p>
+            <a:fld id="{2DDD7CF1-F89F-4FD9-B1E5-7228A8EA728A}" type="slidenum">
+              <a:rPr lang="zh-TW" altLang="en-US" smtClean="0"/>
+              <a:t>4</a:t>
+            </a:fld>
+            <a:endParaRPr lang="zh-TW" altLang="en-US"/>
+          </a:p>
+        </p:txBody>
+      </p:sp>
+    </p:spTree>
+    <p:extLst>
+      <p:ext uri="{BB962C8B-B14F-4D97-AF65-F5344CB8AC3E}">
+        <p14:creationId xmlns:p14="http://schemas.microsoft.com/office/powerpoint/2010/main" val="288671541"/>
+      </p:ext>
+    </p:extLst>
+  </p:cSld>
+  <p:clrMapOvr>
+    <a:masterClrMapping/>
+  </p:clrMapOvr>
+  <mc:AlternateContent xmlns:mc="http://schemas.openxmlformats.org/markup-compatibility/2006" xmlns:p14="http://schemas.microsoft.com/office/powerpoint/2010/main">
+    <mc:Choice Requires="p14">
+      <p:transition spd="med" p14:dur="700">
+        <p:fade/>
+      </p:transition>
+    </mc:Choice>
+    <mc:Fallback xmlns="">
       <p:transition spd="med">
         <p:fade/>
       </p:transition>
@@ -14777,206 +15224,14 @@
       </p:grpSpPr>
       <p:sp>
         <p:nvSpPr>
-          <p:cNvPr id="2" name="標題 1">
-            <a:extLst>
-              <a:ext uri="{FF2B5EF4-FFF2-40B4-BE49-F238E27FC236}">
-                <a16:creationId xmlns:a16="http://schemas.microsoft.com/office/drawing/2014/main" id="{0100E54B-9D67-4255-AA29-1FFDAD99E27C}"/>
-              </a:ext>
-            </a:extLst>
-          </p:cNvPr>
-          <p:cNvSpPr>
-            <a:spLocks noGrp="1"/>
-          </p:cNvSpPr>
-          <p:nvPr>
-            <p:ph type="title"/>
-          </p:nvPr>
-        </p:nvSpPr>
-        <p:spPr/>
-        <p:txBody>
-          <a:bodyPr/>
-          <a:lstStyle/>
-          <a:p>
-            <a:r>
-              <a:rPr lang="en-US" altLang="zh-TW" dirty="0"/>
-              <a:t>Linear - From Existing Rebar</a:t>
-            </a:r>
-            <a:endParaRPr lang="zh-TW" altLang="en-US" dirty="0"/>
-          </a:p>
-        </p:txBody>
-      </p:sp>
-      <p:sp>
-        <p:nvSpPr>
-          <p:cNvPr id="3" name="內容版面配置區 2">
-            <a:extLst>
-              <a:ext uri="{FF2B5EF4-FFF2-40B4-BE49-F238E27FC236}">
-                <a16:creationId xmlns:a16="http://schemas.microsoft.com/office/drawing/2014/main" id="{17A10B09-AA28-4638-B261-B8697CBFF0F6}"/>
-              </a:ext>
-            </a:extLst>
-          </p:cNvPr>
-          <p:cNvSpPr>
-            <a:spLocks noGrp="1"/>
-          </p:cNvSpPr>
-          <p:nvPr>
-            <p:ph idx="1"/>
-          </p:nvPr>
-        </p:nvSpPr>
-        <p:spPr/>
-        <p:txBody>
-          <a:bodyPr/>
-          <a:lstStyle/>
-          <a:p>
-            <a:r>
-              <a:rPr lang="en-US" altLang="zh-TW" dirty="0">
-                <a:solidFill>
-                  <a:schemeClr val="accent1"/>
-                </a:solidFill>
-              </a:rPr>
-              <a:t>Moment Diagram</a:t>
-            </a:r>
-          </a:p>
-          <a:p>
-            <a:pPr lvl="1"/>
-            <a:r>
-              <a:rPr lang="en-US" altLang="zh-TW" dirty="0"/>
-              <a:t>Top Rebar - EQ</a:t>
-            </a:r>
-          </a:p>
-          <a:p>
-            <a:pPr lvl="1"/>
-            <a:r>
-              <a:rPr lang="en-US" altLang="zh-TW" dirty="0"/>
-              <a:t>Bot Rebar – EQ and Gravity</a:t>
-            </a:r>
-          </a:p>
-          <a:p>
-            <a:r>
-              <a:rPr lang="en-US" altLang="zh-TW" dirty="0">
-                <a:solidFill>
-                  <a:schemeClr val="accent1"/>
-                </a:solidFill>
-              </a:rPr>
-              <a:t>Tension Development Length</a:t>
-            </a:r>
-          </a:p>
-          <a:p>
-            <a:pPr lvl="1"/>
-            <a:r>
-              <a:rPr lang="en-US" altLang="zh-TW" dirty="0"/>
-              <a:t>Simplified Provisions</a:t>
-            </a:r>
-          </a:p>
-          <a:p>
-            <a:pPr lvl="1"/>
-            <a:r>
-              <a:rPr lang="en-US" altLang="zh-TW" dirty="0"/>
-              <a:t>General Development Length Equation</a:t>
-            </a:r>
-          </a:p>
-          <a:p>
-            <a:r>
-              <a:rPr lang="en-US" altLang="zh-TW" dirty="0">
-                <a:solidFill>
-                  <a:schemeClr val="accent2"/>
-                </a:solidFill>
-              </a:rPr>
-              <a:t>Manual Gravity Demand</a:t>
-            </a:r>
-          </a:p>
-          <a:p>
-            <a:r>
-              <a:rPr lang="en-US" altLang="zh-TW" dirty="0"/>
-              <a:t>Manual Negative Gravity Demand Offset</a:t>
-            </a:r>
-          </a:p>
-          <a:p>
-            <a:r>
-              <a:rPr lang="en-US" altLang="zh-TW" dirty="0"/>
-              <a:t>Reduce to Three Points or Four Points</a:t>
-            </a:r>
-          </a:p>
-        </p:txBody>
-      </p:sp>
-      <p:sp>
-        <p:nvSpPr>
-          <p:cNvPr id="4" name="投影片編號版面配置區 3">
-            <a:extLst>
-              <a:ext uri="{FF2B5EF4-FFF2-40B4-BE49-F238E27FC236}">
-                <a16:creationId xmlns:a16="http://schemas.microsoft.com/office/drawing/2014/main" id="{1D199B2D-E365-4C7F-8C2A-AFEA86603DBE}"/>
-              </a:ext>
-            </a:extLst>
-          </p:cNvPr>
-          <p:cNvSpPr>
-            <a:spLocks noGrp="1"/>
-          </p:cNvSpPr>
-          <p:nvPr>
-            <p:ph type="sldNum" sz="quarter" idx="12"/>
-          </p:nvPr>
-        </p:nvSpPr>
-        <p:spPr/>
-        <p:txBody>
-          <a:bodyPr/>
-          <a:lstStyle/>
-          <a:p>
-            <a:fld id="{2DDD7CF1-F89F-4FD9-B1E5-7228A8EA728A}" type="slidenum">
-              <a:rPr lang="zh-TW" altLang="en-US" smtClean="0"/>
-              <a:t>5</a:t>
-            </a:fld>
-            <a:endParaRPr lang="zh-TW" altLang="en-US"/>
-          </a:p>
-        </p:txBody>
-      </p:sp>
-    </p:spTree>
-    <p:extLst>
-      <p:ext uri="{BB962C8B-B14F-4D97-AF65-F5344CB8AC3E}">
-        <p14:creationId xmlns:p14="http://schemas.microsoft.com/office/powerpoint/2010/main" val="288671541"/>
-      </p:ext>
-    </p:extLst>
-  </p:cSld>
-  <p:clrMapOvr>
-    <a:masterClrMapping/>
-  </p:clrMapOvr>
-  <mc:AlternateContent xmlns:mc="http://schemas.openxmlformats.org/markup-compatibility/2006">
-    <mc:Choice xmlns:p14="http://schemas.microsoft.com/office/powerpoint/2010/main" Requires="p14">
-      <p:transition spd="med" p14:dur="700">
-        <p:fade/>
-      </p:transition>
-    </mc:Choice>
-    <mc:Fallback>
-      <p:transition spd="med">
-        <p:fade/>
-      </p:transition>
-    </mc:Fallback>
-  </mc:AlternateContent>
-</p:sld>
-</file>
-
-<file path=ppt/slides/slide6.xml><?xml version="1.0" encoding="utf-8"?>
-<p:sld xmlns:a="http://schemas.openxmlformats.org/drawingml/2006/main" xmlns:r="http://schemas.openxmlformats.org/officeDocument/2006/relationships" xmlns:p="http://schemas.openxmlformats.org/presentationml/2006/main">
-  <p:cSld>
-    <p:spTree>
-      <p:nvGrpSpPr>
-        <p:cNvPr id="1" name=""/>
-        <p:cNvGrpSpPr/>
-        <p:nvPr/>
-      </p:nvGrpSpPr>
-      <p:grpSpPr>
-        <a:xfrm>
-          <a:off x="0" y="0"/>
-          <a:ext cx="0" cy="0"/>
-          <a:chOff x="0" y="0"/>
-          <a:chExt cx="0" cy="0"/>
-        </a:xfrm>
-      </p:grpSpPr>
-      <p:sp>
-        <p:nvSpPr>
           <p:cNvPr id="99" name="TextBox 98"/>
           <p:cNvSpPr txBox="1"/>
           <p:nvPr/>
         </p:nvSpPr>
         <p:spPr>
           <a:xfrm>
-            <a:off x="629841" y="2577800"/>
-            <a:ext cx="1951606" cy="738664"/>
+            <a:off x="629841" y="3959424"/>
+            <a:ext cx="1161000" cy="553998"/>
           </a:xfrm>
           <a:prstGeom prst="rect">
             <a:avLst/>
@@ -14984,77 +15239,1075 @@
           <a:noFill/>
         </p:spPr>
         <p:txBody>
-          <a:bodyPr wrap="square" lIns="0" rtlCol="0" anchor="b">
+          <a:bodyPr wrap="square" lIns="0" rtlCol="0" anchor="t">
             <a:spAutoFit/>
           </a:bodyPr>
           <a:lstStyle/>
           <a:p>
             <a:r>
-              <a:rPr lang="fr-FR" sz="2100" dirty="0" err="1">
-                <a:solidFill>
-                  <a:schemeClr val="accent1"/>
-                </a:solidFill>
+              <a:rPr lang="fr-FR" sz="1500" dirty="0" err="1">
                 <a:latin typeface="Segoe UI Light" panose="020B0502040204020203" pitchFamily="34" charset="0"/>
                 <a:cs typeface="Segoe UI Light" panose="020B0502040204020203" pitchFamily="34" charset="0"/>
               </a:rPr>
-              <a:t>Make</a:t>
-            </a:r>
-            <a:r>
-              <a:rPr lang="fr-FR" sz="2100" dirty="0">
-                <a:solidFill>
-                  <a:schemeClr val="accent1"/>
-                </a:solidFill>
+              <a:t>Very</a:t>
+            </a:r>
+            <a:r>
+              <a:rPr lang="fr-FR" sz="1500" dirty="0">
                 <a:latin typeface="Segoe UI Light" panose="020B0502040204020203" pitchFamily="34" charset="0"/>
                 <a:cs typeface="Segoe UI Light" panose="020B0502040204020203" pitchFamily="34" charset="0"/>
               </a:rPr>
               <a:t> </a:t>
             </a:r>
             <a:r>
-              <a:rPr lang="fr-FR" sz="2100" dirty="0" err="1">
-                <a:solidFill>
-                  <a:schemeClr val="accent1"/>
-                </a:solidFill>
+              <a:rPr lang="fr-FR" sz="1500" dirty="0" err="1">
                 <a:latin typeface="Segoe UI Light" panose="020B0502040204020203" pitchFamily="34" charset="0"/>
                 <a:cs typeface="Segoe UI Light" panose="020B0502040204020203" pitchFamily="34" charset="0"/>
               </a:rPr>
-              <a:t>things</a:t>
-            </a:r>
-            <a:r>
-              <a:rPr lang="fr-FR" sz="2100" dirty="0">
-                <a:solidFill>
-                  <a:schemeClr val="accent1"/>
-                </a:solidFill>
+              <a:t>Easy</a:t>
+            </a:r>
+            <a:r>
+              <a:rPr lang="fr-FR" sz="1500" dirty="0">
                 <a:latin typeface="Segoe UI Light" panose="020B0502040204020203" pitchFamily="34" charset="0"/>
                 <a:cs typeface="Segoe UI Light" panose="020B0502040204020203" pitchFamily="34" charset="0"/>
               </a:rPr>
               <a:t> </a:t>
             </a:r>
             <a:r>
-              <a:rPr lang="fr-FR" sz="2100" dirty="0" err="1">
-                <a:solidFill>
-                  <a:schemeClr val="accent1"/>
-                </a:solidFill>
+              <a:rPr lang="fr-FR" sz="1500" dirty="0" err="1">
                 <a:latin typeface="Segoe UI Light" panose="020B0502040204020203" pitchFamily="34" charset="0"/>
                 <a:cs typeface="Segoe UI Light" panose="020B0502040204020203" pitchFamily="34" charset="0"/>
               </a:rPr>
-              <a:t>really</a:t>
-            </a:r>
-            <a:r>
-              <a:rPr lang="fr-FR" sz="2100" dirty="0">
-                <a:solidFill>
-                  <a:schemeClr val="accent1"/>
-                </a:solidFill>
+              <a:t>Step</a:t>
+            </a:r>
+            <a:r>
+              <a:rPr lang="fr-FR" sz="1500" dirty="0">
                 <a:latin typeface="Segoe UI Light" panose="020B0502040204020203" pitchFamily="34" charset="0"/>
                 <a:cs typeface="Segoe UI Light" panose="020B0502040204020203" pitchFamily="34" charset="0"/>
               </a:rPr>
-              <a:t> change</a:t>
-            </a:r>
-          </a:p>
-        </p:txBody>
-      </p:sp>
-      <p:sp>
-        <p:nvSpPr>
-          <p:cNvPr id="2" name="Text Placeholder 1"/>
+              <a:t> 1</a:t>
+            </a:r>
+          </a:p>
+        </p:txBody>
+      </p:sp>
+      <p:grpSp>
+        <p:nvGrpSpPr>
+          <p:cNvPr id="2" name="Group 1"/>
+          <p:cNvGrpSpPr/>
+          <p:nvPr/>
+        </p:nvGrpSpPr>
+        <p:grpSpPr>
+          <a:xfrm>
+            <a:off x="2423814" y="2903338"/>
+            <a:ext cx="708425" cy="708425"/>
+            <a:chOff x="3173014" y="2956717"/>
+            <a:chExt cx="944566" cy="944566"/>
+          </a:xfrm>
+        </p:grpSpPr>
+        <p:sp>
+          <p:nvSpPr>
+            <p:cNvPr id="19" name="Oval 18"/>
+            <p:cNvSpPr/>
+            <p:nvPr/>
+          </p:nvSpPr>
+          <p:spPr>
+            <a:xfrm>
+              <a:off x="3290491" y="3074194"/>
+              <a:ext cx="709612" cy="709612"/>
+            </a:xfrm>
+            <a:prstGeom prst="ellipse">
+              <a:avLst/>
+            </a:prstGeom>
+            <a:solidFill>
+              <a:schemeClr val="bg1">
+                <a:lumMod val="85000"/>
+              </a:schemeClr>
+            </a:solidFill>
+            <a:ln>
+              <a:noFill/>
+            </a:ln>
+          </p:spPr>
+          <p:style>
+            <a:lnRef idx="2">
+              <a:schemeClr val="accent1">
+                <a:shade val="50000"/>
+              </a:schemeClr>
+            </a:lnRef>
+            <a:fillRef idx="1">
+              <a:schemeClr val="accent1"/>
+            </a:fillRef>
+            <a:effectRef idx="0">
+              <a:schemeClr val="accent1"/>
+            </a:effectRef>
+            <a:fontRef idx="minor">
+              <a:schemeClr val="lt1"/>
+            </a:fontRef>
+          </p:style>
+          <p:txBody>
+            <a:bodyPr rtlCol="0" anchor="ctr"/>
+            <a:lstStyle/>
+            <a:p>
+              <a:pPr algn="ctr"/>
+              <a:endParaRPr lang="fr-FR" sz="1350" dirty="0"/>
+            </a:p>
+          </p:txBody>
+        </p:sp>
+        <p:sp>
+          <p:nvSpPr>
+            <p:cNvPr id="23" name="Oval 22"/>
+            <p:cNvSpPr/>
+            <p:nvPr/>
+          </p:nvSpPr>
+          <p:spPr>
+            <a:xfrm>
+              <a:off x="3173014" y="2956717"/>
+              <a:ext cx="944566" cy="944566"/>
+            </a:xfrm>
+            <a:prstGeom prst="ellipse">
+              <a:avLst/>
+            </a:prstGeom>
+            <a:solidFill>
+              <a:schemeClr val="bg1">
+                <a:lumMod val="85000"/>
+                <a:alpha val="42000"/>
+              </a:schemeClr>
+            </a:solidFill>
+            <a:ln>
+              <a:noFill/>
+            </a:ln>
+          </p:spPr>
+          <p:style>
+            <a:lnRef idx="2">
+              <a:schemeClr val="accent1">
+                <a:shade val="50000"/>
+              </a:schemeClr>
+            </a:lnRef>
+            <a:fillRef idx="1">
+              <a:schemeClr val="accent1"/>
+            </a:fillRef>
+            <a:effectRef idx="0">
+              <a:schemeClr val="accent1"/>
+            </a:effectRef>
+            <a:fontRef idx="minor">
+              <a:schemeClr val="lt1"/>
+            </a:fontRef>
+          </p:style>
+          <p:txBody>
+            <a:bodyPr rtlCol="0" anchor="ctr"/>
+            <a:lstStyle/>
+            <a:p>
+              <a:pPr algn="ctr"/>
+              <a:r>
+                <a:rPr lang="fr-FR" sz="2100" dirty="0">
+                  <a:solidFill>
+                    <a:schemeClr val="tx1"/>
+                  </a:solidFill>
+                  <a:latin typeface="Segoe UI" panose="020B0502040204020203" pitchFamily="34" charset="0"/>
+                  <a:cs typeface="Segoe UI" panose="020B0502040204020203" pitchFamily="34" charset="0"/>
+                </a:rPr>
+                <a:t>2</a:t>
+              </a:r>
+            </a:p>
+          </p:txBody>
+        </p:sp>
+      </p:grpSp>
+      <p:grpSp>
+        <p:nvGrpSpPr>
+          <p:cNvPr id="25" name="Group 24"/>
+          <p:cNvGrpSpPr/>
+          <p:nvPr/>
+        </p:nvGrpSpPr>
+        <p:grpSpPr>
+          <a:xfrm>
+            <a:off x="629840" y="2903338"/>
+            <a:ext cx="708425" cy="708425"/>
+            <a:chOff x="3173014" y="2956717"/>
+            <a:chExt cx="944566" cy="944566"/>
+          </a:xfrm>
+        </p:grpSpPr>
+        <p:sp>
+          <p:nvSpPr>
+            <p:cNvPr id="26" name="Oval 25"/>
+            <p:cNvSpPr/>
+            <p:nvPr/>
+          </p:nvSpPr>
+          <p:spPr>
+            <a:xfrm>
+              <a:off x="3290491" y="3074194"/>
+              <a:ext cx="709612" cy="709612"/>
+            </a:xfrm>
+            <a:prstGeom prst="ellipse">
+              <a:avLst/>
+            </a:prstGeom>
+            <a:solidFill>
+              <a:schemeClr val="bg1">
+                <a:lumMod val="85000"/>
+              </a:schemeClr>
+            </a:solidFill>
+            <a:ln>
+              <a:noFill/>
+            </a:ln>
+          </p:spPr>
+          <p:style>
+            <a:lnRef idx="2">
+              <a:schemeClr val="accent1">
+                <a:shade val="50000"/>
+              </a:schemeClr>
+            </a:lnRef>
+            <a:fillRef idx="1">
+              <a:schemeClr val="accent1"/>
+            </a:fillRef>
+            <a:effectRef idx="0">
+              <a:schemeClr val="accent1"/>
+            </a:effectRef>
+            <a:fontRef idx="minor">
+              <a:schemeClr val="lt1"/>
+            </a:fontRef>
+          </p:style>
+          <p:txBody>
+            <a:bodyPr rtlCol="0" anchor="ctr"/>
+            <a:lstStyle/>
+            <a:p>
+              <a:pPr algn="ctr"/>
+              <a:endParaRPr lang="fr-FR" sz="1350"/>
+            </a:p>
+          </p:txBody>
+        </p:sp>
+        <p:sp>
+          <p:nvSpPr>
+            <p:cNvPr id="27" name="Oval 26"/>
+            <p:cNvSpPr/>
+            <p:nvPr/>
+          </p:nvSpPr>
+          <p:spPr>
+            <a:xfrm>
+              <a:off x="3173014" y="2956717"/>
+              <a:ext cx="944566" cy="944566"/>
+            </a:xfrm>
+            <a:prstGeom prst="ellipse">
+              <a:avLst/>
+            </a:prstGeom>
+            <a:solidFill>
+              <a:schemeClr val="bg1">
+                <a:lumMod val="85000"/>
+                <a:alpha val="42000"/>
+              </a:schemeClr>
+            </a:solidFill>
+            <a:ln>
+              <a:noFill/>
+            </a:ln>
+          </p:spPr>
+          <p:style>
+            <a:lnRef idx="2">
+              <a:schemeClr val="accent1">
+                <a:shade val="50000"/>
+              </a:schemeClr>
+            </a:lnRef>
+            <a:fillRef idx="1">
+              <a:schemeClr val="accent1"/>
+            </a:fillRef>
+            <a:effectRef idx="0">
+              <a:schemeClr val="accent1"/>
+            </a:effectRef>
+            <a:fontRef idx="minor">
+              <a:schemeClr val="lt1"/>
+            </a:fontRef>
+          </p:style>
+          <p:txBody>
+            <a:bodyPr rtlCol="0" anchor="ctr"/>
+            <a:lstStyle/>
+            <a:p>
+              <a:pPr algn="ctr"/>
+              <a:r>
+                <a:rPr lang="fr-FR" sz="2100" dirty="0">
+                  <a:solidFill>
+                    <a:schemeClr val="tx1"/>
+                  </a:solidFill>
+                  <a:latin typeface="Segoe UI" panose="020B0502040204020203" pitchFamily="34" charset="0"/>
+                  <a:cs typeface="Segoe UI" panose="020B0502040204020203" pitchFamily="34" charset="0"/>
+                </a:rPr>
+                <a:t>1</a:t>
+              </a:r>
+            </a:p>
+          </p:txBody>
+        </p:sp>
+      </p:grpSp>
+      <p:grpSp>
+        <p:nvGrpSpPr>
+          <p:cNvPr id="28" name="Group 27"/>
+          <p:cNvGrpSpPr/>
+          <p:nvPr/>
+        </p:nvGrpSpPr>
+        <p:grpSpPr>
+          <a:xfrm>
+            <a:off x="4217788" y="2903338"/>
+            <a:ext cx="708425" cy="708425"/>
+            <a:chOff x="3173014" y="2956717"/>
+            <a:chExt cx="944566" cy="944566"/>
+          </a:xfrm>
+        </p:grpSpPr>
+        <p:sp>
+          <p:nvSpPr>
+            <p:cNvPr id="29" name="Oval 28"/>
+            <p:cNvSpPr/>
+            <p:nvPr/>
+          </p:nvSpPr>
+          <p:spPr>
+            <a:xfrm>
+              <a:off x="3290491" y="3074194"/>
+              <a:ext cx="709612" cy="709612"/>
+            </a:xfrm>
+            <a:prstGeom prst="ellipse">
+              <a:avLst/>
+            </a:prstGeom>
+            <a:solidFill>
+              <a:schemeClr val="bg1">
+                <a:lumMod val="85000"/>
+              </a:schemeClr>
+            </a:solidFill>
+            <a:ln>
+              <a:noFill/>
+            </a:ln>
+          </p:spPr>
+          <p:style>
+            <a:lnRef idx="2">
+              <a:schemeClr val="accent1">
+                <a:shade val="50000"/>
+              </a:schemeClr>
+            </a:lnRef>
+            <a:fillRef idx="1">
+              <a:schemeClr val="accent1"/>
+            </a:fillRef>
+            <a:effectRef idx="0">
+              <a:schemeClr val="accent1"/>
+            </a:effectRef>
+            <a:fontRef idx="minor">
+              <a:schemeClr val="lt1"/>
+            </a:fontRef>
+          </p:style>
+          <p:txBody>
+            <a:bodyPr rtlCol="0" anchor="ctr"/>
+            <a:lstStyle/>
+            <a:p>
+              <a:pPr algn="ctr"/>
+              <a:endParaRPr lang="fr-FR" sz="1350"/>
+            </a:p>
+          </p:txBody>
+        </p:sp>
+        <p:sp>
+          <p:nvSpPr>
+            <p:cNvPr id="30" name="Oval 29"/>
+            <p:cNvSpPr/>
+            <p:nvPr/>
+          </p:nvSpPr>
+          <p:spPr>
+            <a:xfrm>
+              <a:off x="3173014" y="2956717"/>
+              <a:ext cx="944566" cy="944566"/>
+            </a:xfrm>
+            <a:prstGeom prst="ellipse">
+              <a:avLst/>
+            </a:prstGeom>
+            <a:solidFill>
+              <a:schemeClr val="bg1">
+                <a:lumMod val="85000"/>
+                <a:alpha val="42000"/>
+              </a:schemeClr>
+            </a:solidFill>
+            <a:ln>
+              <a:noFill/>
+            </a:ln>
+          </p:spPr>
+          <p:style>
+            <a:lnRef idx="2">
+              <a:schemeClr val="accent1">
+                <a:shade val="50000"/>
+              </a:schemeClr>
+            </a:lnRef>
+            <a:fillRef idx="1">
+              <a:schemeClr val="accent1"/>
+            </a:fillRef>
+            <a:effectRef idx="0">
+              <a:schemeClr val="accent1"/>
+            </a:effectRef>
+            <a:fontRef idx="minor">
+              <a:schemeClr val="lt1"/>
+            </a:fontRef>
+          </p:style>
+          <p:txBody>
+            <a:bodyPr rtlCol="0" anchor="ctr"/>
+            <a:lstStyle/>
+            <a:p>
+              <a:pPr algn="ctr"/>
+              <a:r>
+                <a:rPr lang="fr-FR" sz="2100" dirty="0">
+                  <a:solidFill>
+                    <a:schemeClr val="tx1"/>
+                  </a:solidFill>
+                  <a:latin typeface="Segoe UI" panose="020B0502040204020203" pitchFamily="34" charset="0"/>
+                  <a:cs typeface="Segoe UI" panose="020B0502040204020203" pitchFamily="34" charset="0"/>
+                </a:rPr>
+                <a:t>3</a:t>
+              </a:r>
+            </a:p>
+          </p:txBody>
+        </p:sp>
+      </p:grpSp>
+      <p:grpSp>
+        <p:nvGrpSpPr>
+          <p:cNvPr id="31" name="Group 30"/>
+          <p:cNvGrpSpPr/>
+          <p:nvPr/>
+        </p:nvGrpSpPr>
+        <p:grpSpPr>
+          <a:xfrm>
+            <a:off x="6011761" y="2903338"/>
+            <a:ext cx="708425" cy="708425"/>
+            <a:chOff x="3173014" y="2956717"/>
+            <a:chExt cx="944566" cy="944566"/>
+          </a:xfrm>
+        </p:grpSpPr>
+        <p:sp>
+          <p:nvSpPr>
+            <p:cNvPr id="32" name="Oval 31"/>
+            <p:cNvSpPr/>
+            <p:nvPr/>
+          </p:nvSpPr>
+          <p:spPr>
+            <a:xfrm>
+              <a:off x="3290491" y="3074194"/>
+              <a:ext cx="709612" cy="709612"/>
+            </a:xfrm>
+            <a:prstGeom prst="ellipse">
+              <a:avLst/>
+            </a:prstGeom>
+            <a:solidFill>
+              <a:schemeClr val="bg1">
+                <a:lumMod val="85000"/>
+              </a:schemeClr>
+            </a:solidFill>
+            <a:ln>
+              <a:noFill/>
+            </a:ln>
+          </p:spPr>
+          <p:style>
+            <a:lnRef idx="2">
+              <a:schemeClr val="accent1">
+                <a:shade val="50000"/>
+              </a:schemeClr>
+            </a:lnRef>
+            <a:fillRef idx="1">
+              <a:schemeClr val="accent1"/>
+            </a:fillRef>
+            <a:effectRef idx="0">
+              <a:schemeClr val="accent1"/>
+            </a:effectRef>
+            <a:fontRef idx="minor">
+              <a:schemeClr val="lt1"/>
+            </a:fontRef>
+          </p:style>
+          <p:txBody>
+            <a:bodyPr rtlCol="0" anchor="ctr"/>
+            <a:lstStyle/>
+            <a:p>
+              <a:pPr algn="ctr"/>
+              <a:endParaRPr lang="fr-FR" sz="1350"/>
+            </a:p>
+          </p:txBody>
+        </p:sp>
+        <p:sp>
+          <p:nvSpPr>
+            <p:cNvPr id="33" name="Oval 32"/>
+            <p:cNvSpPr/>
+            <p:nvPr/>
+          </p:nvSpPr>
+          <p:spPr>
+            <a:xfrm>
+              <a:off x="3173014" y="2956717"/>
+              <a:ext cx="944566" cy="944566"/>
+            </a:xfrm>
+            <a:prstGeom prst="ellipse">
+              <a:avLst/>
+            </a:prstGeom>
+            <a:solidFill>
+              <a:schemeClr val="bg1">
+                <a:lumMod val="85000"/>
+                <a:alpha val="42000"/>
+              </a:schemeClr>
+            </a:solidFill>
+            <a:ln>
+              <a:noFill/>
+            </a:ln>
+          </p:spPr>
+          <p:style>
+            <a:lnRef idx="2">
+              <a:schemeClr val="accent1">
+                <a:shade val="50000"/>
+              </a:schemeClr>
+            </a:lnRef>
+            <a:fillRef idx="1">
+              <a:schemeClr val="accent1"/>
+            </a:fillRef>
+            <a:effectRef idx="0">
+              <a:schemeClr val="accent1"/>
+            </a:effectRef>
+            <a:fontRef idx="minor">
+              <a:schemeClr val="lt1"/>
+            </a:fontRef>
+          </p:style>
+          <p:txBody>
+            <a:bodyPr rtlCol="0" anchor="ctr"/>
+            <a:lstStyle/>
+            <a:p>
+              <a:pPr algn="ctr"/>
+              <a:r>
+                <a:rPr lang="fr-FR" sz="2100" dirty="0">
+                  <a:solidFill>
+                    <a:schemeClr val="tx1"/>
+                  </a:solidFill>
+                  <a:latin typeface="Segoe UI" panose="020B0502040204020203" pitchFamily="34" charset="0"/>
+                  <a:cs typeface="Segoe UI" panose="020B0502040204020203" pitchFamily="34" charset="0"/>
+                </a:rPr>
+                <a:t>4</a:t>
+              </a:r>
+            </a:p>
+          </p:txBody>
+        </p:sp>
+      </p:grpSp>
+      <p:grpSp>
+        <p:nvGrpSpPr>
+          <p:cNvPr id="34" name="Group 33"/>
+          <p:cNvGrpSpPr/>
+          <p:nvPr/>
+        </p:nvGrpSpPr>
+        <p:grpSpPr>
+          <a:xfrm>
+            <a:off x="7805735" y="2903338"/>
+            <a:ext cx="708425" cy="708425"/>
+            <a:chOff x="3173014" y="2956717"/>
+            <a:chExt cx="944566" cy="944566"/>
+          </a:xfrm>
+        </p:grpSpPr>
+        <p:sp>
+          <p:nvSpPr>
+            <p:cNvPr id="35" name="Oval 34"/>
+            <p:cNvSpPr/>
+            <p:nvPr/>
+          </p:nvSpPr>
+          <p:spPr>
+            <a:xfrm>
+              <a:off x="3290491" y="3074194"/>
+              <a:ext cx="709612" cy="709612"/>
+            </a:xfrm>
+            <a:prstGeom prst="ellipse">
+              <a:avLst/>
+            </a:prstGeom>
+            <a:solidFill>
+              <a:schemeClr val="bg1">
+                <a:lumMod val="85000"/>
+              </a:schemeClr>
+            </a:solidFill>
+            <a:ln>
+              <a:noFill/>
+            </a:ln>
+          </p:spPr>
+          <p:style>
+            <a:lnRef idx="2">
+              <a:schemeClr val="accent1">
+                <a:shade val="50000"/>
+              </a:schemeClr>
+            </a:lnRef>
+            <a:fillRef idx="1">
+              <a:schemeClr val="accent1"/>
+            </a:fillRef>
+            <a:effectRef idx="0">
+              <a:schemeClr val="accent1"/>
+            </a:effectRef>
+            <a:fontRef idx="minor">
+              <a:schemeClr val="lt1"/>
+            </a:fontRef>
+          </p:style>
+          <p:txBody>
+            <a:bodyPr rtlCol="0" anchor="ctr"/>
+            <a:lstStyle/>
+            <a:p>
+              <a:pPr algn="ctr"/>
+              <a:endParaRPr lang="fr-FR" sz="1350"/>
+            </a:p>
+          </p:txBody>
+        </p:sp>
+        <p:sp>
+          <p:nvSpPr>
+            <p:cNvPr id="36" name="Oval 35"/>
+            <p:cNvSpPr/>
+            <p:nvPr/>
+          </p:nvSpPr>
+          <p:spPr>
+            <a:xfrm>
+              <a:off x="3173014" y="2956717"/>
+              <a:ext cx="944566" cy="944566"/>
+            </a:xfrm>
+            <a:prstGeom prst="ellipse">
+              <a:avLst/>
+            </a:prstGeom>
+            <a:solidFill>
+              <a:schemeClr val="bg1">
+                <a:lumMod val="85000"/>
+                <a:alpha val="42000"/>
+              </a:schemeClr>
+            </a:solidFill>
+            <a:ln>
+              <a:noFill/>
+            </a:ln>
+          </p:spPr>
+          <p:style>
+            <a:lnRef idx="2">
+              <a:schemeClr val="accent1">
+                <a:shade val="50000"/>
+              </a:schemeClr>
+            </a:lnRef>
+            <a:fillRef idx="1">
+              <a:schemeClr val="accent1"/>
+            </a:fillRef>
+            <a:effectRef idx="0">
+              <a:schemeClr val="accent1"/>
+            </a:effectRef>
+            <a:fontRef idx="minor">
+              <a:schemeClr val="lt1"/>
+            </a:fontRef>
+          </p:style>
+          <p:txBody>
+            <a:bodyPr rtlCol="0" anchor="ctr"/>
+            <a:lstStyle/>
+            <a:p>
+              <a:pPr algn="ctr"/>
+              <a:r>
+                <a:rPr lang="fr-FR" sz="2100" dirty="0">
+                  <a:solidFill>
+                    <a:schemeClr val="tx1"/>
+                  </a:solidFill>
+                  <a:latin typeface="Segoe UI" panose="020B0502040204020203" pitchFamily="34" charset="0"/>
+                  <a:cs typeface="Segoe UI" panose="020B0502040204020203" pitchFamily="34" charset="0"/>
+                </a:rPr>
+                <a:t>5</a:t>
+              </a:r>
+            </a:p>
+          </p:txBody>
+        </p:sp>
+      </p:grpSp>
+      <p:sp>
+        <p:nvSpPr>
+          <p:cNvPr id="42" name="TextBox 41"/>
+          <p:cNvSpPr txBox="1"/>
+          <p:nvPr/>
+        </p:nvSpPr>
+        <p:spPr>
+          <a:xfrm>
+            <a:off x="2423814" y="3959424"/>
+            <a:ext cx="1161000" cy="553998"/>
+          </a:xfrm>
+          <a:prstGeom prst="rect">
+            <a:avLst/>
+          </a:prstGeom>
+          <a:noFill/>
+        </p:spPr>
+        <p:txBody>
+          <a:bodyPr wrap="square" lIns="0" rtlCol="0" anchor="t">
+            <a:spAutoFit/>
+          </a:bodyPr>
+          <a:lstStyle/>
+          <a:p>
+            <a:r>
+              <a:rPr lang="fr-FR" sz="1500" dirty="0" err="1">
+                <a:latin typeface="Segoe UI Light" panose="020B0502040204020203" pitchFamily="34" charset="0"/>
+                <a:cs typeface="Segoe UI Light" panose="020B0502040204020203" pitchFamily="34" charset="0"/>
+              </a:rPr>
+              <a:t>Very</a:t>
+            </a:r>
+            <a:r>
+              <a:rPr lang="fr-FR" sz="1500" dirty="0">
+                <a:latin typeface="Segoe UI Light" panose="020B0502040204020203" pitchFamily="34" charset="0"/>
+                <a:cs typeface="Segoe UI Light" panose="020B0502040204020203" pitchFamily="34" charset="0"/>
+              </a:rPr>
+              <a:t> </a:t>
+            </a:r>
+            <a:r>
+              <a:rPr lang="fr-FR" sz="1500" dirty="0" err="1">
+                <a:latin typeface="Segoe UI Light" panose="020B0502040204020203" pitchFamily="34" charset="0"/>
+                <a:cs typeface="Segoe UI Light" panose="020B0502040204020203" pitchFamily="34" charset="0"/>
+              </a:rPr>
+              <a:t>Easy</a:t>
+            </a:r>
+            <a:r>
+              <a:rPr lang="fr-FR" sz="1500" dirty="0">
+                <a:latin typeface="Segoe UI Light" panose="020B0502040204020203" pitchFamily="34" charset="0"/>
+                <a:cs typeface="Segoe UI Light" panose="020B0502040204020203" pitchFamily="34" charset="0"/>
+              </a:rPr>
+              <a:t> </a:t>
+            </a:r>
+            <a:r>
+              <a:rPr lang="fr-FR" sz="1500" dirty="0" err="1">
+                <a:latin typeface="Segoe UI Light" panose="020B0502040204020203" pitchFamily="34" charset="0"/>
+                <a:cs typeface="Segoe UI Light" panose="020B0502040204020203" pitchFamily="34" charset="0"/>
+              </a:rPr>
+              <a:t>Step</a:t>
+            </a:r>
+            <a:r>
+              <a:rPr lang="fr-FR" sz="1500" dirty="0">
+                <a:latin typeface="Segoe UI Light" panose="020B0502040204020203" pitchFamily="34" charset="0"/>
+                <a:cs typeface="Segoe UI Light" panose="020B0502040204020203" pitchFamily="34" charset="0"/>
+              </a:rPr>
+              <a:t> 2</a:t>
+            </a:r>
+          </a:p>
+        </p:txBody>
+      </p:sp>
+      <p:sp>
+        <p:nvSpPr>
+          <p:cNvPr id="43" name="TextBox 42"/>
+          <p:cNvSpPr txBox="1"/>
+          <p:nvPr/>
+        </p:nvSpPr>
+        <p:spPr>
+          <a:xfrm>
+            <a:off x="4217787" y="3959424"/>
+            <a:ext cx="1161000" cy="553998"/>
+          </a:xfrm>
+          <a:prstGeom prst="rect">
+            <a:avLst/>
+          </a:prstGeom>
+          <a:noFill/>
+        </p:spPr>
+        <p:txBody>
+          <a:bodyPr wrap="square" lIns="0" rtlCol="0" anchor="t">
+            <a:spAutoFit/>
+          </a:bodyPr>
+          <a:lstStyle/>
+          <a:p>
+            <a:r>
+              <a:rPr lang="fr-FR" sz="1500" dirty="0" err="1">
+                <a:latin typeface="Segoe UI Light" panose="020B0502040204020203" pitchFamily="34" charset="0"/>
+                <a:cs typeface="Segoe UI Light" panose="020B0502040204020203" pitchFamily="34" charset="0"/>
+              </a:rPr>
+              <a:t>Very</a:t>
+            </a:r>
+            <a:r>
+              <a:rPr lang="fr-FR" sz="1500" dirty="0">
+                <a:latin typeface="Segoe UI Light" panose="020B0502040204020203" pitchFamily="34" charset="0"/>
+                <a:cs typeface="Segoe UI Light" panose="020B0502040204020203" pitchFamily="34" charset="0"/>
+              </a:rPr>
+              <a:t> </a:t>
+            </a:r>
+            <a:r>
+              <a:rPr lang="fr-FR" sz="1500" dirty="0" err="1">
+                <a:latin typeface="Segoe UI Light" panose="020B0502040204020203" pitchFamily="34" charset="0"/>
+                <a:cs typeface="Segoe UI Light" panose="020B0502040204020203" pitchFamily="34" charset="0"/>
+              </a:rPr>
+              <a:t>Easy</a:t>
+            </a:r>
+            <a:r>
+              <a:rPr lang="fr-FR" sz="1500" dirty="0">
+                <a:latin typeface="Segoe UI Light" panose="020B0502040204020203" pitchFamily="34" charset="0"/>
+                <a:cs typeface="Segoe UI Light" panose="020B0502040204020203" pitchFamily="34" charset="0"/>
+              </a:rPr>
+              <a:t> </a:t>
+            </a:r>
+            <a:r>
+              <a:rPr lang="fr-FR" sz="1500" dirty="0" err="1">
+                <a:latin typeface="Segoe UI Light" panose="020B0502040204020203" pitchFamily="34" charset="0"/>
+                <a:cs typeface="Segoe UI Light" panose="020B0502040204020203" pitchFamily="34" charset="0"/>
+              </a:rPr>
+              <a:t>Step</a:t>
+            </a:r>
+            <a:r>
+              <a:rPr lang="fr-FR" sz="1500" dirty="0">
+                <a:latin typeface="Segoe UI Light" panose="020B0502040204020203" pitchFamily="34" charset="0"/>
+                <a:cs typeface="Segoe UI Light" panose="020B0502040204020203" pitchFamily="34" charset="0"/>
+              </a:rPr>
+              <a:t> 3</a:t>
+            </a:r>
+          </a:p>
+        </p:txBody>
+      </p:sp>
+      <p:sp>
+        <p:nvSpPr>
+          <p:cNvPr id="44" name="TextBox 43"/>
+          <p:cNvSpPr txBox="1"/>
+          <p:nvPr/>
+        </p:nvSpPr>
+        <p:spPr>
+          <a:xfrm>
+            <a:off x="6011760" y="3959424"/>
+            <a:ext cx="1161000" cy="553998"/>
+          </a:xfrm>
+          <a:prstGeom prst="rect">
+            <a:avLst/>
+          </a:prstGeom>
+          <a:noFill/>
+        </p:spPr>
+        <p:txBody>
+          <a:bodyPr wrap="square" lIns="0" rtlCol="0" anchor="t">
+            <a:spAutoFit/>
+          </a:bodyPr>
+          <a:lstStyle/>
+          <a:p>
+            <a:r>
+              <a:rPr lang="fr-FR" sz="1500" dirty="0" err="1">
+                <a:latin typeface="Segoe UI Light" panose="020B0502040204020203" pitchFamily="34" charset="0"/>
+                <a:cs typeface="Segoe UI Light" panose="020B0502040204020203" pitchFamily="34" charset="0"/>
+              </a:rPr>
+              <a:t>Very</a:t>
+            </a:r>
+            <a:r>
+              <a:rPr lang="fr-FR" sz="1500" dirty="0">
+                <a:latin typeface="Segoe UI Light" panose="020B0502040204020203" pitchFamily="34" charset="0"/>
+                <a:cs typeface="Segoe UI Light" panose="020B0502040204020203" pitchFamily="34" charset="0"/>
+              </a:rPr>
+              <a:t> </a:t>
+            </a:r>
+            <a:r>
+              <a:rPr lang="fr-FR" sz="1500" dirty="0" err="1">
+                <a:latin typeface="Segoe UI Light" panose="020B0502040204020203" pitchFamily="34" charset="0"/>
+                <a:cs typeface="Segoe UI Light" panose="020B0502040204020203" pitchFamily="34" charset="0"/>
+              </a:rPr>
+              <a:t>Easy</a:t>
+            </a:r>
+            <a:r>
+              <a:rPr lang="fr-FR" sz="1500" dirty="0">
+                <a:latin typeface="Segoe UI Light" panose="020B0502040204020203" pitchFamily="34" charset="0"/>
+                <a:cs typeface="Segoe UI Light" panose="020B0502040204020203" pitchFamily="34" charset="0"/>
+              </a:rPr>
+              <a:t> </a:t>
+            </a:r>
+            <a:r>
+              <a:rPr lang="fr-FR" sz="1500" dirty="0" err="1">
+                <a:latin typeface="Segoe UI Light" panose="020B0502040204020203" pitchFamily="34" charset="0"/>
+                <a:cs typeface="Segoe UI Light" panose="020B0502040204020203" pitchFamily="34" charset="0"/>
+              </a:rPr>
+              <a:t>Step</a:t>
+            </a:r>
+            <a:r>
+              <a:rPr lang="fr-FR" sz="1500" dirty="0">
+                <a:latin typeface="Segoe UI Light" panose="020B0502040204020203" pitchFamily="34" charset="0"/>
+                <a:cs typeface="Segoe UI Light" panose="020B0502040204020203" pitchFamily="34" charset="0"/>
+              </a:rPr>
+              <a:t> 4</a:t>
+            </a:r>
+          </a:p>
+        </p:txBody>
+      </p:sp>
+      <p:sp>
+        <p:nvSpPr>
+          <p:cNvPr id="45" name="TextBox 44"/>
+          <p:cNvSpPr txBox="1"/>
+          <p:nvPr/>
+        </p:nvSpPr>
+        <p:spPr>
+          <a:xfrm>
+            <a:off x="7805733" y="3959424"/>
+            <a:ext cx="1161000" cy="553998"/>
+          </a:xfrm>
+          <a:prstGeom prst="rect">
+            <a:avLst/>
+          </a:prstGeom>
+          <a:noFill/>
+        </p:spPr>
+        <p:txBody>
+          <a:bodyPr wrap="square" lIns="0" rtlCol="0" anchor="t">
+            <a:spAutoFit/>
+          </a:bodyPr>
+          <a:lstStyle/>
+          <a:p>
+            <a:r>
+              <a:rPr lang="fr-FR" sz="1500" dirty="0" err="1">
+                <a:latin typeface="Segoe UI Light" panose="020B0502040204020203" pitchFamily="34" charset="0"/>
+                <a:cs typeface="Segoe UI Light" panose="020B0502040204020203" pitchFamily="34" charset="0"/>
+              </a:rPr>
+              <a:t>Very</a:t>
+            </a:r>
+            <a:r>
+              <a:rPr lang="fr-FR" sz="1500" dirty="0">
+                <a:latin typeface="Segoe UI Light" panose="020B0502040204020203" pitchFamily="34" charset="0"/>
+                <a:cs typeface="Segoe UI Light" panose="020B0502040204020203" pitchFamily="34" charset="0"/>
+              </a:rPr>
+              <a:t> </a:t>
+            </a:r>
+            <a:r>
+              <a:rPr lang="fr-FR" sz="1500" dirty="0" err="1">
+                <a:latin typeface="Segoe UI Light" panose="020B0502040204020203" pitchFamily="34" charset="0"/>
+                <a:cs typeface="Segoe UI Light" panose="020B0502040204020203" pitchFamily="34" charset="0"/>
+              </a:rPr>
+              <a:t>Easy</a:t>
+            </a:r>
+            <a:r>
+              <a:rPr lang="fr-FR" sz="1500" dirty="0">
+                <a:latin typeface="Segoe UI Light" panose="020B0502040204020203" pitchFamily="34" charset="0"/>
+                <a:cs typeface="Segoe UI Light" panose="020B0502040204020203" pitchFamily="34" charset="0"/>
+              </a:rPr>
+              <a:t> </a:t>
+            </a:r>
+            <a:r>
+              <a:rPr lang="fr-FR" sz="1500" dirty="0" err="1">
+                <a:latin typeface="Segoe UI Light" panose="020B0502040204020203" pitchFamily="34" charset="0"/>
+                <a:cs typeface="Segoe UI Light" panose="020B0502040204020203" pitchFamily="34" charset="0"/>
+              </a:rPr>
+              <a:t>Step</a:t>
+            </a:r>
+            <a:r>
+              <a:rPr lang="fr-FR" sz="1500" dirty="0">
+                <a:latin typeface="Segoe UI Light" panose="020B0502040204020203" pitchFamily="34" charset="0"/>
+                <a:cs typeface="Segoe UI Light" panose="020B0502040204020203" pitchFamily="34" charset="0"/>
+              </a:rPr>
+              <a:t> 5</a:t>
+            </a:r>
+          </a:p>
+        </p:txBody>
+      </p:sp>
+      <p:cxnSp>
+        <p:nvCxnSpPr>
+          <p:cNvPr id="14" name="Straight Connector 13"/>
+          <p:cNvCxnSpPr>
+            <a:stCxn id="27" idx="6"/>
+            <a:endCxn id="23" idx="2"/>
+          </p:cNvCxnSpPr>
+          <p:nvPr/>
+        </p:nvCxnSpPr>
+        <p:spPr>
+          <a:xfrm>
+            <a:off x="1338265" y="3257550"/>
+            <a:ext cx="1085549" cy="0"/>
+          </a:xfrm>
+          <a:prstGeom prst="line">
+            <a:avLst/>
+          </a:prstGeom>
+          <a:ln w="28575">
+            <a:solidFill>
+              <a:srgbClr val="EDECEC"/>
+            </a:solidFill>
+          </a:ln>
+        </p:spPr>
+        <p:style>
+          <a:lnRef idx="1">
+            <a:schemeClr val="accent1"/>
+          </a:lnRef>
+          <a:fillRef idx="0">
+            <a:schemeClr val="accent1"/>
+          </a:fillRef>
+          <a:effectRef idx="0">
+            <a:schemeClr val="accent1"/>
+          </a:effectRef>
+          <a:fontRef idx="minor">
+            <a:schemeClr val="tx1"/>
+          </a:fontRef>
+        </p:style>
+      </p:cxnSp>
+      <p:cxnSp>
+        <p:nvCxnSpPr>
+          <p:cNvPr id="49" name="Straight Connector 48"/>
+          <p:cNvCxnSpPr/>
+          <p:nvPr/>
+        </p:nvCxnSpPr>
+        <p:spPr>
+          <a:xfrm>
+            <a:off x="3124501" y="3257550"/>
+            <a:ext cx="1085549" cy="0"/>
+          </a:xfrm>
+          <a:prstGeom prst="line">
+            <a:avLst/>
+          </a:prstGeom>
+          <a:ln w="28575">
+            <a:solidFill>
+              <a:srgbClr val="EDECEC"/>
+            </a:solidFill>
+          </a:ln>
+        </p:spPr>
+        <p:style>
+          <a:lnRef idx="1">
+            <a:schemeClr val="accent1"/>
+          </a:lnRef>
+          <a:fillRef idx="0">
+            <a:schemeClr val="accent1"/>
+          </a:fillRef>
+          <a:effectRef idx="0">
+            <a:schemeClr val="accent1"/>
+          </a:effectRef>
+          <a:fontRef idx="minor">
+            <a:schemeClr val="tx1"/>
+          </a:fontRef>
+        </p:style>
+      </p:cxnSp>
+      <p:cxnSp>
+        <p:nvCxnSpPr>
+          <p:cNvPr id="50" name="Straight Connector 49"/>
+          <p:cNvCxnSpPr/>
+          <p:nvPr/>
+        </p:nvCxnSpPr>
+        <p:spPr>
+          <a:xfrm>
+            <a:off x="4933951" y="3257550"/>
+            <a:ext cx="1085549" cy="0"/>
+          </a:xfrm>
+          <a:prstGeom prst="line">
+            <a:avLst/>
+          </a:prstGeom>
+          <a:ln w="28575">
+            <a:solidFill>
+              <a:srgbClr val="EDECEC"/>
+            </a:solidFill>
+          </a:ln>
+        </p:spPr>
+        <p:style>
+          <a:lnRef idx="1">
+            <a:schemeClr val="accent1"/>
+          </a:lnRef>
+          <a:fillRef idx="0">
+            <a:schemeClr val="accent1"/>
+          </a:fillRef>
+          <a:effectRef idx="0">
+            <a:schemeClr val="accent1"/>
+          </a:effectRef>
+          <a:fontRef idx="minor">
+            <a:schemeClr val="tx1"/>
+          </a:fontRef>
+        </p:style>
+      </p:cxnSp>
+      <p:cxnSp>
+        <p:nvCxnSpPr>
+          <p:cNvPr id="51" name="Straight Connector 50"/>
+          <p:cNvCxnSpPr/>
+          <p:nvPr/>
+        </p:nvCxnSpPr>
+        <p:spPr>
+          <a:xfrm>
+            <a:off x="6720184" y="3257550"/>
+            <a:ext cx="1085549" cy="0"/>
+          </a:xfrm>
+          <a:prstGeom prst="line">
+            <a:avLst/>
+          </a:prstGeom>
+          <a:ln w="28575">
+            <a:solidFill>
+              <a:srgbClr val="EDECEC"/>
+            </a:solidFill>
+          </a:ln>
+        </p:spPr>
+        <p:style>
+          <a:lnRef idx="1">
+            <a:schemeClr val="accent1"/>
+          </a:lnRef>
+          <a:fillRef idx="0">
+            <a:schemeClr val="accent1"/>
+          </a:fillRef>
+          <a:effectRef idx="0">
+            <a:schemeClr val="accent1"/>
+          </a:effectRef>
+          <a:fontRef idx="minor">
+            <a:schemeClr val="tx1"/>
+          </a:fontRef>
+        </p:style>
+      </p:cxnSp>
+      <p:sp>
+        <p:nvSpPr>
+          <p:cNvPr id="3" name="Text Placeholder 2"/>
           <p:cNvSpPr>
             <a:spLocks noGrp="1"/>
           </p:cNvSpPr>
@@ -15077,7 +16330,7 @@
                 <a:latin typeface="Segoe UI Light" panose="020B0502040204020203" pitchFamily="34" charset="0"/>
                 <a:cs typeface="Segoe UI Light" panose="020B0502040204020203" pitchFamily="34" charset="0"/>
               </a:rPr>
-              <a:t>Value</a:t>
+              <a:t>Use</a:t>
             </a:r>
             <a:r>
               <a:rPr lang="fr-FR">
@@ -15100,7 +16353,7 @@
                 <a:latin typeface="Segoe UI Light" panose="020B0502040204020203" pitchFamily="34" charset="0"/>
                 <a:cs typeface="Segoe UI Light" panose="020B0502040204020203" pitchFamily="34" charset="0"/>
               </a:rPr>
-              <a:t>Proposal</a:t>
+              <a:t>case</a:t>
             </a:r>
             <a:endParaRPr lang="fr-FR" dirty="0">
               <a:solidFill>
@@ -15114,632 +16367,10 @@
       </p:sp>
       <p:sp>
         <p:nvSpPr>
-          <p:cNvPr id="19" name="TextBox 18"/>
-          <p:cNvSpPr txBox="1"/>
-          <p:nvPr/>
-        </p:nvSpPr>
-        <p:spPr>
-          <a:xfrm>
-            <a:off x="3596198" y="2577800"/>
-            <a:ext cx="1951606" cy="738664"/>
-          </a:xfrm>
-          <a:prstGeom prst="rect">
-            <a:avLst/>
-          </a:prstGeom>
-          <a:noFill/>
-        </p:spPr>
-        <p:txBody>
-          <a:bodyPr wrap="square" lIns="0" rtlCol="0" anchor="b">
-            <a:spAutoFit/>
-          </a:bodyPr>
-          <a:lstStyle/>
-          <a:p>
-            <a:r>
-              <a:rPr lang="fr-FR" sz="2100" dirty="0" err="1">
-                <a:solidFill>
-                  <a:schemeClr val="accent1"/>
-                </a:solidFill>
-                <a:latin typeface="Segoe UI Light" panose="020B0502040204020203" pitchFamily="34" charset="0"/>
-                <a:cs typeface="Segoe UI Light" panose="020B0502040204020203" pitchFamily="34" charset="0"/>
-              </a:rPr>
-              <a:t>Make</a:t>
-            </a:r>
-            <a:r>
-              <a:rPr lang="fr-FR" sz="2100" dirty="0">
-                <a:solidFill>
-                  <a:schemeClr val="accent1"/>
-                </a:solidFill>
-                <a:latin typeface="Segoe UI Light" panose="020B0502040204020203" pitchFamily="34" charset="0"/>
-                <a:cs typeface="Segoe UI Light" panose="020B0502040204020203" pitchFamily="34" charset="0"/>
-              </a:rPr>
-              <a:t> the world </a:t>
-            </a:r>
-            <a:br>
-              <a:rPr lang="fr-FR" sz="2100" dirty="0">
-                <a:solidFill>
-                  <a:schemeClr val="accent1"/>
-                </a:solidFill>
-                <a:latin typeface="Segoe UI Light" panose="020B0502040204020203" pitchFamily="34" charset="0"/>
-                <a:cs typeface="Segoe UI Light" panose="020B0502040204020203" pitchFamily="34" charset="0"/>
-              </a:rPr>
-            </a:br>
-            <a:r>
-              <a:rPr lang="fr-FR" sz="2100" dirty="0">
-                <a:solidFill>
-                  <a:schemeClr val="accent1"/>
-                </a:solidFill>
-                <a:latin typeface="Segoe UI Light" panose="020B0502040204020203" pitchFamily="34" charset="0"/>
-                <a:cs typeface="Segoe UI Light" panose="020B0502040204020203" pitchFamily="34" charset="0"/>
-              </a:rPr>
-              <a:t>a </a:t>
-            </a:r>
-            <a:r>
-              <a:rPr lang="fr-FR" sz="2100" dirty="0" err="1">
-                <a:solidFill>
-                  <a:schemeClr val="accent1"/>
-                </a:solidFill>
-                <a:latin typeface="Segoe UI Light" panose="020B0502040204020203" pitchFamily="34" charset="0"/>
-                <a:cs typeface="Segoe UI Light" panose="020B0502040204020203" pitchFamily="34" charset="0"/>
-              </a:rPr>
-              <a:t>better</a:t>
-            </a:r>
-            <a:r>
-              <a:rPr lang="fr-FR" sz="2100" dirty="0">
-                <a:solidFill>
-                  <a:schemeClr val="accent1"/>
-                </a:solidFill>
-                <a:latin typeface="Segoe UI Light" panose="020B0502040204020203" pitchFamily="34" charset="0"/>
-                <a:cs typeface="Segoe UI Light" panose="020B0502040204020203" pitchFamily="34" charset="0"/>
-              </a:rPr>
-              <a:t> place</a:t>
-            </a:r>
-          </a:p>
-        </p:txBody>
-      </p:sp>
-      <p:sp>
-        <p:nvSpPr>
-          <p:cNvPr id="20" name="TextBox 19"/>
-          <p:cNvSpPr txBox="1"/>
-          <p:nvPr/>
-        </p:nvSpPr>
-        <p:spPr>
-          <a:xfrm>
-            <a:off x="6562554" y="2577800"/>
-            <a:ext cx="1951606" cy="738664"/>
-          </a:xfrm>
-          <a:prstGeom prst="rect">
-            <a:avLst/>
-          </a:prstGeom>
-          <a:noFill/>
-        </p:spPr>
-        <p:txBody>
-          <a:bodyPr wrap="square" lIns="0" rtlCol="0" anchor="b">
-            <a:spAutoFit/>
-          </a:bodyPr>
-          <a:lstStyle/>
-          <a:p>
-            <a:r>
-              <a:rPr lang="fr-FR" sz="2100" dirty="0" err="1">
-                <a:solidFill>
-                  <a:schemeClr val="accent1"/>
-                </a:solidFill>
-                <a:latin typeface="Segoe UI Light" panose="020B0502040204020203" pitchFamily="34" charset="0"/>
-                <a:cs typeface="Segoe UI Light" panose="020B0502040204020203" pitchFamily="34" charset="0"/>
-              </a:rPr>
-              <a:t>Offer</a:t>
-            </a:r>
-            <a:r>
-              <a:rPr lang="fr-FR" sz="2100" dirty="0">
-                <a:solidFill>
-                  <a:schemeClr val="accent1"/>
-                </a:solidFill>
-                <a:latin typeface="Segoe UI Light" panose="020B0502040204020203" pitchFamily="34" charset="0"/>
-                <a:cs typeface="Segoe UI Light" panose="020B0502040204020203" pitchFamily="34" charset="0"/>
-              </a:rPr>
-              <a:t> one </a:t>
-            </a:r>
-            <a:br>
-              <a:rPr lang="fr-FR" sz="2100" dirty="0">
-                <a:solidFill>
-                  <a:schemeClr val="accent1"/>
-                </a:solidFill>
-                <a:latin typeface="Segoe UI Light" panose="020B0502040204020203" pitchFamily="34" charset="0"/>
-                <a:cs typeface="Segoe UI Light" panose="020B0502040204020203" pitchFamily="34" charset="0"/>
-              </a:rPr>
-            </a:br>
-            <a:r>
-              <a:rPr lang="fr-FR" sz="2100" dirty="0" err="1">
-                <a:solidFill>
-                  <a:schemeClr val="accent1"/>
-                </a:solidFill>
-                <a:latin typeface="Segoe UI Light" panose="020B0502040204020203" pitchFamily="34" charset="0"/>
-                <a:cs typeface="Segoe UI Light" panose="020B0502040204020203" pitchFamily="34" charset="0"/>
-              </a:rPr>
-              <a:t>perfect</a:t>
-            </a:r>
-            <a:r>
-              <a:rPr lang="fr-FR" sz="2100" dirty="0">
-                <a:solidFill>
-                  <a:schemeClr val="accent1"/>
-                </a:solidFill>
-                <a:latin typeface="Segoe UI Light" panose="020B0502040204020203" pitchFamily="34" charset="0"/>
-                <a:cs typeface="Segoe UI Light" panose="020B0502040204020203" pitchFamily="34" charset="0"/>
-              </a:rPr>
-              <a:t> </a:t>
-            </a:r>
-            <a:r>
-              <a:rPr lang="fr-FR" sz="2100" dirty="0" err="1">
-                <a:solidFill>
-                  <a:schemeClr val="accent1"/>
-                </a:solidFill>
-                <a:latin typeface="Segoe UI Light" panose="020B0502040204020203" pitchFamily="34" charset="0"/>
-                <a:cs typeface="Segoe UI Light" panose="020B0502040204020203" pitchFamily="34" charset="0"/>
-              </a:rPr>
-              <a:t>answer</a:t>
-            </a:r>
-            <a:endParaRPr lang="fr-FR" sz="2100" dirty="0">
-              <a:solidFill>
-                <a:schemeClr val="accent1"/>
-              </a:solidFill>
-              <a:latin typeface="Segoe UI Light" panose="020B0502040204020203" pitchFamily="34" charset="0"/>
-              <a:cs typeface="Segoe UI Light" panose="020B0502040204020203" pitchFamily="34" charset="0"/>
-            </a:endParaRPr>
-          </a:p>
-        </p:txBody>
-      </p:sp>
-      <p:sp>
-        <p:nvSpPr>
-          <p:cNvPr id="22" name="TextBox 21"/>
-          <p:cNvSpPr txBox="1"/>
-          <p:nvPr/>
-        </p:nvSpPr>
-        <p:spPr>
-          <a:xfrm>
-            <a:off x="629841" y="3408466"/>
-            <a:ext cx="1951606" cy="1174617"/>
-          </a:xfrm>
-          <a:prstGeom prst="rect">
-            <a:avLst/>
-          </a:prstGeom>
-          <a:noFill/>
-        </p:spPr>
-        <p:txBody>
-          <a:bodyPr wrap="square" lIns="0" rtlCol="0" anchor="t">
-            <a:spAutoFit/>
-          </a:bodyPr>
-          <a:lstStyle/>
-          <a:p>
-            <a:pPr>
-              <a:lnSpc>
-                <a:spcPct val="120000"/>
-              </a:lnSpc>
-            </a:pPr>
-            <a:r>
-              <a:rPr lang="fr-FR" sz="1500" dirty="0">
-                <a:latin typeface="Segoe UI Light" panose="020B0502040204020203" pitchFamily="34" charset="0"/>
-                <a:cs typeface="Segoe UI Light" panose="020B0502040204020203" pitchFamily="34" charset="0"/>
-              </a:rPr>
-              <a:t>This </a:t>
-            </a:r>
-            <a:r>
-              <a:rPr lang="fr-FR" sz="1500" dirty="0" err="1">
-                <a:latin typeface="Segoe UI Light" panose="020B0502040204020203" pitchFamily="34" charset="0"/>
-                <a:cs typeface="Segoe UI Light" panose="020B0502040204020203" pitchFamily="34" charset="0"/>
-              </a:rPr>
-              <a:t>is</a:t>
-            </a:r>
-            <a:r>
-              <a:rPr lang="fr-FR" sz="1500" dirty="0">
-                <a:latin typeface="Segoe UI Light" panose="020B0502040204020203" pitchFamily="34" charset="0"/>
-                <a:cs typeface="Segoe UI Light" panose="020B0502040204020203" pitchFamily="34" charset="0"/>
-              </a:rPr>
-              <a:t> how </a:t>
-            </a:r>
-            <a:r>
-              <a:rPr lang="fr-FR" sz="1500" dirty="0" err="1">
-                <a:latin typeface="Segoe UI Light" panose="020B0502040204020203" pitchFamily="34" charset="0"/>
-                <a:cs typeface="Segoe UI Light" panose="020B0502040204020203" pitchFamily="34" charset="0"/>
-              </a:rPr>
-              <a:t>we</a:t>
-            </a:r>
-            <a:r>
-              <a:rPr lang="fr-FR" sz="1500" dirty="0">
-                <a:latin typeface="Segoe UI Light" panose="020B0502040204020203" pitchFamily="34" charset="0"/>
-                <a:cs typeface="Segoe UI Light" panose="020B0502040204020203" pitchFamily="34" charset="0"/>
-              </a:rPr>
-              <a:t> are </a:t>
-            </a:r>
-            <a:r>
-              <a:rPr lang="fr-FR" sz="1500" dirty="0" err="1">
-                <a:latin typeface="Segoe UI Light" panose="020B0502040204020203" pitchFamily="34" charset="0"/>
-                <a:cs typeface="Segoe UI Light" panose="020B0502040204020203" pitchFamily="34" charset="0"/>
-              </a:rPr>
-              <a:t>going</a:t>
-            </a:r>
-            <a:r>
-              <a:rPr lang="fr-FR" sz="1500" dirty="0">
-                <a:latin typeface="Segoe UI Light" panose="020B0502040204020203" pitchFamily="34" charset="0"/>
-                <a:cs typeface="Segoe UI Light" panose="020B0502040204020203" pitchFamily="34" charset="0"/>
-              </a:rPr>
-              <a:t> to </a:t>
-            </a:r>
-            <a:r>
-              <a:rPr lang="fr-FR" sz="1500" dirty="0" err="1">
-                <a:latin typeface="Segoe UI Light" panose="020B0502040204020203" pitchFamily="34" charset="0"/>
-                <a:cs typeface="Segoe UI Light" panose="020B0502040204020203" pitchFamily="34" charset="0"/>
-              </a:rPr>
-              <a:t>make</a:t>
-            </a:r>
-            <a:r>
-              <a:rPr lang="fr-FR" sz="1500" dirty="0">
-                <a:latin typeface="Segoe UI Light" panose="020B0502040204020203" pitchFamily="34" charset="0"/>
-                <a:cs typeface="Segoe UI Light" panose="020B0502040204020203" pitchFamily="34" charset="0"/>
-              </a:rPr>
-              <a:t> </a:t>
-            </a:r>
-            <a:r>
-              <a:rPr lang="fr-FR" sz="1500" dirty="0" err="1">
-                <a:latin typeface="Segoe UI Light" panose="020B0502040204020203" pitchFamily="34" charset="0"/>
-                <a:cs typeface="Segoe UI Light" panose="020B0502040204020203" pitchFamily="34" charset="0"/>
-              </a:rPr>
-              <a:t>this</a:t>
-            </a:r>
-            <a:r>
-              <a:rPr lang="fr-FR" sz="1500" dirty="0">
-                <a:latin typeface="Segoe UI Light" panose="020B0502040204020203" pitchFamily="34" charset="0"/>
-                <a:cs typeface="Segoe UI Light" panose="020B0502040204020203" pitchFamily="34" charset="0"/>
-              </a:rPr>
-              <a:t> </a:t>
-            </a:r>
-            <a:r>
-              <a:rPr lang="fr-FR" sz="1500" dirty="0" err="1">
-                <a:latin typeface="Segoe UI Light" panose="020B0502040204020203" pitchFamily="34" charset="0"/>
-                <a:cs typeface="Segoe UI Light" panose="020B0502040204020203" pitchFamily="34" charset="0"/>
-              </a:rPr>
-              <a:t>happen</a:t>
-            </a:r>
-            <a:r>
-              <a:rPr lang="fr-FR" sz="1500" dirty="0">
-                <a:latin typeface="Segoe UI Light" panose="020B0502040204020203" pitchFamily="34" charset="0"/>
-                <a:cs typeface="Segoe UI Light" panose="020B0502040204020203" pitchFamily="34" charset="0"/>
-              </a:rPr>
-              <a:t> in a </a:t>
-            </a:r>
-            <a:r>
-              <a:rPr lang="fr-FR" sz="1500" dirty="0" err="1">
-                <a:latin typeface="Segoe UI Light" panose="020B0502040204020203" pitchFamily="34" charset="0"/>
-                <a:cs typeface="Segoe UI Light" panose="020B0502040204020203" pitchFamily="34" charset="0"/>
-              </a:rPr>
-              <a:t>beautiful</a:t>
-            </a:r>
-            <a:r>
-              <a:rPr lang="fr-FR" sz="1500" dirty="0">
-                <a:latin typeface="Segoe UI Light" panose="020B0502040204020203" pitchFamily="34" charset="0"/>
-                <a:cs typeface="Segoe UI Light" panose="020B0502040204020203" pitchFamily="34" charset="0"/>
-              </a:rPr>
-              <a:t> </a:t>
-            </a:r>
-            <a:r>
-              <a:rPr lang="fr-FR" sz="1500" dirty="0" err="1">
-                <a:latin typeface="Segoe UI Light" panose="020B0502040204020203" pitchFamily="34" charset="0"/>
-                <a:cs typeface="Segoe UI Light" panose="020B0502040204020203" pitchFamily="34" charset="0"/>
-              </a:rPr>
-              <a:t>way</a:t>
-            </a:r>
-            <a:r>
-              <a:rPr lang="fr-FR" sz="1500" dirty="0">
-                <a:latin typeface="Segoe UI Light" panose="020B0502040204020203" pitchFamily="34" charset="0"/>
-                <a:cs typeface="Segoe UI Light" panose="020B0502040204020203" pitchFamily="34" charset="0"/>
-              </a:rPr>
-              <a:t>.</a:t>
-            </a:r>
-          </a:p>
-        </p:txBody>
-      </p:sp>
-      <p:sp>
-        <p:nvSpPr>
-          <p:cNvPr id="25" name="TextBox 24"/>
-          <p:cNvSpPr txBox="1"/>
-          <p:nvPr/>
-        </p:nvSpPr>
-        <p:spPr>
-          <a:xfrm>
-            <a:off x="3596198" y="3408466"/>
-            <a:ext cx="1951606" cy="1174617"/>
-          </a:xfrm>
-          <a:prstGeom prst="rect">
-            <a:avLst/>
-          </a:prstGeom>
-          <a:noFill/>
-        </p:spPr>
-        <p:txBody>
-          <a:bodyPr wrap="square" lIns="0" rtlCol="0" anchor="t">
-            <a:spAutoFit/>
-          </a:bodyPr>
-          <a:lstStyle/>
-          <a:p>
-            <a:pPr>
-              <a:lnSpc>
-                <a:spcPct val="120000"/>
-              </a:lnSpc>
-            </a:pPr>
-            <a:r>
-              <a:rPr lang="fr-FR" sz="1500" dirty="0">
-                <a:latin typeface="Segoe UI Light" panose="020B0502040204020203" pitchFamily="34" charset="0"/>
-                <a:cs typeface="Segoe UI Light" panose="020B0502040204020203" pitchFamily="34" charset="0"/>
-              </a:rPr>
-              <a:t>This </a:t>
-            </a:r>
-            <a:r>
-              <a:rPr lang="fr-FR" sz="1500" dirty="0" err="1">
-                <a:latin typeface="Segoe UI Light" panose="020B0502040204020203" pitchFamily="34" charset="0"/>
-                <a:cs typeface="Segoe UI Light" panose="020B0502040204020203" pitchFamily="34" charset="0"/>
-              </a:rPr>
-              <a:t>is</a:t>
-            </a:r>
-            <a:r>
-              <a:rPr lang="fr-FR" sz="1500" dirty="0">
-                <a:latin typeface="Segoe UI Light" panose="020B0502040204020203" pitchFamily="34" charset="0"/>
-                <a:cs typeface="Segoe UI Light" panose="020B0502040204020203" pitchFamily="34" charset="0"/>
-              </a:rPr>
-              <a:t> how </a:t>
-            </a:r>
-            <a:r>
-              <a:rPr lang="fr-FR" sz="1500" dirty="0" err="1">
-                <a:latin typeface="Segoe UI Light" panose="020B0502040204020203" pitchFamily="34" charset="0"/>
-                <a:cs typeface="Segoe UI Light" panose="020B0502040204020203" pitchFamily="34" charset="0"/>
-              </a:rPr>
-              <a:t>we</a:t>
-            </a:r>
-            <a:r>
-              <a:rPr lang="fr-FR" sz="1500" dirty="0">
-                <a:latin typeface="Segoe UI Light" panose="020B0502040204020203" pitchFamily="34" charset="0"/>
-                <a:cs typeface="Segoe UI Light" panose="020B0502040204020203" pitchFamily="34" charset="0"/>
-              </a:rPr>
-              <a:t> are </a:t>
-            </a:r>
-            <a:r>
-              <a:rPr lang="fr-FR" sz="1500" dirty="0" err="1">
-                <a:latin typeface="Segoe UI Light" panose="020B0502040204020203" pitchFamily="34" charset="0"/>
-                <a:cs typeface="Segoe UI Light" panose="020B0502040204020203" pitchFamily="34" charset="0"/>
-              </a:rPr>
-              <a:t>going</a:t>
-            </a:r>
-            <a:r>
-              <a:rPr lang="fr-FR" sz="1500" dirty="0">
-                <a:latin typeface="Segoe UI Light" panose="020B0502040204020203" pitchFamily="34" charset="0"/>
-                <a:cs typeface="Segoe UI Light" panose="020B0502040204020203" pitchFamily="34" charset="0"/>
-              </a:rPr>
-              <a:t> to </a:t>
-            </a:r>
-            <a:r>
-              <a:rPr lang="fr-FR" sz="1500" dirty="0" err="1">
-                <a:latin typeface="Segoe UI Light" panose="020B0502040204020203" pitchFamily="34" charset="0"/>
-                <a:cs typeface="Segoe UI Light" panose="020B0502040204020203" pitchFamily="34" charset="0"/>
-              </a:rPr>
-              <a:t>make</a:t>
-            </a:r>
-            <a:r>
-              <a:rPr lang="fr-FR" sz="1500" dirty="0">
-                <a:latin typeface="Segoe UI Light" panose="020B0502040204020203" pitchFamily="34" charset="0"/>
-                <a:cs typeface="Segoe UI Light" panose="020B0502040204020203" pitchFamily="34" charset="0"/>
-              </a:rPr>
-              <a:t> </a:t>
-            </a:r>
-            <a:r>
-              <a:rPr lang="fr-FR" sz="1500" dirty="0" err="1">
-                <a:latin typeface="Segoe UI Light" panose="020B0502040204020203" pitchFamily="34" charset="0"/>
-                <a:cs typeface="Segoe UI Light" panose="020B0502040204020203" pitchFamily="34" charset="0"/>
-              </a:rPr>
-              <a:t>this</a:t>
-            </a:r>
-            <a:r>
-              <a:rPr lang="fr-FR" sz="1500" dirty="0">
-                <a:latin typeface="Segoe UI Light" panose="020B0502040204020203" pitchFamily="34" charset="0"/>
-                <a:cs typeface="Segoe UI Light" panose="020B0502040204020203" pitchFamily="34" charset="0"/>
-              </a:rPr>
-              <a:t> </a:t>
-            </a:r>
-            <a:r>
-              <a:rPr lang="fr-FR" sz="1500" dirty="0" err="1">
-                <a:latin typeface="Segoe UI Light" panose="020B0502040204020203" pitchFamily="34" charset="0"/>
-                <a:cs typeface="Segoe UI Light" panose="020B0502040204020203" pitchFamily="34" charset="0"/>
-              </a:rPr>
-              <a:t>happen</a:t>
-            </a:r>
-            <a:r>
-              <a:rPr lang="fr-FR" sz="1500" dirty="0">
-                <a:latin typeface="Segoe UI Light" panose="020B0502040204020203" pitchFamily="34" charset="0"/>
-                <a:cs typeface="Segoe UI Light" panose="020B0502040204020203" pitchFamily="34" charset="0"/>
-              </a:rPr>
-              <a:t> in a </a:t>
-            </a:r>
-            <a:r>
-              <a:rPr lang="fr-FR" sz="1500" dirty="0" err="1">
-                <a:latin typeface="Segoe UI Light" panose="020B0502040204020203" pitchFamily="34" charset="0"/>
-                <a:cs typeface="Segoe UI Light" panose="020B0502040204020203" pitchFamily="34" charset="0"/>
-              </a:rPr>
-              <a:t>beautiful</a:t>
-            </a:r>
-            <a:r>
-              <a:rPr lang="fr-FR" sz="1500" dirty="0">
-                <a:latin typeface="Segoe UI Light" panose="020B0502040204020203" pitchFamily="34" charset="0"/>
-                <a:cs typeface="Segoe UI Light" panose="020B0502040204020203" pitchFamily="34" charset="0"/>
-              </a:rPr>
-              <a:t> </a:t>
-            </a:r>
-            <a:r>
-              <a:rPr lang="fr-FR" sz="1500" dirty="0" err="1">
-                <a:latin typeface="Segoe UI Light" panose="020B0502040204020203" pitchFamily="34" charset="0"/>
-                <a:cs typeface="Segoe UI Light" panose="020B0502040204020203" pitchFamily="34" charset="0"/>
-              </a:rPr>
-              <a:t>way</a:t>
-            </a:r>
-            <a:r>
-              <a:rPr lang="fr-FR" sz="1500" dirty="0">
-                <a:latin typeface="Segoe UI Light" panose="020B0502040204020203" pitchFamily="34" charset="0"/>
-                <a:cs typeface="Segoe UI Light" panose="020B0502040204020203" pitchFamily="34" charset="0"/>
-              </a:rPr>
-              <a:t>.</a:t>
-            </a:r>
-          </a:p>
-        </p:txBody>
-      </p:sp>
-      <p:sp>
-        <p:nvSpPr>
-          <p:cNvPr id="26" name="TextBox 25"/>
-          <p:cNvSpPr txBox="1"/>
-          <p:nvPr/>
-        </p:nvSpPr>
-        <p:spPr>
-          <a:xfrm>
-            <a:off x="6562554" y="3408466"/>
-            <a:ext cx="1951606" cy="1174617"/>
-          </a:xfrm>
-          <a:prstGeom prst="rect">
-            <a:avLst/>
-          </a:prstGeom>
-          <a:noFill/>
-        </p:spPr>
-        <p:txBody>
-          <a:bodyPr wrap="square" lIns="0" rtlCol="0" anchor="t">
-            <a:spAutoFit/>
-          </a:bodyPr>
-          <a:lstStyle/>
-          <a:p>
-            <a:pPr>
-              <a:lnSpc>
-                <a:spcPct val="120000"/>
-              </a:lnSpc>
-            </a:pPr>
-            <a:r>
-              <a:rPr lang="fr-FR" sz="1500" dirty="0">
-                <a:latin typeface="Segoe UI Light" panose="020B0502040204020203" pitchFamily="34" charset="0"/>
-                <a:cs typeface="Segoe UI Light" panose="020B0502040204020203" pitchFamily="34" charset="0"/>
-              </a:rPr>
-              <a:t>This </a:t>
-            </a:r>
-            <a:r>
-              <a:rPr lang="fr-FR" sz="1500" dirty="0" err="1">
-                <a:latin typeface="Segoe UI Light" panose="020B0502040204020203" pitchFamily="34" charset="0"/>
-                <a:cs typeface="Segoe UI Light" panose="020B0502040204020203" pitchFamily="34" charset="0"/>
-              </a:rPr>
-              <a:t>is</a:t>
-            </a:r>
-            <a:r>
-              <a:rPr lang="fr-FR" sz="1500" dirty="0">
-                <a:latin typeface="Segoe UI Light" panose="020B0502040204020203" pitchFamily="34" charset="0"/>
-                <a:cs typeface="Segoe UI Light" panose="020B0502040204020203" pitchFamily="34" charset="0"/>
-              </a:rPr>
-              <a:t> how </a:t>
-            </a:r>
-            <a:r>
-              <a:rPr lang="fr-FR" sz="1500" dirty="0" err="1">
-                <a:latin typeface="Segoe UI Light" panose="020B0502040204020203" pitchFamily="34" charset="0"/>
-                <a:cs typeface="Segoe UI Light" panose="020B0502040204020203" pitchFamily="34" charset="0"/>
-              </a:rPr>
-              <a:t>we</a:t>
-            </a:r>
-            <a:r>
-              <a:rPr lang="fr-FR" sz="1500" dirty="0">
-                <a:latin typeface="Segoe UI Light" panose="020B0502040204020203" pitchFamily="34" charset="0"/>
-                <a:cs typeface="Segoe UI Light" panose="020B0502040204020203" pitchFamily="34" charset="0"/>
-              </a:rPr>
-              <a:t> are </a:t>
-            </a:r>
-            <a:r>
-              <a:rPr lang="fr-FR" sz="1500" dirty="0" err="1">
-                <a:latin typeface="Segoe UI Light" panose="020B0502040204020203" pitchFamily="34" charset="0"/>
-                <a:cs typeface="Segoe UI Light" panose="020B0502040204020203" pitchFamily="34" charset="0"/>
-              </a:rPr>
-              <a:t>going</a:t>
-            </a:r>
-            <a:r>
-              <a:rPr lang="fr-FR" sz="1500" dirty="0">
-                <a:latin typeface="Segoe UI Light" panose="020B0502040204020203" pitchFamily="34" charset="0"/>
-                <a:cs typeface="Segoe UI Light" panose="020B0502040204020203" pitchFamily="34" charset="0"/>
-              </a:rPr>
-              <a:t> to </a:t>
-            </a:r>
-            <a:r>
-              <a:rPr lang="fr-FR" sz="1500" dirty="0" err="1">
-                <a:latin typeface="Segoe UI Light" panose="020B0502040204020203" pitchFamily="34" charset="0"/>
-                <a:cs typeface="Segoe UI Light" panose="020B0502040204020203" pitchFamily="34" charset="0"/>
-              </a:rPr>
-              <a:t>make</a:t>
-            </a:r>
-            <a:r>
-              <a:rPr lang="fr-FR" sz="1500" dirty="0">
-                <a:latin typeface="Segoe UI Light" panose="020B0502040204020203" pitchFamily="34" charset="0"/>
-                <a:cs typeface="Segoe UI Light" panose="020B0502040204020203" pitchFamily="34" charset="0"/>
-              </a:rPr>
-              <a:t> </a:t>
-            </a:r>
-            <a:r>
-              <a:rPr lang="fr-FR" sz="1500" dirty="0" err="1">
-                <a:latin typeface="Segoe UI Light" panose="020B0502040204020203" pitchFamily="34" charset="0"/>
-                <a:cs typeface="Segoe UI Light" panose="020B0502040204020203" pitchFamily="34" charset="0"/>
-              </a:rPr>
-              <a:t>this</a:t>
-            </a:r>
-            <a:r>
-              <a:rPr lang="fr-FR" sz="1500" dirty="0">
-                <a:latin typeface="Segoe UI Light" panose="020B0502040204020203" pitchFamily="34" charset="0"/>
-                <a:cs typeface="Segoe UI Light" panose="020B0502040204020203" pitchFamily="34" charset="0"/>
-              </a:rPr>
-              <a:t> </a:t>
-            </a:r>
-            <a:r>
-              <a:rPr lang="fr-FR" sz="1500" dirty="0" err="1">
-                <a:latin typeface="Segoe UI Light" panose="020B0502040204020203" pitchFamily="34" charset="0"/>
-                <a:cs typeface="Segoe UI Light" panose="020B0502040204020203" pitchFamily="34" charset="0"/>
-              </a:rPr>
-              <a:t>happen</a:t>
-            </a:r>
-            <a:r>
-              <a:rPr lang="fr-FR" sz="1500" dirty="0">
-                <a:latin typeface="Segoe UI Light" panose="020B0502040204020203" pitchFamily="34" charset="0"/>
-                <a:cs typeface="Segoe UI Light" panose="020B0502040204020203" pitchFamily="34" charset="0"/>
-              </a:rPr>
-              <a:t> in a </a:t>
-            </a:r>
-            <a:r>
-              <a:rPr lang="fr-FR" sz="1500" dirty="0" err="1">
-                <a:latin typeface="Segoe UI Light" panose="020B0502040204020203" pitchFamily="34" charset="0"/>
-                <a:cs typeface="Segoe UI Light" panose="020B0502040204020203" pitchFamily="34" charset="0"/>
-              </a:rPr>
-              <a:t>beautiful</a:t>
-            </a:r>
-            <a:r>
-              <a:rPr lang="fr-FR" sz="1500" dirty="0">
-                <a:latin typeface="Segoe UI Light" panose="020B0502040204020203" pitchFamily="34" charset="0"/>
-                <a:cs typeface="Segoe UI Light" panose="020B0502040204020203" pitchFamily="34" charset="0"/>
-              </a:rPr>
-              <a:t> </a:t>
-            </a:r>
-            <a:r>
-              <a:rPr lang="fr-FR" sz="1500" dirty="0" err="1">
-                <a:latin typeface="Segoe UI Light" panose="020B0502040204020203" pitchFamily="34" charset="0"/>
-                <a:cs typeface="Segoe UI Light" panose="020B0502040204020203" pitchFamily="34" charset="0"/>
-              </a:rPr>
-              <a:t>way</a:t>
-            </a:r>
-            <a:r>
-              <a:rPr lang="fr-FR" sz="1500" dirty="0">
-                <a:latin typeface="Segoe UI Light" panose="020B0502040204020203" pitchFamily="34" charset="0"/>
-                <a:cs typeface="Segoe UI Light" panose="020B0502040204020203" pitchFamily="34" charset="0"/>
-              </a:rPr>
-              <a:t>.</a:t>
-            </a:r>
-          </a:p>
-        </p:txBody>
-      </p:sp>
-      <p:sp>
-        <p:nvSpPr>
-          <p:cNvPr id="3" name="投影片編號版面配置區 2">
+          <p:cNvPr id="4" name="投影片編號版面配置區 3">
             <a:extLst>
               <a:ext uri="{FF2B5EF4-FFF2-40B4-BE49-F238E27FC236}">
-                <a16:creationId xmlns:a16="http://schemas.microsoft.com/office/drawing/2014/main" id="{D4229A17-41BD-42AD-867B-CE6B0F8030D5}"/>
+                <a16:creationId xmlns:a16="http://schemas.microsoft.com/office/drawing/2014/main" id="{C1DD8E8C-2F7D-4BD5-BCA7-FED231FDEFE5}"/>
               </a:ext>
             </a:extLst>
           </p:cNvPr>
@@ -15757,7 +16388,7 @@
           <a:p>
             <a:fld id="{2DDD7CF1-F89F-4FD9-B1E5-7228A8EA728A}" type="slidenum">
               <a:rPr lang="zh-TW" altLang="en-US" smtClean="0"/>
-              <a:t>6</a:t>
+              <a:t>5</a:t>
             </a:fld>
             <a:endParaRPr lang="zh-TW" altLang="en-US"/>
           </a:p>
@@ -15766,29 +16397,20 @@
     </p:spTree>
     <p:extLst>
       <p:ext uri="{BB962C8B-B14F-4D97-AF65-F5344CB8AC3E}">
-        <p14:creationId xmlns:p14="http://schemas.microsoft.com/office/powerpoint/2010/main" val="2280261310"/>
+        <p14:creationId xmlns:p14="http://schemas.microsoft.com/office/powerpoint/2010/main" val="1849703342"/>
       </p:ext>
     </p:extLst>
   </p:cSld>
   <p:clrMapOvr>
     <a:masterClrMapping/>
   </p:clrMapOvr>
-  <mc:AlternateContent xmlns:mc="http://schemas.openxmlformats.org/markup-compatibility/2006">
-    <mc:Choice xmlns:p14="http://schemas.microsoft.com/office/powerpoint/2010/main" Requires="p14">
-      <p:transition spd="med" p14:dur="700">
-        <p:fade/>
-      </p:transition>
-    </mc:Choice>
-    <mc:Fallback>
-      <p:transition spd="med">
-        <p:fade/>
-      </p:transition>
-    </mc:Fallback>
-  </mc:AlternateContent>
+  <p:transition>
+    <p:fade/>
+  </p:transition>
 </p:sld>
 </file>
 
-<file path=ppt/slides/slide7.xml><?xml version="1.0" encoding="utf-8"?>
+<file path=ppt/slides/slide6.xml><?xml version="1.0" encoding="utf-8"?>
 <p:sld xmlns:a="http://schemas.openxmlformats.org/drawingml/2006/main" xmlns:r="http://schemas.openxmlformats.org/officeDocument/2006/relationships" xmlns:p="http://schemas.openxmlformats.org/presentationml/2006/main">
   <p:cSld>
     <p:spTree>
@@ -15984,7 +16606,7 @@
           <a:p>
             <a:fld id="{2DDD7CF1-F89F-4FD9-B1E5-7228A8EA728A}" type="slidenum">
               <a:rPr lang="zh-TW" altLang="en-US" smtClean="0"/>
-              <a:t>7</a:t>
+              <a:t>6</a:t>
             </a:fld>
             <a:endParaRPr lang="zh-TW" altLang="en-US"/>
           </a:p>
@@ -16186,13 +16808,13 @@
   <p:clrMapOvr>
     <a:masterClrMapping/>
   </p:clrMapOvr>
-  <mc:AlternateContent xmlns:mc="http://schemas.openxmlformats.org/markup-compatibility/2006">
-    <mc:Choice xmlns:p14="http://schemas.microsoft.com/office/powerpoint/2010/main" Requires="p14">
+  <mc:AlternateContent xmlns:mc="http://schemas.openxmlformats.org/markup-compatibility/2006" xmlns:p14="http://schemas.microsoft.com/office/powerpoint/2010/main">
+    <mc:Choice Requires="p14">
       <p:transition spd="med" p14:dur="700">
         <p:fade/>
       </p:transition>
     </mc:Choice>
-    <mc:Fallback>
+    <mc:Fallback xmlns="">
       <p:transition spd="med">
         <p:fade/>
       </p:transition>
@@ -16201,7 +16823,7 @@
 </p:sld>
 </file>
 
-<file path=ppt/slides/slide8.xml><?xml version="1.0" encoding="utf-8"?>
+<file path=ppt/slides/slide7.xml><?xml version="1.0" encoding="utf-8"?>
 <p:sld xmlns:a="http://schemas.openxmlformats.org/drawingml/2006/main" xmlns:r="http://schemas.openxmlformats.org/officeDocument/2006/relationships" xmlns:p="http://schemas.openxmlformats.org/presentationml/2006/main">
   <p:cSld>
     <p:spTree>
@@ -16241,7 +16863,7 @@
           <a:p>
             <a:fld id="{2DDD7CF1-F89F-4FD9-B1E5-7228A8EA728A}" type="slidenum">
               <a:rPr lang="zh-TW" altLang="en-US" smtClean="0"/>
-              <a:t>8</a:t>
+              <a:t>7</a:t>
             </a:fld>
             <a:endParaRPr lang="zh-TW" altLang="en-US"/>
           </a:p>
@@ -16418,13 +17040,204 @@
   <p:clrMapOvr>
     <a:masterClrMapping/>
   </p:clrMapOvr>
-  <mc:AlternateContent xmlns:mc="http://schemas.openxmlformats.org/markup-compatibility/2006">
-    <mc:Choice xmlns:p14="http://schemas.microsoft.com/office/powerpoint/2010/main" Requires="p14">
+  <mc:AlternateContent xmlns:mc="http://schemas.openxmlformats.org/markup-compatibility/2006" xmlns:p14="http://schemas.microsoft.com/office/powerpoint/2010/main">
+    <mc:Choice Requires="p14">
       <p:transition spd="med" p14:dur="700">
         <p:fade/>
       </p:transition>
     </mc:Choice>
-    <mc:Fallback>
+    <mc:Fallback xmlns="">
+      <p:transition spd="med">
+        <p:fade/>
+      </p:transition>
+    </mc:Fallback>
+  </mc:AlternateContent>
+</p:sld>
+</file>
+
+<file path=ppt/slides/slide8.xml><?xml version="1.0" encoding="utf-8"?>
+<p:sld xmlns:a="http://schemas.openxmlformats.org/drawingml/2006/main" xmlns:r="http://schemas.openxmlformats.org/officeDocument/2006/relationships" xmlns:p="http://schemas.openxmlformats.org/presentationml/2006/main">
+  <p:cSld>
+    <p:spTree>
+      <p:nvGrpSpPr>
+        <p:cNvPr id="1" name=""/>
+        <p:cNvGrpSpPr/>
+        <p:nvPr/>
+      </p:nvGrpSpPr>
+      <p:grpSpPr>
+        <a:xfrm>
+          <a:off x="0" y="0"/>
+          <a:ext cx="0" cy="0"/>
+          <a:chOff x="0" y="0"/>
+          <a:chExt cx="0" cy="0"/>
+        </a:xfrm>
+      </p:grpSpPr>
+      <p:sp>
+        <p:nvSpPr>
+          <p:cNvPr id="2" name="投影片編號版面配置區 1">
+            <a:extLst>
+              <a:ext uri="{FF2B5EF4-FFF2-40B4-BE49-F238E27FC236}">
+                <a16:creationId xmlns:a16="http://schemas.microsoft.com/office/drawing/2014/main" id="{4885FC39-622C-477A-A882-24CA0149E100}"/>
+              </a:ext>
+            </a:extLst>
+          </p:cNvPr>
+          <p:cNvSpPr>
+            <a:spLocks noGrp="1"/>
+          </p:cNvSpPr>
+          <p:nvPr>
+            <p:ph type="sldNum" sz="quarter" idx="12"/>
+          </p:nvPr>
+        </p:nvSpPr>
+        <p:spPr/>
+        <p:txBody>
+          <a:bodyPr/>
+          <a:lstStyle/>
+          <a:p>
+            <a:fld id="{2DDD7CF1-F89F-4FD9-B1E5-7228A8EA728A}" type="slidenum">
+              <a:rPr lang="zh-TW" altLang="en-US" smtClean="0"/>
+              <a:t>8</a:t>
+            </a:fld>
+            <a:endParaRPr lang="zh-TW" altLang="en-US"/>
+          </a:p>
+        </p:txBody>
+      </p:sp>
+      <p:pic>
+        <p:nvPicPr>
+          <p:cNvPr id="22" name="圖片 21">
+            <a:extLst>
+              <a:ext uri="{FF2B5EF4-FFF2-40B4-BE49-F238E27FC236}">
+                <a16:creationId xmlns:a16="http://schemas.microsoft.com/office/drawing/2014/main" id="{58A24AC6-DF49-4DC9-AE18-141BE05935B4}"/>
+              </a:ext>
+            </a:extLst>
+          </p:cNvPr>
+          <p:cNvPicPr>
+            <a:picLocks noChangeAspect="1"/>
+          </p:cNvPicPr>
+          <p:nvPr/>
+        </p:nvPicPr>
+        <p:blipFill>
+          <a:blip r:embed="rId3"/>
+          <a:stretch>
+            <a:fillRect/>
+          </a:stretch>
+        </p:blipFill>
+        <p:spPr>
+          <a:xfrm>
+            <a:off x="0" y="-10129"/>
+            <a:ext cx="4571999" cy="3423938"/>
+          </a:xfrm>
+          <a:prstGeom prst="rect">
+            <a:avLst/>
+          </a:prstGeom>
+        </p:spPr>
+      </p:pic>
+      <p:pic>
+        <p:nvPicPr>
+          <p:cNvPr id="24" name="圖片 23">
+            <a:extLst>
+              <a:ext uri="{FF2B5EF4-FFF2-40B4-BE49-F238E27FC236}">
+                <a16:creationId xmlns:a16="http://schemas.microsoft.com/office/drawing/2014/main" id="{7756C8CA-F312-4857-8C16-2BB1FE1A5D8E}"/>
+              </a:ext>
+            </a:extLst>
+          </p:cNvPr>
+          <p:cNvPicPr>
+            <a:picLocks noChangeAspect="1"/>
+          </p:cNvPicPr>
+          <p:nvPr/>
+        </p:nvPicPr>
+        <p:blipFill>
+          <a:blip r:embed="rId4"/>
+          <a:stretch>
+            <a:fillRect/>
+          </a:stretch>
+        </p:blipFill>
+        <p:spPr>
+          <a:xfrm>
+            <a:off x="1" y="3423936"/>
+            <a:ext cx="4571999" cy="3423938"/>
+          </a:xfrm>
+          <a:prstGeom prst="rect">
+            <a:avLst/>
+          </a:prstGeom>
+        </p:spPr>
+      </p:pic>
+      <p:pic>
+        <p:nvPicPr>
+          <p:cNvPr id="25" name="圖片 24">
+            <a:extLst>
+              <a:ext uri="{FF2B5EF4-FFF2-40B4-BE49-F238E27FC236}">
+                <a16:creationId xmlns:a16="http://schemas.microsoft.com/office/drawing/2014/main" id="{85E8236F-F1D0-4CF2-A1B3-38661CE3D6C8}"/>
+              </a:ext>
+            </a:extLst>
+          </p:cNvPr>
+          <p:cNvPicPr>
+            <a:picLocks noChangeAspect="1"/>
+          </p:cNvPicPr>
+          <p:nvPr/>
+        </p:nvPicPr>
+        <p:blipFill>
+          <a:blip r:embed="rId5"/>
+          <a:stretch>
+            <a:fillRect/>
+          </a:stretch>
+        </p:blipFill>
+        <p:spPr>
+          <a:xfrm>
+            <a:off x="4572000" y="3434064"/>
+            <a:ext cx="4571998" cy="3423937"/>
+          </a:xfrm>
+          <a:prstGeom prst="rect">
+            <a:avLst/>
+          </a:prstGeom>
+        </p:spPr>
+      </p:pic>
+      <p:pic>
+        <p:nvPicPr>
+          <p:cNvPr id="26" name="圖片 25">
+            <a:extLst>
+              <a:ext uri="{FF2B5EF4-FFF2-40B4-BE49-F238E27FC236}">
+                <a16:creationId xmlns:a16="http://schemas.microsoft.com/office/drawing/2014/main" id="{9D69B2CA-B179-4B91-8252-EC2B524EF0E6}"/>
+              </a:ext>
+            </a:extLst>
+          </p:cNvPr>
+          <p:cNvPicPr>
+            <a:picLocks noChangeAspect="1"/>
+          </p:cNvPicPr>
+          <p:nvPr/>
+        </p:nvPicPr>
+        <p:blipFill>
+          <a:blip r:embed="rId6"/>
+          <a:stretch>
+            <a:fillRect/>
+          </a:stretch>
+        </p:blipFill>
+        <p:spPr>
+          <a:xfrm>
+            <a:off x="4571999" y="-10129"/>
+            <a:ext cx="4571998" cy="3423937"/>
+          </a:xfrm>
+          <a:prstGeom prst="rect">
+            <a:avLst/>
+          </a:prstGeom>
+        </p:spPr>
+      </p:pic>
+    </p:spTree>
+    <p:extLst>
+      <p:ext uri="{BB962C8B-B14F-4D97-AF65-F5344CB8AC3E}">
+        <p14:creationId xmlns:p14="http://schemas.microsoft.com/office/powerpoint/2010/main" val="2156585618"/>
+      </p:ext>
+    </p:extLst>
+  </p:cSld>
+  <p:clrMapOvr>
+    <a:masterClrMapping/>
+  </p:clrMapOvr>
+  <mc:AlternateContent xmlns:mc="http://schemas.openxmlformats.org/markup-compatibility/2006" xmlns:p14="http://schemas.microsoft.com/office/powerpoint/2010/main">
+    <mc:Choice Requires="p14">
+      <p:transition spd="med" p14:dur="700">
+        <p:fade/>
+      </p:transition>
+    </mc:Choice>
+    <mc:Fallback xmlns="">
       <p:transition spd="med">
         <p:fade/>
       </p:transition>
@@ -16452,6 +17265,47 @@
       </p:grpSpPr>
       <p:sp>
         <p:nvSpPr>
+          <p:cNvPr id="10" name="文字版面配置區 9">
+            <a:extLst>
+              <a:ext uri="{FF2B5EF4-FFF2-40B4-BE49-F238E27FC236}">
+                <a16:creationId xmlns:a16="http://schemas.microsoft.com/office/drawing/2014/main" id="{491DA239-4007-4E63-8C81-311D54D05DBD}"/>
+              </a:ext>
+            </a:extLst>
+          </p:cNvPr>
+          <p:cNvSpPr>
+            <a:spLocks noGrp="1"/>
+          </p:cNvSpPr>
+          <p:nvPr>
+            <p:ph type="body" sz="quarter" idx="10"/>
+          </p:nvPr>
+        </p:nvSpPr>
+        <p:spPr>
+          <a:xfrm>
+            <a:off x="629841" y="660401"/>
+            <a:ext cx="5383032" cy="1006429"/>
+          </a:xfrm>
+        </p:spPr>
+        <p:txBody>
+          <a:bodyPr/>
+          <a:lstStyle/>
+          <a:p>
+            <a:r>
+              <a:rPr lang="en-US" altLang="zh-TW" dirty="0"/>
+              <a:t>Moment Diagram</a:t>
+            </a:r>
+            <a:r>
+              <a:rPr lang="zh-TW" altLang="en-US" dirty="0"/>
+              <a:t> </a:t>
+            </a:r>
+            <a:r>
+              <a:rPr lang="en-US" altLang="zh-TW" dirty="0"/>
+              <a:t>Summary</a:t>
+            </a:r>
+          </a:p>
+        </p:txBody>
+      </p:sp>
+      <p:sp>
+        <p:nvSpPr>
           <p:cNvPr id="2" name="投影片編號版面配置區 1">
             <a:extLst>
               <a:ext uri="{FF2B5EF4-FFF2-40B4-BE49-F238E27FC236}">
@@ -16463,7 +17317,7 @@
             <a:spLocks noGrp="1"/>
           </p:cNvSpPr>
           <p:nvPr>
-            <p:ph type="sldNum" sz="quarter" idx="12"/>
+            <p:ph type="sldNum" sz="quarter" idx="13"/>
           </p:nvPr>
         </p:nvSpPr>
         <p:spPr/>
@@ -16481,10 +17335,10 @@
       </p:sp>
       <p:pic>
         <p:nvPicPr>
-          <p:cNvPr id="22" name="圖片 21">
+          <p:cNvPr id="9" name="圖片 8">
             <a:extLst>
               <a:ext uri="{FF2B5EF4-FFF2-40B4-BE49-F238E27FC236}">
-                <a16:creationId xmlns:a16="http://schemas.microsoft.com/office/drawing/2014/main" id="{58A24AC6-DF49-4DC9-AE18-141BE05935B4}"/>
+                <a16:creationId xmlns:a16="http://schemas.microsoft.com/office/drawing/2014/main" id="{4FBEC2F1-F15D-4AB3-A540-A7888F3FB67A}"/>
               </a:ext>
             </a:extLst>
           </p:cNvPr>
@@ -16501,98 +17355,8 @@
         </p:blipFill>
         <p:spPr>
           <a:xfrm>
-            <a:off x="0" y="-10129"/>
-            <a:ext cx="4571999" cy="3423938"/>
-          </a:xfrm>
-          <a:prstGeom prst="rect">
-            <a:avLst/>
-          </a:prstGeom>
-        </p:spPr>
-      </p:pic>
-      <p:pic>
-        <p:nvPicPr>
-          <p:cNvPr id="24" name="圖片 23">
-            <a:extLst>
-              <a:ext uri="{FF2B5EF4-FFF2-40B4-BE49-F238E27FC236}">
-                <a16:creationId xmlns:a16="http://schemas.microsoft.com/office/drawing/2014/main" id="{7756C8CA-F312-4857-8C16-2BB1FE1A5D8E}"/>
-              </a:ext>
-            </a:extLst>
-          </p:cNvPr>
-          <p:cNvPicPr>
-            <a:picLocks noChangeAspect="1"/>
-          </p:cNvPicPr>
-          <p:nvPr/>
-        </p:nvPicPr>
-        <p:blipFill>
-          <a:blip r:embed="rId4"/>
-          <a:stretch>
-            <a:fillRect/>
-          </a:stretch>
-        </p:blipFill>
-        <p:spPr>
-          <a:xfrm>
-            <a:off x="1" y="3423936"/>
-            <a:ext cx="4571999" cy="3423938"/>
-          </a:xfrm>
-          <a:prstGeom prst="rect">
-            <a:avLst/>
-          </a:prstGeom>
-        </p:spPr>
-      </p:pic>
-      <p:pic>
-        <p:nvPicPr>
-          <p:cNvPr id="25" name="圖片 24">
-            <a:extLst>
-              <a:ext uri="{FF2B5EF4-FFF2-40B4-BE49-F238E27FC236}">
-                <a16:creationId xmlns:a16="http://schemas.microsoft.com/office/drawing/2014/main" id="{85E8236F-F1D0-4CF2-A1B3-38661CE3D6C8}"/>
-              </a:ext>
-            </a:extLst>
-          </p:cNvPr>
-          <p:cNvPicPr>
-            <a:picLocks noChangeAspect="1"/>
-          </p:cNvPicPr>
-          <p:nvPr/>
-        </p:nvPicPr>
-        <p:blipFill>
-          <a:blip r:embed="rId5"/>
-          <a:stretch>
-            <a:fillRect/>
-          </a:stretch>
-        </p:blipFill>
-        <p:spPr>
-          <a:xfrm>
-            <a:off x="4572000" y="3434064"/>
-            <a:ext cx="4571998" cy="3423937"/>
-          </a:xfrm>
-          <a:prstGeom prst="rect">
-            <a:avLst/>
-          </a:prstGeom>
-        </p:spPr>
-      </p:pic>
-      <p:pic>
-        <p:nvPicPr>
-          <p:cNvPr id="26" name="圖片 25">
-            <a:extLst>
-              <a:ext uri="{FF2B5EF4-FFF2-40B4-BE49-F238E27FC236}">
-                <a16:creationId xmlns:a16="http://schemas.microsoft.com/office/drawing/2014/main" id="{9D69B2CA-B179-4B91-8252-EC2B524EF0E6}"/>
-              </a:ext>
-            </a:extLst>
-          </p:cNvPr>
-          <p:cNvPicPr>
-            <a:picLocks noChangeAspect="1"/>
-          </p:cNvPicPr>
-          <p:nvPr/>
-        </p:nvPicPr>
-        <p:blipFill>
-          <a:blip r:embed="rId6"/>
-          <a:stretch>
-            <a:fillRect/>
-          </a:stretch>
-        </p:blipFill>
-        <p:spPr>
-          <a:xfrm>
-            <a:off x="4571999" y="-10129"/>
-            <a:ext cx="4571998" cy="3423937"/>
+            <a:off x="1805249" y="1666830"/>
+            <a:ext cx="5533501" cy="4144000"/>
           </a:xfrm>
           <a:prstGeom prst="rect">
             <a:avLst/>
@@ -16602,20 +17366,20 @@
     </p:spTree>
     <p:extLst>
       <p:ext uri="{BB962C8B-B14F-4D97-AF65-F5344CB8AC3E}">
-        <p14:creationId xmlns:p14="http://schemas.microsoft.com/office/powerpoint/2010/main" val="2156585618"/>
+        <p14:creationId xmlns:p14="http://schemas.microsoft.com/office/powerpoint/2010/main" val="3101729406"/>
       </p:ext>
     </p:extLst>
   </p:cSld>
   <p:clrMapOvr>
     <a:masterClrMapping/>
   </p:clrMapOvr>
-  <mc:AlternateContent xmlns:mc="http://schemas.openxmlformats.org/markup-compatibility/2006">
-    <mc:Choice xmlns:p14="http://schemas.microsoft.com/office/powerpoint/2010/main" Requires="p14">
+  <mc:AlternateContent xmlns:mc="http://schemas.openxmlformats.org/markup-compatibility/2006" xmlns:p14="http://schemas.microsoft.com/office/powerpoint/2010/main">
+    <mc:Choice Requires="p14">
       <p:transition spd="med" p14:dur="700">
         <p:fade/>
       </p:transition>
     </mc:Choice>
-    <mc:Fallback>
+    <mc:Fallback xmlns="">
       <p:transition spd="med">
         <p:fade/>
       </p:transition>

--- a/20180126_SmartSplice/20180808_Meeting/SmartSplice.pptx
+++ b/20180126_SmartSplice/20180808_Meeting/SmartSplice.pptx
@@ -286,7 +286,7 @@
           <a:p>
             <a:fld id="{F03889CD-42F6-46D3-8774-76AD4E143C79}" type="datetimeFigureOut">
               <a:rPr lang="zh-TW" altLang="en-US" smtClean="0"/>
-              <a:t>2018/8/6</a:t>
+              <a:t>2018/8/7</a:t>
             </a:fld>
             <a:endParaRPr lang="zh-TW" altLang="en-US"/>
           </a:p>
@@ -891,7 +891,7 @@
           <a:lstStyle/>
           <a:p>
             <a:r>
-              <a:rPr lang="en-US" altLang="zh-TW" dirty="0" smtClean="0"/>
+              <a:rPr lang="en-US" altLang="zh-TW" dirty="0"/>
               <a:t>4 %</a:t>
             </a:r>
             <a:endParaRPr lang="zh-TW" altLang="en-US" dirty="0"/>
@@ -953,7 +953,7 @@
       </p:grpSpPr>
       <p:sp>
         <p:nvSpPr>
-          <p:cNvPr id="2" name="投影片圖像版面配置區 1"/>
+          <p:cNvPr id="2" name="投影片影像版面配置區 1"/>
           <p:cNvSpPr>
             <a:spLocks noGrp="1" noRot="1" noChangeAspect="1"/>
           </p:cNvSpPr>
@@ -979,292 +979,13 @@
           <a:lstStyle/>
           <a:p>
             <a:r>
-              <a:rPr lang="en-US" altLang="zh-TW" sz="1200" b="0" kern="1200" dirty="0" smtClean="0">
-                <a:solidFill>
-                  <a:schemeClr val="tx1"/>
-                </a:solidFill>
-                <a:effectLst/>
-                <a:latin typeface="+mn-lt"/>
-                <a:ea typeface="+mn-ea"/>
-                <a:cs typeface="+mn-cs"/>
-              </a:rPr>
-              <a:t>-</a:t>
-            </a:r>
-            <a:r>
-              <a:rPr lang="zh-TW" altLang="en-US" sz="1200" b="0" kern="1200" dirty="0" smtClean="0">
-                <a:solidFill>
-                  <a:schemeClr val="tx1"/>
-                </a:solidFill>
-                <a:effectLst/>
-                <a:latin typeface="+mn-lt"/>
-                <a:ea typeface="+mn-ea"/>
-                <a:cs typeface="+mn-cs"/>
-              </a:rPr>
-              <a:t> 推估的演算法是用彎矩圖，上層筋以地震力，下層筋以重力與地震力進行多點斷筋。</a:t>
-            </a:r>
-          </a:p>
-          <a:p>
-            <a:r>
-              <a:rPr lang="en-US" altLang="zh-TW" sz="1200" b="0" kern="1200" dirty="0" smtClean="0">
-                <a:solidFill>
-                  <a:schemeClr val="tx1"/>
-                </a:solidFill>
-                <a:effectLst/>
-                <a:latin typeface="+mn-lt"/>
-                <a:ea typeface="+mn-ea"/>
-                <a:cs typeface="+mn-cs"/>
-              </a:rPr>
-              <a:t>-</a:t>
-            </a:r>
-            <a:r>
-              <a:rPr lang="zh-TW" altLang="en-US" sz="1200" b="0" kern="1200" dirty="0" smtClean="0">
-                <a:solidFill>
-                  <a:schemeClr val="tx1"/>
-                </a:solidFill>
-                <a:effectLst/>
-                <a:latin typeface="+mn-lt"/>
-                <a:ea typeface="+mn-ea"/>
-                <a:cs typeface="+mn-cs"/>
-              </a:rPr>
-              <a:t> 並加上精算法的延伸長度。</a:t>
-            </a:r>
-          </a:p>
-          <a:p>
-            <a:r>
-              <a:rPr lang="en-US" altLang="zh-TW" sz="1200" b="0" kern="1200" dirty="0" smtClean="0">
-                <a:solidFill>
-                  <a:schemeClr val="tx1"/>
-                </a:solidFill>
-                <a:effectLst/>
-                <a:latin typeface="+mn-lt"/>
-                <a:ea typeface="+mn-ea"/>
-                <a:cs typeface="+mn-cs"/>
-              </a:rPr>
-              <a:t>-</a:t>
-            </a:r>
-            <a:r>
-              <a:rPr lang="zh-TW" altLang="en-US" sz="1200" b="0" kern="1200" dirty="0" smtClean="0">
-                <a:solidFill>
-                  <a:schemeClr val="tx1"/>
-                </a:solidFill>
-                <a:effectLst/>
-                <a:latin typeface="+mn-lt"/>
-                <a:ea typeface="+mn-ea"/>
-                <a:cs typeface="+mn-cs"/>
-              </a:rPr>
-              <a:t> 手動輸入 </a:t>
-            </a:r>
-            <a:r>
-              <a:rPr lang="en-US" altLang="zh-TW" sz="1200" b="0" kern="1200" dirty="0" smtClean="0">
-                <a:solidFill>
-                  <a:schemeClr val="tx1"/>
-                </a:solidFill>
-                <a:effectLst/>
-                <a:latin typeface="+mn-lt"/>
-                <a:ea typeface="+mn-ea"/>
-                <a:cs typeface="+mn-cs"/>
-              </a:rPr>
-              <a:t>Gravity </a:t>
-            </a:r>
-            <a:r>
-              <a:rPr lang="zh-TW" altLang="en-US" sz="1200" b="0" kern="1200" dirty="0" smtClean="0">
-                <a:solidFill>
-                  <a:schemeClr val="tx1"/>
-                </a:solidFill>
-                <a:effectLst/>
-                <a:latin typeface="+mn-lt"/>
-                <a:ea typeface="+mn-ea"/>
-                <a:cs typeface="+mn-cs"/>
-              </a:rPr>
-              <a:t>需求。</a:t>
-            </a:r>
-            <a:r>
-              <a:rPr lang="en-US" altLang="zh-TW" sz="1200" b="0" kern="1200" dirty="0" smtClean="0">
-                <a:solidFill>
-                  <a:schemeClr val="tx1"/>
-                </a:solidFill>
-                <a:effectLst/>
-                <a:latin typeface="+mn-lt"/>
-                <a:ea typeface="+mn-ea"/>
-                <a:cs typeface="+mn-cs"/>
-              </a:rPr>
-              <a:t>(</a:t>
-            </a:r>
-            <a:r>
-              <a:rPr lang="zh-TW" altLang="en-US" sz="1200" b="0" kern="1200" dirty="0" smtClean="0">
-                <a:solidFill>
-                  <a:schemeClr val="tx1"/>
-                </a:solidFill>
-                <a:effectLst/>
-                <a:latin typeface="+mn-lt"/>
-                <a:ea typeface="+mn-ea"/>
-                <a:cs typeface="+mn-cs"/>
-              </a:rPr>
-              <a:t>忽略帶寬、不平均</a:t>
-            </a:r>
-            <a:r>
-              <a:rPr lang="en-US" altLang="zh-TW" sz="1200" b="0" kern="1200" dirty="0" smtClean="0">
-                <a:solidFill>
-                  <a:schemeClr val="tx1"/>
-                </a:solidFill>
-                <a:effectLst/>
-                <a:latin typeface="+mn-lt"/>
-                <a:ea typeface="+mn-ea"/>
-                <a:cs typeface="+mn-cs"/>
-              </a:rPr>
-              <a:t>)</a:t>
-            </a:r>
-          </a:p>
-          <a:p>
-            <a:r>
-              <a:rPr lang="en-US" altLang="zh-TW" sz="1200" b="0" kern="1200" dirty="0" smtClean="0">
-                <a:solidFill>
-                  <a:schemeClr val="tx1"/>
-                </a:solidFill>
-                <a:effectLst/>
-                <a:latin typeface="+mn-lt"/>
-                <a:ea typeface="+mn-ea"/>
-                <a:cs typeface="+mn-cs"/>
-              </a:rPr>
-              <a:t>-</a:t>
-            </a:r>
-            <a:r>
-              <a:rPr lang="zh-TW" altLang="en-US" sz="1200" b="0" kern="1200" dirty="0" smtClean="0">
-                <a:solidFill>
-                  <a:schemeClr val="tx1"/>
-                </a:solidFill>
-                <a:effectLst/>
-                <a:latin typeface="+mn-lt"/>
-                <a:ea typeface="+mn-ea"/>
-                <a:cs typeface="+mn-cs"/>
-              </a:rPr>
-              <a:t> 手動輸入 </a:t>
-            </a:r>
-            <a:r>
-              <a:rPr lang="en-US" altLang="zh-TW" sz="1200" b="0" kern="1200" dirty="0" smtClean="0">
-                <a:solidFill>
-                  <a:schemeClr val="tx1"/>
-                </a:solidFill>
-                <a:effectLst/>
-                <a:latin typeface="+mn-lt"/>
-                <a:ea typeface="+mn-ea"/>
-                <a:cs typeface="+mn-cs"/>
-              </a:rPr>
-              <a:t>Gravity </a:t>
-            </a:r>
-            <a:r>
-              <a:rPr lang="zh-TW" altLang="en-US" sz="1200" b="0" kern="1200" dirty="0" smtClean="0">
-                <a:solidFill>
-                  <a:schemeClr val="tx1"/>
-                </a:solidFill>
-                <a:effectLst/>
-                <a:latin typeface="+mn-lt"/>
-                <a:ea typeface="+mn-ea"/>
-                <a:cs typeface="+mn-cs"/>
-              </a:rPr>
-              <a:t>負彎矩偏差比例。</a:t>
-            </a:r>
-          </a:p>
-          <a:p>
-            <a:r>
-              <a:rPr lang="en-US" altLang="zh-TW" sz="1200" b="0" kern="1200" dirty="0" smtClean="0">
-                <a:solidFill>
-                  <a:schemeClr val="tx1"/>
-                </a:solidFill>
-                <a:effectLst/>
-                <a:latin typeface="+mn-lt"/>
-                <a:ea typeface="+mn-ea"/>
-                <a:cs typeface="+mn-cs"/>
-              </a:rPr>
-              <a:t>-</a:t>
-            </a:r>
-            <a:r>
-              <a:rPr lang="zh-TW" altLang="en-US" sz="1200" b="0" kern="1200" dirty="0" smtClean="0">
-                <a:solidFill>
-                  <a:schemeClr val="tx1"/>
-                </a:solidFill>
-                <a:effectLst/>
-                <a:latin typeface="+mn-lt"/>
-                <a:ea typeface="+mn-ea"/>
-                <a:cs typeface="+mn-cs"/>
-              </a:rPr>
-              <a:t> 由無限斷筋縮減到有限點斷筋</a:t>
-            </a:r>
-            <a:r>
-              <a:rPr lang="en-US" altLang="zh-TW" sz="1200" b="0" kern="1200" dirty="0" smtClean="0">
-                <a:solidFill>
-                  <a:schemeClr val="tx1"/>
-                </a:solidFill>
-                <a:effectLst/>
-                <a:latin typeface="+mn-lt"/>
-                <a:ea typeface="+mn-ea"/>
-                <a:cs typeface="+mn-cs"/>
-              </a:rPr>
-              <a:t>(3 </a:t>
-            </a:r>
-            <a:r>
-              <a:rPr lang="zh-TW" altLang="en-US" sz="1200" b="0" kern="1200" dirty="0" smtClean="0">
-                <a:solidFill>
-                  <a:schemeClr val="tx1"/>
-                </a:solidFill>
-                <a:effectLst/>
-                <a:latin typeface="+mn-lt"/>
-                <a:ea typeface="+mn-ea"/>
-                <a:cs typeface="+mn-cs"/>
-              </a:rPr>
-              <a:t>點或 </a:t>
-            </a:r>
-            <a:r>
-              <a:rPr lang="en-US" altLang="zh-TW" sz="1200" b="0" kern="1200" dirty="0" smtClean="0">
-                <a:solidFill>
-                  <a:schemeClr val="tx1"/>
-                </a:solidFill>
-                <a:effectLst/>
-                <a:latin typeface="+mn-lt"/>
-                <a:ea typeface="+mn-ea"/>
-                <a:cs typeface="+mn-cs"/>
-              </a:rPr>
-              <a:t>4 </a:t>
-            </a:r>
-            <a:r>
-              <a:rPr lang="zh-TW" altLang="en-US" sz="1200" b="0" kern="1200" dirty="0" smtClean="0">
-                <a:solidFill>
-                  <a:schemeClr val="tx1"/>
-                </a:solidFill>
-                <a:effectLst/>
-                <a:latin typeface="+mn-lt"/>
-                <a:ea typeface="+mn-ea"/>
-                <a:cs typeface="+mn-cs"/>
-              </a:rPr>
-              <a:t>點</a:t>
-            </a:r>
-            <a:r>
-              <a:rPr lang="en-US" altLang="zh-TW" sz="1200" b="0" kern="1200" dirty="0" smtClean="0">
-                <a:solidFill>
-                  <a:schemeClr val="tx1"/>
-                </a:solidFill>
-                <a:effectLst/>
-                <a:latin typeface="+mn-lt"/>
-                <a:ea typeface="+mn-ea"/>
-                <a:cs typeface="+mn-cs"/>
-              </a:rPr>
-              <a:t>) - </a:t>
-            </a:r>
-            <a:r>
-              <a:rPr lang="zh-TW" altLang="en-US" sz="1200" b="0" kern="1200" dirty="0" smtClean="0">
-                <a:solidFill>
-                  <a:schemeClr val="tx1"/>
-                </a:solidFill>
-                <a:effectLst/>
-                <a:latin typeface="+mn-lt"/>
-                <a:ea typeface="+mn-ea"/>
-                <a:cs typeface="+mn-cs"/>
-              </a:rPr>
-              <a:t>排列組合、分群演算法。</a:t>
-            </a:r>
-          </a:p>
-          <a:p>
-            <a:endParaRPr lang="zh-TW" altLang="en-US" dirty="0"/>
+              <a:rPr lang="en-US" altLang="zh-TW" dirty="0"/>
+              <a:t>300 </a:t>
+            </a:r>
+            <a:r>
+              <a:rPr lang="zh-TW" altLang="en-US" dirty="0"/>
+              <a:t>多根大梁</a:t>
+            </a:r>
           </a:p>
         </p:txBody>
       </p:sp>
@@ -1285,7 +1006,7 @@
           <a:p>
             <a:fld id="{70B22B0D-1CA7-4298-B4CD-04A0716BCB99}" type="slidenum">
               <a:rPr lang="zh-TW" altLang="en-US" smtClean="0"/>
-              <a:t>17</a:t>
+              <a:t>16</a:t>
             </a:fld>
             <a:endParaRPr lang="zh-TW" altLang="en-US"/>
           </a:p>
@@ -1294,7 +1015,7 @@
     </p:spTree>
     <p:extLst>
       <p:ext uri="{BB962C8B-B14F-4D97-AF65-F5344CB8AC3E}">
-        <p14:creationId xmlns:p14="http://schemas.microsoft.com/office/powerpoint/2010/main" val="2845243300"/>
+        <p14:creationId xmlns:p14="http://schemas.microsoft.com/office/powerpoint/2010/main" val="2093777870"/>
       </p:ext>
     </p:extLst>
   </p:cSld>
@@ -1323,6 +1044,376 @@
       </p:grpSpPr>
       <p:sp>
         <p:nvSpPr>
+          <p:cNvPr id="2" name="投影片圖像版面配置區 1"/>
+          <p:cNvSpPr>
+            <a:spLocks noGrp="1" noRot="1" noChangeAspect="1"/>
+          </p:cNvSpPr>
+          <p:nvPr>
+            <p:ph type="sldImg"/>
+          </p:nvPr>
+        </p:nvSpPr>
+        <p:spPr/>
+      </p:sp>
+      <p:sp>
+        <p:nvSpPr>
+          <p:cNvPr id="3" name="備忘稿版面配置區 2"/>
+          <p:cNvSpPr>
+            <a:spLocks noGrp="1"/>
+          </p:cNvSpPr>
+          <p:nvPr>
+            <p:ph type="body" idx="1"/>
+          </p:nvPr>
+        </p:nvSpPr>
+        <p:spPr/>
+        <p:txBody>
+          <a:bodyPr/>
+          <a:lstStyle/>
+          <a:p>
+            <a:r>
+              <a:rPr lang="en-US" altLang="zh-TW" sz="1200" b="0" kern="1200" dirty="0">
+                <a:solidFill>
+                  <a:schemeClr val="tx1"/>
+                </a:solidFill>
+                <a:effectLst/>
+                <a:latin typeface="+mn-lt"/>
+                <a:ea typeface="+mn-ea"/>
+                <a:cs typeface="+mn-cs"/>
+              </a:rPr>
+              <a:t>-</a:t>
+            </a:r>
+            <a:r>
+              <a:rPr lang="zh-TW" altLang="en-US" sz="1200" b="0" kern="1200" dirty="0">
+                <a:solidFill>
+                  <a:schemeClr val="tx1"/>
+                </a:solidFill>
+                <a:effectLst/>
+                <a:latin typeface="+mn-lt"/>
+                <a:ea typeface="+mn-ea"/>
+                <a:cs typeface="+mn-cs"/>
+              </a:rPr>
+              <a:t> 推估的演算法是用彎矩圖，上層筋以地震力，下層筋以重力與地震力進行多點斷筋。</a:t>
+            </a:r>
+          </a:p>
+          <a:p>
+            <a:r>
+              <a:rPr lang="en-US" altLang="zh-TW" sz="1200" b="0" kern="1200" dirty="0">
+                <a:solidFill>
+                  <a:schemeClr val="tx1"/>
+                </a:solidFill>
+                <a:effectLst/>
+                <a:latin typeface="+mn-lt"/>
+                <a:ea typeface="+mn-ea"/>
+                <a:cs typeface="+mn-cs"/>
+              </a:rPr>
+              <a:t>-</a:t>
+            </a:r>
+            <a:r>
+              <a:rPr lang="zh-TW" altLang="en-US" sz="1200" b="0" kern="1200" dirty="0">
+                <a:solidFill>
+                  <a:schemeClr val="tx1"/>
+                </a:solidFill>
+                <a:effectLst/>
+                <a:latin typeface="+mn-lt"/>
+                <a:ea typeface="+mn-ea"/>
+                <a:cs typeface="+mn-cs"/>
+              </a:rPr>
+              <a:t> 並加上精算法的延伸長度。</a:t>
+            </a:r>
+          </a:p>
+          <a:p>
+            <a:r>
+              <a:rPr lang="en-US" altLang="zh-TW" sz="1200" b="0" kern="1200" dirty="0">
+                <a:solidFill>
+                  <a:schemeClr val="tx1"/>
+                </a:solidFill>
+                <a:effectLst/>
+                <a:latin typeface="+mn-lt"/>
+                <a:ea typeface="+mn-ea"/>
+                <a:cs typeface="+mn-cs"/>
+              </a:rPr>
+              <a:t>-</a:t>
+            </a:r>
+            <a:r>
+              <a:rPr lang="zh-TW" altLang="en-US" sz="1200" b="0" kern="1200" dirty="0">
+                <a:solidFill>
+                  <a:schemeClr val="tx1"/>
+                </a:solidFill>
+                <a:effectLst/>
+                <a:latin typeface="+mn-lt"/>
+                <a:ea typeface="+mn-ea"/>
+                <a:cs typeface="+mn-cs"/>
+              </a:rPr>
+              <a:t> 手動輸入 </a:t>
+            </a:r>
+            <a:r>
+              <a:rPr lang="en-US" altLang="zh-TW" sz="1200" b="0" kern="1200" dirty="0">
+                <a:solidFill>
+                  <a:schemeClr val="tx1"/>
+                </a:solidFill>
+                <a:effectLst/>
+                <a:latin typeface="+mn-lt"/>
+                <a:ea typeface="+mn-ea"/>
+                <a:cs typeface="+mn-cs"/>
+              </a:rPr>
+              <a:t>Gravity </a:t>
+            </a:r>
+            <a:r>
+              <a:rPr lang="zh-TW" altLang="en-US" sz="1200" b="0" kern="1200" dirty="0">
+                <a:solidFill>
+                  <a:schemeClr val="tx1"/>
+                </a:solidFill>
+                <a:effectLst/>
+                <a:latin typeface="+mn-lt"/>
+                <a:ea typeface="+mn-ea"/>
+                <a:cs typeface="+mn-cs"/>
+              </a:rPr>
+              <a:t>需求。</a:t>
+            </a:r>
+            <a:r>
+              <a:rPr lang="en-US" altLang="zh-TW" sz="1200" b="0" kern="1200" dirty="0">
+                <a:solidFill>
+                  <a:schemeClr val="tx1"/>
+                </a:solidFill>
+                <a:effectLst/>
+                <a:latin typeface="+mn-lt"/>
+                <a:ea typeface="+mn-ea"/>
+                <a:cs typeface="+mn-cs"/>
+              </a:rPr>
+              <a:t>(</a:t>
+            </a:r>
+            <a:r>
+              <a:rPr lang="zh-TW" altLang="en-US" sz="1200" b="0" kern="1200" dirty="0">
+                <a:solidFill>
+                  <a:schemeClr val="tx1"/>
+                </a:solidFill>
+                <a:effectLst/>
+                <a:latin typeface="+mn-lt"/>
+                <a:ea typeface="+mn-ea"/>
+                <a:cs typeface="+mn-cs"/>
+              </a:rPr>
+              <a:t>忽略帶寬、不平均</a:t>
+            </a:r>
+            <a:r>
+              <a:rPr lang="en-US" altLang="zh-TW" sz="1200" b="0" kern="1200" dirty="0">
+                <a:solidFill>
+                  <a:schemeClr val="tx1"/>
+                </a:solidFill>
+                <a:effectLst/>
+                <a:latin typeface="+mn-lt"/>
+                <a:ea typeface="+mn-ea"/>
+                <a:cs typeface="+mn-cs"/>
+              </a:rPr>
+              <a:t>)</a:t>
+            </a:r>
+          </a:p>
+          <a:p>
+            <a:r>
+              <a:rPr lang="en-US" altLang="zh-TW" sz="1200" b="0" kern="1200" dirty="0">
+                <a:solidFill>
+                  <a:schemeClr val="tx1"/>
+                </a:solidFill>
+                <a:effectLst/>
+                <a:latin typeface="+mn-lt"/>
+                <a:ea typeface="+mn-ea"/>
+                <a:cs typeface="+mn-cs"/>
+              </a:rPr>
+              <a:t>-</a:t>
+            </a:r>
+            <a:r>
+              <a:rPr lang="zh-TW" altLang="en-US" sz="1200" b="0" kern="1200" dirty="0">
+                <a:solidFill>
+                  <a:schemeClr val="tx1"/>
+                </a:solidFill>
+                <a:effectLst/>
+                <a:latin typeface="+mn-lt"/>
+                <a:ea typeface="+mn-ea"/>
+                <a:cs typeface="+mn-cs"/>
+              </a:rPr>
+              <a:t> 手動輸入 </a:t>
+            </a:r>
+            <a:r>
+              <a:rPr lang="en-US" altLang="zh-TW" sz="1200" b="0" kern="1200" dirty="0">
+                <a:solidFill>
+                  <a:schemeClr val="tx1"/>
+                </a:solidFill>
+                <a:effectLst/>
+                <a:latin typeface="+mn-lt"/>
+                <a:ea typeface="+mn-ea"/>
+                <a:cs typeface="+mn-cs"/>
+              </a:rPr>
+              <a:t>Gravity </a:t>
+            </a:r>
+            <a:r>
+              <a:rPr lang="zh-TW" altLang="en-US" sz="1200" b="0" kern="1200" dirty="0">
+                <a:solidFill>
+                  <a:schemeClr val="tx1"/>
+                </a:solidFill>
+                <a:effectLst/>
+                <a:latin typeface="+mn-lt"/>
+                <a:ea typeface="+mn-ea"/>
+                <a:cs typeface="+mn-cs"/>
+              </a:rPr>
+              <a:t>負彎矩偏差比例。</a:t>
+            </a:r>
+          </a:p>
+          <a:p>
+            <a:r>
+              <a:rPr lang="en-US" altLang="zh-TW" sz="1200" b="0" kern="1200" dirty="0">
+                <a:solidFill>
+                  <a:schemeClr val="tx1"/>
+                </a:solidFill>
+                <a:effectLst/>
+                <a:latin typeface="+mn-lt"/>
+                <a:ea typeface="+mn-ea"/>
+                <a:cs typeface="+mn-cs"/>
+              </a:rPr>
+              <a:t>-</a:t>
+            </a:r>
+            <a:r>
+              <a:rPr lang="zh-TW" altLang="en-US" sz="1200" b="0" kern="1200" dirty="0">
+                <a:solidFill>
+                  <a:schemeClr val="tx1"/>
+                </a:solidFill>
+                <a:effectLst/>
+                <a:latin typeface="+mn-lt"/>
+                <a:ea typeface="+mn-ea"/>
+                <a:cs typeface="+mn-cs"/>
+              </a:rPr>
+              <a:t> 由無限斷筋縮減到有限點斷筋</a:t>
+            </a:r>
+            <a:r>
+              <a:rPr lang="en-US" altLang="zh-TW" sz="1200" b="0" kern="1200" dirty="0">
+                <a:solidFill>
+                  <a:schemeClr val="tx1"/>
+                </a:solidFill>
+                <a:effectLst/>
+                <a:latin typeface="+mn-lt"/>
+                <a:ea typeface="+mn-ea"/>
+                <a:cs typeface="+mn-cs"/>
+              </a:rPr>
+              <a:t>(3 </a:t>
+            </a:r>
+            <a:r>
+              <a:rPr lang="zh-TW" altLang="en-US" sz="1200" b="0" kern="1200" dirty="0">
+                <a:solidFill>
+                  <a:schemeClr val="tx1"/>
+                </a:solidFill>
+                <a:effectLst/>
+                <a:latin typeface="+mn-lt"/>
+                <a:ea typeface="+mn-ea"/>
+                <a:cs typeface="+mn-cs"/>
+              </a:rPr>
+              <a:t>點或 </a:t>
+            </a:r>
+            <a:r>
+              <a:rPr lang="en-US" altLang="zh-TW" sz="1200" b="0" kern="1200" dirty="0">
+                <a:solidFill>
+                  <a:schemeClr val="tx1"/>
+                </a:solidFill>
+                <a:effectLst/>
+                <a:latin typeface="+mn-lt"/>
+                <a:ea typeface="+mn-ea"/>
+                <a:cs typeface="+mn-cs"/>
+              </a:rPr>
+              <a:t>4 </a:t>
+            </a:r>
+            <a:r>
+              <a:rPr lang="zh-TW" altLang="en-US" sz="1200" b="0" kern="1200" dirty="0">
+                <a:solidFill>
+                  <a:schemeClr val="tx1"/>
+                </a:solidFill>
+                <a:effectLst/>
+                <a:latin typeface="+mn-lt"/>
+                <a:ea typeface="+mn-ea"/>
+                <a:cs typeface="+mn-cs"/>
+              </a:rPr>
+              <a:t>點</a:t>
+            </a:r>
+            <a:r>
+              <a:rPr lang="en-US" altLang="zh-TW" sz="1200" b="0" kern="1200" dirty="0">
+                <a:solidFill>
+                  <a:schemeClr val="tx1"/>
+                </a:solidFill>
+                <a:effectLst/>
+                <a:latin typeface="+mn-lt"/>
+                <a:ea typeface="+mn-ea"/>
+                <a:cs typeface="+mn-cs"/>
+              </a:rPr>
+              <a:t>) - </a:t>
+            </a:r>
+            <a:r>
+              <a:rPr lang="zh-TW" altLang="en-US" sz="1200" b="0" kern="1200" dirty="0">
+                <a:solidFill>
+                  <a:schemeClr val="tx1"/>
+                </a:solidFill>
+                <a:effectLst/>
+                <a:latin typeface="+mn-lt"/>
+                <a:ea typeface="+mn-ea"/>
+                <a:cs typeface="+mn-cs"/>
+              </a:rPr>
+              <a:t>排列組合、分群演算法。</a:t>
+            </a:r>
+          </a:p>
+          <a:p>
+            <a:endParaRPr lang="zh-TW" altLang="en-US" dirty="0"/>
+          </a:p>
+        </p:txBody>
+      </p:sp>
+      <p:sp>
+        <p:nvSpPr>
+          <p:cNvPr id="4" name="投影片編號版面配置區 3"/>
+          <p:cNvSpPr>
+            <a:spLocks noGrp="1"/>
+          </p:cNvSpPr>
+          <p:nvPr>
+            <p:ph type="sldNum" sz="quarter" idx="10"/>
+          </p:nvPr>
+        </p:nvSpPr>
+        <p:spPr/>
+        <p:txBody>
+          <a:bodyPr/>
+          <a:lstStyle/>
+          <a:p>
+            <a:fld id="{70B22B0D-1CA7-4298-B4CD-04A0716BCB99}" type="slidenum">
+              <a:rPr lang="zh-TW" altLang="en-US" smtClean="0"/>
+              <a:t>17</a:t>
+            </a:fld>
+            <a:endParaRPr lang="zh-TW" altLang="en-US"/>
+          </a:p>
+        </p:txBody>
+      </p:sp>
+    </p:spTree>
+    <p:extLst>
+      <p:ext uri="{BB962C8B-B14F-4D97-AF65-F5344CB8AC3E}">
+        <p14:creationId xmlns:p14="http://schemas.microsoft.com/office/powerpoint/2010/main" val="2845243300"/>
+      </p:ext>
+    </p:extLst>
+  </p:cSld>
+  <p:clrMapOvr>
+    <a:masterClrMapping/>
+  </p:clrMapOvr>
+</p:notes>
+</file>
+
+<file path=ppt/notesSlides/notesSlide14.xml><?xml version="1.0" encoding="utf-8"?>
+<p:notes xmlns:a="http://schemas.openxmlformats.org/drawingml/2006/main" xmlns:r="http://schemas.openxmlformats.org/officeDocument/2006/relationships" xmlns:p="http://schemas.openxmlformats.org/presentationml/2006/main">
+  <p:cSld>
+    <p:spTree>
+      <p:nvGrpSpPr>
+        <p:cNvPr id="1" name=""/>
+        <p:cNvGrpSpPr/>
+        <p:nvPr/>
+      </p:nvGrpSpPr>
+      <p:grpSpPr>
+        <a:xfrm>
+          <a:off x="0" y="0"/>
+          <a:ext cx="0" cy="0"/>
+          <a:chOff x="0" y="0"/>
+          <a:chExt cx="0" cy="0"/>
+        </a:xfrm>
+      </p:grpSpPr>
+      <p:sp>
+        <p:nvSpPr>
           <p:cNvPr id="2" name="投影片影像版面配置區 1"/>
           <p:cNvSpPr>
             <a:spLocks noGrp="1" noRot="1" noChangeAspect="1"/>
@@ -1478,7 +1569,7 @@
 </p:notes>
 </file>
 
-<file path=ppt/notesSlides/notesSlide14.xml><?xml version="1.0" encoding="utf-8"?>
+<file path=ppt/notesSlides/notesSlide15.xml><?xml version="1.0" encoding="utf-8"?>
 <p:notes xmlns:a="http://schemas.openxmlformats.org/drawingml/2006/main" xmlns:r="http://schemas.openxmlformats.org/officeDocument/2006/relationships" xmlns:p="http://schemas.openxmlformats.org/presentationml/2006/main">
   <p:cSld>
     <p:spTree>
@@ -2040,7 +2131,7 @@
 </p:notes>
 </file>
 
-<file path=ppt/notesSlides/notesSlide15.xml><?xml version="1.0" encoding="utf-8"?>
+<file path=ppt/notesSlides/notesSlide16.xml><?xml version="1.0" encoding="utf-8"?>
 <p:notes xmlns:a="http://schemas.openxmlformats.org/drawingml/2006/main" xmlns:r="http://schemas.openxmlformats.org/officeDocument/2006/relationships" xmlns:p="http://schemas.openxmlformats.org/presentationml/2006/main">
   <p:cSld>
     <p:spTree>
@@ -2655,7 +2746,7 @@
           <a:lstStyle/>
           <a:p>
             <a:r>
-              <a:rPr lang="en-US" altLang="zh-TW" sz="1200" b="0" kern="1200" dirty="0" smtClean="0">
+              <a:rPr lang="en-US" altLang="zh-TW" sz="1200" b="0" kern="1200" dirty="0">
                 <a:solidFill>
                   <a:schemeClr val="tx1"/>
                 </a:solidFill>
@@ -2667,7 +2758,7 @@
               <a:t>-</a:t>
             </a:r>
             <a:r>
-              <a:rPr lang="zh-TW" altLang="en-US" sz="1200" b="0" kern="1200" dirty="0" smtClean="0">
+              <a:rPr lang="zh-TW" altLang="en-US" sz="1200" b="0" kern="1200" dirty="0">
                 <a:solidFill>
                   <a:schemeClr val="tx1"/>
                 </a:solidFill>
@@ -2681,7 +2772,7 @@
           </a:p>
           <a:p>
             <a:r>
-              <a:rPr lang="en-US" altLang="zh-TW" sz="1200" b="0" kern="1200" dirty="0" smtClean="0">
+              <a:rPr lang="en-US" altLang="zh-TW" sz="1200" b="0" kern="1200" dirty="0">
                 <a:solidFill>
                   <a:schemeClr val="tx1"/>
                 </a:solidFill>
@@ -2693,7 +2784,7 @@
               <a:t>-</a:t>
             </a:r>
             <a:r>
-              <a:rPr lang="zh-TW" altLang="en-US" sz="1200" b="0" kern="1200" dirty="0" smtClean="0">
+              <a:rPr lang="zh-TW" altLang="en-US" sz="1200" b="0" kern="1200" dirty="0">
                 <a:solidFill>
                   <a:schemeClr val="tx1"/>
                 </a:solidFill>
@@ -2707,7 +2798,7 @@
           </a:p>
           <a:p>
             <a:r>
-              <a:rPr lang="en-US" altLang="zh-TW" sz="1200" b="0" kern="1200" dirty="0" smtClean="0">
+              <a:rPr lang="en-US" altLang="zh-TW" sz="1200" b="0" kern="1200" dirty="0">
                 <a:solidFill>
                   <a:schemeClr val="tx1"/>
                 </a:solidFill>
@@ -2719,7 +2810,7 @@
               <a:t>-</a:t>
             </a:r>
             <a:r>
-              <a:rPr lang="zh-TW" altLang="en-US" sz="1200" b="0" kern="1200" dirty="0" smtClean="0">
+              <a:rPr lang="zh-TW" altLang="en-US" sz="1200" b="0" kern="1200" dirty="0">
                 <a:solidFill>
                   <a:schemeClr val="tx1"/>
                 </a:solidFill>
@@ -2731,7 +2822,7 @@
               <a:t> 手動輸入 </a:t>
             </a:r>
             <a:r>
-              <a:rPr lang="en-US" altLang="zh-TW" sz="1200" b="0" kern="1200" dirty="0" smtClean="0">
+              <a:rPr lang="en-US" altLang="zh-TW" sz="1200" b="0" kern="1200" dirty="0">
                 <a:solidFill>
                   <a:schemeClr val="tx1"/>
                 </a:solidFill>
@@ -2743,7 +2834,7 @@
               <a:t>Gravity </a:t>
             </a:r>
             <a:r>
-              <a:rPr lang="zh-TW" altLang="en-US" sz="1200" b="0" kern="1200" dirty="0" smtClean="0">
+              <a:rPr lang="zh-TW" altLang="en-US" sz="1200" b="0" kern="1200" dirty="0">
                 <a:solidFill>
                   <a:schemeClr val="tx1"/>
                 </a:solidFill>
@@ -2755,7 +2846,7 @@
               <a:t>需求。</a:t>
             </a:r>
             <a:r>
-              <a:rPr lang="en-US" altLang="zh-TW" sz="1200" b="0" kern="1200" dirty="0" smtClean="0">
+              <a:rPr lang="en-US" altLang="zh-TW" sz="1200" b="0" kern="1200" dirty="0">
                 <a:solidFill>
                   <a:schemeClr val="tx1"/>
                 </a:solidFill>
@@ -2767,7 +2858,7 @@
               <a:t>(</a:t>
             </a:r>
             <a:r>
-              <a:rPr lang="zh-TW" altLang="en-US" sz="1200" b="0" kern="1200" dirty="0" smtClean="0">
+              <a:rPr lang="zh-TW" altLang="en-US" sz="1200" b="0" kern="1200" dirty="0">
                 <a:solidFill>
                   <a:schemeClr val="tx1"/>
                 </a:solidFill>
@@ -2779,7 +2870,7 @@
               <a:t>忽略帶寬、不平均</a:t>
             </a:r>
             <a:r>
-              <a:rPr lang="en-US" altLang="zh-TW" sz="1200" b="0" kern="1200" dirty="0" smtClean="0">
+              <a:rPr lang="en-US" altLang="zh-TW" sz="1200" b="0" kern="1200" dirty="0">
                 <a:solidFill>
                   <a:schemeClr val="tx1"/>
                 </a:solidFill>
@@ -2793,7 +2884,7 @@
           </a:p>
           <a:p>
             <a:r>
-              <a:rPr lang="en-US" altLang="zh-TW" sz="1200" b="0" kern="1200" dirty="0" smtClean="0">
+              <a:rPr lang="en-US" altLang="zh-TW" sz="1200" b="0" kern="1200" dirty="0">
                 <a:solidFill>
                   <a:schemeClr val="tx1"/>
                 </a:solidFill>
@@ -2805,7 +2896,7 @@
               <a:t>-</a:t>
             </a:r>
             <a:r>
-              <a:rPr lang="zh-TW" altLang="en-US" sz="1200" b="0" kern="1200" dirty="0" smtClean="0">
+              <a:rPr lang="zh-TW" altLang="en-US" sz="1200" b="0" kern="1200" dirty="0">
                 <a:solidFill>
                   <a:schemeClr val="tx1"/>
                 </a:solidFill>
@@ -2817,7 +2908,7 @@
               <a:t> 手動輸入 </a:t>
             </a:r>
             <a:r>
-              <a:rPr lang="en-US" altLang="zh-TW" sz="1200" b="0" kern="1200" dirty="0" smtClean="0">
+              <a:rPr lang="en-US" altLang="zh-TW" sz="1200" b="0" kern="1200" dirty="0">
                 <a:solidFill>
                   <a:schemeClr val="tx1"/>
                 </a:solidFill>
@@ -2829,7 +2920,7 @@
               <a:t>Gravity </a:t>
             </a:r>
             <a:r>
-              <a:rPr lang="zh-TW" altLang="en-US" sz="1200" b="0" kern="1200" dirty="0" smtClean="0">
+              <a:rPr lang="zh-TW" altLang="en-US" sz="1200" b="0" kern="1200" dirty="0">
                 <a:solidFill>
                   <a:schemeClr val="tx1"/>
                 </a:solidFill>
@@ -2843,7 +2934,7 @@
           </a:p>
           <a:p>
             <a:r>
-              <a:rPr lang="en-US" altLang="zh-TW" sz="1200" b="0" kern="1200" dirty="0" smtClean="0">
+              <a:rPr lang="en-US" altLang="zh-TW" sz="1200" b="0" kern="1200" dirty="0">
                 <a:solidFill>
                   <a:schemeClr val="tx1"/>
                 </a:solidFill>
@@ -2855,7 +2946,7 @@
               <a:t>-</a:t>
             </a:r>
             <a:r>
-              <a:rPr lang="zh-TW" altLang="en-US" sz="1200" b="0" kern="1200" dirty="0" smtClean="0">
+              <a:rPr lang="zh-TW" altLang="en-US" sz="1200" b="0" kern="1200" dirty="0">
                 <a:solidFill>
                   <a:schemeClr val="tx1"/>
                 </a:solidFill>
@@ -2867,7 +2958,7 @@
               <a:t> 由無限斷筋縮減到有限點斷筋</a:t>
             </a:r>
             <a:r>
-              <a:rPr lang="en-US" altLang="zh-TW" sz="1200" b="0" kern="1200" dirty="0" smtClean="0">
+              <a:rPr lang="en-US" altLang="zh-TW" sz="1200" b="0" kern="1200" dirty="0">
                 <a:solidFill>
                   <a:schemeClr val="tx1"/>
                 </a:solidFill>
@@ -2879,7 +2970,7 @@
               <a:t>(3 </a:t>
             </a:r>
             <a:r>
-              <a:rPr lang="zh-TW" altLang="en-US" sz="1200" b="0" kern="1200" dirty="0" smtClean="0">
+              <a:rPr lang="zh-TW" altLang="en-US" sz="1200" b="0" kern="1200" dirty="0">
                 <a:solidFill>
                   <a:schemeClr val="tx1"/>
                 </a:solidFill>
@@ -2891,7 +2982,7 @@
               <a:t>點或 </a:t>
             </a:r>
             <a:r>
-              <a:rPr lang="en-US" altLang="zh-TW" sz="1200" b="0" kern="1200" dirty="0" smtClean="0">
+              <a:rPr lang="en-US" altLang="zh-TW" sz="1200" b="0" kern="1200" dirty="0">
                 <a:solidFill>
                   <a:schemeClr val="tx1"/>
                 </a:solidFill>
@@ -2903,7 +2994,7 @@
               <a:t>4 </a:t>
             </a:r>
             <a:r>
-              <a:rPr lang="zh-TW" altLang="en-US" sz="1200" b="0" kern="1200" dirty="0" smtClean="0">
+              <a:rPr lang="zh-TW" altLang="en-US" sz="1200" b="0" kern="1200" dirty="0">
                 <a:solidFill>
                   <a:schemeClr val="tx1"/>
                 </a:solidFill>
@@ -2915,7 +3006,7 @@
               <a:t>點</a:t>
             </a:r>
             <a:r>
-              <a:rPr lang="en-US" altLang="zh-TW" sz="1200" b="0" kern="1200" dirty="0" smtClean="0">
+              <a:rPr lang="en-US" altLang="zh-TW" sz="1200" b="0" kern="1200" dirty="0">
                 <a:solidFill>
                   <a:schemeClr val="tx1"/>
                 </a:solidFill>
@@ -2927,7 +3018,7 @@
               <a:t>) - </a:t>
             </a:r>
             <a:r>
-              <a:rPr lang="zh-TW" altLang="en-US" sz="1200" b="0" kern="1200" dirty="0" smtClean="0">
+              <a:rPr lang="zh-TW" altLang="en-US" sz="1200" b="0" kern="1200" dirty="0">
                 <a:solidFill>
                   <a:schemeClr val="tx1"/>
                 </a:solidFill>
@@ -3790,7 +3881,7 @@
           <a:lstStyle/>
           <a:p>
             <a:r>
-              <a:rPr lang="en-US" altLang="zh-TW" sz="1200" b="0" kern="1200" dirty="0" smtClean="0">
+              <a:rPr lang="en-US" altLang="zh-TW" sz="1200" b="0" kern="1200" dirty="0">
                 <a:solidFill>
                   <a:schemeClr val="tx1"/>
                 </a:solidFill>
@@ -3802,7 +3893,7 @@
               <a:t>-</a:t>
             </a:r>
             <a:r>
-              <a:rPr lang="zh-TW" altLang="en-US" sz="1200" b="0" kern="1200" dirty="0" smtClean="0">
+              <a:rPr lang="zh-TW" altLang="en-US" sz="1200" b="0" kern="1200" dirty="0">
                 <a:solidFill>
                   <a:schemeClr val="tx1"/>
                 </a:solidFill>
@@ -3816,7 +3907,7 @@
           </a:p>
           <a:p>
             <a:r>
-              <a:rPr lang="en-US" altLang="zh-TW" sz="1200" b="0" kern="1200" dirty="0" smtClean="0">
+              <a:rPr lang="en-US" altLang="zh-TW" sz="1200" b="0" kern="1200" dirty="0">
                 <a:solidFill>
                   <a:schemeClr val="tx1"/>
                 </a:solidFill>
@@ -3828,7 +3919,7 @@
               <a:t>-</a:t>
             </a:r>
             <a:r>
-              <a:rPr lang="zh-TW" altLang="en-US" sz="1200" b="0" kern="1200" dirty="0" smtClean="0">
+              <a:rPr lang="zh-TW" altLang="en-US" sz="1200" b="0" kern="1200" dirty="0">
                 <a:solidFill>
                   <a:schemeClr val="tx1"/>
                 </a:solidFill>
@@ -3842,7 +3933,7 @@
           </a:p>
           <a:p>
             <a:r>
-              <a:rPr lang="en-US" altLang="zh-TW" sz="1200" b="0" kern="1200" dirty="0" smtClean="0">
+              <a:rPr lang="en-US" altLang="zh-TW" sz="1200" b="0" kern="1200" dirty="0">
                 <a:solidFill>
                   <a:schemeClr val="tx1"/>
                 </a:solidFill>
@@ -3854,7 +3945,7 @@
               <a:t>-</a:t>
             </a:r>
             <a:r>
-              <a:rPr lang="zh-TW" altLang="en-US" sz="1200" b="0" kern="1200" dirty="0" smtClean="0">
+              <a:rPr lang="zh-TW" altLang="en-US" sz="1200" b="0" kern="1200" dirty="0">
                 <a:solidFill>
                   <a:schemeClr val="tx1"/>
                 </a:solidFill>
@@ -3866,7 +3957,7 @@
               <a:t> 手動輸入 </a:t>
             </a:r>
             <a:r>
-              <a:rPr lang="en-US" altLang="zh-TW" sz="1200" b="0" kern="1200" dirty="0" smtClean="0">
+              <a:rPr lang="en-US" altLang="zh-TW" sz="1200" b="0" kern="1200" dirty="0">
                 <a:solidFill>
                   <a:schemeClr val="tx1"/>
                 </a:solidFill>
@@ -3878,7 +3969,7 @@
               <a:t>Gravity </a:t>
             </a:r>
             <a:r>
-              <a:rPr lang="zh-TW" altLang="en-US" sz="1200" b="0" kern="1200" dirty="0" smtClean="0">
+              <a:rPr lang="zh-TW" altLang="en-US" sz="1200" b="0" kern="1200" dirty="0">
                 <a:solidFill>
                   <a:schemeClr val="tx1"/>
                 </a:solidFill>
@@ -3890,7 +3981,7 @@
               <a:t>需求。</a:t>
             </a:r>
             <a:r>
-              <a:rPr lang="en-US" altLang="zh-TW" sz="1200" b="0" kern="1200" dirty="0" smtClean="0">
+              <a:rPr lang="en-US" altLang="zh-TW" sz="1200" b="0" kern="1200" dirty="0">
                 <a:solidFill>
                   <a:schemeClr val="tx1"/>
                 </a:solidFill>
@@ -3902,7 +3993,7 @@
               <a:t>(</a:t>
             </a:r>
             <a:r>
-              <a:rPr lang="zh-TW" altLang="en-US" sz="1200" b="0" kern="1200" dirty="0" smtClean="0">
+              <a:rPr lang="zh-TW" altLang="en-US" sz="1200" b="0" kern="1200" dirty="0">
                 <a:solidFill>
                   <a:schemeClr val="tx1"/>
                 </a:solidFill>
@@ -3914,7 +4005,7 @@
               <a:t>忽略帶寬、不平均</a:t>
             </a:r>
             <a:r>
-              <a:rPr lang="en-US" altLang="zh-TW" sz="1200" b="0" kern="1200" dirty="0" smtClean="0">
+              <a:rPr lang="en-US" altLang="zh-TW" sz="1200" b="0" kern="1200" dirty="0">
                 <a:solidFill>
                   <a:schemeClr val="tx1"/>
                 </a:solidFill>
@@ -3928,7 +4019,7 @@
           </a:p>
           <a:p>
             <a:r>
-              <a:rPr lang="en-US" altLang="zh-TW" sz="1200" b="0" kern="1200" dirty="0" smtClean="0">
+              <a:rPr lang="en-US" altLang="zh-TW" sz="1200" b="0" kern="1200" dirty="0">
                 <a:solidFill>
                   <a:schemeClr val="tx1"/>
                 </a:solidFill>
@@ -3940,7 +4031,7 @@
               <a:t>-</a:t>
             </a:r>
             <a:r>
-              <a:rPr lang="zh-TW" altLang="en-US" sz="1200" b="0" kern="1200" dirty="0" smtClean="0">
+              <a:rPr lang="zh-TW" altLang="en-US" sz="1200" b="0" kern="1200" dirty="0">
                 <a:solidFill>
                   <a:schemeClr val="tx1"/>
                 </a:solidFill>
@@ -3952,7 +4043,7 @@
               <a:t> 手動輸入 </a:t>
             </a:r>
             <a:r>
-              <a:rPr lang="en-US" altLang="zh-TW" sz="1200" b="0" kern="1200" dirty="0" smtClean="0">
+              <a:rPr lang="en-US" altLang="zh-TW" sz="1200" b="0" kern="1200" dirty="0">
                 <a:solidFill>
                   <a:schemeClr val="tx1"/>
                 </a:solidFill>
@@ -3964,7 +4055,7 @@
               <a:t>Gravity </a:t>
             </a:r>
             <a:r>
-              <a:rPr lang="zh-TW" altLang="en-US" sz="1200" b="0" kern="1200" dirty="0" smtClean="0">
+              <a:rPr lang="zh-TW" altLang="en-US" sz="1200" b="0" kern="1200" dirty="0">
                 <a:solidFill>
                   <a:schemeClr val="tx1"/>
                 </a:solidFill>
@@ -3978,7 +4069,7 @@
           </a:p>
           <a:p>
             <a:r>
-              <a:rPr lang="en-US" altLang="zh-TW" sz="1200" b="0" kern="1200" dirty="0" smtClean="0">
+              <a:rPr lang="en-US" altLang="zh-TW" sz="1200" b="0" kern="1200" dirty="0">
                 <a:solidFill>
                   <a:schemeClr val="tx1"/>
                 </a:solidFill>
@@ -3990,7 +4081,7 @@
               <a:t>-</a:t>
             </a:r>
             <a:r>
-              <a:rPr lang="zh-TW" altLang="en-US" sz="1200" b="0" kern="1200" dirty="0" smtClean="0">
+              <a:rPr lang="zh-TW" altLang="en-US" sz="1200" b="0" kern="1200" dirty="0">
                 <a:solidFill>
                   <a:schemeClr val="tx1"/>
                 </a:solidFill>
@@ -4002,7 +4093,7 @@
               <a:t> 由無限斷筋縮減到有限點斷筋</a:t>
             </a:r>
             <a:r>
-              <a:rPr lang="en-US" altLang="zh-TW" sz="1200" b="0" kern="1200" dirty="0" smtClean="0">
+              <a:rPr lang="en-US" altLang="zh-TW" sz="1200" b="0" kern="1200" dirty="0">
                 <a:solidFill>
                   <a:schemeClr val="tx1"/>
                 </a:solidFill>
@@ -4014,7 +4105,7 @@
               <a:t>(3 </a:t>
             </a:r>
             <a:r>
-              <a:rPr lang="zh-TW" altLang="en-US" sz="1200" b="0" kern="1200" dirty="0" smtClean="0">
+              <a:rPr lang="zh-TW" altLang="en-US" sz="1200" b="0" kern="1200" dirty="0">
                 <a:solidFill>
                   <a:schemeClr val="tx1"/>
                 </a:solidFill>
@@ -4026,7 +4117,7 @@
               <a:t>點或 </a:t>
             </a:r>
             <a:r>
-              <a:rPr lang="en-US" altLang="zh-TW" sz="1200" b="0" kern="1200" dirty="0" smtClean="0">
+              <a:rPr lang="en-US" altLang="zh-TW" sz="1200" b="0" kern="1200" dirty="0">
                 <a:solidFill>
                   <a:schemeClr val="tx1"/>
                 </a:solidFill>
@@ -4038,7 +4129,7 @@
               <a:t>4 </a:t>
             </a:r>
             <a:r>
-              <a:rPr lang="zh-TW" altLang="en-US" sz="1200" b="0" kern="1200" dirty="0" smtClean="0">
+              <a:rPr lang="zh-TW" altLang="en-US" sz="1200" b="0" kern="1200" dirty="0">
                 <a:solidFill>
                   <a:schemeClr val="tx1"/>
                 </a:solidFill>
@@ -4050,7 +4141,7 @@
               <a:t>點</a:t>
             </a:r>
             <a:r>
-              <a:rPr lang="en-US" altLang="zh-TW" sz="1200" b="0" kern="1200" dirty="0" smtClean="0">
+              <a:rPr lang="en-US" altLang="zh-TW" sz="1200" b="0" kern="1200" dirty="0">
                 <a:solidFill>
                   <a:schemeClr val="tx1"/>
                 </a:solidFill>
@@ -4062,7 +4153,7 @@
               <a:t>) - </a:t>
             </a:r>
             <a:r>
-              <a:rPr lang="zh-TW" altLang="en-US" sz="1200" b="0" kern="1200" dirty="0" smtClean="0">
+              <a:rPr lang="zh-TW" altLang="en-US" sz="1200" b="0" kern="1200" dirty="0">
                 <a:solidFill>
                   <a:schemeClr val="tx1"/>
                 </a:solidFill>
@@ -4272,7 +4363,7 @@
           <a:p>
             <a:fld id="{4491071E-FC34-4ACC-9A4F-6878788FB266}" type="datetime1">
               <a:rPr lang="zh-TW" altLang="en-US" smtClean="0"/>
-              <a:t>2018/8/6</a:t>
+              <a:t>2018/8/7</a:t>
             </a:fld>
             <a:endParaRPr lang="zh-TW" altLang="en-US"/>
           </a:p>
@@ -4352,25 +4443,18 @@
   <p:clrMapOvr>
     <a:masterClrMapping/>
   </p:clrMapOvr>
-  <mc:AlternateContent xmlns:mc="http://schemas.openxmlformats.org/markup-compatibility/2006">
-    <mc:Choice xmlns:p14="http://schemas.microsoft.com/office/powerpoint/2010/main" Requires="p14">
+  <mc:AlternateContent xmlns:mc="http://schemas.openxmlformats.org/markup-compatibility/2006" xmlns:p14="http://schemas.microsoft.com/office/powerpoint/2010/main">
+    <mc:Choice Requires="p14">
       <p:transition spd="med" p14:dur="700">
         <p:fade/>
       </p:transition>
     </mc:Choice>
-    <mc:Fallback>
+    <mc:Fallback xmlns="">
       <p:transition spd="med">
         <p:fade/>
       </p:transition>
     </mc:Fallback>
   </mc:AlternateContent>
-  <p:timing>
-    <p:tnLst>
-      <p:par>
-        <p:cTn id="1" dur="indefinite" restart="never" nodeType="tmRoot"/>
-      </p:par>
-    </p:tnLst>
-  </p:timing>
 </p:sldLayout>
 </file>
 
@@ -4540,7 +4624,7 @@
           <a:p>
             <a:fld id="{88A7ECBC-A5B3-42B7-80C3-C64FB9D58F4B}" type="datetime1">
               <a:rPr lang="zh-TW" altLang="en-US" smtClean="0"/>
-              <a:t>2018/8/6</a:t>
+              <a:t>2018/8/7</a:t>
             </a:fld>
             <a:endParaRPr lang="zh-TW" altLang="en-US"/>
           </a:p>
@@ -4620,13 +4704,13 @@
   <p:clrMapOvr>
     <a:masterClrMapping/>
   </p:clrMapOvr>
-  <mc:AlternateContent xmlns:mc="http://schemas.openxmlformats.org/markup-compatibility/2006">
-    <mc:Choice xmlns:p14="http://schemas.microsoft.com/office/powerpoint/2010/main" Requires="p14">
+  <mc:AlternateContent xmlns:mc="http://schemas.openxmlformats.org/markup-compatibility/2006" xmlns:p14="http://schemas.microsoft.com/office/powerpoint/2010/main">
+    <mc:Choice Requires="p14">
       <p:transition spd="med" p14:dur="700">
         <p:fade/>
       </p:transition>
     </mc:Choice>
-    <mc:Fallback>
+    <mc:Fallback xmlns="">
       <p:transition spd="med">
         <p:fade/>
       </p:transition>
@@ -4688,7 +4772,7 @@
           <a:p>
             <a:fld id="{627C1653-D1C1-4F56-A031-EF8B1944FED3}" type="datetime1">
               <a:rPr lang="zh-TW" altLang="en-US" smtClean="0"/>
-              <a:t>2018/8/6</a:t>
+              <a:t>2018/8/7</a:t>
             </a:fld>
             <a:endParaRPr lang="zh-TW" altLang="en-US"/>
           </a:p>
@@ -4768,13 +4852,13 @@
   <p:clrMapOvr>
     <a:masterClrMapping/>
   </p:clrMapOvr>
-  <mc:AlternateContent xmlns:mc="http://schemas.openxmlformats.org/markup-compatibility/2006">
-    <mc:Choice xmlns:p14="http://schemas.microsoft.com/office/powerpoint/2010/main" Requires="p14">
+  <mc:AlternateContent xmlns:mc="http://schemas.openxmlformats.org/markup-compatibility/2006" xmlns:p14="http://schemas.microsoft.com/office/powerpoint/2010/main">
+    <mc:Choice Requires="p14">
       <p:transition spd="med" p14:dur="700">
         <p:fade/>
       </p:transition>
     </mc:Choice>
-    <mc:Fallback>
+    <mc:Fallback xmlns="">
       <p:transition spd="med">
         <p:fade/>
       </p:transition>
@@ -4922,7 +5006,7 @@
           <a:p>
             <a:fld id="{F92F55F2-BFE4-4AC5-9A3A-100090348EA5}" type="datetime1">
               <a:rPr lang="zh-TW" altLang="en-US" smtClean="0"/>
-              <a:t>2018/8/6</a:t>
+              <a:t>2018/8/7</a:t>
             </a:fld>
             <a:endParaRPr lang="zh-TW" altLang="en-US"/>
           </a:p>
@@ -4980,13 +5064,13 @@
   <p:clrMapOvr>
     <a:masterClrMapping/>
   </p:clrMapOvr>
-  <mc:AlternateContent xmlns:mc="http://schemas.openxmlformats.org/markup-compatibility/2006">
-    <mc:Choice xmlns:p14="http://schemas.microsoft.com/office/powerpoint/2010/main" Requires="p14">
+  <mc:AlternateContent xmlns:mc="http://schemas.openxmlformats.org/markup-compatibility/2006" xmlns:p14="http://schemas.microsoft.com/office/powerpoint/2010/main">
+    <mc:Choice Requires="p14">
       <p:transition spd="med" p14:dur="700">
         <p:fade/>
       </p:transition>
     </mc:Choice>
-    <mc:Fallback>
+    <mc:Fallback xmlns="">
       <p:transition spd="med">
         <p:fade/>
       </p:transition>
@@ -5104,7 +5188,7 @@
           <a:p>
             <a:fld id="{E9E4335F-5450-4016-AF42-FD73345B0565}" type="datetime1">
               <a:rPr lang="zh-TW" altLang="en-US" smtClean="0"/>
-              <a:t>2018/8/6</a:t>
+              <a:t>2018/8/7</a:t>
             </a:fld>
             <a:endParaRPr lang="zh-TW" altLang="en-US"/>
           </a:p>
@@ -5162,13 +5246,13 @@
   <p:clrMapOvr>
     <a:masterClrMapping/>
   </p:clrMapOvr>
-  <mc:AlternateContent xmlns:mc="http://schemas.openxmlformats.org/markup-compatibility/2006">
-    <mc:Choice xmlns:p14="http://schemas.microsoft.com/office/powerpoint/2010/main" Requires="p14">
+  <mc:AlternateContent xmlns:mc="http://schemas.openxmlformats.org/markup-compatibility/2006" xmlns:p14="http://schemas.microsoft.com/office/powerpoint/2010/main">
+    <mc:Choice Requires="p14">
       <p:transition spd="med" p14:dur="700">
         <p:fade/>
       </p:transition>
     </mc:Choice>
-    <mc:Fallback>
+    <mc:Fallback xmlns="">
       <p:transition spd="med">
         <p:fade/>
       </p:transition>
@@ -5360,7 +5444,7 @@
           <a:p>
             <a:fld id="{2C06D0C6-AF15-483B-A8F0-D6C1AF87C846}" type="datetime1">
               <a:rPr lang="zh-TW" altLang="en-US" smtClean="0"/>
-              <a:t>2018/8/6</a:t>
+              <a:t>2018/8/7</a:t>
             </a:fld>
             <a:endParaRPr lang="zh-TW" altLang="en-US"/>
           </a:p>
@@ -5418,25 +5502,18 @@
   <p:clrMapOvr>
     <a:masterClrMapping/>
   </p:clrMapOvr>
-  <mc:AlternateContent xmlns:mc="http://schemas.openxmlformats.org/markup-compatibility/2006">
-    <mc:Choice xmlns:p14="http://schemas.microsoft.com/office/powerpoint/2010/main" Requires="p14">
+  <mc:AlternateContent xmlns:mc="http://schemas.openxmlformats.org/markup-compatibility/2006" xmlns:p14="http://schemas.microsoft.com/office/powerpoint/2010/main">
+    <mc:Choice Requires="p14">
       <p:transition spd="med" p14:dur="700">
         <p:fade/>
       </p:transition>
     </mc:Choice>
-    <mc:Fallback>
+    <mc:Fallback xmlns="">
       <p:transition spd="med">
         <p:fade/>
       </p:transition>
     </mc:Fallback>
   </mc:AlternateContent>
-  <p:timing>
-    <p:tnLst>
-      <p:par>
-        <p:cTn id="1" dur="indefinite" restart="never" nodeType="tmRoot"/>
-      </p:par>
-    </p:tnLst>
-  </p:timing>
 </p:sldLayout>
 </file>
 
@@ -5611,7 +5688,7 @@
           <a:p>
             <a:fld id="{7D3D4E74-3333-4D5F-BC0F-67A2DF2CDDFA}" type="datetime1">
               <a:rPr lang="zh-TW" altLang="en-US" smtClean="0"/>
-              <a:t>2018/8/6</a:t>
+              <a:t>2018/8/7</a:t>
             </a:fld>
             <a:endParaRPr lang="zh-TW" altLang="en-US"/>
           </a:p>
@@ -5669,13 +5746,13 @@
   <p:clrMapOvr>
     <a:masterClrMapping/>
   </p:clrMapOvr>
-  <mc:AlternateContent xmlns:mc="http://schemas.openxmlformats.org/markup-compatibility/2006">
-    <mc:Choice xmlns:p14="http://schemas.microsoft.com/office/powerpoint/2010/main" Requires="p14">
+  <mc:AlternateContent xmlns:mc="http://schemas.openxmlformats.org/markup-compatibility/2006" xmlns:p14="http://schemas.microsoft.com/office/powerpoint/2010/main">
+    <mc:Choice Requires="p14">
       <p:transition spd="med" p14:dur="700">
         <p:fade/>
       </p:transition>
     </mc:Choice>
-    <mc:Fallback>
+    <mc:Fallback xmlns="">
       <p:transition spd="med">
         <p:fade/>
       </p:transition>
@@ -5990,7 +6067,7 @@
           <a:p>
             <a:fld id="{4541DC37-B1EF-4480-B72D-5C55507BD319}" type="datetime1">
               <a:rPr lang="zh-TW" altLang="en-US" smtClean="0"/>
-              <a:t>2018/8/6</a:t>
+              <a:t>2018/8/7</a:t>
             </a:fld>
             <a:endParaRPr lang="zh-TW" altLang="en-US"/>
           </a:p>
@@ -6048,13 +6125,13 @@
   <p:clrMapOvr>
     <a:masterClrMapping/>
   </p:clrMapOvr>
-  <mc:AlternateContent xmlns:mc="http://schemas.openxmlformats.org/markup-compatibility/2006">
-    <mc:Choice xmlns:p14="http://schemas.microsoft.com/office/powerpoint/2010/main" Requires="p14">
+  <mc:AlternateContent xmlns:mc="http://schemas.openxmlformats.org/markup-compatibility/2006" xmlns:p14="http://schemas.microsoft.com/office/powerpoint/2010/main">
+    <mc:Choice Requires="p14">
       <p:transition spd="med" p14:dur="700">
         <p:fade/>
       </p:transition>
     </mc:Choice>
-    <mc:Fallback>
+    <mc:Fallback xmlns="">
       <p:transition spd="med">
         <p:fade/>
       </p:transition>
@@ -6120,7 +6197,7 @@
           <a:p>
             <a:fld id="{30819F20-558B-4949-AF26-380C491CE13B}" type="datetime1">
               <a:rPr lang="zh-TW" altLang="en-US" smtClean="0"/>
-              <a:t>2018/8/6</a:t>
+              <a:t>2018/8/7</a:t>
             </a:fld>
             <a:endParaRPr lang="zh-TW" altLang="en-US"/>
           </a:p>
@@ -6178,25 +6255,18 @@
   <p:clrMapOvr>
     <a:masterClrMapping/>
   </p:clrMapOvr>
-  <mc:AlternateContent xmlns:mc="http://schemas.openxmlformats.org/markup-compatibility/2006">
-    <mc:Choice xmlns:p14="http://schemas.microsoft.com/office/powerpoint/2010/main" Requires="p14">
+  <mc:AlternateContent xmlns:mc="http://schemas.openxmlformats.org/markup-compatibility/2006" xmlns:p14="http://schemas.microsoft.com/office/powerpoint/2010/main">
+    <mc:Choice Requires="p14">
       <p:transition spd="med" p14:dur="700">
         <p:fade/>
       </p:transition>
     </mc:Choice>
-    <mc:Fallback>
+    <mc:Fallback xmlns="">
       <p:transition spd="med">
         <p:fade/>
       </p:transition>
     </mc:Fallback>
   </mc:AlternateContent>
-  <p:timing>
-    <p:tnLst>
-      <p:par>
-        <p:cTn id="1" dur="indefinite" restart="never" nodeType="tmRoot"/>
-      </p:par>
-    </p:tnLst>
-  </p:timing>
 </p:sldLayout>
 </file>
 
@@ -6310,7 +6380,7 @@
           <a:p>
             <a:fld id="{AAB7AFAE-AB0A-436A-8F6B-DB4A874C4BE5}" type="datetime1">
               <a:rPr lang="zh-TW" altLang="en-US" smtClean="0"/>
-              <a:t>2018/8/6</a:t>
+              <a:t>2018/8/7</a:t>
             </a:fld>
             <a:endParaRPr lang="zh-TW" altLang="en-US"/>
           </a:p>
@@ -6390,25 +6460,18 @@
   <p:clrMapOvr>
     <a:masterClrMapping/>
   </p:clrMapOvr>
-  <mc:AlternateContent xmlns:mc="http://schemas.openxmlformats.org/markup-compatibility/2006">
-    <mc:Choice xmlns:p14="http://schemas.microsoft.com/office/powerpoint/2010/main" Requires="p14">
+  <mc:AlternateContent xmlns:mc="http://schemas.openxmlformats.org/markup-compatibility/2006" xmlns:p14="http://schemas.microsoft.com/office/powerpoint/2010/main">
+    <mc:Choice Requires="p14">
       <p:transition spd="med" p14:dur="700">
         <p:fade/>
       </p:transition>
     </mc:Choice>
-    <mc:Fallback>
+    <mc:Fallback xmlns="">
       <p:transition spd="med">
         <p:fade/>
       </p:transition>
     </mc:Fallback>
   </mc:AlternateContent>
-  <p:timing>
-    <p:tnLst>
-      <p:par>
-        <p:cTn id="1" dur="indefinite" restart="never" nodeType="tmRoot"/>
-      </p:par>
-    </p:tnLst>
-  </p:timing>
 </p:sldLayout>
 </file>
 
@@ -6636,7 +6699,7 @@
           <a:p>
             <a:fld id="{16D5C682-8CFC-4A9E-99B7-6A8C30CAA6D3}" type="datetime1">
               <a:rPr lang="zh-TW" altLang="en-US" smtClean="0"/>
-              <a:t>2018/8/6</a:t>
+              <a:t>2018/8/7</a:t>
             </a:fld>
             <a:endParaRPr lang="zh-TW" altLang="en-US"/>
           </a:p>
@@ -6716,25 +6779,18 @@
   <p:clrMapOvr>
     <a:masterClrMapping/>
   </p:clrMapOvr>
-  <mc:AlternateContent xmlns:mc="http://schemas.openxmlformats.org/markup-compatibility/2006">
-    <mc:Choice xmlns:p14="http://schemas.microsoft.com/office/powerpoint/2010/main" Requires="p14">
+  <mc:AlternateContent xmlns:mc="http://schemas.openxmlformats.org/markup-compatibility/2006" xmlns:p14="http://schemas.microsoft.com/office/powerpoint/2010/main">
+    <mc:Choice Requires="p14">
       <p:transition spd="med" p14:dur="700">
         <p:fade/>
       </p:transition>
     </mc:Choice>
-    <mc:Fallback>
+    <mc:Fallback xmlns="">
       <p:transition spd="med">
         <p:fade/>
       </p:transition>
     </mc:Fallback>
   </mc:AlternateContent>
-  <p:timing>
-    <p:tnLst>
-      <p:par>
-        <p:cTn id="1" dur="indefinite" restart="never" nodeType="tmRoot"/>
-      </p:par>
-    </p:tnLst>
-  </p:timing>
 </p:sldLayout>
 </file>
 
@@ -7133,7 +7189,7 @@
           <a:p>
             <a:fld id="{629854EB-1813-429E-9449-E301728E3833}" type="datetime1">
               <a:rPr lang="zh-TW" altLang="en-US" smtClean="0"/>
-              <a:t>2018/8/6</a:t>
+              <a:t>2018/8/7</a:t>
             </a:fld>
             <a:endParaRPr lang="zh-TW" altLang="en-US"/>
           </a:p>
@@ -7213,25 +7269,18 @@
   <p:clrMapOvr>
     <a:masterClrMapping/>
   </p:clrMapOvr>
-  <mc:AlternateContent xmlns:mc="http://schemas.openxmlformats.org/markup-compatibility/2006">
-    <mc:Choice xmlns:p14="http://schemas.microsoft.com/office/powerpoint/2010/main" Requires="p14">
+  <mc:AlternateContent xmlns:mc="http://schemas.openxmlformats.org/markup-compatibility/2006" xmlns:p14="http://schemas.microsoft.com/office/powerpoint/2010/main">
+    <mc:Choice Requires="p14">
       <p:transition spd="med" p14:dur="700">
         <p:fade/>
       </p:transition>
     </mc:Choice>
-    <mc:Fallback>
+    <mc:Fallback xmlns="">
       <p:transition spd="med">
         <p:fade/>
       </p:transition>
     </mc:Fallback>
   </mc:AlternateContent>
-  <p:timing>
-    <p:tnLst>
-      <p:par>
-        <p:cTn id="1" dur="indefinite" restart="never" nodeType="tmRoot"/>
-      </p:par>
-    </p:tnLst>
-  </p:timing>
   <p:extLst mod="1">
     <p:ext uri="{DCECCB84-F9BA-43D5-87BE-67443E8EF086}">
       <p15:sldGuideLst xmlns:p15="http://schemas.microsoft.com/office/powerpoint/2012/main">
@@ -7369,7 +7418,7 @@
           <a:p>
             <a:fld id="{253510B8-31E3-4853-849A-576C914AB391}" type="datetime1">
               <a:rPr lang="zh-TW" altLang="en-US" smtClean="0"/>
-              <a:t>2018/8/6</a:t>
+              <a:t>2018/8/7</a:t>
             </a:fld>
             <a:endParaRPr lang="zh-TW" altLang="en-US"/>
           </a:p>
@@ -7449,13 +7498,13 @@
   <p:clrMapOvr>
     <a:masterClrMapping/>
   </p:clrMapOvr>
-  <mc:AlternateContent xmlns:mc="http://schemas.openxmlformats.org/markup-compatibility/2006">
-    <mc:Choice xmlns:p14="http://schemas.microsoft.com/office/powerpoint/2010/main" Requires="p14">
+  <mc:AlternateContent xmlns:mc="http://schemas.openxmlformats.org/markup-compatibility/2006" xmlns:p14="http://schemas.microsoft.com/office/powerpoint/2010/main">
+    <mc:Choice Requires="p14">
       <p:transition spd="med" p14:dur="700">
         <p:fade/>
       </p:transition>
     </mc:Choice>
-    <mc:Fallback>
+    <mc:Fallback xmlns="">
       <p:transition spd="med">
         <p:fade/>
       </p:transition>
@@ -7647,7 +7696,7 @@
           <a:p>
             <a:fld id="{87AF36B1-98A9-4511-9E18-97BBE680BE66}" type="datetime1">
               <a:rPr lang="zh-TW" altLang="en-US" smtClean="0"/>
-              <a:t>2018/8/6</a:t>
+              <a:t>2018/8/7</a:t>
             </a:fld>
             <a:endParaRPr lang="zh-TW" altLang="en-US"/>
           </a:p>
@@ -7727,13 +7776,13 @@
   <p:clrMapOvr>
     <a:masterClrMapping/>
   </p:clrMapOvr>
-  <mc:AlternateContent xmlns:mc="http://schemas.openxmlformats.org/markup-compatibility/2006">
-    <mc:Choice xmlns:p14="http://schemas.microsoft.com/office/powerpoint/2010/main" Requires="p14">
+  <mc:AlternateContent xmlns:mc="http://schemas.openxmlformats.org/markup-compatibility/2006" xmlns:p14="http://schemas.microsoft.com/office/powerpoint/2010/main">
+    <mc:Choice Requires="p14">
       <p:transition spd="med" p14:dur="700">
         <p:fade/>
       </p:transition>
     </mc:Choice>
-    <mc:Fallback>
+    <mc:Fallback xmlns="">
       <p:transition spd="med">
         <p:fade/>
       </p:transition>
@@ -7870,7 +7919,7 @@
           <a:p>
             <a:fld id="{9F8FAB93-2311-4A94-B31F-3E8A44E47734}" type="datetime1">
               <a:rPr lang="zh-TW" altLang="en-US" smtClean="0"/>
-              <a:t>2018/8/6</a:t>
+              <a:t>2018/8/7</a:t>
             </a:fld>
             <a:endParaRPr lang="zh-TW" altLang="en-US"/>
           </a:p>
@@ -7950,25 +7999,18 @@
   <p:clrMapOvr>
     <a:masterClrMapping/>
   </p:clrMapOvr>
-  <mc:AlternateContent xmlns:mc="http://schemas.openxmlformats.org/markup-compatibility/2006">
-    <mc:Choice xmlns:p14="http://schemas.microsoft.com/office/powerpoint/2010/main" Requires="p14">
+  <mc:AlternateContent xmlns:mc="http://schemas.openxmlformats.org/markup-compatibility/2006" xmlns:p14="http://schemas.microsoft.com/office/powerpoint/2010/main">
+    <mc:Choice Requires="p14">
       <p:transition spd="med" p14:dur="700">
         <p:fade/>
       </p:transition>
     </mc:Choice>
-    <mc:Fallback>
+    <mc:Fallback xmlns="">
       <p:transition spd="med">
         <p:fade/>
       </p:transition>
     </mc:Fallback>
   </mc:AlternateContent>
-  <p:timing>
-    <p:tnLst>
-      <p:par>
-        <p:cTn id="1" dur="indefinite" restart="never" nodeType="tmRoot"/>
-      </p:par>
-    </p:tnLst>
-  </p:timing>
 </p:sldLayout>
 </file>
 
@@ -8556,7 +8598,7 @@
           <a:p>
             <a:fld id="{B861AAC8-DA9B-4D73-B7A5-B720A4A5F874}" type="datetime1">
               <a:rPr lang="zh-TW" altLang="en-US" smtClean="0"/>
-              <a:t>2018/8/6</a:t>
+              <a:t>2018/8/7</a:t>
             </a:fld>
             <a:endParaRPr lang="zh-TW" altLang="en-US"/>
           </a:p>
@@ -8636,13 +8678,13 @@
   <p:clrMapOvr>
     <a:masterClrMapping/>
   </p:clrMapOvr>
-  <mc:AlternateContent xmlns:mc="http://schemas.openxmlformats.org/markup-compatibility/2006">
-    <mc:Choice xmlns:p14="http://schemas.microsoft.com/office/powerpoint/2010/main" Requires="p14">
+  <mc:AlternateContent xmlns:mc="http://schemas.openxmlformats.org/markup-compatibility/2006" xmlns:p14="http://schemas.microsoft.com/office/powerpoint/2010/main">
+    <mc:Choice Requires="p14">
       <p:transition spd="med" p14:dur="700">
         <p:fade/>
       </p:transition>
     </mc:Choice>
-    <mc:Fallback>
+    <mc:Fallback xmlns="">
       <p:transition spd="med">
         <p:fade/>
       </p:transition>
@@ -8874,7 +8916,7 @@
           <a:p>
             <a:fld id="{3577A47B-687C-4E6F-A53E-B23B8B9EBEB6}" type="datetime1">
               <a:rPr lang="zh-TW" altLang="en-US" smtClean="0"/>
-              <a:t>2018/8/6</a:t>
+              <a:t>2018/8/7</a:t>
             </a:fld>
             <a:endParaRPr lang="zh-TW" altLang="en-US"/>
           </a:p>
@@ -8954,13 +8996,13 @@
   <p:clrMapOvr>
     <a:masterClrMapping/>
   </p:clrMapOvr>
-  <mc:AlternateContent xmlns:mc="http://schemas.openxmlformats.org/markup-compatibility/2006">
-    <mc:Choice xmlns:p14="http://schemas.microsoft.com/office/powerpoint/2010/main" Requires="p14">
+  <mc:AlternateContent xmlns:mc="http://schemas.openxmlformats.org/markup-compatibility/2006" xmlns:p14="http://schemas.microsoft.com/office/powerpoint/2010/main">
+    <mc:Choice Requires="p14">
       <p:transition spd="med" p14:dur="700">
         <p:fade/>
       </p:transition>
     </mc:Choice>
-    <mc:Fallback>
+    <mc:Fallback xmlns="">
       <p:transition spd="med">
         <p:fade/>
       </p:transition>
@@ -9124,7 +9166,7 @@
           <a:p>
             <a:fld id="{7FE0C4A1-1B1A-4889-8F80-3971ECCB4403}" type="datetime1">
               <a:rPr lang="zh-TW" altLang="en-US" smtClean="0"/>
-              <a:t>2018/8/6</a:t>
+              <a:t>2018/8/7</a:t>
             </a:fld>
             <a:endParaRPr lang="zh-TW" altLang="en-US"/>
           </a:p>
@@ -9235,25 +9277,18 @@
     <p:sldLayoutId id="2147483665" r:id="rId16"/>
     <p:sldLayoutId id="2147483666" r:id="rId17"/>
   </p:sldLayoutIdLst>
-  <mc:AlternateContent xmlns:mc="http://schemas.openxmlformats.org/markup-compatibility/2006">
-    <mc:Choice xmlns:p14="http://schemas.microsoft.com/office/powerpoint/2010/main" Requires="p14">
+  <mc:AlternateContent xmlns:mc="http://schemas.openxmlformats.org/markup-compatibility/2006" xmlns:p14="http://schemas.microsoft.com/office/powerpoint/2010/main">
+    <mc:Choice Requires="p14">
       <p:transition spd="med" p14:dur="700">
         <p:fade/>
       </p:transition>
     </mc:Choice>
-    <mc:Fallback>
+    <mc:Fallback xmlns="">
       <p:transition spd="med">
         <p:fade/>
       </p:transition>
     </mc:Fallback>
   </mc:AlternateContent>
-  <p:timing>
-    <p:tnLst>
-      <p:par>
-        <p:cTn id="1" dur="indefinite" restart="never" nodeType="tmRoot"/>
-      </p:par>
-    </p:tnLst>
-  </p:timing>
   <p:hf hdr="0" ftr="0" dt="0"/>
   <p:txStyles>
     <p:titleStyle>
@@ -9859,21 +9894,14 @@
   <p:clrMapOvr>
     <a:masterClrMapping/>
   </p:clrMapOvr>
-  <mc:AlternateContent xmlns:mc="http://schemas.openxmlformats.org/markup-compatibility/2006">
-    <mc:Choice xmlns:p14="http://schemas.microsoft.com/office/powerpoint/2010/main" Requires="p14">
+  <mc:AlternateContent xmlns:mc="http://schemas.openxmlformats.org/markup-compatibility/2006" xmlns:p14="http://schemas.microsoft.com/office/powerpoint/2010/main">
+    <mc:Choice Requires="p14">
       <p:transition p14:dur="0"/>
     </mc:Choice>
-    <mc:Fallback>
+    <mc:Fallback xmlns="">
       <p:transition/>
     </mc:Fallback>
   </mc:AlternateContent>
-  <p:timing>
-    <p:tnLst>
-      <p:par>
-        <p:cTn id="1" dur="indefinite" restart="never" nodeType="tmRoot"/>
-      </p:par>
-    </p:tnLst>
-  </p:timing>
 </p:sld>
 </file>
 
@@ -10268,25 +10296,18 @@
   <p:clrMapOvr>
     <a:masterClrMapping/>
   </p:clrMapOvr>
-  <mc:AlternateContent xmlns:mc="http://schemas.openxmlformats.org/markup-compatibility/2006">
-    <mc:Choice xmlns:p14="http://schemas.microsoft.com/office/powerpoint/2010/main" Requires="p14">
+  <mc:AlternateContent xmlns:mc="http://schemas.openxmlformats.org/markup-compatibility/2006" xmlns:p14="http://schemas.microsoft.com/office/powerpoint/2010/main">
+    <mc:Choice Requires="p14">
       <p:transition spd="med" p14:dur="700">
         <p:fade/>
       </p:transition>
     </mc:Choice>
-    <mc:Fallback>
+    <mc:Fallback xmlns="">
       <p:transition spd="med">
         <p:fade/>
       </p:transition>
     </mc:Fallback>
   </mc:AlternateContent>
-  <p:timing>
-    <p:tnLst>
-      <p:par>
-        <p:cTn id="1" dur="indefinite" restart="never" nodeType="tmRoot"/>
-      </p:par>
-    </p:tnLst>
-  </p:timing>
 </p:sld>
 </file>
 
@@ -10334,11 +10355,11 @@
           <a:lstStyle/>
           <a:p>
             <a:r>
-              <a:rPr lang="en-US" altLang="zh-TW" dirty="0" smtClean="0"/>
+              <a:rPr lang="en-US" altLang="zh-TW" dirty="0"/>
               <a:t>Case Study of </a:t>
             </a:r>
             <a:r>
-              <a:rPr lang="en-US" altLang="zh-TW" dirty="0" smtClean="0">
+              <a:rPr lang="en-US" altLang="zh-TW" dirty="0">
                 <a:solidFill>
                   <a:schemeClr val="accent1"/>
                 </a:solidFill>
@@ -10440,25 +10461,18 @@
   <p:clrMapOvr>
     <a:masterClrMapping/>
   </p:clrMapOvr>
-  <mc:AlternateContent xmlns:mc="http://schemas.openxmlformats.org/markup-compatibility/2006">
-    <mc:Choice xmlns:p14="http://schemas.microsoft.com/office/powerpoint/2010/main" Requires="p14">
+  <mc:AlternateContent xmlns:mc="http://schemas.openxmlformats.org/markup-compatibility/2006" xmlns:p14="http://schemas.microsoft.com/office/powerpoint/2010/main">
+    <mc:Choice Requires="p14">
       <p:transition spd="med" p14:dur="700">
         <p:fade/>
       </p:transition>
     </mc:Choice>
-    <mc:Fallback>
+    <mc:Fallback xmlns="">
       <p:transition spd="med">
         <p:fade/>
       </p:transition>
     </mc:Fallback>
   </mc:AlternateContent>
-  <p:timing>
-    <p:tnLst>
-      <p:par>
-        <p:cTn id="1" dur="indefinite" restart="never" nodeType="tmRoot"/>
-      </p:par>
-    </p:tnLst>
-  </p:timing>
 </p:sld>
 </file>
 
@@ -10479,6 +10493,144 @@
           <a:chExt cx="0" cy="0"/>
         </a:xfrm>
       </p:grpSpPr>
+      <p:pic>
+        <p:nvPicPr>
+          <p:cNvPr id="13" name="圖片 12">
+            <a:extLst>
+              <a:ext uri="{FF2B5EF4-FFF2-40B4-BE49-F238E27FC236}">
+                <a16:creationId xmlns:a16="http://schemas.microsoft.com/office/drawing/2014/main" id="{8B355F9A-36E6-4505-8263-D9D258FDD335}"/>
+              </a:ext>
+            </a:extLst>
+          </p:cNvPr>
+          <p:cNvPicPr>
+            <a:picLocks noChangeAspect="1"/>
+          </p:cNvPicPr>
+          <p:nvPr/>
+        </p:nvPicPr>
+        <p:blipFill>
+          <a:blip r:embed="rId3"/>
+          <a:stretch>
+            <a:fillRect/>
+          </a:stretch>
+        </p:blipFill>
+        <p:spPr>
+          <a:xfrm>
+            <a:off x="635028" y="4686249"/>
+            <a:ext cx="2012363" cy="839933"/>
+          </a:xfrm>
+          <a:prstGeom prst="rect">
+            <a:avLst/>
+          </a:prstGeom>
+        </p:spPr>
+      </p:pic>
+      <p:pic>
+        <p:nvPicPr>
+          <p:cNvPr id="9" name="圖片 8"/>
+          <p:cNvPicPr>
+            <a:picLocks noChangeAspect="1"/>
+          </p:cNvPicPr>
+          <p:nvPr/>
+        </p:nvPicPr>
+        <p:blipFill>
+          <a:blip r:embed="rId4"/>
+          <a:stretch>
+            <a:fillRect/>
+          </a:stretch>
+        </p:blipFill>
+        <p:spPr>
+          <a:xfrm>
+            <a:off x="625649" y="3335626"/>
+            <a:ext cx="2012363" cy="839933"/>
+          </a:xfrm>
+          <a:prstGeom prst="rect">
+            <a:avLst/>
+          </a:prstGeom>
+        </p:spPr>
+      </p:pic>
+      <p:pic>
+        <p:nvPicPr>
+          <p:cNvPr id="14" name="圖片 13"/>
+          <p:cNvPicPr>
+            <a:picLocks noChangeAspect="1"/>
+          </p:cNvPicPr>
+          <p:nvPr/>
+        </p:nvPicPr>
+        <p:blipFill>
+          <a:blip r:embed="rId5"/>
+          <a:stretch>
+            <a:fillRect/>
+          </a:stretch>
+        </p:blipFill>
+        <p:spPr>
+          <a:xfrm>
+            <a:off x="2633820" y="3335626"/>
+            <a:ext cx="6505988" cy="839933"/>
+          </a:xfrm>
+          <a:prstGeom prst="rect">
+            <a:avLst/>
+          </a:prstGeom>
+        </p:spPr>
+      </p:pic>
+      <p:pic>
+        <p:nvPicPr>
+          <p:cNvPr id="11" name="圖片 10">
+            <a:extLst>
+              <a:ext uri="{FF2B5EF4-FFF2-40B4-BE49-F238E27FC236}">
+                <a16:creationId xmlns:a16="http://schemas.microsoft.com/office/drawing/2014/main" id="{0175A839-7B8E-4002-9CB7-F4A7CAB73041}"/>
+              </a:ext>
+            </a:extLst>
+          </p:cNvPr>
+          <p:cNvPicPr>
+            <a:picLocks noChangeAspect="1"/>
+          </p:cNvPicPr>
+          <p:nvPr/>
+        </p:nvPicPr>
+        <p:blipFill>
+          <a:blip r:embed="rId6"/>
+          <a:stretch>
+            <a:fillRect/>
+          </a:stretch>
+        </p:blipFill>
+        <p:spPr>
+          <a:xfrm>
+            <a:off x="635028" y="2004531"/>
+            <a:ext cx="2012363" cy="849700"/>
+          </a:xfrm>
+          <a:prstGeom prst="rect">
+            <a:avLst/>
+          </a:prstGeom>
+        </p:spPr>
+      </p:pic>
+      <p:pic>
+        <p:nvPicPr>
+          <p:cNvPr id="12" name="圖片 11">
+            <a:extLst>
+              <a:ext uri="{FF2B5EF4-FFF2-40B4-BE49-F238E27FC236}">
+                <a16:creationId xmlns:a16="http://schemas.microsoft.com/office/drawing/2014/main" id="{6A5D3F08-4083-4A22-99E6-7157C486411E}"/>
+              </a:ext>
+            </a:extLst>
+          </p:cNvPr>
+          <p:cNvPicPr>
+            <a:picLocks noChangeAspect="1"/>
+          </p:cNvPicPr>
+          <p:nvPr/>
+        </p:nvPicPr>
+        <p:blipFill>
+          <a:blip r:embed="rId7"/>
+          <a:stretch>
+            <a:fillRect/>
+          </a:stretch>
+        </p:blipFill>
+        <p:spPr>
+          <a:xfrm>
+            <a:off x="2638012" y="2008790"/>
+            <a:ext cx="6505988" cy="849700"/>
+          </a:xfrm>
+          <a:prstGeom prst="rect">
+            <a:avLst/>
+          </a:prstGeom>
+        </p:spPr>
+      </p:pic>
       <p:sp>
         <p:nvSpPr>
           <p:cNvPr id="2" name="文字版面配置區 1">
@@ -10507,23 +10659,7 @@
           <a:p>
             <a:r>
               <a:rPr lang="en-US" altLang="zh-TW" dirty="0"/>
-              <a:t>Case </a:t>
-            </a:r>
-            <a:r>
-              <a:rPr lang="en-US" altLang="zh-TW" dirty="0" smtClean="0"/>
-              <a:t>Study</a:t>
-            </a:r>
-            <a:r>
-              <a:rPr lang="en-US" altLang="zh-TW" dirty="0"/>
-              <a:t> of </a:t>
-            </a:r>
-            <a:r>
-              <a:rPr lang="en-US" altLang="zh-TW" dirty="0" smtClean="0">
-                <a:solidFill>
-                  <a:schemeClr val="accent1"/>
-                </a:solidFill>
-              </a:rPr>
-              <a:t>Single </a:t>
+              <a:t>Case Study of </a:t>
             </a:r>
             <a:r>
               <a:rPr lang="en-US" altLang="zh-TW" dirty="0">
@@ -10531,7 +10667,7 @@
                   <a:schemeClr val="accent1"/>
                 </a:solidFill>
               </a:rPr>
-              <a:t>Girder </a:t>
+              <a:t>Single Girder </a:t>
             </a:r>
             <a:endParaRPr lang="zh-TW" altLang="en-US" dirty="0">
               <a:solidFill>
@@ -10572,127 +10708,7 @@
       </p:sp>
       <p:pic>
         <p:nvPicPr>
-          <p:cNvPr id="5" name="圖片 4"/>
-          <p:cNvPicPr>
-            <a:picLocks noChangeAspect="1"/>
-          </p:cNvPicPr>
-          <p:nvPr/>
-        </p:nvPicPr>
-        <p:blipFill>
-          <a:blip r:embed="rId3"/>
-          <a:stretch>
-            <a:fillRect/>
-          </a:stretch>
-        </p:blipFill>
-        <p:spPr>
-          <a:xfrm>
-            <a:off x="629841" y="3340508"/>
-            <a:ext cx="2012363" cy="839933"/>
-          </a:xfrm>
-          <a:prstGeom prst="rect">
-            <a:avLst/>
-          </a:prstGeom>
-        </p:spPr>
-      </p:pic>
-      <p:pic>
-        <p:nvPicPr>
           <p:cNvPr id="7" name="圖片 6"/>
-          <p:cNvPicPr>
-            <a:picLocks noChangeAspect="1"/>
-          </p:cNvPicPr>
-          <p:nvPr/>
-        </p:nvPicPr>
-        <p:blipFill>
-          <a:blip r:embed="rId4"/>
-          <a:stretch>
-            <a:fillRect/>
-          </a:stretch>
-        </p:blipFill>
-        <p:spPr>
-          <a:xfrm>
-            <a:off x="2638012" y="3340507"/>
-            <a:ext cx="1406700" cy="839933"/>
-          </a:xfrm>
-          <a:prstGeom prst="rect">
-            <a:avLst/>
-          </a:prstGeom>
-        </p:spPr>
-      </p:pic>
-      <p:pic>
-        <p:nvPicPr>
-          <p:cNvPr id="9" name="圖片 8"/>
-          <p:cNvPicPr>
-            <a:picLocks noChangeAspect="1"/>
-          </p:cNvPicPr>
-          <p:nvPr/>
-        </p:nvPicPr>
-        <p:blipFill>
-          <a:blip r:embed="rId5"/>
-          <a:stretch>
-            <a:fillRect/>
-          </a:stretch>
-        </p:blipFill>
-        <p:spPr>
-          <a:xfrm>
-            <a:off x="629841" y="2004532"/>
-            <a:ext cx="2012363" cy="839933"/>
-          </a:xfrm>
-          <a:prstGeom prst="rect">
-            <a:avLst/>
-          </a:prstGeom>
-        </p:spPr>
-      </p:pic>
-      <p:pic>
-        <p:nvPicPr>
-          <p:cNvPr id="14" name="圖片 13"/>
-          <p:cNvPicPr>
-            <a:picLocks noChangeAspect="1"/>
-          </p:cNvPicPr>
-          <p:nvPr/>
-        </p:nvPicPr>
-        <p:blipFill>
-          <a:blip r:embed="rId6"/>
-          <a:stretch>
-            <a:fillRect/>
-          </a:stretch>
-        </p:blipFill>
-        <p:spPr>
-          <a:xfrm>
-            <a:off x="2638012" y="2004532"/>
-            <a:ext cx="6505988" cy="839933"/>
-          </a:xfrm>
-          <a:prstGeom prst="rect">
-            <a:avLst/>
-          </a:prstGeom>
-        </p:spPr>
-      </p:pic>
-      <p:pic>
-        <p:nvPicPr>
-          <p:cNvPr id="16" name="圖片 15"/>
-          <p:cNvPicPr>
-            <a:picLocks noChangeAspect="1"/>
-          </p:cNvPicPr>
-          <p:nvPr/>
-        </p:nvPicPr>
-        <p:blipFill>
-          <a:blip r:embed="rId7"/>
-          <a:stretch>
-            <a:fillRect/>
-          </a:stretch>
-        </p:blipFill>
-        <p:spPr>
-          <a:xfrm>
-            <a:off x="4992637" y="3237956"/>
-            <a:ext cx="1465313" cy="1045033"/>
-          </a:xfrm>
-          <a:prstGeom prst="rect">
-            <a:avLst/>
-          </a:prstGeom>
-        </p:spPr>
-      </p:pic>
-      <p:pic>
-        <p:nvPicPr>
-          <p:cNvPr id="19" name="圖片 18"/>
           <p:cNvPicPr>
             <a:picLocks noChangeAspect="1"/>
           </p:cNvPicPr>
@@ -10706,8 +10722,8 @@
         </p:blipFill>
         <p:spPr>
           <a:xfrm>
-            <a:off x="629841" y="4676482"/>
-            <a:ext cx="2012363" cy="849700"/>
+            <a:off x="2629628" y="4676480"/>
+            <a:ext cx="1406700" cy="839933"/>
           </a:xfrm>
           <a:prstGeom prst="rect">
             <a:avLst/>
@@ -10716,7 +10732,7 @@
       </p:pic>
       <p:pic>
         <p:nvPicPr>
-          <p:cNvPr id="23" name="圖片 22"/>
+          <p:cNvPr id="16" name="圖片 15"/>
           <p:cNvPicPr>
             <a:picLocks noChangeAspect="1"/>
           </p:cNvPicPr>
@@ -10730,8 +10746,8 @@
         </p:blipFill>
         <p:spPr>
           <a:xfrm>
-            <a:off x="2638012" y="4676481"/>
-            <a:ext cx="6505988" cy="849700"/>
+            <a:off x="4984253" y="4573929"/>
+            <a:ext cx="1465313" cy="1045033"/>
           </a:xfrm>
           <a:prstGeom prst="rect">
             <a:avLst/>
@@ -10748,25 +10764,18 @@
   <p:clrMapOvr>
     <a:masterClrMapping/>
   </p:clrMapOvr>
-  <mc:AlternateContent xmlns:mc="http://schemas.openxmlformats.org/markup-compatibility/2006">
-    <mc:Choice xmlns:p14="http://schemas.microsoft.com/office/powerpoint/2010/main" Requires="p14">
+  <mc:AlternateContent xmlns:mc="http://schemas.openxmlformats.org/markup-compatibility/2006" xmlns:p14="http://schemas.microsoft.com/office/powerpoint/2010/main">
+    <mc:Choice Requires="p14">
       <p:transition spd="med" p14:dur="700">
         <p:fade/>
       </p:transition>
     </mc:Choice>
-    <mc:Fallback>
+    <mc:Fallback xmlns="">
       <p:transition spd="med">
         <p:fade/>
       </p:transition>
     </mc:Fallback>
   </mc:AlternateContent>
-  <p:timing>
-    <p:tnLst>
-      <p:par>
-        <p:cTn id="1" dur="indefinite" restart="never" nodeType="tmRoot"/>
-      </p:par>
-    </p:tnLst>
-  </p:timing>
 </p:sld>
 </file>
 
@@ -10787,93 +10796,6 @@
           <a:chExt cx="0" cy="0"/>
         </a:xfrm>
       </p:grpSpPr>
-      <p:sp>
-        <p:nvSpPr>
-          <p:cNvPr id="2" name="文字版面配置區 1">
-            <a:extLst>
-              <a:ext uri="{FF2B5EF4-FFF2-40B4-BE49-F238E27FC236}">
-                <a16:creationId xmlns:a16="http://schemas.microsoft.com/office/drawing/2014/main" id="{C4F8448B-B95C-467B-B0F5-F82A6D6C61C6}"/>
-              </a:ext>
-            </a:extLst>
-          </p:cNvPr>
-          <p:cNvSpPr>
-            <a:spLocks noGrp="1"/>
-          </p:cNvSpPr>
-          <p:nvPr>
-            <p:ph type="body" sz="quarter" idx="10"/>
-          </p:nvPr>
-        </p:nvSpPr>
-        <p:spPr>
-          <a:xfrm>
-            <a:off x="629840" y="660401"/>
-            <a:ext cx="5828109" cy="549381"/>
-          </a:xfrm>
-        </p:spPr>
-        <p:txBody>
-          <a:bodyPr/>
-          <a:lstStyle/>
-          <a:p>
-            <a:r>
-              <a:rPr lang="en-US" altLang="zh-TW" dirty="0"/>
-              <a:t>Case Study </a:t>
-            </a:r>
-            <a:r>
-              <a:rPr lang="en-US" altLang="zh-TW" dirty="0" smtClean="0"/>
-              <a:t>of </a:t>
-            </a:r>
-            <a:r>
-              <a:rPr lang="en-US" altLang="zh-TW" dirty="0" smtClean="0">
-                <a:solidFill>
-                  <a:schemeClr val="accent1"/>
-                </a:solidFill>
-              </a:rPr>
-              <a:t>Single </a:t>
-            </a:r>
-            <a:r>
-              <a:rPr lang="en-US" altLang="zh-TW" dirty="0">
-                <a:solidFill>
-                  <a:schemeClr val="accent1"/>
-                </a:solidFill>
-              </a:rPr>
-              <a:t>Girder </a:t>
-            </a:r>
-            <a:endParaRPr lang="zh-TW" altLang="en-US" dirty="0">
-              <a:solidFill>
-                <a:schemeClr val="accent1"/>
-              </a:solidFill>
-            </a:endParaRPr>
-          </a:p>
-        </p:txBody>
-      </p:sp>
-      <p:sp>
-        <p:nvSpPr>
-          <p:cNvPr id="3" name="投影片編號版面配置區 2">
-            <a:extLst>
-              <a:ext uri="{FF2B5EF4-FFF2-40B4-BE49-F238E27FC236}">
-                <a16:creationId xmlns:a16="http://schemas.microsoft.com/office/drawing/2014/main" id="{0F0CFFA2-9918-4F5A-B924-679D9A01BCCC}"/>
-              </a:ext>
-            </a:extLst>
-          </p:cNvPr>
-          <p:cNvSpPr>
-            <a:spLocks noGrp="1"/>
-          </p:cNvSpPr>
-          <p:nvPr>
-            <p:ph type="sldNum" sz="quarter" idx="13"/>
-          </p:nvPr>
-        </p:nvSpPr>
-        <p:spPr/>
-        <p:txBody>
-          <a:bodyPr/>
-          <a:lstStyle/>
-          <a:p>
-            <a:fld id="{2DDD7CF1-F89F-4FD9-B1E5-7228A8EA728A}" type="slidenum">
-              <a:rPr lang="zh-TW" altLang="en-US" smtClean="0"/>
-              <a:t>13</a:t>
-            </a:fld>
-            <a:endParaRPr lang="zh-TW" altLang="en-US"/>
-          </a:p>
-        </p:txBody>
-      </p:sp>
       <p:pic>
         <p:nvPicPr>
           <p:cNvPr id="6" name="圖片 5"/>
@@ -10890,7 +10812,7 @@
         </p:blipFill>
         <p:spPr>
           <a:xfrm>
-            <a:off x="620462" y="2004531"/>
+            <a:off x="620462" y="3333716"/>
             <a:ext cx="2012363" cy="849700"/>
           </a:xfrm>
           <a:prstGeom prst="rect">
@@ -10914,7 +10836,7 @@
         </p:blipFill>
         <p:spPr>
           <a:xfrm>
-            <a:off x="2632825" y="2004531"/>
+            <a:off x="2632825" y="3333716"/>
             <a:ext cx="6505988" cy="849700"/>
           </a:xfrm>
           <a:prstGeom prst="rect">
@@ -10924,7 +10846,13 @@
       </p:pic>
       <p:pic>
         <p:nvPicPr>
-          <p:cNvPr id="12" name="圖片 11"/>
+          <p:cNvPr id="13" name="圖片 12">
+            <a:extLst>
+              <a:ext uri="{FF2B5EF4-FFF2-40B4-BE49-F238E27FC236}">
+                <a16:creationId xmlns:a16="http://schemas.microsoft.com/office/drawing/2014/main" id="{29C29AB2-CD1D-4C25-9CB4-4E133DF92F75}"/>
+              </a:ext>
+            </a:extLst>
+          </p:cNvPr>
           <p:cNvPicPr>
             <a:picLocks noChangeAspect="1"/>
           </p:cNvPicPr>
@@ -10938,14 +10866,89 @@
         </p:blipFill>
         <p:spPr>
           <a:xfrm>
-            <a:off x="629841" y="3333716"/>
-            <a:ext cx="2012363" cy="849700"/>
+            <a:off x="2646396" y="2000272"/>
+            <a:ext cx="6505988" cy="849700"/>
           </a:xfrm>
           <a:prstGeom prst="rect">
             <a:avLst/>
           </a:prstGeom>
         </p:spPr>
       </p:pic>
+      <p:sp>
+        <p:nvSpPr>
+          <p:cNvPr id="2" name="文字版面配置區 1">
+            <a:extLst>
+              <a:ext uri="{FF2B5EF4-FFF2-40B4-BE49-F238E27FC236}">
+                <a16:creationId xmlns:a16="http://schemas.microsoft.com/office/drawing/2014/main" id="{C4F8448B-B95C-467B-B0F5-F82A6D6C61C6}"/>
+              </a:ext>
+            </a:extLst>
+          </p:cNvPr>
+          <p:cNvSpPr>
+            <a:spLocks noGrp="1"/>
+          </p:cNvSpPr>
+          <p:nvPr>
+            <p:ph type="body" sz="quarter" idx="10"/>
+          </p:nvPr>
+        </p:nvSpPr>
+        <p:spPr>
+          <a:xfrm>
+            <a:off x="629840" y="660401"/>
+            <a:ext cx="5828109" cy="549381"/>
+          </a:xfrm>
+        </p:spPr>
+        <p:txBody>
+          <a:bodyPr/>
+          <a:lstStyle/>
+          <a:p>
+            <a:r>
+              <a:rPr lang="en-US" altLang="zh-TW" dirty="0"/>
+              <a:t>Case Study of </a:t>
+            </a:r>
+            <a:r>
+              <a:rPr lang="en-US" altLang="zh-TW" dirty="0">
+                <a:solidFill>
+                  <a:schemeClr val="accent1"/>
+                </a:solidFill>
+              </a:rPr>
+              <a:t>Single Girder </a:t>
+            </a:r>
+            <a:endParaRPr lang="zh-TW" altLang="en-US" dirty="0">
+              <a:solidFill>
+                <a:schemeClr val="accent1"/>
+              </a:solidFill>
+            </a:endParaRPr>
+          </a:p>
+        </p:txBody>
+      </p:sp>
+      <p:sp>
+        <p:nvSpPr>
+          <p:cNvPr id="3" name="投影片編號版面配置區 2">
+            <a:extLst>
+              <a:ext uri="{FF2B5EF4-FFF2-40B4-BE49-F238E27FC236}">
+                <a16:creationId xmlns:a16="http://schemas.microsoft.com/office/drawing/2014/main" id="{0F0CFFA2-9918-4F5A-B924-679D9A01BCCC}"/>
+              </a:ext>
+            </a:extLst>
+          </p:cNvPr>
+          <p:cNvSpPr>
+            <a:spLocks noGrp="1"/>
+          </p:cNvSpPr>
+          <p:nvPr>
+            <p:ph type="sldNum" sz="quarter" idx="13"/>
+          </p:nvPr>
+        </p:nvSpPr>
+        <p:spPr/>
+        <p:txBody>
+          <a:bodyPr/>
+          <a:lstStyle/>
+          <a:p>
+            <a:fld id="{2DDD7CF1-F89F-4FD9-B1E5-7228A8EA728A}" type="slidenum">
+              <a:rPr lang="zh-TW" altLang="en-US" smtClean="0"/>
+              <a:t>13</a:t>
+            </a:fld>
+            <a:endParaRPr lang="zh-TW" altLang="en-US"/>
+          </a:p>
+        </p:txBody>
+      </p:sp>
       <p:pic>
         <p:nvPicPr>
           <p:cNvPr id="15" name="圖片 14"/>
@@ -10972,7 +10975,7 @@
       </p:pic>
       <p:pic>
         <p:nvPicPr>
-          <p:cNvPr id="18" name="圖片 17"/>
+          <p:cNvPr id="21" name="圖片 20"/>
           <p:cNvPicPr>
             <a:picLocks noChangeAspect="1"/>
           </p:cNvPicPr>
@@ -10986,8 +10989,8 @@
         </p:blipFill>
         <p:spPr>
           <a:xfrm>
-            <a:off x="2632825" y="3337975"/>
-            <a:ext cx="6505988" cy="849700"/>
+            <a:off x="2632825" y="4667160"/>
+            <a:ext cx="6505988" cy="839933"/>
           </a:xfrm>
           <a:prstGeom prst="rect">
             <a:avLst/>
@@ -10996,7 +10999,13 @@
       </p:pic>
       <p:pic>
         <p:nvPicPr>
-          <p:cNvPr id="21" name="圖片 20"/>
+          <p:cNvPr id="14" name="圖片 13">
+            <a:extLst>
+              <a:ext uri="{FF2B5EF4-FFF2-40B4-BE49-F238E27FC236}">
+                <a16:creationId xmlns:a16="http://schemas.microsoft.com/office/drawing/2014/main" id="{88E542F0-B688-4354-93EB-EB29582F192C}"/>
+              </a:ext>
+            </a:extLst>
+          </p:cNvPr>
           <p:cNvPicPr>
             <a:picLocks noChangeAspect="1"/>
           </p:cNvPicPr>
@@ -11010,8 +11019,8 @@
         </p:blipFill>
         <p:spPr>
           <a:xfrm>
-            <a:off x="2632825" y="4667160"/>
-            <a:ext cx="6505988" cy="839933"/>
+            <a:off x="634033" y="2000272"/>
+            <a:ext cx="2012363" cy="849700"/>
           </a:xfrm>
           <a:prstGeom prst="rect">
             <a:avLst/>
@@ -11028,25 +11037,18 @@
   <p:clrMapOvr>
     <a:masterClrMapping/>
   </p:clrMapOvr>
-  <mc:AlternateContent xmlns:mc="http://schemas.openxmlformats.org/markup-compatibility/2006">
-    <mc:Choice xmlns:p14="http://schemas.microsoft.com/office/powerpoint/2010/main" Requires="p14">
+  <mc:AlternateContent xmlns:mc="http://schemas.openxmlformats.org/markup-compatibility/2006" xmlns:p14="http://schemas.microsoft.com/office/powerpoint/2010/main">
+    <mc:Choice Requires="p14">
       <p:transition spd="med" p14:dur="700">
         <p:fade/>
       </p:transition>
     </mc:Choice>
-    <mc:Fallback>
+    <mc:Fallback xmlns="">
       <p:transition spd="med">
         <p:fade/>
       </p:transition>
     </mc:Fallback>
   </mc:AlternateContent>
-  <p:timing>
-    <p:tnLst>
-      <p:par>
-        <p:cTn id="1" dur="indefinite" restart="never" nodeType="tmRoot"/>
-      </p:par>
-    </p:tnLst>
-  </p:timing>
 </p:sld>
 </file>
 
@@ -11176,25 +11178,18 @@
   <p:clrMapOvr>
     <a:masterClrMapping/>
   </p:clrMapOvr>
-  <mc:AlternateContent xmlns:mc="http://schemas.openxmlformats.org/markup-compatibility/2006">
-    <mc:Choice xmlns:p14="http://schemas.microsoft.com/office/powerpoint/2010/main" Requires="p14">
+  <mc:AlternateContent xmlns:mc="http://schemas.openxmlformats.org/markup-compatibility/2006" xmlns:p14="http://schemas.microsoft.com/office/powerpoint/2010/main">
+    <mc:Choice Requires="p14">
       <p:transition spd="med" p14:dur="700">
         <p:fade/>
       </p:transition>
     </mc:Choice>
-    <mc:Fallback>
+    <mc:Fallback xmlns="">
       <p:transition spd="med">
         <p:fade/>
       </p:transition>
     </mc:Fallback>
   </mc:AlternateContent>
-  <p:timing>
-    <p:tnLst>
-      <p:par>
-        <p:cTn id="1" dur="indefinite" restart="never" nodeType="tmRoot"/>
-      </p:par>
-    </p:tnLst>
-  </p:timing>
 </p:sld>
 </file>
 
@@ -11324,25 +11319,18 @@
   <p:clrMapOvr>
     <a:masterClrMapping/>
   </p:clrMapOvr>
-  <mc:AlternateContent xmlns:mc="http://schemas.openxmlformats.org/markup-compatibility/2006">
-    <mc:Choice xmlns:p14="http://schemas.microsoft.com/office/powerpoint/2010/main" Requires="p14">
+  <mc:AlternateContent xmlns:mc="http://schemas.openxmlformats.org/markup-compatibility/2006" xmlns:p14="http://schemas.microsoft.com/office/powerpoint/2010/main">
+    <mc:Choice Requires="p14">
       <p:transition spd="med" p14:dur="700">
         <p:fade/>
       </p:transition>
     </mc:Choice>
-    <mc:Fallback>
+    <mc:Fallback xmlns="">
       <p:transition spd="med">
         <p:fade/>
       </p:transition>
     </mc:Fallback>
   </mc:AlternateContent>
-  <p:timing>
-    <p:tnLst>
-      <p:par>
-        <p:cTn id="1" dur="indefinite" restart="never" nodeType="tmRoot"/>
-      </p:par>
-    </p:tnLst>
-  </p:timing>
 </p:sld>
 </file>
 
@@ -11447,7 +11435,7 @@
           <p:nvPr/>
         </p:nvPicPr>
         <p:blipFill>
-          <a:blip r:embed="rId2"/>
+          <a:blip r:embed="rId3"/>
           <a:stretch>
             <a:fillRect/>
           </a:stretch>
@@ -11472,25 +11460,18 @@
   <p:clrMapOvr>
     <a:masterClrMapping/>
   </p:clrMapOvr>
-  <mc:AlternateContent xmlns:mc="http://schemas.openxmlformats.org/markup-compatibility/2006">
-    <mc:Choice xmlns:p14="http://schemas.microsoft.com/office/powerpoint/2010/main" Requires="p14">
+  <mc:AlternateContent xmlns:mc="http://schemas.openxmlformats.org/markup-compatibility/2006" xmlns:p14="http://schemas.microsoft.com/office/powerpoint/2010/main">
+    <mc:Choice Requires="p14">
       <p:transition spd="med" p14:dur="700">
         <p:fade/>
       </p:transition>
     </mc:Choice>
-    <mc:Fallback>
+    <mc:Fallback xmlns="">
       <p:transition spd="med">
         <p:fade/>
       </p:transition>
     </mc:Fallback>
   </mc:AlternateContent>
-  <p:timing>
-    <p:tnLst>
-      <p:par>
-        <p:cTn id="1" dur="indefinite" restart="never" nodeType="tmRoot"/>
-      </p:par>
-    </p:tnLst>
-  </p:timing>
 </p:sld>
 </file>
 
@@ -12199,18 +12180,11 @@
           <a:lstStyle/>
           <a:p>
             <a:r>
-              <a:rPr lang="fr-FR" sz="1500" dirty="0" smtClean="0">
-                <a:latin typeface="Segoe UI Light" panose="020B0502040204020203" pitchFamily="34" charset="0"/>
-                <a:cs typeface="Segoe UI Light" panose="020B0502040204020203" pitchFamily="34" charset="0"/>
-              </a:rPr>
-              <a:t>Gravity </a:t>
-            </a:r>
-            <a:r>
               <a:rPr lang="fr-FR" sz="1500" dirty="0">
                 <a:latin typeface="Segoe UI Light" panose="020B0502040204020203" pitchFamily="34" charset="0"/>
                 <a:cs typeface="Segoe UI Light" panose="020B0502040204020203" pitchFamily="34" charset="0"/>
               </a:rPr>
-              <a:t>Demand</a:t>
+              <a:t>Gravity Demand</a:t>
             </a:r>
           </a:p>
         </p:txBody>
@@ -12274,21 +12248,7 @@
                 <a:latin typeface="Segoe UI Light" panose="020B0502040204020203" pitchFamily="34" charset="0"/>
                 <a:cs typeface="Segoe UI Light" panose="020B0502040204020203" pitchFamily="34" charset="0"/>
               </a:rPr>
-              <a:t>Reduce to Three Points </a:t>
-            </a:r>
-            <a:r>
-              <a:rPr lang="en-US" sz="1500" dirty="0" smtClean="0">
-                <a:latin typeface="Segoe UI Light" panose="020B0502040204020203" pitchFamily="34" charset="0"/>
-                <a:cs typeface="Segoe UI Light" panose="020B0502040204020203" pitchFamily="34" charset="0"/>
-              </a:rPr>
-              <a:t>Four </a:t>
-            </a:r>
-            <a:r>
-              <a:rPr lang="en-US" sz="1500" dirty="0">
-                <a:latin typeface="Segoe UI Light" panose="020B0502040204020203" pitchFamily="34" charset="0"/>
-                <a:cs typeface="Segoe UI Light" panose="020B0502040204020203" pitchFamily="34" charset="0"/>
-              </a:rPr>
-              <a:t>Points</a:t>
+              <a:t>Reduce to Three Points Four Points</a:t>
             </a:r>
           </a:p>
         </p:txBody>
@@ -12529,25 +12489,18 @@
   <p:clrMapOvr>
     <a:masterClrMapping/>
   </p:clrMapOvr>
-  <mc:AlternateContent xmlns:mc="http://schemas.openxmlformats.org/markup-compatibility/2006">
-    <mc:Choice xmlns:p14="http://schemas.microsoft.com/office/powerpoint/2010/main" Requires="p14">
+  <mc:AlternateContent xmlns:mc="http://schemas.openxmlformats.org/markup-compatibility/2006" xmlns:p14="http://schemas.microsoft.com/office/powerpoint/2010/main">
+    <mc:Choice Requires="p14">
       <p:transition spd="med" p14:dur="700">
         <p:fade/>
       </p:transition>
     </mc:Choice>
-    <mc:Fallback>
+    <mc:Fallback xmlns="">
       <p:transition spd="med">
         <p:fade/>
       </p:transition>
     </mc:Fallback>
   </mc:AlternateContent>
-  <p:timing>
-    <p:tnLst>
-      <p:par>
-        <p:cTn id="1" dur="indefinite" restart="never" nodeType="tmRoot"/>
-      </p:par>
-    </p:tnLst>
-  </p:timing>
 </p:sld>
 </file>
 
@@ -12696,25 +12649,18 @@
   <p:clrMapOvr>
     <a:masterClrMapping/>
   </p:clrMapOvr>
-  <mc:AlternateContent xmlns:mc="http://schemas.openxmlformats.org/markup-compatibility/2006">
-    <mc:Choice xmlns:p14="http://schemas.microsoft.com/office/powerpoint/2010/main" Requires="p14">
+  <mc:AlternateContent xmlns:mc="http://schemas.openxmlformats.org/markup-compatibility/2006" xmlns:p14="http://schemas.microsoft.com/office/powerpoint/2010/main">
+    <mc:Choice Requires="p14">
       <p:transition spd="med" p14:dur="700">
         <p:fade/>
       </p:transition>
     </mc:Choice>
-    <mc:Fallback>
+    <mc:Fallback xmlns="">
       <p:transition spd="med">
         <p:fade/>
       </p:transition>
     </mc:Fallback>
   </mc:AlternateContent>
-  <p:timing>
-    <p:tnLst>
-      <p:par>
-        <p:cTn id="1" dur="indefinite" restart="never" nodeType="tmRoot"/>
-      </p:par>
-    </p:tnLst>
-  </p:timing>
 </p:sld>
 </file>
 
@@ -13367,25 +13313,18 @@
   <p:clrMapOvr>
     <a:masterClrMapping/>
   </p:clrMapOvr>
-  <mc:AlternateContent xmlns:mc="http://schemas.openxmlformats.org/markup-compatibility/2006">
-    <mc:Choice xmlns:p14="http://schemas.microsoft.com/office/powerpoint/2010/main" Requires="p14">
+  <mc:AlternateContent xmlns:mc="http://schemas.openxmlformats.org/markup-compatibility/2006" xmlns:p14="http://schemas.microsoft.com/office/powerpoint/2010/main">
+    <mc:Choice Requires="p14">
       <p:transition spd="med" p14:dur="700">
         <p:fade/>
       </p:transition>
     </mc:Choice>
-    <mc:Fallback>
+    <mc:Fallback xmlns="">
       <p:transition spd="med">
         <p:fade/>
       </p:transition>
     </mc:Fallback>
   </mc:AlternateContent>
-  <p:timing>
-    <p:tnLst>
-      <p:par>
-        <p:cTn id="1" dur="indefinite" restart="never" nodeType="tmRoot"/>
-      </p:par>
-    </p:tnLst>
-  </p:timing>
 </p:sld>
 </file>
 
@@ -14051,25 +13990,18 @@
   <p:clrMapOvr>
     <a:masterClrMapping/>
   </p:clrMapOvr>
-  <mc:AlternateContent xmlns:mc="http://schemas.openxmlformats.org/markup-compatibility/2006">
-    <mc:Choice xmlns:p14="http://schemas.microsoft.com/office/powerpoint/2010/main" Requires="p14">
+  <mc:AlternateContent xmlns:mc="http://schemas.openxmlformats.org/markup-compatibility/2006" xmlns:p14="http://schemas.microsoft.com/office/powerpoint/2010/main">
+    <mc:Choice Requires="p14">
       <p:transition spd="med" p14:dur="700">
         <p:fade/>
       </p:transition>
     </mc:Choice>
-    <mc:Fallback>
+    <mc:Fallback xmlns="">
       <p:transition spd="med">
         <p:fade/>
       </p:transition>
     </mc:Fallback>
   </mc:AlternateContent>
-  <p:timing>
-    <p:tnLst>
-      <p:par>
-        <p:cTn id="1" dur="indefinite" restart="never" nodeType="tmRoot"/>
-      </p:par>
-    </p:tnLst>
-  </p:timing>
 </p:sld>
 </file>
 
@@ -14157,25 +14089,18 @@
   <p:clrMapOvr>
     <a:masterClrMapping/>
   </p:clrMapOvr>
-  <mc:AlternateContent xmlns:mc="http://schemas.openxmlformats.org/markup-compatibility/2006">
-    <mc:Choice xmlns:p14="http://schemas.microsoft.com/office/powerpoint/2010/main" Requires="p14">
+  <mc:AlternateContent xmlns:mc="http://schemas.openxmlformats.org/markup-compatibility/2006" xmlns:p14="http://schemas.microsoft.com/office/powerpoint/2010/main">
+    <mc:Choice Requires="p14">
       <p:transition spd="med" p14:dur="700">
         <p:fade/>
       </p:transition>
     </mc:Choice>
-    <mc:Fallback>
+    <mc:Fallback xmlns="">
       <p:transition spd="med">
         <p:fade/>
       </p:transition>
     </mc:Fallback>
   </mc:AlternateContent>
-  <p:timing>
-    <p:tnLst>
-      <p:par>
-        <p:cTn id="1" dur="indefinite" restart="never" nodeType="tmRoot"/>
-      </p:par>
-    </p:tnLst>
-  </p:timing>
 </p:sld>
 </file>
 
@@ -14325,25 +14250,18 @@
   <p:clrMapOvr>
     <a:masterClrMapping/>
   </p:clrMapOvr>
-  <mc:AlternateContent xmlns:mc="http://schemas.openxmlformats.org/markup-compatibility/2006">
-    <mc:Choice xmlns:p14="http://schemas.microsoft.com/office/powerpoint/2010/main" Requires="p14">
+  <mc:AlternateContent xmlns:mc="http://schemas.openxmlformats.org/markup-compatibility/2006" xmlns:p14="http://schemas.microsoft.com/office/powerpoint/2010/main">
+    <mc:Choice Requires="p14">
       <p:transition spd="med" p14:dur="700">
         <p:fade/>
       </p:transition>
     </mc:Choice>
-    <mc:Fallback>
+    <mc:Fallback xmlns="">
       <p:transition spd="med">
         <p:fade/>
       </p:transition>
     </mc:Fallback>
   </mc:AlternateContent>
-  <p:timing>
-    <p:tnLst>
-      <p:par>
-        <p:cTn id="1" dur="indefinite" restart="never" nodeType="tmRoot"/>
-      </p:par>
-    </p:tnLst>
-  </p:timing>
 </p:sld>
 </file>
 
@@ -14387,12 +14305,12 @@
           <a:lstStyle/>
           <a:p>
             <a:r>
-              <a:rPr lang="en-US" altLang="zh-TW" sz="2100" dirty="0" smtClean="0">
+              <a:rPr lang="en-US" altLang="zh-TW" sz="2100" dirty="0">
                 <a:solidFill>
                   <a:schemeClr val="accent1"/>
                 </a:solidFill>
               </a:rPr>
-              <a:t>Next</a:t>
+              <a:t>Now</a:t>
             </a:r>
             <a:endParaRPr lang="fr-FR" sz="2100" dirty="0">
               <a:solidFill>
@@ -15118,18 +15036,9 @@
           </a:lstStyle>
           <a:p>
             <a:r>
-              <a:rPr lang="fr-FR" sz="2100" dirty="0" smtClean="0"/>
-              <a:t>0</a:t>
-            </a:r>
-            <a:r>
-              <a:rPr lang="en-US" sz="2100" dirty="0"/>
-              <a:t>9</a:t>
-            </a:r>
-            <a:r>
-              <a:rPr lang="fr-FR" sz="2100" dirty="0" smtClean="0"/>
-              <a:t>/2018</a:t>
-            </a:r>
-            <a:endParaRPr lang="fr-FR" sz="2100" dirty="0"/>
+              <a:rPr lang="fr-FR" sz="2100" dirty="0"/>
+              <a:t>Next</a:t>
+            </a:r>
           </a:p>
         </p:txBody>
       </p:sp>
@@ -15198,26 +15107,13 @@
           <a:lstStyle/>
           <a:p>
             <a:r>
-              <a:rPr lang="fr-FR" sz="2100" dirty="0" smtClean="0">
+              <a:rPr lang="fr-FR" sz="2100" dirty="0">
                 <a:solidFill>
                   <a:schemeClr val="accent1"/>
                 </a:solidFill>
               </a:rPr>
-              <a:t>10</a:t>
-            </a:r>
-            <a:r>
-              <a:rPr lang="fr-FR" sz="2100" dirty="0" smtClean="0">
-                <a:solidFill>
-                  <a:schemeClr val="accent1"/>
-                </a:solidFill>
-              </a:rPr>
-              <a:t>/2018</a:t>
-            </a:r>
-            <a:endParaRPr lang="fr-FR" sz="2100" dirty="0">
-              <a:solidFill>
-                <a:schemeClr val="accent1"/>
-              </a:solidFill>
-            </a:endParaRPr>
+              <a:t>11/2018</a:t>
+            </a:r>
           </a:p>
         </p:txBody>
       </p:sp>
@@ -15366,14 +15262,9 @@
           </a:lstStyle>
           <a:p>
             <a:r>
-              <a:rPr lang="fr-FR" sz="2100" dirty="0" smtClean="0"/>
-              <a:t>12</a:t>
-            </a:r>
-            <a:r>
-              <a:rPr lang="fr-FR" sz="2100" dirty="0" smtClean="0"/>
-              <a:t>/2018</a:t>
-            </a:r>
-            <a:endParaRPr lang="fr-FR" sz="2100" dirty="0"/>
+              <a:rPr lang="fr-FR" sz="2100" dirty="0"/>
+              <a:t>12/2018</a:t>
+            </a:r>
           </a:p>
         </p:txBody>
       </p:sp>
@@ -15495,25 +15386,18 @@
   <p:clrMapOvr>
     <a:masterClrMapping/>
   </p:clrMapOvr>
-  <mc:AlternateContent xmlns:mc="http://schemas.openxmlformats.org/markup-compatibility/2006">
-    <mc:Choice xmlns:p14="http://schemas.microsoft.com/office/powerpoint/2010/main" Requires="p14">
+  <mc:AlternateContent xmlns:mc="http://schemas.openxmlformats.org/markup-compatibility/2006" xmlns:p14="http://schemas.microsoft.com/office/powerpoint/2010/main">
+    <mc:Choice Requires="p14">
       <p:transition spd="med" p14:dur="700">
         <p:fade/>
       </p:transition>
     </mc:Choice>
-    <mc:Fallback>
+    <mc:Fallback xmlns="">
       <p:transition spd="med">
         <p:fade/>
       </p:transition>
     </mc:Fallback>
   </mc:AlternateContent>
-  <p:timing>
-    <p:tnLst>
-      <p:par>
-        <p:cTn id="1" dur="indefinite" restart="never" nodeType="tmRoot"/>
-      </p:par>
-    </p:tnLst>
-  </p:timing>
 </p:sld>
 </file>
 
@@ -16372,25 +16256,18 @@
   <p:clrMapOvr>
     <a:masterClrMapping/>
   </p:clrMapOvr>
-  <mc:AlternateContent xmlns:mc="http://schemas.openxmlformats.org/markup-compatibility/2006">
-    <mc:Choice xmlns:p14="http://schemas.microsoft.com/office/powerpoint/2010/main" Requires="p14">
+  <mc:AlternateContent xmlns:mc="http://schemas.openxmlformats.org/markup-compatibility/2006" xmlns:p14="http://schemas.microsoft.com/office/powerpoint/2010/main">
+    <mc:Choice Requires="p14">
       <p:transition spd="med" p14:dur="700">
         <p:fade/>
       </p:transition>
     </mc:Choice>
-    <mc:Fallback>
+    <mc:Fallback xmlns="">
       <p:transition spd="med">
         <p:fade/>
       </p:transition>
     </mc:Fallback>
   </mc:AlternateContent>
-  <p:timing>
-    <p:tnLst>
-      <p:par>
-        <p:cTn id="1" dur="indefinite" restart="never" nodeType="tmRoot"/>
-      </p:par>
-    </p:tnLst>
-  </p:timing>
 </p:sld>
 </file>
 
@@ -17099,18 +16976,11 @@
           <a:lstStyle/>
           <a:p>
             <a:r>
-              <a:rPr lang="fr-FR" sz="1500" dirty="0" smtClean="0">
-                <a:latin typeface="Segoe UI Light" panose="020B0502040204020203" pitchFamily="34" charset="0"/>
-                <a:cs typeface="Segoe UI Light" panose="020B0502040204020203" pitchFamily="34" charset="0"/>
-              </a:rPr>
-              <a:t>Gravity </a:t>
-            </a:r>
-            <a:r>
               <a:rPr lang="fr-FR" sz="1500" dirty="0">
                 <a:latin typeface="Segoe UI Light" panose="020B0502040204020203" pitchFamily="34" charset="0"/>
                 <a:cs typeface="Segoe UI Light" panose="020B0502040204020203" pitchFamily="34" charset="0"/>
               </a:rPr>
-              <a:t>Demand</a:t>
+              <a:t>Gravity Demand</a:t>
             </a:r>
           </a:p>
         </p:txBody>
@@ -17174,21 +17044,7 @@
                 <a:latin typeface="Segoe UI Light" panose="020B0502040204020203" pitchFamily="34" charset="0"/>
                 <a:cs typeface="Segoe UI Light" panose="020B0502040204020203" pitchFamily="34" charset="0"/>
               </a:rPr>
-              <a:t>Reduce to Three Points </a:t>
-            </a:r>
-            <a:r>
-              <a:rPr lang="en-US" sz="1500" dirty="0" smtClean="0">
-                <a:latin typeface="Segoe UI Light" panose="020B0502040204020203" pitchFamily="34" charset="0"/>
-                <a:cs typeface="Segoe UI Light" panose="020B0502040204020203" pitchFamily="34" charset="0"/>
-              </a:rPr>
-              <a:t>Four </a:t>
-            </a:r>
-            <a:r>
-              <a:rPr lang="en-US" sz="1500" dirty="0">
-                <a:latin typeface="Segoe UI Light" panose="020B0502040204020203" pitchFamily="34" charset="0"/>
-                <a:cs typeface="Segoe UI Light" panose="020B0502040204020203" pitchFamily="34" charset="0"/>
-              </a:rPr>
-              <a:t>Points</a:t>
+              <a:t>Reduce to Three Points Four Points</a:t>
             </a:r>
           </a:p>
         </p:txBody>
@@ -17429,25 +17285,18 @@
   <p:clrMapOvr>
     <a:masterClrMapping/>
   </p:clrMapOvr>
-  <mc:AlternateContent xmlns:mc="http://schemas.openxmlformats.org/markup-compatibility/2006">
-    <mc:Choice xmlns:p14="http://schemas.microsoft.com/office/powerpoint/2010/main" Requires="p14">
+  <mc:AlternateContent xmlns:mc="http://schemas.openxmlformats.org/markup-compatibility/2006" xmlns:p14="http://schemas.microsoft.com/office/powerpoint/2010/main">
+    <mc:Choice Requires="p14">
       <p:transition spd="med" p14:dur="700">
         <p:fade/>
       </p:transition>
     </mc:Choice>
-    <mc:Fallback>
+    <mc:Fallback xmlns="">
       <p:transition spd="med">
         <p:fade/>
       </p:transition>
     </mc:Fallback>
   </mc:AlternateContent>
-  <p:timing>
-    <p:tnLst>
-      <p:par>
-        <p:cTn id="1" dur="indefinite" restart="never" nodeType="tmRoot"/>
-      </p:par>
-    </p:tnLst>
-  </p:timing>
 </p:sld>
 </file>
 
@@ -17798,14 +17647,14 @@
         <p:spPr>
           <a:xfrm>
             <a:off x="4673762" y="1925782"/>
-            <a:ext cx="2369426" cy="4932218"/>
+            <a:ext cx="2369426" cy="4795694"/>
           </a:xfrm>
           <a:prstGeom prst="rect">
             <a:avLst/>
           </a:prstGeom>
           <a:solidFill>
             <a:srgbClr val="1ABC9C">
-              <a:alpha val="41176"/>
+              <a:alpha val="10196"/>
             </a:srgbClr>
           </a:solidFill>
           <a:ln w="28575">
@@ -17849,25 +17698,18 @@
   <p:clrMapOvr>
     <a:masterClrMapping/>
   </p:clrMapOvr>
-  <mc:AlternateContent xmlns:mc="http://schemas.openxmlformats.org/markup-compatibility/2006">
-    <mc:Choice xmlns:p14="http://schemas.microsoft.com/office/powerpoint/2010/main" Requires="p14">
+  <mc:AlternateContent xmlns:mc="http://schemas.openxmlformats.org/markup-compatibility/2006" xmlns:p14="http://schemas.microsoft.com/office/powerpoint/2010/main">
+    <mc:Choice Requires="p14">
       <p:transition spd="med" p14:dur="700">
         <p:fade/>
       </p:transition>
     </mc:Choice>
-    <mc:Fallback>
+    <mc:Fallback xmlns="">
       <p:transition spd="med">
         <p:fade/>
       </p:transition>
     </mc:Fallback>
   </mc:AlternateContent>
-  <p:timing>
-    <p:tnLst>
-      <p:par>
-        <p:cTn id="1" dur="indefinite" restart="never" nodeType="tmRoot"/>
-      </p:par>
-    </p:tnLst>
-  </p:timing>
 </p:sld>
 </file>
 
@@ -18088,25 +17930,18 @@
   <p:clrMapOvr>
     <a:masterClrMapping/>
   </p:clrMapOvr>
-  <mc:AlternateContent xmlns:mc="http://schemas.openxmlformats.org/markup-compatibility/2006">
-    <mc:Choice xmlns:p14="http://schemas.microsoft.com/office/powerpoint/2010/main" Requires="p14">
+  <mc:AlternateContent xmlns:mc="http://schemas.openxmlformats.org/markup-compatibility/2006" xmlns:p14="http://schemas.microsoft.com/office/powerpoint/2010/main">
+    <mc:Choice Requires="p14">
       <p:transition spd="med" p14:dur="700">
         <p:fade/>
       </p:transition>
     </mc:Choice>
-    <mc:Fallback>
+    <mc:Fallback xmlns="">
       <p:transition spd="med">
         <p:fade/>
       </p:transition>
     </mc:Fallback>
   </mc:AlternateContent>
-  <p:timing>
-    <p:tnLst>
-      <p:par>
-        <p:cTn id="1" dur="indefinite" restart="never" nodeType="tmRoot"/>
-      </p:par>
-    </p:tnLst>
-  </p:timing>
 </p:sld>
 </file>
 
@@ -18286,25 +18121,18 @@
   <p:clrMapOvr>
     <a:masterClrMapping/>
   </p:clrMapOvr>
-  <mc:AlternateContent xmlns:mc="http://schemas.openxmlformats.org/markup-compatibility/2006">
-    <mc:Choice xmlns:p14="http://schemas.microsoft.com/office/powerpoint/2010/main" Requires="p14">
+  <mc:AlternateContent xmlns:mc="http://schemas.openxmlformats.org/markup-compatibility/2006" xmlns:p14="http://schemas.microsoft.com/office/powerpoint/2010/main">
+    <mc:Choice Requires="p14">
       <p:transition spd="med" p14:dur="700">
         <p:fade/>
       </p:transition>
     </mc:Choice>
-    <mc:Fallback>
+    <mc:Fallback xmlns="">
       <p:transition spd="med">
         <p:fade/>
       </p:transition>
     </mc:Fallback>
   </mc:AlternateContent>
-  <p:timing>
-    <p:tnLst>
-      <p:par>
-        <p:cTn id="1" dur="indefinite" restart="never" nodeType="tmRoot"/>
-      </p:par>
-    </p:tnLst>
-  </p:timing>
 </p:sld>
 </file>
 
@@ -18435,25 +18263,18 @@
   <p:clrMapOvr>
     <a:masterClrMapping/>
   </p:clrMapOvr>
-  <mc:AlternateContent xmlns:mc="http://schemas.openxmlformats.org/markup-compatibility/2006">
-    <mc:Choice xmlns:p14="http://schemas.microsoft.com/office/powerpoint/2010/main" Requires="p14">
+  <mc:AlternateContent xmlns:mc="http://schemas.openxmlformats.org/markup-compatibility/2006" xmlns:p14="http://schemas.microsoft.com/office/powerpoint/2010/main">
+    <mc:Choice Requires="p14">
       <p:transition spd="med" p14:dur="700">
         <p:fade/>
       </p:transition>
     </mc:Choice>
-    <mc:Fallback>
+    <mc:Fallback xmlns="">
       <p:transition spd="med">
         <p:fade/>
       </p:transition>
     </mc:Fallback>
   </mc:AlternateContent>
-  <p:timing>
-    <p:tnLst>
-      <p:par>
-        <p:cTn id="1" dur="indefinite" restart="never" nodeType="tmRoot"/>
-      </p:par>
-    </p:tnLst>
-  </p:timing>
 </p:sld>
 </file>
 
@@ -19162,18 +18983,11 @@
           <a:lstStyle/>
           <a:p>
             <a:r>
-              <a:rPr lang="fr-FR" sz="1500" dirty="0" smtClean="0">
-                <a:latin typeface="Segoe UI Light" panose="020B0502040204020203" pitchFamily="34" charset="0"/>
-                <a:cs typeface="Segoe UI Light" panose="020B0502040204020203" pitchFamily="34" charset="0"/>
-              </a:rPr>
-              <a:t>Gravity </a:t>
-            </a:r>
-            <a:r>
               <a:rPr lang="fr-FR" sz="1500" dirty="0">
                 <a:latin typeface="Segoe UI Light" panose="020B0502040204020203" pitchFamily="34" charset="0"/>
                 <a:cs typeface="Segoe UI Light" panose="020B0502040204020203" pitchFamily="34" charset="0"/>
               </a:rPr>
-              <a:t>Demand</a:t>
+              <a:t>Gravity Demand</a:t>
             </a:r>
           </a:p>
         </p:txBody>
@@ -19237,21 +19051,7 @@
                 <a:latin typeface="Segoe UI Light" panose="020B0502040204020203" pitchFamily="34" charset="0"/>
                 <a:cs typeface="Segoe UI Light" panose="020B0502040204020203" pitchFamily="34" charset="0"/>
               </a:rPr>
-              <a:t>Reduce to Three Points </a:t>
-            </a:r>
-            <a:r>
-              <a:rPr lang="en-US" sz="1500" dirty="0" smtClean="0">
-                <a:latin typeface="Segoe UI Light" panose="020B0502040204020203" pitchFamily="34" charset="0"/>
-                <a:cs typeface="Segoe UI Light" panose="020B0502040204020203" pitchFamily="34" charset="0"/>
-              </a:rPr>
-              <a:t>Four </a:t>
-            </a:r>
-            <a:r>
-              <a:rPr lang="en-US" sz="1500" dirty="0">
-                <a:latin typeface="Segoe UI Light" panose="020B0502040204020203" pitchFamily="34" charset="0"/>
-                <a:cs typeface="Segoe UI Light" panose="020B0502040204020203" pitchFamily="34" charset="0"/>
-              </a:rPr>
-              <a:t>Points</a:t>
+              <a:t>Reduce to Three Points Four Points</a:t>
             </a:r>
           </a:p>
         </p:txBody>
@@ -19492,25 +19292,18 @@
   <p:clrMapOvr>
     <a:masterClrMapping/>
   </p:clrMapOvr>
-  <mc:AlternateContent xmlns:mc="http://schemas.openxmlformats.org/markup-compatibility/2006">
-    <mc:Choice xmlns:p14="http://schemas.microsoft.com/office/powerpoint/2010/main" Requires="p14">
+  <mc:AlternateContent xmlns:mc="http://schemas.openxmlformats.org/markup-compatibility/2006" xmlns:p14="http://schemas.microsoft.com/office/powerpoint/2010/main">
+    <mc:Choice Requires="p14">
       <p:transition spd="med" p14:dur="700">
         <p:fade/>
       </p:transition>
     </mc:Choice>
-    <mc:Fallback>
+    <mc:Fallback xmlns="">
       <p:transition spd="med">
         <p:fade/>
       </p:transition>
     </mc:Fallback>
   </mc:AlternateContent>
-  <p:timing>
-    <p:tnLst>
-      <p:par>
-        <p:cTn id="1" dur="indefinite" restart="never" nodeType="tmRoot"/>
-      </p:par>
-    </p:tnLst>
-  </p:timing>
 </p:sld>
 </file>
 

--- a/20180126_SmartSplice/20180808_Meeting/SmartSplice.pptx
+++ b/20180126_SmartSplice/20180808_Meeting/SmartSplice.pptx
@@ -24,10 +24,10 @@
     <p:sldId id="350" r:id="rId15"/>
     <p:sldId id="351" r:id="rId16"/>
     <p:sldId id="352" r:id="rId17"/>
-    <p:sldId id="346" r:id="rId18"/>
-    <p:sldId id="334" r:id="rId19"/>
-    <p:sldId id="335" r:id="rId20"/>
-    <p:sldId id="344" r:id="rId21"/>
+    <p:sldId id="353" r:id="rId18"/>
+    <p:sldId id="346" r:id="rId19"/>
+    <p:sldId id="334" r:id="rId20"/>
+    <p:sldId id="335" r:id="rId21"/>
     <p:sldId id="324" r:id="rId22"/>
     <p:sldId id="275" r:id="rId23"/>
   </p:sldIdLst>
@@ -157,10 +157,10 @@
             <p14:sldId id="350"/>
             <p14:sldId id="351"/>
             <p14:sldId id="352"/>
+            <p14:sldId id="353"/>
             <p14:sldId id="346"/>
             <p14:sldId id="334"/>
             <p14:sldId id="335"/>
-            <p14:sldId id="344"/>
             <p14:sldId id="324"/>
           </p14:sldIdLst>
         </p14:section>
@@ -286,7 +286,7 @@
           <a:p>
             <a:fld id="{F03889CD-42F6-46D3-8774-76AD4E143C79}" type="datetimeFigureOut">
               <a:rPr lang="zh-TW" altLang="en-US" smtClean="0"/>
-              <a:t>2018/8/7</a:t>
+              <a:t>2018/8/8</a:t>
             </a:fld>
             <a:endParaRPr lang="zh-TW" altLang="en-US"/>
           </a:p>
@@ -892,9 +892,12 @@
           <a:p>
             <a:r>
               <a:rPr lang="en-US" altLang="zh-TW" dirty="0"/>
-              <a:t>4 %</a:t>
-            </a:r>
-            <a:endParaRPr lang="zh-TW" altLang="en-US" dirty="0"/>
+              <a:t>4 </a:t>
+            </a:r>
+            <a:r>
+              <a:rPr lang="en-US" altLang="zh-TW" dirty="0" smtClean="0"/>
+              <a:t>%</a:t>
+            </a:r>
           </a:p>
         </p:txBody>
       </p:sp>
@@ -984,8 +987,75 @@
             </a:r>
             <a:r>
               <a:rPr lang="zh-TW" altLang="en-US" dirty="0"/>
-              <a:t>多根大梁</a:t>
-            </a:r>
+              <a:t>多根</a:t>
+            </a:r>
+            <a:r>
+              <a:rPr lang="zh-TW" altLang="en-US" dirty="0" smtClean="0"/>
+              <a:t>大梁</a:t>
+            </a:r>
+            <a:endParaRPr lang="en-US" altLang="zh-TW" dirty="0" smtClean="0"/>
+          </a:p>
+          <a:p>
+            <a:r>
+              <a:rPr lang="zh-TW" altLang="en-US" dirty="0" smtClean="0"/>
+              <a:t>從整體 </a:t>
+            </a:r>
+            <a:r>
+              <a:rPr lang="en-US" altLang="zh-TW" dirty="0" smtClean="0"/>
+              <a:t>25%</a:t>
+            </a:r>
+            <a:r>
+              <a:rPr lang="zh-TW" altLang="en-US" dirty="0" smtClean="0"/>
+              <a:t> 的效益下降到 </a:t>
+            </a:r>
+            <a:r>
+              <a:rPr lang="en-US" altLang="zh-TW" dirty="0" smtClean="0"/>
+              <a:t>17%</a:t>
+            </a:r>
+            <a:r>
+              <a:rPr lang="zh-TW" altLang="en-US" dirty="0" smtClean="0"/>
+              <a:t> </a:t>
+            </a:r>
+            <a:endParaRPr lang="en-US" altLang="zh-TW" dirty="0" smtClean="0"/>
+          </a:p>
+          <a:p>
+            <a:r>
+              <a:rPr lang="zh-TW" altLang="en-US" dirty="0" smtClean="0"/>
+              <a:t>而如果考慮延伸長度那效率還會進一步下降</a:t>
+            </a:r>
+            <a:endParaRPr lang="en-US" altLang="zh-TW" dirty="0" smtClean="0"/>
+          </a:p>
+          <a:p>
+            <a:r>
+              <a:rPr lang="zh-TW" altLang="en-US" dirty="0" smtClean="0"/>
+              <a:t>延伸長度：</a:t>
+            </a:r>
+            <a:r>
+              <a:rPr lang="en-US" altLang="zh-TW" dirty="0" smtClean="0"/>
+              <a:t>6%</a:t>
+            </a:r>
+            <a:r>
+              <a:rPr lang="zh-TW" altLang="en-US" dirty="0" smtClean="0"/>
+              <a:t> </a:t>
+            </a:r>
+            <a:r>
+              <a:rPr lang="en-US" altLang="zh-TW" dirty="0" smtClean="0"/>
+              <a:t>3%</a:t>
+            </a:r>
+          </a:p>
+          <a:p>
+            <a:r>
+              <a:rPr lang="zh-TW" altLang="en-US" dirty="0" smtClean="0"/>
+              <a:t>沒有延伸：</a:t>
+            </a:r>
+            <a:r>
+              <a:rPr lang="en-US" altLang="zh-TW" dirty="0" smtClean="0"/>
+              <a:t>25% 17%</a:t>
+            </a:r>
+            <a:endParaRPr lang="zh-TW" altLang="en-US" dirty="0" smtClean="0"/>
+          </a:p>
+          <a:p>
+            <a:endParaRPr lang="zh-TW" altLang="en-US" dirty="0"/>
           </a:p>
         </p:txBody>
       </p:sp>
@@ -1376,7 +1446,7 @@
           <a:p>
             <a:fld id="{70B22B0D-1CA7-4298-B4CD-04A0716BCB99}" type="slidenum">
               <a:rPr lang="zh-TW" altLang="en-US" smtClean="0"/>
-              <a:t>17</a:t>
+              <a:t>18</a:t>
             </a:fld>
             <a:endParaRPr lang="zh-TW" altLang="en-US"/>
           </a:p>
@@ -1550,7 +1620,7 @@
           <a:p>
             <a:fld id="{70B22B0D-1CA7-4298-B4CD-04A0716BCB99}" type="slidenum">
               <a:rPr lang="zh-TW" altLang="en-US" smtClean="0"/>
-              <a:t>18</a:t>
+              <a:t>19</a:t>
             </a:fld>
             <a:endParaRPr lang="zh-TW" altLang="en-US"/>
           </a:p>
@@ -2112,7 +2182,7 @@
           <a:p>
             <a:fld id="{70B22B0D-1CA7-4298-B4CD-04A0716BCB99}" type="slidenum">
               <a:rPr lang="zh-TW" altLang="en-US" smtClean="0"/>
-              <a:t>19</a:t>
+              <a:t>20</a:t>
             </a:fld>
             <a:endParaRPr lang="zh-TW" altLang="en-US"/>
           </a:p>
@@ -4363,7 +4433,7 @@
           <a:p>
             <a:fld id="{4491071E-FC34-4ACC-9A4F-6878788FB266}" type="datetime1">
               <a:rPr lang="zh-TW" altLang="en-US" smtClean="0"/>
-              <a:t>2018/8/7</a:t>
+              <a:t>2018/8/8</a:t>
             </a:fld>
             <a:endParaRPr lang="zh-TW" altLang="en-US"/>
           </a:p>
@@ -4624,7 +4694,7 @@
           <a:p>
             <a:fld id="{88A7ECBC-A5B3-42B7-80C3-C64FB9D58F4B}" type="datetime1">
               <a:rPr lang="zh-TW" altLang="en-US" smtClean="0"/>
-              <a:t>2018/8/7</a:t>
+              <a:t>2018/8/8</a:t>
             </a:fld>
             <a:endParaRPr lang="zh-TW" altLang="en-US"/>
           </a:p>
@@ -4772,7 +4842,7 @@
           <a:p>
             <a:fld id="{627C1653-D1C1-4F56-A031-EF8B1944FED3}" type="datetime1">
               <a:rPr lang="zh-TW" altLang="en-US" smtClean="0"/>
-              <a:t>2018/8/7</a:t>
+              <a:t>2018/8/8</a:t>
             </a:fld>
             <a:endParaRPr lang="zh-TW" altLang="en-US"/>
           </a:p>
@@ -5006,7 +5076,7 @@
           <a:p>
             <a:fld id="{F92F55F2-BFE4-4AC5-9A3A-100090348EA5}" type="datetime1">
               <a:rPr lang="zh-TW" altLang="en-US" smtClean="0"/>
-              <a:t>2018/8/7</a:t>
+              <a:t>2018/8/8</a:t>
             </a:fld>
             <a:endParaRPr lang="zh-TW" altLang="en-US"/>
           </a:p>
@@ -5188,7 +5258,7 @@
           <a:p>
             <a:fld id="{E9E4335F-5450-4016-AF42-FD73345B0565}" type="datetime1">
               <a:rPr lang="zh-TW" altLang="en-US" smtClean="0"/>
-              <a:t>2018/8/7</a:t>
+              <a:t>2018/8/8</a:t>
             </a:fld>
             <a:endParaRPr lang="zh-TW" altLang="en-US"/>
           </a:p>
@@ -5444,7 +5514,7 @@
           <a:p>
             <a:fld id="{2C06D0C6-AF15-483B-A8F0-D6C1AF87C846}" type="datetime1">
               <a:rPr lang="zh-TW" altLang="en-US" smtClean="0"/>
-              <a:t>2018/8/7</a:t>
+              <a:t>2018/8/8</a:t>
             </a:fld>
             <a:endParaRPr lang="zh-TW" altLang="en-US"/>
           </a:p>
@@ -5688,7 +5758,7 @@
           <a:p>
             <a:fld id="{7D3D4E74-3333-4D5F-BC0F-67A2DF2CDDFA}" type="datetime1">
               <a:rPr lang="zh-TW" altLang="en-US" smtClean="0"/>
-              <a:t>2018/8/7</a:t>
+              <a:t>2018/8/8</a:t>
             </a:fld>
             <a:endParaRPr lang="zh-TW" altLang="en-US"/>
           </a:p>
@@ -6067,7 +6137,7 @@
           <a:p>
             <a:fld id="{4541DC37-B1EF-4480-B72D-5C55507BD319}" type="datetime1">
               <a:rPr lang="zh-TW" altLang="en-US" smtClean="0"/>
-              <a:t>2018/8/7</a:t>
+              <a:t>2018/8/8</a:t>
             </a:fld>
             <a:endParaRPr lang="zh-TW" altLang="en-US"/>
           </a:p>
@@ -6197,7 +6267,7 @@
           <a:p>
             <a:fld id="{30819F20-558B-4949-AF26-380C491CE13B}" type="datetime1">
               <a:rPr lang="zh-TW" altLang="en-US" smtClean="0"/>
-              <a:t>2018/8/7</a:t>
+              <a:t>2018/8/8</a:t>
             </a:fld>
             <a:endParaRPr lang="zh-TW" altLang="en-US"/>
           </a:p>
@@ -6380,7 +6450,7 @@
           <a:p>
             <a:fld id="{AAB7AFAE-AB0A-436A-8F6B-DB4A874C4BE5}" type="datetime1">
               <a:rPr lang="zh-TW" altLang="en-US" smtClean="0"/>
-              <a:t>2018/8/7</a:t>
+              <a:t>2018/8/8</a:t>
             </a:fld>
             <a:endParaRPr lang="zh-TW" altLang="en-US"/>
           </a:p>
@@ -6699,7 +6769,7 @@
           <a:p>
             <a:fld id="{16D5C682-8CFC-4A9E-99B7-6A8C30CAA6D3}" type="datetime1">
               <a:rPr lang="zh-TW" altLang="en-US" smtClean="0"/>
-              <a:t>2018/8/7</a:t>
+              <a:t>2018/8/8</a:t>
             </a:fld>
             <a:endParaRPr lang="zh-TW" altLang="en-US"/>
           </a:p>
@@ -7189,7 +7259,7 @@
           <a:p>
             <a:fld id="{629854EB-1813-429E-9449-E301728E3833}" type="datetime1">
               <a:rPr lang="zh-TW" altLang="en-US" smtClean="0"/>
-              <a:t>2018/8/7</a:t>
+              <a:t>2018/8/8</a:t>
             </a:fld>
             <a:endParaRPr lang="zh-TW" altLang="en-US"/>
           </a:p>
@@ -7418,7 +7488,7 @@
           <a:p>
             <a:fld id="{253510B8-31E3-4853-849A-576C914AB391}" type="datetime1">
               <a:rPr lang="zh-TW" altLang="en-US" smtClean="0"/>
-              <a:t>2018/8/7</a:t>
+              <a:t>2018/8/8</a:t>
             </a:fld>
             <a:endParaRPr lang="zh-TW" altLang="en-US"/>
           </a:p>
@@ -7696,7 +7766,7 @@
           <a:p>
             <a:fld id="{87AF36B1-98A9-4511-9E18-97BBE680BE66}" type="datetime1">
               <a:rPr lang="zh-TW" altLang="en-US" smtClean="0"/>
-              <a:t>2018/8/7</a:t>
+              <a:t>2018/8/8</a:t>
             </a:fld>
             <a:endParaRPr lang="zh-TW" altLang="en-US"/>
           </a:p>
@@ -7919,7 +7989,7 @@
           <a:p>
             <a:fld id="{9F8FAB93-2311-4A94-B31F-3E8A44E47734}" type="datetime1">
               <a:rPr lang="zh-TW" altLang="en-US" smtClean="0"/>
-              <a:t>2018/8/7</a:t>
+              <a:t>2018/8/8</a:t>
             </a:fld>
             <a:endParaRPr lang="zh-TW" altLang="en-US"/>
           </a:p>
@@ -8598,7 +8668,7 @@
           <a:p>
             <a:fld id="{B861AAC8-DA9B-4D73-B7A5-B720A4A5F874}" type="datetime1">
               <a:rPr lang="zh-TW" altLang="en-US" smtClean="0"/>
-              <a:t>2018/8/7</a:t>
+              <a:t>2018/8/8</a:t>
             </a:fld>
             <a:endParaRPr lang="zh-TW" altLang="en-US"/>
           </a:p>
@@ -8916,7 +8986,7 @@
           <a:p>
             <a:fld id="{3577A47B-687C-4E6F-A53E-B23B8B9EBEB6}" type="datetime1">
               <a:rPr lang="zh-TW" altLang="en-US" smtClean="0"/>
-              <a:t>2018/8/7</a:t>
+              <a:t>2018/8/8</a:t>
             </a:fld>
             <a:endParaRPr lang="zh-TW" altLang="en-US"/>
           </a:p>
@@ -9166,7 +9236,7 @@
           <a:p>
             <a:fld id="{7FE0C4A1-1B1A-4889-8F80-3971ECCB4403}" type="datetime1">
               <a:rPr lang="zh-TW" altLang="en-US" smtClean="0"/>
-              <a:t>2018/8/7</a:t>
+              <a:t>2018/8/8</a:t>
             </a:fld>
             <a:endParaRPr lang="zh-TW" altLang="en-US"/>
           </a:p>
@@ -9902,6 +9972,13 @@
       <p:transition/>
     </mc:Fallback>
   </mc:AlternateContent>
+  <p:timing>
+    <p:tnLst>
+      <p:par>
+        <p:cTn id="1" dur="indefinite" restart="never" nodeType="tmRoot"/>
+      </p:par>
+    </p:tnLst>
+  </p:timing>
 </p:sld>
 </file>
 
@@ -10308,6 +10385,13 @@
       </p:transition>
     </mc:Fallback>
   </mc:AlternateContent>
+  <p:timing>
+    <p:tnLst>
+      <p:par>
+        <p:cTn id="1" dur="indefinite" restart="never" nodeType="tmRoot"/>
+      </p:par>
+    </p:tnLst>
+  </p:timing>
 </p:sld>
 </file>
 
@@ -10473,6 +10557,13 @@
       </p:transition>
     </mc:Fallback>
   </mc:AlternateContent>
+  <p:timing>
+    <p:tnLst>
+      <p:par>
+        <p:cTn id="1" dur="indefinite" restart="never" nodeType="tmRoot"/>
+      </p:par>
+    </p:tnLst>
+  </p:timing>
 </p:sld>
 </file>
 
@@ -10495,13 +10586,7 @@
       </p:grpSpPr>
       <p:pic>
         <p:nvPicPr>
-          <p:cNvPr id="13" name="圖片 12">
-            <a:extLst>
-              <a:ext uri="{FF2B5EF4-FFF2-40B4-BE49-F238E27FC236}">
-                <a16:creationId xmlns:a16="http://schemas.microsoft.com/office/drawing/2014/main" id="{8B355F9A-36E6-4505-8263-D9D258FDD335}"/>
-              </a:ext>
-            </a:extLst>
-          </p:cNvPr>
+          <p:cNvPr id="9" name="圖片 8"/>
           <p:cNvPicPr>
             <a:picLocks noChangeAspect="1"/>
           </p:cNvPicPr>
@@ -10515,7 +10600,7 @@
         </p:blipFill>
         <p:spPr>
           <a:xfrm>
-            <a:off x="635028" y="4686249"/>
+            <a:off x="625649" y="5029841"/>
             <a:ext cx="2012363" cy="839933"/>
           </a:xfrm>
           <a:prstGeom prst="rect">
@@ -10525,7 +10610,7 @@
       </p:pic>
       <p:pic>
         <p:nvPicPr>
-          <p:cNvPr id="9" name="圖片 8"/>
+          <p:cNvPr id="14" name="圖片 13"/>
           <p:cNvPicPr>
             <a:picLocks noChangeAspect="1"/>
           </p:cNvPicPr>
@@ -10539,31 +10624,7 @@
         </p:blipFill>
         <p:spPr>
           <a:xfrm>
-            <a:off x="625649" y="3335626"/>
-            <a:ext cx="2012363" cy="839933"/>
-          </a:xfrm>
-          <a:prstGeom prst="rect">
-            <a:avLst/>
-          </a:prstGeom>
-        </p:spPr>
-      </p:pic>
-      <p:pic>
-        <p:nvPicPr>
-          <p:cNvPr id="14" name="圖片 13"/>
-          <p:cNvPicPr>
-            <a:picLocks noChangeAspect="1"/>
-          </p:cNvPicPr>
-          <p:nvPr/>
-        </p:nvPicPr>
-        <p:blipFill>
-          <a:blip r:embed="rId5"/>
-          <a:stretch>
-            <a:fillRect/>
-          </a:stretch>
-        </p:blipFill>
-        <p:spPr>
-          <a:xfrm>
-            <a:off x="2633820" y="3335626"/>
+            <a:off x="2633820" y="5029841"/>
             <a:ext cx="6505988" cy="839933"/>
           </a:xfrm>
           <a:prstGeom prst="rect">
@@ -10586,14 +10647,14 @@
           <p:nvPr/>
         </p:nvPicPr>
         <p:blipFill>
-          <a:blip r:embed="rId6"/>
+          <a:blip r:embed="rId5"/>
           <a:stretch>
             <a:fillRect/>
           </a:stretch>
         </p:blipFill>
         <p:spPr>
           <a:xfrm>
-            <a:off x="635028" y="2004531"/>
+            <a:off x="635028" y="3909746"/>
             <a:ext cx="2012363" cy="849700"/>
           </a:xfrm>
           <a:prstGeom prst="rect">
@@ -10616,14 +10677,14 @@
           <p:nvPr/>
         </p:nvPicPr>
         <p:blipFill>
-          <a:blip r:embed="rId7"/>
+          <a:blip r:embed="rId6"/>
           <a:stretch>
             <a:fillRect/>
           </a:stretch>
         </p:blipFill>
         <p:spPr>
           <a:xfrm>
-            <a:off x="2638012" y="2008790"/>
+            <a:off x="2638012" y="3914005"/>
             <a:ext cx="6505988" cy="849700"/>
           </a:xfrm>
           <a:prstGeom prst="rect">
@@ -10708,7 +10769,31 @@
       </p:sp>
       <p:pic>
         <p:nvPicPr>
-          <p:cNvPr id="7" name="圖片 6"/>
+          <p:cNvPr id="15" name="圖片 14"/>
+          <p:cNvPicPr>
+            <a:picLocks noChangeAspect="1"/>
+          </p:cNvPicPr>
+          <p:nvPr/>
+        </p:nvPicPr>
+        <p:blipFill>
+          <a:blip r:embed="rId7"/>
+          <a:stretch>
+            <a:fillRect/>
+          </a:stretch>
+        </p:blipFill>
+        <p:spPr>
+          <a:xfrm>
+            <a:off x="635028" y="1696360"/>
+            <a:ext cx="2012363" cy="839933"/>
+          </a:xfrm>
+          <a:prstGeom prst="rect">
+            <a:avLst/>
+          </a:prstGeom>
+        </p:spPr>
+      </p:pic>
+      <p:pic>
+        <p:nvPicPr>
+          <p:cNvPr id="18" name="圖片 17"/>
           <p:cNvPicPr>
             <a:picLocks noChangeAspect="1"/>
           </p:cNvPicPr>
@@ -10722,8 +10807,8 @@
         </p:blipFill>
         <p:spPr>
           <a:xfrm>
-            <a:off x="2629628" y="4676480"/>
-            <a:ext cx="1406700" cy="839933"/>
+            <a:off x="621457" y="2798169"/>
+            <a:ext cx="2012363" cy="849700"/>
           </a:xfrm>
           <a:prstGeom prst="rect">
             <a:avLst/>
@@ -10732,7 +10817,7 @@
       </p:pic>
       <p:pic>
         <p:nvPicPr>
-          <p:cNvPr id="16" name="圖片 15"/>
+          <p:cNvPr id="20" name="圖片 19"/>
           <p:cNvPicPr>
             <a:picLocks noChangeAspect="1"/>
           </p:cNvPicPr>
@@ -10746,8 +10831,32 @@
         </p:blipFill>
         <p:spPr>
           <a:xfrm>
-            <a:off x="4984253" y="4573929"/>
-            <a:ext cx="1465313" cy="1045033"/>
+            <a:off x="2647391" y="1696359"/>
+            <a:ext cx="1406700" cy="839933"/>
+          </a:xfrm>
+          <a:prstGeom prst="rect">
+            <a:avLst/>
+          </a:prstGeom>
+        </p:spPr>
+      </p:pic>
+      <p:pic>
+        <p:nvPicPr>
+          <p:cNvPr id="22" name="圖片 21"/>
+          <p:cNvPicPr>
+            <a:picLocks noChangeAspect="1"/>
+          </p:cNvPicPr>
+          <p:nvPr/>
+        </p:nvPicPr>
+        <p:blipFill>
+          <a:blip r:embed="rId10"/>
+          <a:stretch>
+            <a:fillRect/>
+          </a:stretch>
+        </p:blipFill>
+        <p:spPr>
+          <a:xfrm>
+            <a:off x="2647391" y="2798169"/>
+            <a:ext cx="1406700" cy="849700"/>
           </a:xfrm>
           <a:prstGeom prst="rect">
             <a:avLst/>
@@ -10776,6 +10885,13 @@
       </p:transition>
     </mc:Fallback>
   </mc:AlternateContent>
+  <p:timing>
+    <p:tnLst>
+      <p:par>
+        <p:cTn id="1" dur="indefinite" restart="never" nodeType="tmRoot"/>
+      </p:par>
+    </p:tnLst>
+  </p:timing>
 </p:sld>
 </file>
 
@@ -10812,7 +10928,7 @@
         </p:blipFill>
         <p:spPr>
           <a:xfrm>
-            <a:off x="620462" y="3333716"/>
+            <a:off x="635028" y="3917256"/>
             <a:ext cx="2012363" cy="849700"/>
           </a:xfrm>
           <a:prstGeom prst="rect">
@@ -10836,7 +10952,7 @@
         </p:blipFill>
         <p:spPr>
           <a:xfrm>
-            <a:off x="2632825" y="3333716"/>
+            <a:off x="2647391" y="3917256"/>
             <a:ext cx="6505988" cy="849700"/>
           </a:xfrm>
           <a:prstGeom prst="rect">
@@ -10866,7 +10982,7 @@
         </p:blipFill>
         <p:spPr>
           <a:xfrm>
-            <a:off x="2646396" y="2000272"/>
+            <a:off x="2647391" y="2789651"/>
             <a:ext cx="6505988" cy="849700"/>
           </a:xfrm>
           <a:prstGeom prst="rect">
@@ -10965,7 +11081,7 @@
         </p:blipFill>
         <p:spPr>
           <a:xfrm>
-            <a:off x="620462" y="4662901"/>
+            <a:off x="635028" y="5021323"/>
             <a:ext cx="2012363" cy="839933"/>
           </a:xfrm>
           <a:prstGeom prst="rect">
@@ -10989,7 +11105,7 @@
         </p:blipFill>
         <p:spPr>
           <a:xfrm>
-            <a:off x="2632825" y="4667160"/>
+            <a:off x="2647391" y="5025582"/>
             <a:ext cx="6505988" cy="839933"/>
           </a:xfrm>
           <a:prstGeom prst="rect">
@@ -10999,13 +11115,7 @@
       </p:pic>
       <p:pic>
         <p:nvPicPr>
-          <p:cNvPr id="14" name="圖片 13">
-            <a:extLst>
-              <a:ext uri="{FF2B5EF4-FFF2-40B4-BE49-F238E27FC236}">
-                <a16:creationId xmlns:a16="http://schemas.microsoft.com/office/drawing/2014/main" id="{88E542F0-B688-4354-93EB-EB29582F192C}"/>
-              </a:ext>
-            </a:extLst>
-          </p:cNvPr>
+          <p:cNvPr id="5" name="圖片 4"/>
           <p:cNvPicPr>
             <a:picLocks noChangeAspect="1"/>
           </p:cNvPicPr>
@@ -11019,8 +11129,80 @@
         </p:blipFill>
         <p:spPr>
           <a:xfrm>
-            <a:off x="634033" y="2000272"/>
+            <a:off x="635028" y="2789651"/>
             <a:ext cx="2012363" cy="849700"/>
+          </a:xfrm>
+          <a:prstGeom prst="rect">
+            <a:avLst/>
+          </a:prstGeom>
+        </p:spPr>
+      </p:pic>
+      <p:pic>
+        <p:nvPicPr>
+          <p:cNvPr id="12" name="圖片 11"/>
+          <p:cNvPicPr>
+            <a:picLocks noChangeAspect="1"/>
+          </p:cNvPicPr>
+          <p:nvPr/>
+        </p:nvPicPr>
+        <p:blipFill>
+          <a:blip r:embed="rId9"/>
+          <a:stretch>
+            <a:fillRect/>
+          </a:stretch>
+        </p:blipFill>
+        <p:spPr>
+          <a:xfrm>
+            <a:off x="2606678" y="1696361"/>
+            <a:ext cx="1406700" cy="839933"/>
+          </a:xfrm>
+          <a:prstGeom prst="rect">
+            <a:avLst/>
+          </a:prstGeom>
+        </p:spPr>
+      </p:pic>
+      <p:pic>
+        <p:nvPicPr>
+          <p:cNvPr id="16" name="圖片 15"/>
+          <p:cNvPicPr>
+            <a:picLocks noChangeAspect="1"/>
+          </p:cNvPicPr>
+          <p:nvPr/>
+        </p:nvPicPr>
+        <p:blipFill>
+          <a:blip r:embed="rId10"/>
+          <a:stretch>
+            <a:fillRect/>
+          </a:stretch>
+        </p:blipFill>
+        <p:spPr>
+          <a:xfrm>
+            <a:off x="612078" y="1696359"/>
+            <a:ext cx="2012363" cy="839933"/>
+          </a:xfrm>
+          <a:prstGeom prst="rect">
+            <a:avLst/>
+          </a:prstGeom>
+        </p:spPr>
+      </p:pic>
+      <p:pic>
+        <p:nvPicPr>
+          <p:cNvPr id="17" name="圖片 16"/>
+          <p:cNvPicPr>
+            <a:picLocks noChangeAspect="1"/>
+          </p:cNvPicPr>
+          <p:nvPr/>
+        </p:nvPicPr>
+        <p:blipFill>
+          <a:blip r:embed="rId11"/>
+          <a:stretch>
+            <a:fillRect/>
+          </a:stretch>
+        </p:blipFill>
+        <p:spPr>
+          <a:xfrm>
+            <a:off x="4796653" y="1536646"/>
+            <a:ext cx="2422650" cy="1045033"/>
           </a:xfrm>
           <a:prstGeom prst="rect">
             <a:avLst/>
@@ -11049,6 +11231,13 @@
       </p:transition>
     </mc:Fallback>
   </mc:AlternateContent>
+  <p:timing>
+    <p:tnLst>
+      <p:par>
+        <p:cTn id="1" dur="indefinite" restart="never" nodeType="tmRoot"/>
+      </p:par>
+    </p:tnLst>
+  </p:timing>
 </p:sld>
 </file>
 
@@ -11190,6 +11379,13 @@
       </p:transition>
     </mc:Fallback>
   </mc:AlternateContent>
+  <p:timing>
+    <p:tnLst>
+      <p:par>
+        <p:cTn id="1" dur="indefinite" restart="never" nodeType="tmRoot"/>
+      </p:par>
+    </p:tnLst>
+  </p:timing>
 </p:sld>
 </file>
 
@@ -11331,6 +11527,13 @@
       </p:transition>
     </mc:Fallback>
   </mc:AlternateContent>
+  <p:timing>
+    <p:tnLst>
+      <p:par>
+        <p:cTn id="1" dur="indefinite" restart="never" nodeType="tmRoot"/>
+      </p:par>
+    </p:tnLst>
+  </p:timing>
 </p:sld>
 </file>
 
@@ -11472,10 +11675,502 @@
       </p:transition>
     </mc:Fallback>
   </mc:AlternateContent>
+  <p:timing>
+    <p:tnLst>
+      <p:par>
+        <p:cTn id="1" dur="indefinite" restart="never" nodeType="tmRoot"/>
+      </p:par>
+    </p:tnLst>
+  </p:timing>
 </p:sld>
 </file>
 
 <file path=ppt/slides/slide17.xml><?xml version="1.0" encoding="utf-8"?>
+<p:sld xmlns:a="http://schemas.openxmlformats.org/drawingml/2006/main" xmlns:r="http://schemas.openxmlformats.org/officeDocument/2006/relationships" xmlns:p="http://schemas.openxmlformats.org/presentationml/2006/main">
+  <p:cSld>
+    <p:spTree>
+      <p:nvGrpSpPr>
+        <p:cNvPr id="1" name=""/>
+        <p:cNvGrpSpPr/>
+        <p:nvPr/>
+      </p:nvGrpSpPr>
+      <p:grpSpPr>
+        <a:xfrm>
+          <a:off x="0" y="0"/>
+          <a:ext cx="0" cy="0"/>
+          <a:chOff x="0" y="0"/>
+          <a:chExt cx="0" cy="0"/>
+        </a:xfrm>
+      </p:grpSpPr>
+      <p:sp>
+        <p:nvSpPr>
+          <p:cNvPr id="13" name="文字版面配置區 12"/>
+          <p:cNvSpPr>
+            <a:spLocks noGrp="1"/>
+          </p:cNvSpPr>
+          <p:nvPr>
+            <p:ph type="body" sz="quarter" idx="10"/>
+          </p:nvPr>
+        </p:nvSpPr>
+        <p:spPr>
+          <a:xfrm>
+            <a:off x="629841" y="660401"/>
+            <a:ext cx="3361134" cy="1006429"/>
+          </a:xfrm>
+        </p:spPr>
+        <p:txBody>
+          <a:bodyPr/>
+          <a:lstStyle/>
+          <a:p>
+            <a:r>
+              <a:rPr lang="en-US" altLang="zh-TW" dirty="0"/>
+              <a:t>Case Study of Actual Structure</a:t>
+            </a:r>
+            <a:endParaRPr lang="zh-TW" altLang="en-US" dirty="0"/>
+          </a:p>
+        </p:txBody>
+      </p:sp>
+      <p:sp>
+        <p:nvSpPr>
+          <p:cNvPr id="3" name="投影片編號版面配置區 2"/>
+          <p:cNvSpPr>
+            <a:spLocks noGrp="1"/>
+          </p:cNvSpPr>
+          <p:nvPr>
+            <p:ph type="sldNum" sz="quarter" idx="13"/>
+          </p:nvPr>
+        </p:nvSpPr>
+        <p:spPr/>
+        <p:txBody>
+          <a:bodyPr/>
+          <a:lstStyle/>
+          <a:p>
+            <a:fld id="{2DDD7CF1-F89F-4FD9-B1E5-7228A8EA728A}" type="slidenum">
+              <a:rPr lang="zh-TW" altLang="en-US" smtClean="0"/>
+              <a:t>17</a:t>
+            </a:fld>
+            <a:endParaRPr lang="zh-TW" altLang="en-US"/>
+          </a:p>
+        </p:txBody>
+      </p:sp>
+      <p:pic>
+        <p:nvPicPr>
+          <p:cNvPr id="4" name="圖片 3">
+            <a:extLst>
+              <a:ext uri="{FF2B5EF4-FFF2-40B4-BE49-F238E27FC236}">
+                <a16:creationId xmlns:a16="http://schemas.microsoft.com/office/drawing/2014/main" id="{85E8236F-F1D0-4CF2-A1B3-38661CE3D6C8}"/>
+              </a:ext>
+            </a:extLst>
+          </p:cNvPr>
+          <p:cNvPicPr>
+            <a:picLocks noChangeAspect="1"/>
+          </p:cNvPicPr>
+          <p:nvPr/>
+        </p:nvPicPr>
+        <p:blipFill>
+          <a:blip r:embed="rId2">
+            <a:duotone>
+              <a:schemeClr val="accent2">
+                <a:shade val="45000"/>
+                <a:satMod val="135000"/>
+              </a:schemeClr>
+              <a:prstClr val="white"/>
+            </a:duotone>
+          </a:blip>
+          <a:stretch>
+            <a:fillRect/>
+          </a:stretch>
+        </p:blipFill>
+        <p:spPr>
+          <a:xfrm>
+            <a:off x="4572000" y="3434064"/>
+            <a:ext cx="4571998" cy="3423937"/>
+          </a:xfrm>
+          <a:prstGeom prst="rect">
+            <a:avLst/>
+          </a:prstGeom>
+        </p:spPr>
+      </p:pic>
+      <p:pic>
+        <p:nvPicPr>
+          <p:cNvPr id="5" name="圖片 4">
+            <a:extLst>
+              <a:ext uri="{FF2B5EF4-FFF2-40B4-BE49-F238E27FC236}">
+                <a16:creationId xmlns:a16="http://schemas.microsoft.com/office/drawing/2014/main" id="{9D69B2CA-B179-4B91-8252-EC2B524EF0E6}"/>
+              </a:ext>
+            </a:extLst>
+          </p:cNvPr>
+          <p:cNvPicPr>
+            <a:picLocks noChangeAspect="1"/>
+          </p:cNvPicPr>
+          <p:nvPr/>
+        </p:nvPicPr>
+        <p:blipFill>
+          <a:blip r:embed="rId3">
+            <a:duotone>
+              <a:schemeClr val="accent1">
+                <a:shade val="45000"/>
+                <a:satMod val="135000"/>
+              </a:schemeClr>
+              <a:prstClr val="white"/>
+            </a:duotone>
+          </a:blip>
+          <a:stretch>
+            <a:fillRect/>
+          </a:stretch>
+        </p:blipFill>
+        <p:spPr>
+          <a:xfrm>
+            <a:off x="4571999" y="-10129"/>
+            <a:ext cx="4571998" cy="3423937"/>
+          </a:xfrm>
+          <a:prstGeom prst="rect">
+            <a:avLst/>
+          </a:prstGeom>
+        </p:spPr>
+      </p:pic>
+      <p:sp>
+        <p:nvSpPr>
+          <p:cNvPr id="6" name="文字方塊 5"/>
+          <p:cNvSpPr txBox="1"/>
+          <p:nvPr/>
+        </p:nvSpPr>
+        <p:spPr>
+          <a:xfrm>
+            <a:off x="629841" y="2547484"/>
+            <a:ext cx="1895071" cy="369332"/>
+          </a:xfrm>
+          <a:prstGeom prst="rect">
+            <a:avLst/>
+          </a:prstGeom>
+          <a:noFill/>
+        </p:spPr>
+        <p:txBody>
+          <a:bodyPr wrap="none" rtlCol="0">
+            <a:spAutoFit/>
+          </a:bodyPr>
+          <a:lstStyle/>
+          <a:p>
+            <a:r>
+              <a:rPr lang="en-US" altLang="zh-TW" dirty="0" smtClean="0"/>
+              <a:t>Moment Diagram</a:t>
+            </a:r>
+            <a:endParaRPr lang="zh-TW" altLang="en-US" dirty="0"/>
+          </a:p>
+        </p:txBody>
+      </p:sp>
+      <p:sp>
+        <p:nvSpPr>
+          <p:cNvPr id="8" name="矩形 7"/>
+          <p:cNvSpPr/>
+          <p:nvPr/>
+        </p:nvSpPr>
+        <p:spPr>
+          <a:xfrm>
+            <a:off x="629841" y="4002796"/>
+            <a:ext cx="2992101" cy="369332"/>
+          </a:xfrm>
+          <a:prstGeom prst="rect">
+            <a:avLst/>
+          </a:prstGeom>
+        </p:spPr>
+        <p:txBody>
+          <a:bodyPr wrap="none">
+            <a:spAutoFit/>
+          </a:bodyPr>
+          <a:lstStyle/>
+          <a:p>
+            <a:r>
+              <a:rPr lang="en-US" altLang="zh-TW" dirty="0"/>
+              <a:t>Tension Development Length</a:t>
+            </a:r>
+          </a:p>
+        </p:txBody>
+      </p:sp>
+      <p:sp>
+        <p:nvSpPr>
+          <p:cNvPr id="9" name="文字方塊 8"/>
+          <p:cNvSpPr txBox="1"/>
+          <p:nvPr/>
+        </p:nvSpPr>
+        <p:spPr>
+          <a:xfrm>
+            <a:off x="1275851" y="3276968"/>
+            <a:ext cx="647934" cy="400110"/>
+          </a:xfrm>
+          <a:prstGeom prst="rect">
+            <a:avLst/>
+          </a:prstGeom>
+          <a:noFill/>
+        </p:spPr>
+        <p:txBody>
+          <a:bodyPr wrap="none" rtlCol="0">
+            <a:spAutoFit/>
+          </a:bodyPr>
+          <a:lstStyle/>
+          <a:p>
+            <a:r>
+              <a:rPr lang="en-US" altLang="zh-TW" sz="2000" dirty="0" smtClean="0">
+                <a:solidFill>
+                  <a:schemeClr val="accent1"/>
+                </a:solidFill>
+              </a:rPr>
+              <a:t>25%</a:t>
+            </a:r>
+            <a:endParaRPr lang="zh-TW" altLang="en-US" sz="2000" dirty="0">
+              <a:solidFill>
+                <a:schemeClr val="accent1"/>
+              </a:solidFill>
+            </a:endParaRPr>
+          </a:p>
+        </p:txBody>
+      </p:sp>
+      <p:sp>
+        <p:nvSpPr>
+          <p:cNvPr id="10" name="文字方塊 9"/>
+          <p:cNvSpPr txBox="1"/>
+          <p:nvPr/>
+        </p:nvSpPr>
+        <p:spPr>
+          <a:xfrm>
+            <a:off x="2225621" y="3276968"/>
+            <a:ext cx="604653" cy="400110"/>
+          </a:xfrm>
+          <a:prstGeom prst="rect">
+            <a:avLst/>
+          </a:prstGeom>
+          <a:noFill/>
+        </p:spPr>
+        <p:txBody>
+          <a:bodyPr wrap="none" rtlCol="0">
+            <a:spAutoFit/>
+          </a:bodyPr>
+          <a:lstStyle/>
+          <a:p>
+            <a:r>
+              <a:rPr lang="en-US" altLang="zh-TW" sz="2000" dirty="0" smtClean="0">
+                <a:solidFill>
+                  <a:schemeClr val="accent2"/>
+                </a:solidFill>
+              </a:rPr>
+              <a:t>17%</a:t>
+            </a:r>
+            <a:endParaRPr lang="zh-TW" altLang="en-US" sz="2000" dirty="0">
+              <a:solidFill>
+                <a:schemeClr val="accent2"/>
+              </a:solidFill>
+            </a:endParaRPr>
+          </a:p>
+        </p:txBody>
+      </p:sp>
+      <p:sp>
+        <p:nvSpPr>
+          <p:cNvPr id="11" name="文字方塊 10"/>
+          <p:cNvSpPr txBox="1"/>
+          <p:nvPr/>
+        </p:nvSpPr>
+        <p:spPr>
+          <a:xfrm>
+            <a:off x="1336765" y="4671647"/>
+            <a:ext cx="513282" cy="400110"/>
+          </a:xfrm>
+          <a:prstGeom prst="rect">
+            <a:avLst/>
+          </a:prstGeom>
+          <a:noFill/>
+        </p:spPr>
+        <p:txBody>
+          <a:bodyPr wrap="none" rtlCol="0">
+            <a:spAutoFit/>
+          </a:bodyPr>
+          <a:lstStyle/>
+          <a:p>
+            <a:r>
+              <a:rPr lang="en-US" altLang="zh-TW" sz="2000" dirty="0" smtClean="0">
+                <a:solidFill>
+                  <a:schemeClr val="accent1"/>
+                </a:solidFill>
+              </a:rPr>
+              <a:t>7%</a:t>
+            </a:r>
+            <a:endParaRPr lang="zh-TW" altLang="en-US" sz="2000" dirty="0">
+              <a:solidFill>
+                <a:schemeClr val="accent1"/>
+              </a:solidFill>
+            </a:endParaRPr>
+          </a:p>
+        </p:txBody>
+      </p:sp>
+      <p:sp>
+        <p:nvSpPr>
+          <p:cNvPr id="12" name="文字方塊 11"/>
+          <p:cNvSpPr txBox="1"/>
+          <p:nvPr/>
+        </p:nvSpPr>
+        <p:spPr>
+          <a:xfrm>
+            <a:off x="2264894" y="4671647"/>
+            <a:ext cx="516488" cy="400110"/>
+          </a:xfrm>
+          <a:prstGeom prst="rect">
+            <a:avLst/>
+          </a:prstGeom>
+          <a:noFill/>
+        </p:spPr>
+        <p:txBody>
+          <a:bodyPr wrap="none" rtlCol="0">
+            <a:spAutoFit/>
+          </a:bodyPr>
+          <a:lstStyle/>
+          <a:p>
+            <a:r>
+              <a:rPr lang="en-US" altLang="zh-TW" sz="2000" dirty="0" smtClean="0">
+                <a:solidFill>
+                  <a:schemeClr val="accent2"/>
+                </a:solidFill>
+              </a:rPr>
+              <a:t>3%</a:t>
+            </a:r>
+            <a:endParaRPr lang="zh-TW" altLang="en-US" sz="2000" dirty="0">
+              <a:solidFill>
+                <a:schemeClr val="accent2"/>
+              </a:solidFill>
+            </a:endParaRPr>
+          </a:p>
+        </p:txBody>
+      </p:sp>
+      <p:sp>
+        <p:nvSpPr>
+          <p:cNvPr id="14" name="文字方塊 13"/>
+          <p:cNvSpPr txBox="1"/>
+          <p:nvPr/>
+        </p:nvSpPr>
+        <p:spPr>
+          <a:xfrm>
+            <a:off x="629841" y="5340498"/>
+            <a:ext cx="1367747" cy="369332"/>
+          </a:xfrm>
+          <a:prstGeom prst="rect">
+            <a:avLst/>
+          </a:prstGeom>
+          <a:noFill/>
+        </p:spPr>
+        <p:txBody>
+          <a:bodyPr wrap="none" rtlCol="0">
+            <a:spAutoFit/>
+          </a:bodyPr>
+          <a:lstStyle/>
+          <a:p>
+            <a:r>
+              <a:rPr lang="en-US" altLang="zh-TW" dirty="0" smtClean="0"/>
+              <a:t>Three Points</a:t>
+            </a:r>
+            <a:endParaRPr lang="zh-TW" altLang="en-US" dirty="0"/>
+          </a:p>
+        </p:txBody>
+      </p:sp>
+      <p:sp>
+        <p:nvSpPr>
+          <p:cNvPr id="15" name="文字方塊 14"/>
+          <p:cNvSpPr txBox="1"/>
+          <p:nvPr/>
+        </p:nvSpPr>
+        <p:spPr>
+          <a:xfrm>
+            <a:off x="1435350" y="5982266"/>
+            <a:ext cx="295274" cy="400110"/>
+          </a:xfrm>
+          <a:prstGeom prst="rect">
+            <a:avLst/>
+          </a:prstGeom>
+          <a:noFill/>
+        </p:spPr>
+        <p:txBody>
+          <a:bodyPr wrap="none" rtlCol="0">
+            <a:spAutoFit/>
+          </a:bodyPr>
+          <a:lstStyle/>
+          <a:p>
+            <a:r>
+              <a:rPr lang="en-US" altLang="zh-TW" sz="2000" dirty="0" smtClean="0">
+                <a:solidFill>
+                  <a:schemeClr val="accent1"/>
+                </a:solidFill>
+              </a:rPr>
+              <a:t>?</a:t>
+            </a:r>
+            <a:endParaRPr lang="zh-TW" altLang="en-US" sz="2000" dirty="0">
+              <a:solidFill>
+                <a:schemeClr val="accent1"/>
+              </a:solidFill>
+            </a:endParaRPr>
+          </a:p>
+        </p:txBody>
+      </p:sp>
+      <p:sp>
+        <p:nvSpPr>
+          <p:cNvPr id="16" name="文字方塊 15"/>
+          <p:cNvSpPr txBox="1"/>
+          <p:nvPr/>
+        </p:nvSpPr>
+        <p:spPr>
+          <a:xfrm>
+            <a:off x="2365082" y="5982266"/>
+            <a:ext cx="295274" cy="400110"/>
+          </a:xfrm>
+          <a:prstGeom prst="rect">
+            <a:avLst/>
+          </a:prstGeom>
+          <a:noFill/>
+        </p:spPr>
+        <p:txBody>
+          <a:bodyPr wrap="none" rtlCol="0">
+            <a:spAutoFit/>
+          </a:bodyPr>
+          <a:lstStyle/>
+          <a:p>
+            <a:r>
+              <a:rPr lang="en-US" altLang="zh-TW" sz="2000" dirty="0" smtClean="0">
+                <a:solidFill>
+                  <a:schemeClr val="accent2"/>
+                </a:solidFill>
+              </a:rPr>
+              <a:t>?</a:t>
+            </a:r>
+            <a:endParaRPr lang="zh-TW" altLang="en-US" sz="2000" dirty="0">
+              <a:solidFill>
+                <a:schemeClr val="accent2"/>
+              </a:solidFill>
+            </a:endParaRPr>
+          </a:p>
+        </p:txBody>
+      </p:sp>
+    </p:spTree>
+    <p:extLst>
+      <p:ext uri="{BB962C8B-B14F-4D97-AF65-F5344CB8AC3E}">
+        <p14:creationId xmlns:p14="http://schemas.microsoft.com/office/powerpoint/2010/main" val="914725744"/>
+      </p:ext>
+    </p:extLst>
+  </p:cSld>
+  <p:clrMapOvr>
+    <a:masterClrMapping/>
+  </p:clrMapOvr>
+  <mc:AlternateContent xmlns:mc="http://schemas.openxmlformats.org/markup-compatibility/2006" xmlns:p14="http://schemas.microsoft.com/office/powerpoint/2010/main">
+    <mc:Choice Requires="p14">
+      <p:transition spd="med" p14:dur="700">
+        <p:fade/>
+      </p:transition>
+    </mc:Choice>
+    <mc:Fallback xmlns="">
+      <p:transition spd="med">
+        <p:fade/>
+      </p:transition>
+    </mc:Fallback>
+  </mc:AlternateContent>
+</p:sld>
+</file>
+
+<file path=ppt/slides/slide18.xml><?xml version="1.0" encoding="utf-8"?>
 <p:sld xmlns:a="http://schemas.openxmlformats.org/drawingml/2006/main" xmlns:r="http://schemas.openxmlformats.org/officeDocument/2006/relationships" xmlns:p="http://schemas.openxmlformats.org/presentationml/2006/main">
   <p:cSld>
     <p:spTree>
@@ -12473,7 +13168,7 @@
           <a:p>
             <a:fld id="{2DDD7CF1-F89F-4FD9-B1E5-7228A8EA728A}" type="slidenum">
               <a:rPr lang="zh-TW" altLang="en-US" smtClean="0"/>
-              <a:t>17</a:t>
+              <a:t>18</a:t>
             </a:fld>
             <a:endParaRPr lang="zh-TW" altLang="en-US"/>
           </a:p>
@@ -12501,10 +13196,17 @@
       </p:transition>
     </mc:Fallback>
   </mc:AlternateContent>
+  <p:timing>
+    <p:tnLst>
+      <p:par>
+        <p:cTn id="1" dur="indefinite" restart="never" nodeType="tmRoot"/>
+      </p:par>
+    </p:tnLst>
+  </p:timing>
 </p:sld>
 </file>
 
-<file path=ppt/slides/slide18.xml><?xml version="1.0" encoding="utf-8"?>
+<file path=ppt/slides/slide19.xml><?xml version="1.0" encoding="utf-8"?>
 <p:sld xmlns:a="http://schemas.openxmlformats.org/drawingml/2006/main" xmlns:r="http://schemas.openxmlformats.org/officeDocument/2006/relationships" xmlns:p="http://schemas.openxmlformats.org/presentationml/2006/main">
   <p:cSld>
     <p:spTree>
@@ -12573,7 +13275,7 @@
           <a:p>
             <a:fld id="{2DDD7CF1-F89F-4FD9-B1E5-7228A8EA728A}" type="slidenum">
               <a:rPr lang="zh-TW" altLang="en-US" smtClean="0"/>
-              <a:t>18</a:t>
+              <a:t>19</a:t>
             </a:fld>
             <a:endParaRPr lang="zh-TW" altLang="en-US"/>
           </a:p>
@@ -12661,10 +13363,17 @@
       </p:transition>
     </mc:Fallback>
   </mc:AlternateContent>
+  <p:timing>
+    <p:tnLst>
+      <p:par>
+        <p:cTn id="1" dur="indefinite" restart="never" nodeType="tmRoot"/>
+      </p:par>
+    </p:tnLst>
+  </p:timing>
 </p:sld>
 </file>
 
-<file path=ppt/slides/slide19.xml><?xml version="1.0" encoding="utf-8"?>
+<file path=ppt/slides/slide2.xml><?xml version="1.0" encoding="utf-8"?>
 <p:sld xmlns:a="http://schemas.openxmlformats.org/drawingml/2006/main" xmlns:r="http://schemas.openxmlformats.org/officeDocument/2006/relationships" xmlns:p="http://schemas.openxmlformats.org/presentationml/2006/main">
   <p:cSld>
     <p:spTree>
@@ -12683,6 +13392,690 @@
       </p:grpSpPr>
       <p:sp>
         <p:nvSpPr>
+          <p:cNvPr id="5" name="TextBox 4"/>
+          <p:cNvSpPr txBox="1"/>
+          <p:nvPr/>
+        </p:nvSpPr>
+        <p:spPr>
+          <a:xfrm>
+            <a:off x="5221697" y="2726573"/>
+            <a:ext cx="3293653" cy="653256"/>
+          </a:xfrm>
+          <a:prstGeom prst="rect">
+            <a:avLst/>
+          </a:prstGeom>
+          <a:noFill/>
+        </p:spPr>
+        <p:txBody>
+          <a:bodyPr wrap="square" lIns="0" rtlCol="0" anchor="ctr">
+            <a:spAutoFit/>
+          </a:bodyPr>
+          <a:lstStyle/>
+          <a:p>
+            <a:pPr>
+              <a:lnSpc>
+                <a:spcPct val="90000"/>
+              </a:lnSpc>
+            </a:pPr>
+            <a:r>
+              <a:rPr lang="en-US" altLang="zh-TW" sz="4050" dirty="0">
+                <a:latin typeface="Segoe UI" panose="020B0502040204020203" pitchFamily="34" charset="0"/>
+                <a:cs typeface="Segoe UI" panose="020B0502040204020203" pitchFamily="34" charset="0"/>
+              </a:rPr>
+              <a:t>Reduce Rebar</a:t>
+            </a:r>
+          </a:p>
+        </p:txBody>
+      </p:sp>
+      <p:sp>
+        <p:nvSpPr>
+          <p:cNvPr id="2" name="投影片編號版面配置區 1">
+            <a:extLst>
+              <a:ext uri="{FF2B5EF4-FFF2-40B4-BE49-F238E27FC236}">
+                <a16:creationId xmlns:a16="http://schemas.microsoft.com/office/drawing/2014/main" id="{030D6E5E-37A6-45CE-BD3B-381222D6A719}"/>
+              </a:ext>
+            </a:extLst>
+          </p:cNvPr>
+          <p:cNvSpPr>
+            <a:spLocks noGrp="1"/>
+          </p:cNvSpPr>
+          <p:nvPr>
+            <p:ph type="sldNum" sz="quarter" idx="12"/>
+          </p:nvPr>
+        </p:nvSpPr>
+        <p:spPr/>
+        <p:txBody>
+          <a:bodyPr/>
+          <a:lstStyle/>
+          <a:p>
+            <a:fld id="{2DDD7CF1-F89F-4FD9-B1E5-7228A8EA728A}" type="slidenum">
+              <a:rPr lang="zh-TW" altLang="en-US" smtClean="0"/>
+              <a:t>2</a:t>
+            </a:fld>
+            <a:endParaRPr lang="zh-TW" altLang="en-US"/>
+          </a:p>
+        </p:txBody>
+      </p:sp>
+      <p:sp>
+        <p:nvSpPr>
+          <p:cNvPr id="12" name="Freeform 5">
+            <a:extLst>
+              <a:ext uri="{FF2B5EF4-FFF2-40B4-BE49-F238E27FC236}">
+                <a16:creationId xmlns:a16="http://schemas.microsoft.com/office/drawing/2014/main" id="{D7E0D00B-C606-4400-8129-9F9AC9984731}"/>
+              </a:ext>
+            </a:extLst>
+          </p:cNvPr>
+          <p:cNvSpPr>
+            <a:spLocks/>
+          </p:cNvSpPr>
+          <p:nvPr/>
+        </p:nvSpPr>
+        <p:spPr bwMode="auto">
+          <a:xfrm>
+            <a:off x="5582951" y="4038928"/>
+            <a:ext cx="408213" cy="407132"/>
+          </a:xfrm>
+          <a:custGeom>
+            <a:avLst/>
+            <a:gdLst>
+              <a:gd name="T0" fmla="*/ 4912 w 4912"/>
+              <a:gd name="T1" fmla="*/ 285 h 4899"/>
+              <a:gd name="T2" fmla="*/ 4627 w 4912"/>
+              <a:gd name="T3" fmla="*/ 0 h 4899"/>
+              <a:gd name="T4" fmla="*/ 2456 w 4912"/>
+              <a:gd name="T5" fmla="*/ 2165 h 4899"/>
+              <a:gd name="T6" fmla="*/ 285 w 4912"/>
+              <a:gd name="T7" fmla="*/ 0 h 4899"/>
+              <a:gd name="T8" fmla="*/ 0 w 4912"/>
+              <a:gd name="T9" fmla="*/ 285 h 4899"/>
+              <a:gd name="T10" fmla="*/ 2171 w 4912"/>
+              <a:gd name="T11" fmla="*/ 2450 h 4899"/>
+              <a:gd name="T12" fmla="*/ 0 w 4912"/>
+              <a:gd name="T13" fmla="*/ 4614 h 4899"/>
+              <a:gd name="T14" fmla="*/ 285 w 4912"/>
+              <a:gd name="T15" fmla="*/ 4899 h 4899"/>
+              <a:gd name="T16" fmla="*/ 2456 w 4912"/>
+              <a:gd name="T17" fmla="*/ 2734 h 4899"/>
+              <a:gd name="T18" fmla="*/ 4627 w 4912"/>
+              <a:gd name="T19" fmla="*/ 4899 h 4899"/>
+              <a:gd name="T20" fmla="*/ 4912 w 4912"/>
+              <a:gd name="T21" fmla="*/ 4614 h 4899"/>
+              <a:gd name="T22" fmla="*/ 2741 w 4912"/>
+              <a:gd name="T23" fmla="*/ 2450 h 4899"/>
+              <a:gd name="T24" fmla="*/ 4912 w 4912"/>
+              <a:gd name="T25" fmla="*/ 285 h 4899"/>
+            </a:gdLst>
+            <a:ahLst/>
+            <a:cxnLst>
+              <a:cxn ang="0">
+                <a:pos x="T0" y="T1"/>
+              </a:cxn>
+              <a:cxn ang="0">
+                <a:pos x="T2" y="T3"/>
+              </a:cxn>
+              <a:cxn ang="0">
+                <a:pos x="T4" y="T5"/>
+              </a:cxn>
+              <a:cxn ang="0">
+                <a:pos x="T6" y="T7"/>
+              </a:cxn>
+              <a:cxn ang="0">
+                <a:pos x="T8" y="T9"/>
+              </a:cxn>
+              <a:cxn ang="0">
+                <a:pos x="T10" y="T11"/>
+              </a:cxn>
+              <a:cxn ang="0">
+                <a:pos x="T12" y="T13"/>
+              </a:cxn>
+              <a:cxn ang="0">
+                <a:pos x="T14" y="T15"/>
+              </a:cxn>
+              <a:cxn ang="0">
+                <a:pos x="T16" y="T17"/>
+              </a:cxn>
+              <a:cxn ang="0">
+                <a:pos x="T18" y="T19"/>
+              </a:cxn>
+              <a:cxn ang="0">
+                <a:pos x="T20" y="T21"/>
+              </a:cxn>
+              <a:cxn ang="0">
+                <a:pos x="T22" y="T23"/>
+              </a:cxn>
+              <a:cxn ang="0">
+                <a:pos x="T24" y="T25"/>
+              </a:cxn>
+            </a:cxnLst>
+            <a:rect l="0" t="0" r="r" b="b"/>
+            <a:pathLst>
+              <a:path w="4912" h="4899">
+                <a:moveTo>
+                  <a:pt x="4912" y="285"/>
+                </a:moveTo>
+                <a:lnTo>
+                  <a:pt x="4627" y="0"/>
+                </a:lnTo>
+                <a:lnTo>
+                  <a:pt x="2456" y="2165"/>
+                </a:lnTo>
+                <a:lnTo>
+                  <a:pt x="285" y="0"/>
+                </a:lnTo>
+                <a:lnTo>
+                  <a:pt x="0" y="285"/>
+                </a:lnTo>
+                <a:lnTo>
+                  <a:pt x="2171" y="2450"/>
+                </a:lnTo>
+                <a:lnTo>
+                  <a:pt x="0" y="4614"/>
+                </a:lnTo>
+                <a:lnTo>
+                  <a:pt x="285" y="4899"/>
+                </a:lnTo>
+                <a:lnTo>
+                  <a:pt x="2456" y="2734"/>
+                </a:lnTo>
+                <a:lnTo>
+                  <a:pt x="4627" y="4899"/>
+                </a:lnTo>
+                <a:lnTo>
+                  <a:pt x="4912" y="4614"/>
+                </a:lnTo>
+                <a:lnTo>
+                  <a:pt x="2741" y="2450"/>
+                </a:lnTo>
+                <a:lnTo>
+                  <a:pt x="4912" y="285"/>
+                </a:lnTo>
+                <a:close/>
+              </a:path>
+            </a:pathLst>
+          </a:custGeom>
+          <a:solidFill>
+            <a:schemeClr val="tx1"/>
+          </a:solidFill>
+          <a:ln>
+            <a:noFill/>
+          </a:ln>
+        </p:spPr>
+        <p:txBody>
+          <a:bodyPr vert="horz" wrap="square" lIns="68580" tIns="34290" rIns="68580" bIns="34290" numCol="1" anchor="t" anchorCtr="0" compatLnSpc="1">
+            <a:prstTxWarp prst="textNoShape">
+              <a:avLst/>
+            </a:prstTxWarp>
+          </a:bodyPr>
+          <a:lstStyle/>
+          <a:p>
+            <a:endParaRPr lang="fr-FR" sz="1350"/>
+          </a:p>
+        </p:txBody>
+      </p:sp>
+      <p:sp>
+        <p:nvSpPr>
+          <p:cNvPr id="14" name="TextBox 4">
+            <a:extLst>
+              <a:ext uri="{FF2B5EF4-FFF2-40B4-BE49-F238E27FC236}">
+                <a16:creationId xmlns:a16="http://schemas.microsoft.com/office/drawing/2014/main" id="{BFE285CB-73F9-4A96-9A4A-50EB90871838}"/>
+              </a:ext>
+            </a:extLst>
+          </p:cNvPr>
+          <p:cNvSpPr txBox="1"/>
+          <p:nvPr/>
+        </p:nvSpPr>
+        <p:spPr>
+          <a:xfrm>
+            <a:off x="5054613" y="4835127"/>
+            <a:ext cx="1569713" cy="653256"/>
+          </a:xfrm>
+          <a:prstGeom prst="rect">
+            <a:avLst/>
+          </a:prstGeom>
+          <a:noFill/>
+        </p:spPr>
+        <p:txBody>
+          <a:bodyPr wrap="square" lIns="0" rtlCol="0" anchor="ctr">
+            <a:spAutoFit/>
+          </a:bodyPr>
+          <a:lstStyle/>
+          <a:p>
+            <a:pPr>
+              <a:lnSpc>
+                <a:spcPct val="90000"/>
+              </a:lnSpc>
+            </a:pPr>
+            <a:r>
+              <a:rPr lang="en-US" altLang="zh-TW" sz="4050" i="0" dirty="0">
+                <a:latin typeface="+mj-lt"/>
+                <a:cs typeface="Segoe UI Light" panose="020B0502040204020203" pitchFamily="34" charset="0"/>
+              </a:rPr>
+              <a:t>1/3</a:t>
+            </a:r>
+            <a:r>
+              <a:rPr lang="en-US" altLang="zh-TW" sz="4050" dirty="0">
+                <a:latin typeface="Segoe UI Light" panose="020B0502040204020203" pitchFamily="34" charset="0"/>
+                <a:cs typeface="Segoe UI Light" panose="020B0502040204020203" pitchFamily="34" charset="0"/>
+              </a:rPr>
+              <a:t> </a:t>
+            </a:r>
+            <a:r>
+              <a:rPr lang="en-US" altLang="zh-TW" sz="4050" i="0" dirty="0">
+                <a:latin typeface="+mj-lt"/>
+                <a:cs typeface="Segoe UI Light" panose="020B0502040204020203" pitchFamily="34" charset="0"/>
+              </a:rPr>
+              <a:t>1/5</a:t>
+            </a:r>
+            <a:endParaRPr lang="en-US" altLang="zh-TW" sz="4050" dirty="0">
+              <a:latin typeface="Segoe UI Light" panose="020B0502040204020203" pitchFamily="34" charset="0"/>
+              <a:cs typeface="Segoe UI Light" panose="020B0502040204020203" pitchFamily="34" charset="0"/>
+            </a:endParaRPr>
+          </a:p>
+        </p:txBody>
+      </p:sp>
+      <p:sp>
+        <p:nvSpPr>
+          <p:cNvPr id="15" name="Checkmark">
+            <a:extLst>
+              <a:ext uri="{FF2B5EF4-FFF2-40B4-BE49-F238E27FC236}">
+                <a16:creationId xmlns:a16="http://schemas.microsoft.com/office/drawing/2014/main" id="{87E36B24-A0FB-470A-A7EA-0596CC36231B}"/>
+              </a:ext>
+            </a:extLst>
+          </p:cNvPr>
+          <p:cNvSpPr>
+            <a:spLocks noChangeAspect="1"/>
+          </p:cNvSpPr>
+          <p:nvPr/>
+        </p:nvSpPr>
+        <p:spPr bwMode="auto">
+          <a:xfrm>
+            <a:off x="7486650" y="4039260"/>
+            <a:ext cx="540506" cy="406800"/>
+          </a:xfrm>
+          <a:custGeom>
+            <a:avLst/>
+            <a:gdLst>
+              <a:gd name="T0" fmla="*/ 480 w 518"/>
+              <a:gd name="T1" fmla="*/ 0 h 390"/>
+              <a:gd name="T2" fmla="*/ 166 w 518"/>
+              <a:gd name="T3" fmla="*/ 315 h 390"/>
+              <a:gd name="T4" fmla="*/ 38 w 518"/>
+              <a:gd name="T5" fmla="*/ 187 h 390"/>
+              <a:gd name="T6" fmla="*/ 0 w 518"/>
+              <a:gd name="T7" fmla="*/ 226 h 390"/>
+              <a:gd name="T8" fmla="*/ 166 w 518"/>
+              <a:gd name="T9" fmla="*/ 390 h 390"/>
+              <a:gd name="T10" fmla="*/ 518 w 518"/>
+              <a:gd name="T11" fmla="*/ 38 h 390"/>
+              <a:gd name="T12" fmla="*/ 480 w 518"/>
+              <a:gd name="T13" fmla="*/ 0 h 390"/>
+            </a:gdLst>
+            <a:ahLst/>
+            <a:cxnLst>
+              <a:cxn ang="0">
+                <a:pos x="T0" y="T1"/>
+              </a:cxn>
+              <a:cxn ang="0">
+                <a:pos x="T2" y="T3"/>
+              </a:cxn>
+              <a:cxn ang="0">
+                <a:pos x="T4" y="T5"/>
+              </a:cxn>
+              <a:cxn ang="0">
+                <a:pos x="T6" y="T7"/>
+              </a:cxn>
+              <a:cxn ang="0">
+                <a:pos x="T8" y="T9"/>
+              </a:cxn>
+              <a:cxn ang="0">
+                <a:pos x="T10" y="T11"/>
+              </a:cxn>
+              <a:cxn ang="0">
+                <a:pos x="T12" y="T13"/>
+              </a:cxn>
+            </a:cxnLst>
+            <a:rect l="0" t="0" r="r" b="b"/>
+            <a:pathLst>
+              <a:path w="518" h="390">
+                <a:moveTo>
+                  <a:pt x="480" y="0"/>
+                </a:moveTo>
+                <a:lnTo>
+                  <a:pt x="166" y="315"/>
+                </a:lnTo>
+                <a:lnTo>
+                  <a:pt x="38" y="187"/>
+                </a:lnTo>
+                <a:lnTo>
+                  <a:pt x="0" y="226"/>
+                </a:lnTo>
+                <a:lnTo>
+                  <a:pt x="166" y="390"/>
+                </a:lnTo>
+                <a:lnTo>
+                  <a:pt x="518" y="38"/>
+                </a:lnTo>
+                <a:lnTo>
+                  <a:pt x="480" y="0"/>
+                </a:lnTo>
+                <a:close/>
+              </a:path>
+            </a:pathLst>
+          </a:custGeom>
+          <a:solidFill>
+            <a:schemeClr val="accent1"/>
+          </a:solidFill>
+          <a:ln w="0">
+            <a:noFill/>
+            <a:prstDash val="solid"/>
+            <a:round/>
+            <a:headEnd/>
+            <a:tailEnd/>
+          </a:ln>
+        </p:spPr>
+        <p:txBody>
+          <a:bodyPr vert="horz" wrap="square" lIns="68580" tIns="34290" rIns="68580" bIns="34290" numCol="1" anchor="t" anchorCtr="0" compatLnSpc="1">
+            <a:prstTxWarp prst="textNoShape">
+              <a:avLst/>
+            </a:prstTxWarp>
+          </a:bodyPr>
+          <a:lstStyle>
+            <a:defPPr>
+              <a:defRPr lang="en-US"/>
+            </a:defPPr>
+            <a:lvl1pPr marL="0" algn="l" defTabSz="914400" rtl="0" eaLnBrk="1" latinLnBrk="0" hangingPunct="1">
+              <a:defRPr sz="1800" kern="1200">
+                <a:solidFill>
+                  <a:schemeClr val="tx1"/>
+                </a:solidFill>
+                <a:latin typeface="+mn-lt"/>
+                <a:ea typeface="+mn-ea"/>
+                <a:cs typeface="+mn-cs"/>
+              </a:defRPr>
+            </a:lvl1pPr>
+            <a:lvl2pPr marL="457200" algn="l" defTabSz="914400" rtl="0" eaLnBrk="1" latinLnBrk="0" hangingPunct="1">
+              <a:defRPr sz="1800" kern="1200">
+                <a:solidFill>
+                  <a:schemeClr val="tx1"/>
+                </a:solidFill>
+                <a:latin typeface="+mn-lt"/>
+                <a:ea typeface="+mn-ea"/>
+                <a:cs typeface="+mn-cs"/>
+              </a:defRPr>
+            </a:lvl2pPr>
+            <a:lvl3pPr marL="914400" algn="l" defTabSz="914400" rtl="0" eaLnBrk="1" latinLnBrk="0" hangingPunct="1">
+              <a:defRPr sz="1800" kern="1200">
+                <a:solidFill>
+                  <a:schemeClr val="tx1"/>
+                </a:solidFill>
+                <a:latin typeface="+mn-lt"/>
+                <a:ea typeface="+mn-ea"/>
+                <a:cs typeface="+mn-cs"/>
+              </a:defRPr>
+            </a:lvl3pPr>
+            <a:lvl4pPr marL="1371600" algn="l" defTabSz="914400" rtl="0" eaLnBrk="1" latinLnBrk="0" hangingPunct="1">
+              <a:defRPr sz="1800" kern="1200">
+                <a:solidFill>
+                  <a:schemeClr val="tx1"/>
+                </a:solidFill>
+                <a:latin typeface="+mn-lt"/>
+                <a:ea typeface="+mn-ea"/>
+                <a:cs typeface="+mn-cs"/>
+              </a:defRPr>
+            </a:lvl4pPr>
+            <a:lvl5pPr marL="1828800" algn="l" defTabSz="914400" rtl="0" eaLnBrk="1" latinLnBrk="0" hangingPunct="1">
+              <a:defRPr sz="1800" kern="1200">
+                <a:solidFill>
+                  <a:schemeClr val="tx1"/>
+                </a:solidFill>
+                <a:latin typeface="+mn-lt"/>
+                <a:ea typeface="+mn-ea"/>
+                <a:cs typeface="+mn-cs"/>
+              </a:defRPr>
+            </a:lvl5pPr>
+            <a:lvl6pPr marL="2286000" algn="l" defTabSz="914400" rtl="0" eaLnBrk="1" latinLnBrk="0" hangingPunct="1">
+              <a:defRPr sz="1800" kern="1200">
+                <a:solidFill>
+                  <a:schemeClr val="tx1"/>
+                </a:solidFill>
+                <a:latin typeface="+mn-lt"/>
+                <a:ea typeface="+mn-ea"/>
+                <a:cs typeface="+mn-cs"/>
+              </a:defRPr>
+            </a:lvl6pPr>
+            <a:lvl7pPr marL="2743200" algn="l" defTabSz="914400" rtl="0" eaLnBrk="1" latinLnBrk="0" hangingPunct="1">
+              <a:defRPr sz="1800" kern="1200">
+                <a:solidFill>
+                  <a:schemeClr val="tx1"/>
+                </a:solidFill>
+                <a:latin typeface="+mn-lt"/>
+                <a:ea typeface="+mn-ea"/>
+                <a:cs typeface="+mn-cs"/>
+              </a:defRPr>
+            </a:lvl7pPr>
+            <a:lvl8pPr marL="3200400" algn="l" defTabSz="914400" rtl="0" eaLnBrk="1" latinLnBrk="0" hangingPunct="1">
+              <a:defRPr sz="1800" kern="1200">
+                <a:solidFill>
+                  <a:schemeClr val="tx1"/>
+                </a:solidFill>
+                <a:latin typeface="+mn-lt"/>
+                <a:ea typeface="+mn-ea"/>
+                <a:cs typeface="+mn-cs"/>
+              </a:defRPr>
+            </a:lvl8pPr>
+            <a:lvl9pPr marL="3657600" algn="l" defTabSz="914400" rtl="0" eaLnBrk="1" latinLnBrk="0" hangingPunct="1">
+              <a:defRPr sz="1800" kern="1200">
+                <a:solidFill>
+                  <a:schemeClr val="tx1"/>
+                </a:solidFill>
+                <a:latin typeface="+mn-lt"/>
+                <a:ea typeface="+mn-ea"/>
+                <a:cs typeface="+mn-cs"/>
+              </a:defRPr>
+            </a:lvl9pPr>
+          </a:lstStyle>
+          <a:p>
+            <a:pPr algn="ctr"/>
+            <a:endParaRPr lang="en-US" sz="675"/>
+          </a:p>
+        </p:txBody>
+      </p:sp>
+      <p:sp>
+        <p:nvSpPr>
+          <p:cNvPr id="17" name="TextBox 4">
+            <a:extLst>
+              <a:ext uri="{FF2B5EF4-FFF2-40B4-BE49-F238E27FC236}">
+                <a16:creationId xmlns:a16="http://schemas.microsoft.com/office/drawing/2014/main" id="{1045D578-00AD-44C7-9960-D234840DCED7}"/>
+              </a:ext>
+            </a:extLst>
+          </p:cNvPr>
+          <p:cNvSpPr txBox="1"/>
+          <p:nvPr/>
+        </p:nvSpPr>
+        <p:spPr>
+          <a:xfrm>
+            <a:off x="6778355" y="4706938"/>
+            <a:ext cx="1957096" cy="1214179"/>
+          </a:xfrm>
+          <a:prstGeom prst="rect">
+            <a:avLst/>
+          </a:prstGeom>
+          <a:noFill/>
+        </p:spPr>
+        <p:txBody>
+          <a:bodyPr wrap="square" lIns="0" rtlCol="0" anchor="ctr">
+            <a:spAutoFit/>
+          </a:bodyPr>
+          <a:lstStyle/>
+          <a:p>
+            <a:pPr algn="ctr">
+              <a:lnSpc>
+                <a:spcPct val="90000"/>
+              </a:lnSpc>
+            </a:pPr>
+            <a:r>
+              <a:rPr lang="en-US" altLang="zh-TW" sz="4050" dirty="0">
+                <a:solidFill>
+                  <a:schemeClr val="accent1"/>
+                </a:solidFill>
+                <a:latin typeface="Segoe UI Light" panose="020B0502040204020203" pitchFamily="34" charset="0"/>
+                <a:cs typeface="Segoe UI Light" panose="020B0502040204020203" pitchFamily="34" charset="0"/>
+              </a:rPr>
+              <a:t>Real</a:t>
+            </a:r>
+          </a:p>
+          <a:p>
+            <a:pPr algn="ctr">
+              <a:lnSpc>
+                <a:spcPct val="90000"/>
+              </a:lnSpc>
+            </a:pPr>
+            <a:r>
+              <a:rPr lang="en-US" altLang="zh-TW" sz="4050" dirty="0">
+                <a:solidFill>
+                  <a:schemeClr val="accent1"/>
+                </a:solidFill>
+                <a:latin typeface="Segoe UI Light" panose="020B0502040204020203" pitchFamily="34" charset="0"/>
+                <a:cs typeface="Segoe UI Light" panose="020B0502040204020203" pitchFamily="34" charset="0"/>
+              </a:rPr>
+              <a:t>Demand</a:t>
+            </a:r>
+          </a:p>
+        </p:txBody>
+      </p:sp>
+      <p:pic>
+        <p:nvPicPr>
+          <p:cNvPr id="4" name="圖片 3">
+            <a:extLst>
+              <a:ext uri="{FF2B5EF4-FFF2-40B4-BE49-F238E27FC236}">
+                <a16:creationId xmlns:a16="http://schemas.microsoft.com/office/drawing/2014/main" id="{A3501C6D-1B7A-4B50-9696-7C57FA7069DB}"/>
+              </a:ext>
+            </a:extLst>
+          </p:cNvPr>
+          <p:cNvPicPr>
+            <a:picLocks noChangeAspect="1"/>
+          </p:cNvPicPr>
+          <p:nvPr/>
+        </p:nvPicPr>
+        <p:blipFill>
+          <a:blip r:embed="rId3">
+            <a:clrChange>
+              <a:clrFrom>
+                <a:srgbClr val="FFFFFF"/>
+              </a:clrFrom>
+              <a:clrTo>
+                <a:srgbClr val="FFFFFF">
+                  <a:alpha val="0"/>
+                </a:srgbClr>
+              </a:clrTo>
+            </a:clrChange>
+          </a:blip>
+          <a:stretch>
+            <a:fillRect/>
+          </a:stretch>
+        </p:blipFill>
+        <p:spPr>
+          <a:xfrm>
+            <a:off x="0" y="-1"/>
+            <a:ext cx="4630332" cy="3465514"/>
+          </a:xfrm>
+          <a:prstGeom prst="rect">
+            <a:avLst/>
+          </a:prstGeom>
+        </p:spPr>
+      </p:pic>
+      <p:pic>
+        <p:nvPicPr>
+          <p:cNvPr id="7" name="圖片 6">
+            <a:extLst>
+              <a:ext uri="{FF2B5EF4-FFF2-40B4-BE49-F238E27FC236}">
+                <a16:creationId xmlns:a16="http://schemas.microsoft.com/office/drawing/2014/main" id="{41D12CFC-1745-4625-8F1B-85E3C70FBA37}"/>
+              </a:ext>
+            </a:extLst>
+          </p:cNvPr>
+          <p:cNvPicPr>
+            <a:picLocks noChangeAspect="1"/>
+          </p:cNvPicPr>
+          <p:nvPr/>
+        </p:nvPicPr>
+        <p:blipFill>
+          <a:blip r:embed="rId4">
+            <a:clrChange>
+              <a:clrFrom>
+                <a:srgbClr val="FFFFFF"/>
+              </a:clrFrom>
+              <a:clrTo>
+                <a:srgbClr val="FFFFFF">
+                  <a:alpha val="0"/>
+                </a:srgbClr>
+              </a:clrTo>
+            </a:clrChange>
+          </a:blip>
+          <a:stretch>
+            <a:fillRect/>
+          </a:stretch>
+        </p:blipFill>
+        <p:spPr>
+          <a:xfrm>
+            <a:off x="0" y="3392486"/>
+            <a:ext cx="4630332" cy="3465514"/>
+          </a:xfrm>
+          <a:prstGeom prst="rect">
+            <a:avLst/>
+          </a:prstGeom>
+        </p:spPr>
+      </p:pic>
+    </p:spTree>
+    <p:extLst>
+      <p:ext uri="{BB962C8B-B14F-4D97-AF65-F5344CB8AC3E}">
+        <p14:creationId xmlns:p14="http://schemas.microsoft.com/office/powerpoint/2010/main" val="1440482650"/>
+      </p:ext>
+    </p:extLst>
+  </p:cSld>
+  <p:clrMapOvr>
+    <a:masterClrMapping/>
+  </p:clrMapOvr>
+  <mc:AlternateContent xmlns:mc="http://schemas.openxmlformats.org/markup-compatibility/2006" xmlns:p14="http://schemas.microsoft.com/office/powerpoint/2010/main">
+    <mc:Choice Requires="p14">
+      <p:transition spd="med" p14:dur="700">
+        <p:fade/>
+      </p:transition>
+    </mc:Choice>
+    <mc:Fallback xmlns="">
+      <p:transition spd="med">
+        <p:fade/>
+      </p:transition>
+    </mc:Fallback>
+  </mc:AlternateContent>
+  <p:timing>
+    <p:tnLst>
+      <p:par>
+        <p:cTn id="1" dur="indefinite" restart="never" nodeType="tmRoot"/>
+      </p:par>
+    </p:tnLst>
+  </p:timing>
+</p:sld>
+</file>
+
+<file path=ppt/slides/slide20.xml><?xml version="1.0" encoding="utf-8"?>
+<p:sld xmlns:a="http://schemas.openxmlformats.org/drawingml/2006/main" xmlns:r="http://schemas.openxmlformats.org/officeDocument/2006/relationships" xmlns:p="http://schemas.openxmlformats.org/presentationml/2006/main">
+  <p:cSld>
+    <p:spTree>
+      <p:nvGrpSpPr>
+        <p:cNvPr id="1" name=""/>
+        <p:cNvGrpSpPr/>
+        <p:nvPr/>
+      </p:nvGrpSpPr>
+      <p:grpSpPr>
+        <a:xfrm>
+          <a:off x="0" y="0"/>
+          <a:ext cx="0" cy="0"/>
+          <a:chOff x="0" y="0"/>
+          <a:chExt cx="0" cy="0"/>
+        </a:xfrm>
+      </p:grpSpPr>
+      <p:sp>
+        <p:nvSpPr>
           <p:cNvPr id="2" name="文字版面配置區 1">
             <a:extLst>
               <a:ext uri="{FF2B5EF4-FFF2-40B4-BE49-F238E27FC236}">
@@ -12733,7 +14126,7 @@
           <a:p>
             <a:fld id="{2DDD7CF1-F89F-4FD9-B1E5-7228A8EA728A}" type="slidenum">
               <a:rPr lang="zh-TW" altLang="en-US" smtClean="0"/>
-              <a:t>19</a:t>
+              <a:t>20</a:t>
             </a:fld>
             <a:endParaRPr lang="zh-TW" altLang="en-US" dirty="0"/>
           </a:p>
@@ -13325,782 +14718,13 @@
       </p:transition>
     </mc:Fallback>
   </mc:AlternateContent>
-</p:sld>
-</file>
-
-<file path=ppt/slides/slide2.xml><?xml version="1.0" encoding="utf-8"?>
-<p:sld xmlns:a="http://schemas.openxmlformats.org/drawingml/2006/main" xmlns:r="http://schemas.openxmlformats.org/officeDocument/2006/relationships" xmlns:p="http://schemas.openxmlformats.org/presentationml/2006/main">
-  <p:cSld>
-    <p:spTree>
-      <p:nvGrpSpPr>
-        <p:cNvPr id="1" name=""/>
-        <p:cNvGrpSpPr/>
-        <p:nvPr/>
-      </p:nvGrpSpPr>
-      <p:grpSpPr>
-        <a:xfrm>
-          <a:off x="0" y="0"/>
-          <a:ext cx="0" cy="0"/>
-          <a:chOff x="0" y="0"/>
-          <a:chExt cx="0" cy="0"/>
-        </a:xfrm>
-      </p:grpSpPr>
-      <p:sp>
-        <p:nvSpPr>
-          <p:cNvPr id="5" name="TextBox 4"/>
-          <p:cNvSpPr txBox="1"/>
-          <p:nvPr/>
-        </p:nvSpPr>
-        <p:spPr>
-          <a:xfrm>
-            <a:off x="5221697" y="2726573"/>
-            <a:ext cx="3293653" cy="653256"/>
-          </a:xfrm>
-          <a:prstGeom prst="rect">
-            <a:avLst/>
-          </a:prstGeom>
-          <a:noFill/>
-        </p:spPr>
-        <p:txBody>
-          <a:bodyPr wrap="square" lIns="0" rtlCol="0" anchor="ctr">
-            <a:spAutoFit/>
-          </a:bodyPr>
-          <a:lstStyle/>
-          <a:p>
-            <a:pPr>
-              <a:lnSpc>
-                <a:spcPct val="90000"/>
-              </a:lnSpc>
-            </a:pPr>
-            <a:r>
-              <a:rPr lang="en-US" altLang="zh-TW" sz="4050" dirty="0">
-                <a:latin typeface="Segoe UI" panose="020B0502040204020203" pitchFamily="34" charset="0"/>
-                <a:cs typeface="Segoe UI" panose="020B0502040204020203" pitchFamily="34" charset="0"/>
-              </a:rPr>
-              <a:t>Reduce Rebar</a:t>
-            </a:r>
-          </a:p>
-        </p:txBody>
-      </p:sp>
-      <p:sp>
-        <p:nvSpPr>
-          <p:cNvPr id="2" name="投影片編號版面配置區 1">
-            <a:extLst>
-              <a:ext uri="{FF2B5EF4-FFF2-40B4-BE49-F238E27FC236}">
-                <a16:creationId xmlns:a16="http://schemas.microsoft.com/office/drawing/2014/main" id="{030D6E5E-37A6-45CE-BD3B-381222D6A719}"/>
-              </a:ext>
-            </a:extLst>
-          </p:cNvPr>
-          <p:cNvSpPr>
-            <a:spLocks noGrp="1"/>
-          </p:cNvSpPr>
-          <p:nvPr>
-            <p:ph type="sldNum" sz="quarter" idx="12"/>
-          </p:nvPr>
-        </p:nvSpPr>
-        <p:spPr/>
-        <p:txBody>
-          <a:bodyPr/>
-          <a:lstStyle/>
-          <a:p>
-            <a:fld id="{2DDD7CF1-F89F-4FD9-B1E5-7228A8EA728A}" type="slidenum">
-              <a:rPr lang="zh-TW" altLang="en-US" smtClean="0"/>
-              <a:t>2</a:t>
-            </a:fld>
-            <a:endParaRPr lang="zh-TW" altLang="en-US"/>
-          </a:p>
-        </p:txBody>
-      </p:sp>
-      <p:sp>
-        <p:nvSpPr>
-          <p:cNvPr id="12" name="Freeform 5">
-            <a:extLst>
-              <a:ext uri="{FF2B5EF4-FFF2-40B4-BE49-F238E27FC236}">
-                <a16:creationId xmlns:a16="http://schemas.microsoft.com/office/drawing/2014/main" id="{D7E0D00B-C606-4400-8129-9F9AC9984731}"/>
-              </a:ext>
-            </a:extLst>
-          </p:cNvPr>
-          <p:cNvSpPr>
-            <a:spLocks/>
-          </p:cNvSpPr>
-          <p:nvPr/>
-        </p:nvSpPr>
-        <p:spPr bwMode="auto">
-          <a:xfrm>
-            <a:off x="5582951" y="4038928"/>
-            <a:ext cx="408213" cy="407132"/>
-          </a:xfrm>
-          <a:custGeom>
-            <a:avLst/>
-            <a:gdLst>
-              <a:gd name="T0" fmla="*/ 4912 w 4912"/>
-              <a:gd name="T1" fmla="*/ 285 h 4899"/>
-              <a:gd name="T2" fmla="*/ 4627 w 4912"/>
-              <a:gd name="T3" fmla="*/ 0 h 4899"/>
-              <a:gd name="T4" fmla="*/ 2456 w 4912"/>
-              <a:gd name="T5" fmla="*/ 2165 h 4899"/>
-              <a:gd name="T6" fmla="*/ 285 w 4912"/>
-              <a:gd name="T7" fmla="*/ 0 h 4899"/>
-              <a:gd name="T8" fmla="*/ 0 w 4912"/>
-              <a:gd name="T9" fmla="*/ 285 h 4899"/>
-              <a:gd name="T10" fmla="*/ 2171 w 4912"/>
-              <a:gd name="T11" fmla="*/ 2450 h 4899"/>
-              <a:gd name="T12" fmla="*/ 0 w 4912"/>
-              <a:gd name="T13" fmla="*/ 4614 h 4899"/>
-              <a:gd name="T14" fmla="*/ 285 w 4912"/>
-              <a:gd name="T15" fmla="*/ 4899 h 4899"/>
-              <a:gd name="T16" fmla="*/ 2456 w 4912"/>
-              <a:gd name="T17" fmla="*/ 2734 h 4899"/>
-              <a:gd name="T18" fmla="*/ 4627 w 4912"/>
-              <a:gd name="T19" fmla="*/ 4899 h 4899"/>
-              <a:gd name="T20" fmla="*/ 4912 w 4912"/>
-              <a:gd name="T21" fmla="*/ 4614 h 4899"/>
-              <a:gd name="T22" fmla="*/ 2741 w 4912"/>
-              <a:gd name="T23" fmla="*/ 2450 h 4899"/>
-              <a:gd name="T24" fmla="*/ 4912 w 4912"/>
-              <a:gd name="T25" fmla="*/ 285 h 4899"/>
-            </a:gdLst>
-            <a:ahLst/>
-            <a:cxnLst>
-              <a:cxn ang="0">
-                <a:pos x="T0" y="T1"/>
-              </a:cxn>
-              <a:cxn ang="0">
-                <a:pos x="T2" y="T3"/>
-              </a:cxn>
-              <a:cxn ang="0">
-                <a:pos x="T4" y="T5"/>
-              </a:cxn>
-              <a:cxn ang="0">
-                <a:pos x="T6" y="T7"/>
-              </a:cxn>
-              <a:cxn ang="0">
-                <a:pos x="T8" y="T9"/>
-              </a:cxn>
-              <a:cxn ang="0">
-                <a:pos x="T10" y="T11"/>
-              </a:cxn>
-              <a:cxn ang="0">
-                <a:pos x="T12" y="T13"/>
-              </a:cxn>
-              <a:cxn ang="0">
-                <a:pos x="T14" y="T15"/>
-              </a:cxn>
-              <a:cxn ang="0">
-                <a:pos x="T16" y="T17"/>
-              </a:cxn>
-              <a:cxn ang="0">
-                <a:pos x="T18" y="T19"/>
-              </a:cxn>
-              <a:cxn ang="0">
-                <a:pos x="T20" y="T21"/>
-              </a:cxn>
-              <a:cxn ang="0">
-                <a:pos x="T22" y="T23"/>
-              </a:cxn>
-              <a:cxn ang="0">
-                <a:pos x="T24" y="T25"/>
-              </a:cxn>
-            </a:cxnLst>
-            <a:rect l="0" t="0" r="r" b="b"/>
-            <a:pathLst>
-              <a:path w="4912" h="4899">
-                <a:moveTo>
-                  <a:pt x="4912" y="285"/>
-                </a:moveTo>
-                <a:lnTo>
-                  <a:pt x="4627" y="0"/>
-                </a:lnTo>
-                <a:lnTo>
-                  <a:pt x="2456" y="2165"/>
-                </a:lnTo>
-                <a:lnTo>
-                  <a:pt x="285" y="0"/>
-                </a:lnTo>
-                <a:lnTo>
-                  <a:pt x="0" y="285"/>
-                </a:lnTo>
-                <a:lnTo>
-                  <a:pt x="2171" y="2450"/>
-                </a:lnTo>
-                <a:lnTo>
-                  <a:pt x="0" y="4614"/>
-                </a:lnTo>
-                <a:lnTo>
-                  <a:pt x="285" y="4899"/>
-                </a:lnTo>
-                <a:lnTo>
-                  <a:pt x="2456" y="2734"/>
-                </a:lnTo>
-                <a:lnTo>
-                  <a:pt x="4627" y="4899"/>
-                </a:lnTo>
-                <a:lnTo>
-                  <a:pt x="4912" y="4614"/>
-                </a:lnTo>
-                <a:lnTo>
-                  <a:pt x="2741" y="2450"/>
-                </a:lnTo>
-                <a:lnTo>
-                  <a:pt x="4912" y="285"/>
-                </a:lnTo>
-                <a:close/>
-              </a:path>
-            </a:pathLst>
-          </a:custGeom>
-          <a:solidFill>
-            <a:schemeClr val="tx1"/>
-          </a:solidFill>
-          <a:ln>
-            <a:noFill/>
-          </a:ln>
-        </p:spPr>
-        <p:txBody>
-          <a:bodyPr vert="horz" wrap="square" lIns="68580" tIns="34290" rIns="68580" bIns="34290" numCol="1" anchor="t" anchorCtr="0" compatLnSpc="1">
-            <a:prstTxWarp prst="textNoShape">
-              <a:avLst/>
-            </a:prstTxWarp>
-          </a:bodyPr>
-          <a:lstStyle/>
-          <a:p>
-            <a:endParaRPr lang="fr-FR" sz="1350"/>
-          </a:p>
-        </p:txBody>
-      </p:sp>
-      <p:sp>
-        <p:nvSpPr>
-          <p:cNvPr id="14" name="TextBox 4">
-            <a:extLst>
-              <a:ext uri="{FF2B5EF4-FFF2-40B4-BE49-F238E27FC236}">
-                <a16:creationId xmlns:a16="http://schemas.microsoft.com/office/drawing/2014/main" id="{BFE285CB-73F9-4A96-9A4A-50EB90871838}"/>
-              </a:ext>
-            </a:extLst>
-          </p:cNvPr>
-          <p:cNvSpPr txBox="1"/>
-          <p:nvPr/>
-        </p:nvSpPr>
-        <p:spPr>
-          <a:xfrm>
-            <a:off x="5054613" y="4835127"/>
-            <a:ext cx="1569713" cy="653256"/>
-          </a:xfrm>
-          <a:prstGeom prst="rect">
-            <a:avLst/>
-          </a:prstGeom>
-          <a:noFill/>
-        </p:spPr>
-        <p:txBody>
-          <a:bodyPr wrap="square" lIns="0" rtlCol="0" anchor="ctr">
-            <a:spAutoFit/>
-          </a:bodyPr>
-          <a:lstStyle/>
-          <a:p>
-            <a:pPr>
-              <a:lnSpc>
-                <a:spcPct val="90000"/>
-              </a:lnSpc>
-            </a:pPr>
-            <a:r>
-              <a:rPr lang="en-US" altLang="zh-TW" sz="4050" i="0" dirty="0">
-                <a:latin typeface="+mj-lt"/>
-                <a:cs typeface="Segoe UI Light" panose="020B0502040204020203" pitchFamily="34" charset="0"/>
-              </a:rPr>
-              <a:t>1/3</a:t>
-            </a:r>
-            <a:r>
-              <a:rPr lang="en-US" altLang="zh-TW" sz="4050" dirty="0">
-                <a:latin typeface="Segoe UI Light" panose="020B0502040204020203" pitchFamily="34" charset="0"/>
-                <a:cs typeface="Segoe UI Light" panose="020B0502040204020203" pitchFamily="34" charset="0"/>
-              </a:rPr>
-              <a:t> </a:t>
-            </a:r>
-            <a:r>
-              <a:rPr lang="en-US" altLang="zh-TW" sz="4050" i="0" dirty="0">
-                <a:latin typeface="+mj-lt"/>
-                <a:cs typeface="Segoe UI Light" panose="020B0502040204020203" pitchFamily="34" charset="0"/>
-              </a:rPr>
-              <a:t>1/5</a:t>
-            </a:r>
-            <a:endParaRPr lang="en-US" altLang="zh-TW" sz="4050" dirty="0">
-              <a:latin typeface="Segoe UI Light" panose="020B0502040204020203" pitchFamily="34" charset="0"/>
-              <a:cs typeface="Segoe UI Light" panose="020B0502040204020203" pitchFamily="34" charset="0"/>
-            </a:endParaRPr>
-          </a:p>
-        </p:txBody>
-      </p:sp>
-      <p:sp>
-        <p:nvSpPr>
-          <p:cNvPr id="15" name="Checkmark">
-            <a:extLst>
-              <a:ext uri="{FF2B5EF4-FFF2-40B4-BE49-F238E27FC236}">
-                <a16:creationId xmlns:a16="http://schemas.microsoft.com/office/drawing/2014/main" id="{87E36B24-A0FB-470A-A7EA-0596CC36231B}"/>
-              </a:ext>
-            </a:extLst>
-          </p:cNvPr>
-          <p:cNvSpPr>
-            <a:spLocks noChangeAspect="1"/>
-          </p:cNvSpPr>
-          <p:nvPr/>
-        </p:nvSpPr>
-        <p:spPr bwMode="auto">
-          <a:xfrm>
-            <a:off x="7486650" y="4039260"/>
-            <a:ext cx="540506" cy="406800"/>
-          </a:xfrm>
-          <a:custGeom>
-            <a:avLst/>
-            <a:gdLst>
-              <a:gd name="T0" fmla="*/ 480 w 518"/>
-              <a:gd name="T1" fmla="*/ 0 h 390"/>
-              <a:gd name="T2" fmla="*/ 166 w 518"/>
-              <a:gd name="T3" fmla="*/ 315 h 390"/>
-              <a:gd name="T4" fmla="*/ 38 w 518"/>
-              <a:gd name="T5" fmla="*/ 187 h 390"/>
-              <a:gd name="T6" fmla="*/ 0 w 518"/>
-              <a:gd name="T7" fmla="*/ 226 h 390"/>
-              <a:gd name="T8" fmla="*/ 166 w 518"/>
-              <a:gd name="T9" fmla="*/ 390 h 390"/>
-              <a:gd name="T10" fmla="*/ 518 w 518"/>
-              <a:gd name="T11" fmla="*/ 38 h 390"/>
-              <a:gd name="T12" fmla="*/ 480 w 518"/>
-              <a:gd name="T13" fmla="*/ 0 h 390"/>
-            </a:gdLst>
-            <a:ahLst/>
-            <a:cxnLst>
-              <a:cxn ang="0">
-                <a:pos x="T0" y="T1"/>
-              </a:cxn>
-              <a:cxn ang="0">
-                <a:pos x="T2" y="T3"/>
-              </a:cxn>
-              <a:cxn ang="0">
-                <a:pos x="T4" y="T5"/>
-              </a:cxn>
-              <a:cxn ang="0">
-                <a:pos x="T6" y="T7"/>
-              </a:cxn>
-              <a:cxn ang="0">
-                <a:pos x="T8" y="T9"/>
-              </a:cxn>
-              <a:cxn ang="0">
-                <a:pos x="T10" y="T11"/>
-              </a:cxn>
-              <a:cxn ang="0">
-                <a:pos x="T12" y="T13"/>
-              </a:cxn>
-            </a:cxnLst>
-            <a:rect l="0" t="0" r="r" b="b"/>
-            <a:pathLst>
-              <a:path w="518" h="390">
-                <a:moveTo>
-                  <a:pt x="480" y="0"/>
-                </a:moveTo>
-                <a:lnTo>
-                  <a:pt x="166" y="315"/>
-                </a:lnTo>
-                <a:lnTo>
-                  <a:pt x="38" y="187"/>
-                </a:lnTo>
-                <a:lnTo>
-                  <a:pt x="0" y="226"/>
-                </a:lnTo>
-                <a:lnTo>
-                  <a:pt x="166" y="390"/>
-                </a:lnTo>
-                <a:lnTo>
-                  <a:pt x="518" y="38"/>
-                </a:lnTo>
-                <a:lnTo>
-                  <a:pt x="480" y="0"/>
-                </a:lnTo>
-                <a:close/>
-              </a:path>
-            </a:pathLst>
-          </a:custGeom>
-          <a:solidFill>
-            <a:schemeClr val="accent1"/>
-          </a:solidFill>
-          <a:ln w="0">
-            <a:noFill/>
-            <a:prstDash val="solid"/>
-            <a:round/>
-            <a:headEnd/>
-            <a:tailEnd/>
-          </a:ln>
-        </p:spPr>
-        <p:txBody>
-          <a:bodyPr vert="horz" wrap="square" lIns="68580" tIns="34290" rIns="68580" bIns="34290" numCol="1" anchor="t" anchorCtr="0" compatLnSpc="1">
-            <a:prstTxWarp prst="textNoShape">
-              <a:avLst/>
-            </a:prstTxWarp>
-          </a:bodyPr>
-          <a:lstStyle>
-            <a:defPPr>
-              <a:defRPr lang="en-US"/>
-            </a:defPPr>
-            <a:lvl1pPr marL="0" algn="l" defTabSz="914400" rtl="0" eaLnBrk="1" latinLnBrk="0" hangingPunct="1">
-              <a:defRPr sz="1800" kern="1200">
-                <a:solidFill>
-                  <a:schemeClr val="tx1"/>
-                </a:solidFill>
-                <a:latin typeface="+mn-lt"/>
-                <a:ea typeface="+mn-ea"/>
-                <a:cs typeface="+mn-cs"/>
-              </a:defRPr>
-            </a:lvl1pPr>
-            <a:lvl2pPr marL="457200" algn="l" defTabSz="914400" rtl="0" eaLnBrk="1" latinLnBrk="0" hangingPunct="1">
-              <a:defRPr sz="1800" kern="1200">
-                <a:solidFill>
-                  <a:schemeClr val="tx1"/>
-                </a:solidFill>
-                <a:latin typeface="+mn-lt"/>
-                <a:ea typeface="+mn-ea"/>
-                <a:cs typeface="+mn-cs"/>
-              </a:defRPr>
-            </a:lvl2pPr>
-            <a:lvl3pPr marL="914400" algn="l" defTabSz="914400" rtl="0" eaLnBrk="1" latinLnBrk="0" hangingPunct="1">
-              <a:defRPr sz="1800" kern="1200">
-                <a:solidFill>
-                  <a:schemeClr val="tx1"/>
-                </a:solidFill>
-                <a:latin typeface="+mn-lt"/>
-                <a:ea typeface="+mn-ea"/>
-                <a:cs typeface="+mn-cs"/>
-              </a:defRPr>
-            </a:lvl3pPr>
-            <a:lvl4pPr marL="1371600" algn="l" defTabSz="914400" rtl="0" eaLnBrk="1" latinLnBrk="0" hangingPunct="1">
-              <a:defRPr sz="1800" kern="1200">
-                <a:solidFill>
-                  <a:schemeClr val="tx1"/>
-                </a:solidFill>
-                <a:latin typeface="+mn-lt"/>
-                <a:ea typeface="+mn-ea"/>
-                <a:cs typeface="+mn-cs"/>
-              </a:defRPr>
-            </a:lvl4pPr>
-            <a:lvl5pPr marL="1828800" algn="l" defTabSz="914400" rtl="0" eaLnBrk="1" latinLnBrk="0" hangingPunct="1">
-              <a:defRPr sz="1800" kern="1200">
-                <a:solidFill>
-                  <a:schemeClr val="tx1"/>
-                </a:solidFill>
-                <a:latin typeface="+mn-lt"/>
-                <a:ea typeface="+mn-ea"/>
-                <a:cs typeface="+mn-cs"/>
-              </a:defRPr>
-            </a:lvl5pPr>
-            <a:lvl6pPr marL="2286000" algn="l" defTabSz="914400" rtl="0" eaLnBrk="1" latinLnBrk="0" hangingPunct="1">
-              <a:defRPr sz="1800" kern="1200">
-                <a:solidFill>
-                  <a:schemeClr val="tx1"/>
-                </a:solidFill>
-                <a:latin typeface="+mn-lt"/>
-                <a:ea typeface="+mn-ea"/>
-                <a:cs typeface="+mn-cs"/>
-              </a:defRPr>
-            </a:lvl6pPr>
-            <a:lvl7pPr marL="2743200" algn="l" defTabSz="914400" rtl="0" eaLnBrk="1" latinLnBrk="0" hangingPunct="1">
-              <a:defRPr sz="1800" kern="1200">
-                <a:solidFill>
-                  <a:schemeClr val="tx1"/>
-                </a:solidFill>
-                <a:latin typeface="+mn-lt"/>
-                <a:ea typeface="+mn-ea"/>
-                <a:cs typeface="+mn-cs"/>
-              </a:defRPr>
-            </a:lvl7pPr>
-            <a:lvl8pPr marL="3200400" algn="l" defTabSz="914400" rtl="0" eaLnBrk="1" latinLnBrk="0" hangingPunct="1">
-              <a:defRPr sz="1800" kern="1200">
-                <a:solidFill>
-                  <a:schemeClr val="tx1"/>
-                </a:solidFill>
-                <a:latin typeface="+mn-lt"/>
-                <a:ea typeface="+mn-ea"/>
-                <a:cs typeface="+mn-cs"/>
-              </a:defRPr>
-            </a:lvl8pPr>
-            <a:lvl9pPr marL="3657600" algn="l" defTabSz="914400" rtl="0" eaLnBrk="1" latinLnBrk="0" hangingPunct="1">
-              <a:defRPr sz="1800" kern="1200">
-                <a:solidFill>
-                  <a:schemeClr val="tx1"/>
-                </a:solidFill>
-                <a:latin typeface="+mn-lt"/>
-                <a:ea typeface="+mn-ea"/>
-                <a:cs typeface="+mn-cs"/>
-              </a:defRPr>
-            </a:lvl9pPr>
-          </a:lstStyle>
-          <a:p>
-            <a:pPr algn="ctr"/>
-            <a:endParaRPr lang="en-US" sz="675"/>
-          </a:p>
-        </p:txBody>
-      </p:sp>
-      <p:sp>
-        <p:nvSpPr>
-          <p:cNvPr id="17" name="TextBox 4">
-            <a:extLst>
-              <a:ext uri="{FF2B5EF4-FFF2-40B4-BE49-F238E27FC236}">
-                <a16:creationId xmlns:a16="http://schemas.microsoft.com/office/drawing/2014/main" id="{1045D578-00AD-44C7-9960-D234840DCED7}"/>
-              </a:ext>
-            </a:extLst>
-          </p:cNvPr>
-          <p:cNvSpPr txBox="1"/>
-          <p:nvPr/>
-        </p:nvSpPr>
-        <p:spPr>
-          <a:xfrm>
-            <a:off x="6778355" y="4706938"/>
-            <a:ext cx="1957096" cy="1214179"/>
-          </a:xfrm>
-          <a:prstGeom prst="rect">
-            <a:avLst/>
-          </a:prstGeom>
-          <a:noFill/>
-        </p:spPr>
-        <p:txBody>
-          <a:bodyPr wrap="square" lIns="0" rtlCol="0" anchor="ctr">
-            <a:spAutoFit/>
-          </a:bodyPr>
-          <a:lstStyle/>
-          <a:p>
-            <a:pPr algn="ctr">
-              <a:lnSpc>
-                <a:spcPct val="90000"/>
-              </a:lnSpc>
-            </a:pPr>
-            <a:r>
-              <a:rPr lang="en-US" altLang="zh-TW" sz="4050" dirty="0">
-                <a:solidFill>
-                  <a:schemeClr val="accent1"/>
-                </a:solidFill>
-                <a:latin typeface="Segoe UI Light" panose="020B0502040204020203" pitchFamily="34" charset="0"/>
-                <a:cs typeface="Segoe UI Light" panose="020B0502040204020203" pitchFamily="34" charset="0"/>
-              </a:rPr>
-              <a:t>Real</a:t>
-            </a:r>
-          </a:p>
-          <a:p>
-            <a:pPr algn="ctr">
-              <a:lnSpc>
-                <a:spcPct val="90000"/>
-              </a:lnSpc>
-            </a:pPr>
-            <a:r>
-              <a:rPr lang="en-US" altLang="zh-TW" sz="4050" dirty="0">
-                <a:solidFill>
-                  <a:schemeClr val="accent1"/>
-                </a:solidFill>
-                <a:latin typeface="Segoe UI Light" panose="020B0502040204020203" pitchFamily="34" charset="0"/>
-                <a:cs typeface="Segoe UI Light" panose="020B0502040204020203" pitchFamily="34" charset="0"/>
-              </a:rPr>
-              <a:t>Demand</a:t>
-            </a:r>
-          </a:p>
-        </p:txBody>
-      </p:sp>
-      <p:pic>
-        <p:nvPicPr>
-          <p:cNvPr id="4" name="圖片 3">
-            <a:extLst>
-              <a:ext uri="{FF2B5EF4-FFF2-40B4-BE49-F238E27FC236}">
-                <a16:creationId xmlns:a16="http://schemas.microsoft.com/office/drawing/2014/main" id="{A3501C6D-1B7A-4B50-9696-7C57FA7069DB}"/>
-              </a:ext>
-            </a:extLst>
-          </p:cNvPr>
-          <p:cNvPicPr>
-            <a:picLocks noChangeAspect="1"/>
-          </p:cNvPicPr>
-          <p:nvPr/>
-        </p:nvPicPr>
-        <p:blipFill>
-          <a:blip r:embed="rId3">
-            <a:clrChange>
-              <a:clrFrom>
-                <a:srgbClr val="FFFFFF"/>
-              </a:clrFrom>
-              <a:clrTo>
-                <a:srgbClr val="FFFFFF">
-                  <a:alpha val="0"/>
-                </a:srgbClr>
-              </a:clrTo>
-            </a:clrChange>
-          </a:blip>
-          <a:stretch>
-            <a:fillRect/>
-          </a:stretch>
-        </p:blipFill>
-        <p:spPr>
-          <a:xfrm>
-            <a:off x="0" y="-1"/>
-            <a:ext cx="4630332" cy="3465514"/>
-          </a:xfrm>
-          <a:prstGeom prst="rect">
-            <a:avLst/>
-          </a:prstGeom>
-        </p:spPr>
-      </p:pic>
-      <p:pic>
-        <p:nvPicPr>
-          <p:cNvPr id="7" name="圖片 6">
-            <a:extLst>
-              <a:ext uri="{FF2B5EF4-FFF2-40B4-BE49-F238E27FC236}">
-                <a16:creationId xmlns:a16="http://schemas.microsoft.com/office/drawing/2014/main" id="{41D12CFC-1745-4625-8F1B-85E3C70FBA37}"/>
-              </a:ext>
-            </a:extLst>
-          </p:cNvPr>
-          <p:cNvPicPr>
-            <a:picLocks noChangeAspect="1"/>
-          </p:cNvPicPr>
-          <p:nvPr/>
-        </p:nvPicPr>
-        <p:blipFill>
-          <a:blip r:embed="rId4">
-            <a:clrChange>
-              <a:clrFrom>
-                <a:srgbClr val="FFFFFF"/>
-              </a:clrFrom>
-              <a:clrTo>
-                <a:srgbClr val="FFFFFF">
-                  <a:alpha val="0"/>
-                </a:srgbClr>
-              </a:clrTo>
-            </a:clrChange>
-          </a:blip>
-          <a:stretch>
-            <a:fillRect/>
-          </a:stretch>
-        </p:blipFill>
-        <p:spPr>
-          <a:xfrm>
-            <a:off x="0" y="3392486"/>
-            <a:ext cx="4630332" cy="3465514"/>
-          </a:xfrm>
-          <a:prstGeom prst="rect">
-            <a:avLst/>
-          </a:prstGeom>
-        </p:spPr>
-      </p:pic>
-    </p:spTree>
-    <p:extLst>
-      <p:ext uri="{BB962C8B-B14F-4D97-AF65-F5344CB8AC3E}">
-        <p14:creationId xmlns:p14="http://schemas.microsoft.com/office/powerpoint/2010/main" val="1440482650"/>
-      </p:ext>
-    </p:extLst>
-  </p:cSld>
-  <p:clrMapOvr>
-    <a:masterClrMapping/>
-  </p:clrMapOvr>
-  <mc:AlternateContent xmlns:mc="http://schemas.openxmlformats.org/markup-compatibility/2006" xmlns:p14="http://schemas.microsoft.com/office/powerpoint/2010/main">
-    <mc:Choice Requires="p14">
-      <p:transition spd="med" p14:dur="700">
-        <p:fade/>
-      </p:transition>
-    </mc:Choice>
-    <mc:Fallback xmlns="">
-      <p:transition spd="med">
-        <p:fade/>
-      </p:transition>
-    </mc:Fallback>
-  </mc:AlternateContent>
-</p:sld>
-</file>
-
-<file path=ppt/slides/slide20.xml><?xml version="1.0" encoding="utf-8"?>
-<p:sld xmlns:a="http://schemas.openxmlformats.org/drawingml/2006/main" xmlns:r="http://schemas.openxmlformats.org/officeDocument/2006/relationships" xmlns:p="http://schemas.openxmlformats.org/presentationml/2006/main">
-  <p:cSld>
-    <p:spTree>
-      <p:nvGrpSpPr>
-        <p:cNvPr id="1" name=""/>
-        <p:cNvGrpSpPr/>
-        <p:nvPr/>
-      </p:nvGrpSpPr>
-      <p:grpSpPr>
-        <a:xfrm>
-          <a:off x="0" y="0"/>
-          <a:ext cx="0" cy="0"/>
-          <a:chOff x="0" y="0"/>
-          <a:chExt cx="0" cy="0"/>
-        </a:xfrm>
-      </p:grpSpPr>
-      <p:sp>
-        <p:nvSpPr>
-          <p:cNvPr id="2" name="文字版面配置區 1">
-            <a:extLst>
-              <a:ext uri="{FF2B5EF4-FFF2-40B4-BE49-F238E27FC236}">
-                <a16:creationId xmlns:a16="http://schemas.microsoft.com/office/drawing/2014/main" id="{93B0551C-DBA5-417A-BF11-4CE921E25106}"/>
-              </a:ext>
-            </a:extLst>
-          </p:cNvPr>
-          <p:cNvSpPr>
-            <a:spLocks noGrp="1"/>
-          </p:cNvSpPr>
-          <p:nvPr>
-            <p:ph type="body" sz="quarter" idx="10"/>
-          </p:nvPr>
-        </p:nvSpPr>
-        <p:spPr/>
-        <p:txBody>
-          <a:bodyPr/>
-          <a:lstStyle/>
-          <a:p>
-            <a:r>
-              <a:rPr lang="zh-TW" altLang="en-US" dirty="0"/>
-              <a:t>安全系數</a:t>
-            </a:r>
-          </a:p>
-        </p:txBody>
-      </p:sp>
-      <p:sp>
-        <p:nvSpPr>
-          <p:cNvPr id="3" name="投影片編號版面配置區 2">
-            <a:extLst>
-              <a:ext uri="{FF2B5EF4-FFF2-40B4-BE49-F238E27FC236}">
-                <a16:creationId xmlns:a16="http://schemas.microsoft.com/office/drawing/2014/main" id="{4E72AB95-8EB5-4881-9369-AFEDE6898484}"/>
-              </a:ext>
-            </a:extLst>
-          </p:cNvPr>
-          <p:cNvSpPr>
-            <a:spLocks noGrp="1"/>
-          </p:cNvSpPr>
-          <p:nvPr>
-            <p:ph type="sldNum" sz="quarter" idx="13"/>
-          </p:nvPr>
-        </p:nvSpPr>
-        <p:spPr/>
-        <p:txBody>
-          <a:bodyPr/>
-          <a:lstStyle/>
-          <a:p>
-            <a:fld id="{2DDD7CF1-F89F-4FD9-B1E5-7228A8EA728A}" type="slidenum">
-              <a:rPr lang="zh-TW" altLang="en-US" smtClean="0"/>
-              <a:t>20</a:t>
-            </a:fld>
-            <a:endParaRPr lang="zh-TW" altLang="en-US"/>
-          </a:p>
-        </p:txBody>
-      </p:sp>
-    </p:spTree>
-    <p:extLst>
-      <p:ext uri="{BB962C8B-B14F-4D97-AF65-F5344CB8AC3E}">
-        <p14:creationId xmlns:p14="http://schemas.microsoft.com/office/powerpoint/2010/main" val="968450950"/>
-      </p:ext>
-    </p:extLst>
-  </p:cSld>
-  <p:clrMapOvr>
-    <a:masterClrMapping/>
-  </p:clrMapOvr>
-  <mc:AlternateContent xmlns:mc="http://schemas.openxmlformats.org/markup-compatibility/2006" xmlns:p14="http://schemas.microsoft.com/office/powerpoint/2010/main">
-    <mc:Choice Requires="p14">
-      <p:transition spd="med" p14:dur="700">
-        <p:fade/>
-      </p:transition>
-    </mc:Choice>
-    <mc:Fallback xmlns="">
-      <p:transition spd="med">
-        <p:fade/>
-      </p:transition>
-    </mc:Fallback>
-  </mc:AlternateContent>
+  <p:timing>
+    <p:tnLst>
+      <p:par>
+        <p:cTn id="1" dur="indefinite" restart="never" nodeType="tmRoot"/>
+      </p:par>
+    </p:tnLst>
+  </p:timing>
 </p:sld>
 </file>
 
@@ -14262,6 +14886,13 @@
       </p:transition>
     </mc:Fallback>
   </mc:AlternateContent>
+  <p:timing>
+    <p:tnLst>
+      <p:par>
+        <p:cTn id="1" dur="indefinite" restart="never" nodeType="tmRoot"/>
+      </p:par>
+    </p:tnLst>
+  </p:timing>
 </p:sld>
 </file>
 
@@ -15107,13 +15738,18 @@
           <a:lstStyle/>
           <a:p>
             <a:r>
-              <a:rPr lang="fr-FR" sz="2100" dirty="0">
+              <a:rPr lang="fr-FR" sz="2100" dirty="0" smtClean="0">
                 <a:solidFill>
                   <a:schemeClr val="accent1"/>
                 </a:solidFill>
               </a:rPr>
-              <a:t>11/2018</a:t>
-            </a:r>
+              <a:t>10/2018</a:t>
+            </a:r>
+            <a:endParaRPr lang="fr-FR" sz="2100" dirty="0">
+              <a:solidFill>
+                <a:schemeClr val="accent1"/>
+              </a:solidFill>
+            </a:endParaRPr>
           </a:p>
         </p:txBody>
       </p:sp>
@@ -15262,9 +15898,10 @@
           </a:lstStyle>
           <a:p>
             <a:r>
-              <a:rPr lang="fr-FR" sz="2100" dirty="0"/>
-              <a:t>12/2018</a:t>
-            </a:r>
+              <a:rPr lang="fr-FR" sz="2100" dirty="0" smtClean="0"/>
+              <a:t>11/2018</a:t>
+            </a:r>
+            <a:endParaRPr lang="fr-FR" sz="2100" dirty="0"/>
           </a:p>
         </p:txBody>
       </p:sp>
@@ -15398,6 +16035,13 @@
       </p:transition>
     </mc:Fallback>
   </mc:AlternateContent>
+  <p:timing>
+    <p:tnLst>
+      <p:par>
+        <p:cTn id="1" dur="indefinite" restart="never" nodeType="tmRoot"/>
+      </p:par>
+    </p:tnLst>
+  </p:timing>
 </p:sld>
 </file>
 
@@ -16268,6 +16912,13 @@
       </p:transition>
     </mc:Fallback>
   </mc:AlternateContent>
+  <p:timing>
+    <p:tnLst>
+      <p:par>
+        <p:cTn id="1" dur="indefinite" restart="never" nodeType="tmRoot"/>
+      </p:par>
+    </p:tnLst>
+  </p:timing>
 </p:sld>
 </file>
 
@@ -17297,6 +17948,13 @@
       </p:transition>
     </mc:Fallback>
   </mc:AlternateContent>
+  <p:timing>
+    <p:tnLst>
+      <p:par>
+        <p:cTn id="1" dur="indefinite" restart="never" nodeType="tmRoot"/>
+      </p:par>
+    </p:tnLst>
+  </p:timing>
 </p:sld>
 </file>
 
@@ -17710,6 +18368,13 @@
       </p:transition>
     </mc:Fallback>
   </mc:AlternateContent>
+  <p:timing>
+    <p:tnLst>
+      <p:par>
+        <p:cTn id="1" dur="indefinite" restart="never" nodeType="tmRoot"/>
+      </p:par>
+    </p:tnLst>
+  </p:timing>
 </p:sld>
 </file>
 
@@ -17942,6 +18607,13 @@
       </p:transition>
     </mc:Fallback>
   </mc:AlternateContent>
+  <p:timing>
+    <p:tnLst>
+      <p:par>
+        <p:cTn id="1" dur="indefinite" restart="never" nodeType="tmRoot"/>
+      </p:par>
+    </p:tnLst>
+  </p:timing>
 </p:sld>
 </file>
 
@@ -18133,6 +18805,13 @@
       </p:transition>
     </mc:Fallback>
   </mc:AlternateContent>
+  <p:timing>
+    <p:tnLst>
+      <p:par>
+        <p:cTn id="1" dur="indefinite" restart="never" nodeType="tmRoot"/>
+      </p:par>
+    </p:tnLst>
+  </p:timing>
 </p:sld>
 </file>
 
@@ -18275,6 +18954,13 @@
       </p:transition>
     </mc:Fallback>
   </mc:AlternateContent>
+  <p:timing>
+    <p:tnLst>
+      <p:par>
+        <p:cTn id="1" dur="indefinite" restart="never" nodeType="tmRoot"/>
+      </p:par>
+    </p:tnLst>
+  </p:timing>
 </p:sld>
 </file>
 
@@ -19304,6 +19990,13 @@
       </p:transition>
     </mc:Fallback>
   </mc:AlternateContent>
+  <p:timing>
+    <p:tnLst>
+      <p:par>
+        <p:cTn id="1" dur="indefinite" restart="never" nodeType="tmRoot"/>
+      </p:par>
+    </p:tnLst>
+  </p:timing>
 </p:sld>
 </file>
 
